--- a/presentations/3 - Programming Basics 1 - Poke the Box.pptx
+++ b/presentations/3 - Programming Basics 1 - Poke the Box.pptx
@@ -4,6 +4,9 @@
   <p:sldMasterIdLst>
     <p:sldMasterId id="2147483648" r:id="rId1"/>
   </p:sldMasterIdLst>
+  <p:notesMasterIdLst>
+    <p:notesMasterId r:id="rId41"/>
+  </p:notesMasterIdLst>
   <p:sldIdLst>
     <p:sldId id="256" r:id="rId2"/>
     <p:sldId id="257" r:id="rId3"/>
@@ -42,6 +45,8 @@
     <p:sldId id="292" r:id="rId36"/>
     <p:sldId id="293" r:id="rId37"/>
     <p:sldId id="295" r:id="rId38"/>
+    <p:sldId id="352" r:id="rId39"/>
+    <p:sldId id="353" r:id="rId40"/>
   </p:sldIdLst>
   <p:sldSz cx="12192000" cy="6858000"/>
   <p:notesSz cx="6858000" cy="9144000"/>
@@ -148,6 +153,2830 @@
 </p:presentation>
 </file>
 
+<file path=ppt/notesMasters/notesMaster1.xml><?xml version="1.0" encoding="utf-8"?>
+<p:notesMaster xmlns:a="http://schemas.openxmlformats.org/drawingml/2006/main" xmlns:r="http://schemas.openxmlformats.org/officeDocument/2006/relationships" xmlns:p="http://schemas.openxmlformats.org/presentationml/2006/main">
+  <p:cSld>
+    <p:bg>
+      <p:bgRef idx="1001">
+        <a:schemeClr val="bg1"/>
+      </p:bgRef>
+    </p:bg>
+    <p:spTree>
+      <p:nvGrpSpPr>
+        <p:cNvPr id="1" name=""/>
+        <p:cNvGrpSpPr/>
+        <p:nvPr/>
+      </p:nvGrpSpPr>
+      <p:grpSpPr>
+        <a:xfrm>
+          <a:off x="0" y="0"/>
+          <a:ext cx="0" cy="0"/>
+          <a:chOff x="0" y="0"/>
+          <a:chExt cx="0" cy="0"/>
+        </a:xfrm>
+      </p:grpSpPr>
+      <p:sp>
+        <p:nvSpPr>
+          <p:cNvPr id="2" name="Header Placeholder 1"/>
+          <p:cNvSpPr>
+            <a:spLocks noGrp="1"/>
+          </p:cNvSpPr>
+          <p:nvPr>
+            <p:ph type="hdr" sz="quarter"/>
+          </p:nvPr>
+        </p:nvSpPr>
+        <p:spPr>
+          <a:xfrm>
+            <a:off x="0" y="0"/>
+            <a:ext cx="2971800" cy="458788"/>
+          </a:xfrm>
+          <a:prstGeom prst="rect">
+            <a:avLst/>
+          </a:prstGeom>
+        </p:spPr>
+        <p:txBody>
+          <a:bodyPr vert="horz" lIns="91440" tIns="45720" rIns="91440" bIns="45720" rtlCol="0"/>
+          <a:lstStyle>
+            <a:lvl1pPr algn="l">
+              <a:defRPr sz="1200"/>
+            </a:lvl1pPr>
+          </a:lstStyle>
+          <a:p>
+            <a:endParaRPr lang="en-US"/>
+          </a:p>
+        </p:txBody>
+      </p:sp>
+      <p:sp>
+        <p:nvSpPr>
+          <p:cNvPr id="3" name="Date Placeholder 2"/>
+          <p:cNvSpPr>
+            <a:spLocks noGrp="1"/>
+          </p:cNvSpPr>
+          <p:nvPr>
+            <p:ph type="dt" idx="1"/>
+          </p:nvPr>
+        </p:nvSpPr>
+        <p:spPr>
+          <a:xfrm>
+            <a:off x="3884613" y="0"/>
+            <a:ext cx="2971800" cy="458788"/>
+          </a:xfrm>
+          <a:prstGeom prst="rect">
+            <a:avLst/>
+          </a:prstGeom>
+        </p:spPr>
+        <p:txBody>
+          <a:bodyPr vert="horz" lIns="91440" tIns="45720" rIns="91440" bIns="45720" rtlCol="0"/>
+          <a:lstStyle>
+            <a:lvl1pPr algn="r">
+              <a:defRPr sz="1200"/>
+            </a:lvl1pPr>
+          </a:lstStyle>
+          <a:p>
+            <a:fld id="{0C3747FC-B9FC-4317-A7AC-005EC1BA3397}" type="datetimeFigureOut">
+              <a:rPr lang="en-US" smtClean="0"/>
+              <a:t>11/1/2023</a:t>
+            </a:fld>
+            <a:endParaRPr lang="en-US"/>
+          </a:p>
+        </p:txBody>
+      </p:sp>
+      <p:sp>
+        <p:nvSpPr>
+          <p:cNvPr id="4" name="Slide Image Placeholder 3"/>
+          <p:cNvSpPr>
+            <a:spLocks noGrp="1" noRot="1" noChangeAspect="1"/>
+          </p:cNvSpPr>
+          <p:nvPr>
+            <p:ph type="sldImg" idx="2"/>
+          </p:nvPr>
+        </p:nvSpPr>
+        <p:spPr>
+          <a:xfrm>
+            <a:off x="685800" y="1143000"/>
+            <a:ext cx="5486400" cy="3086100"/>
+          </a:xfrm>
+          <a:prstGeom prst="rect">
+            <a:avLst/>
+          </a:prstGeom>
+          <a:noFill/>
+          <a:ln w="12700">
+            <a:solidFill>
+              <a:prstClr val="black"/>
+            </a:solidFill>
+          </a:ln>
+        </p:spPr>
+        <p:txBody>
+          <a:bodyPr vert="horz" lIns="91440" tIns="45720" rIns="91440" bIns="45720" rtlCol="0" anchor="ctr"/>
+          <a:lstStyle/>
+          <a:p>
+            <a:endParaRPr lang="en-US"/>
+          </a:p>
+        </p:txBody>
+      </p:sp>
+      <p:sp>
+        <p:nvSpPr>
+          <p:cNvPr id="5" name="Notes Placeholder 4"/>
+          <p:cNvSpPr>
+            <a:spLocks noGrp="1"/>
+          </p:cNvSpPr>
+          <p:nvPr>
+            <p:ph type="body" sz="quarter" idx="3"/>
+          </p:nvPr>
+        </p:nvSpPr>
+        <p:spPr>
+          <a:xfrm>
+            <a:off x="685800" y="4400550"/>
+            <a:ext cx="5486400" cy="3600450"/>
+          </a:xfrm>
+          <a:prstGeom prst="rect">
+            <a:avLst/>
+          </a:prstGeom>
+        </p:spPr>
+        <p:txBody>
+          <a:bodyPr vert="horz" lIns="91440" tIns="45720" rIns="91440" bIns="45720" rtlCol="0"/>
+          <a:lstStyle/>
+          <a:p>
+            <a:pPr lvl="0"/>
+            <a:r>
+              <a:rPr lang="en-US"/>
+              <a:t>Click to edit Master text styles</a:t>
+            </a:r>
+          </a:p>
+          <a:p>
+            <a:pPr lvl="1"/>
+            <a:r>
+              <a:rPr lang="en-US"/>
+              <a:t>Second level</a:t>
+            </a:r>
+          </a:p>
+          <a:p>
+            <a:pPr lvl="2"/>
+            <a:r>
+              <a:rPr lang="en-US"/>
+              <a:t>Third level</a:t>
+            </a:r>
+          </a:p>
+          <a:p>
+            <a:pPr lvl="3"/>
+            <a:r>
+              <a:rPr lang="en-US"/>
+              <a:t>Fourth level</a:t>
+            </a:r>
+          </a:p>
+          <a:p>
+            <a:pPr lvl="4"/>
+            <a:r>
+              <a:rPr lang="en-US"/>
+              <a:t>Fifth level</a:t>
+            </a:r>
+          </a:p>
+        </p:txBody>
+      </p:sp>
+      <p:sp>
+        <p:nvSpPr>
+          <p:cNvPr id="6" name="Footer Placeholder 5"/>
+          <p:cNvSpPr>
+            <a:spLocks noGrp="1"/>
+          </p:cNvSpPr>
+          <p:nvPr>
+            <p:ph type="ftr" sz="quarter" idx="4"/>
+          </p:nvPr>
+        </p:nvSpPr>
+        <p:spPr>
+          <a:xfrm>
+            <a:off x="0" y="8685213"/>
+            <a:ext cx="2971800" cy="458787"/>
+          </a:xfrm>
+          <a:prstGeom prst="rect">
+            <a:avLst/>
+          </a:prstGeom>
+        </p:spPr>
+        <p:txBody>
+          <a:bodyPr vert="horz" lIns="91440" tIns="45720" rIns="91440" bIns="45720" rtlCol="0" anchor="b"/>
+          <a:lstStyle>
+            <a:lvl1pPr algn="l">
+              <a:defRPr sz="1200"/>
+            </a:lvl1pPr>
+          </a:lstStyle>
+          <a:p>
+            <a:endParaRPr lang="en-US"/>
+          </a:p>
+        </p:txBody>
+      </p:sp>
+      <p:sp>
+        <p:nvSpPr>
+          <p:cNvPr id="7" name="Slide Number Placeholder 6"/>
+          <p:cNvSpPr>
+            <a:spLocks noGrp="1"/>
+          </p:cNvSpPr>
+          <p:nvPr>
+            <p:ph type="sldNum" sz="quarter" idx="5"/>
+          </p:nvPr>
+        </p:nvSpPr>
+        <p:spPr>
+          <a:xfrm>
+            <a:off x="3884613" y="8685213"/>
+            <a:ext cx="2971800" cy="458787"/>
+          </a:xfrm>
+          <a:prstGeom prst="rect">
+            <a:avLst/>
+          </a:prstGeom>
+        </p:spPr>
+        <p:txBody>
+          <a:bodyPr vert="horz" lIns="91440" tIns="45720" rIns="91440" bIns="45720" rtlCol="0" anchor="b"/>
+          <a:lstStyle>
+            <a:lvl1pPr algn="r">
+              <a:defRPr sz="1200"/>
+            </a:lvl1pPr>
+          </a:lstStyle>
+          <a:p>
+            <a:fld id="{4D7B2489-0EE5-4C7F-94A6-A858195D0567}" type="slidenum">
+              <a:rPr lang="en-US" smtClean="0"/>
+              <a:t>‹#›</a:t>
+            </a:fld>
+            <a:endParaRPr lang="en-US"/>
+          </a:p>
+        </p:txBody>
+      </p:sp>
+    </p:spTree>
+    <p:extLst>
+      <p:ext uri="{BB962C8B-B14F-4D97-AF65-F5344CB8AC3E}">
+        <p14:creationId xmlns:p14="http://schemas.microsoft.com/office/powerpoint/2010/main" val="1793350182"/>
+      </p:ext>
+    </p:extLst>
+  </p:cSld>
+  <p:clrMap bg1="lt1" tx1="dk1" bg2="lt2" tx2="dk2" accent1="accent1" accent2="accent2" accent3="accent3" accent4="accent4" accent5="accent5" accent6="accent6" hlink="hlink" folHlink="folHlink"/>
+  <p:notesStyle>
+    <a:lvl1pPr marL="0" algn="l" defTabSz="914400" rtl="0" eaLnBrk="1" latinLnBrk="0" hangingPunct="1">
+      <a:defRPr sz="1200" kern="1200">
+        <a:solidFill>
+          <a:schemeClr val="tx1"/>
+        </a:solidFill>
+        <a:latin typeface="+mn-lt"/>
+        <a:ea typeface="+mn-ea"/>
+        <a:cs typeface="+mn-cs"/>
+      </a:defRPr>
+    </a:lvl1pPr>
+    <a:lvl2pPr marL="457200" algn="l" defTabSz="914400" rtl="0" eaLnBrk="1" latinLnBrk="0" hangingPunct="1">
+      <a:defRPr sz="1200" kern="1200">
+        <a:solidFill>
+          <a:schemeClr val="tx1"/>
+        </a:solidFill>
+        <a:latin typeface="+mn-lt"/>
+        <a:ea typeface="+mn-ea"/>
+        <a:cs typeface="+mn-cs"/>
+      </a:defRPr>
+    </a:lvl2pPr>
+    <a:lvl3pPr marL="914400" algn="l" defTabSz="914400" rtl="0" eaLnBrk="1" latinLnBrk="0" hangingPunct="1">
+      <a:defRPr sz="1200" kern="1200">
+        <a:solidFill>
+          <a:schemeClr val="tx1"/>
+        </a:solidFill>
+        <a:latin typeface="+mn-lt"/>
+        <a:ea typeface="+mn-ea"/>
+        <a:cs typeface="+mn-cs"/>
+      </a:defRPr>
+    </a:lvl3pPr>
+    <a:lvl4pPr marL="1371600" algn="l" defTabSz="914400" rtl="0" eaLnBrk="1" latinLnBrk="0" hangingPunct="1">
+      <a:defRPr sz="1200" kern="1200">
+        <a:solidFill>
+          <a:schemeClr val="tx1"/>
+        </a:solidFill>
+        <a:latin typeface="+mn-lt"/>
+        <a:ea typeface="+mn-ea"/>
+        <a:cs typeface="+mn-cs"/>
+      </a:defRPr>
+    </a:lvl4pPr>
+    <a:lvl5pPr marL="1828800" algn="l" defTabSz="914400" rtl="0" eaLnBrk="1" latinLnBrk="0" hangingPunct="1">
+      <a:defRPr sz="1200" kern="1200">
+        <a:solidFill>
+          <a:schemeClr val="tx1"/>
+        </a:solidFill>
+        <a:latin typeface="+mn-lt"/>
+        <a:ea typeface="+mn-ea"/>
+        <a:cs typeface="+mn-cs"/>
+      </a:defRPr>
+    </a:lvl5pPr>
+    <a:lvl6pPr marL="2286000" algn="l" defTabSz="914400" rtl="0" eaLnBrk="1" latinLnBrk="0" hangingPunct="1">
+      <a:defRPr sz="1200" kern="1200">
+        <a:solidFill>
+          <a:schemeClr val="tx1"/>
+        </a:solidFill>
+        <a:latin typeface="+mn-lt"/>
+        <a:ea typeface="+mn-ea"/>
+        <a:cs typeface="+mn-cs"/>
+      </a:defRPr>
+    </a:lvl6pPr>
+    <a:lvl7pPr marL="2743200" algn="l" defTabSz="914400" rtl="0" eaLnBrk="1" latinLnBrk="0" hangingPunct="1">
+      <a:defRPr sz="1200" kern="1200">
+        <a:solidFill>
+          <a:schemeClr val="tx1"/>
+        </a:solidFill>
+        <a:latin typeface="+mn-lt"/>
+        <a:ea typeface="+mn-ea"/>
+        <a:cs typeface="+mn-cs"/>
+      </a:defRPr>
+    </a:lvl7pPr>
+    <a:lvl8pPr marL="3200400" algn="l" defTabSz="914400" rtl="0" eaLnBrk="1" latinLnBrk="0" hangingPunct="1">
+      <a:defRPr sz="1200" kern="1200">
+        <a:solidFill>
+          <a:schemeClr val="tx1"/>
+        </a:solidFill>
+        <a:latin typeface="+mn-lt"/>
+        <a:ea typeface="+mn-ea"/>
+        <a:cs typeface="+mn-cs"/>
+      </a:defRPr>
+    </a:lvl8pPr>
+    <a:lvl9pPr marL="3657600" algn="l" defTabSz="914400" rtl="0" eaLnBrk="1" latinLnBrk="0" hangingPunct="1">
+      <a:defRPr sz="1200" kern="1200">
+        <a:solidFill>
+          <a:schemeClr val="tx1"/>
+        </a:solidFill>
+        <a:latin typeface="+mn-lt"/>
+        <a:ea typeface="+mn-ea"/>
+        <a:cs typeface="+mn-cs"/>
+      </a:defRPr>
+    </a:lvl9pPr>
+  </p:notesStyle>
+</p:notesMaster>
+</file>
+
+<file path=ppt/notesSlides/notesSlide1.xml><?xml version="1.0" encoding="utf-8"?>
+<p:notes xmlns:a="http://schemas.openxmlformats.org/drawingml/2006/main" xmlns:r="http://schemas.openxmlformats.org/officeDocument/2006/relationships" xmlns:p="http://schemas.openxmlformats.org/presentationml/2006/main">
+  <p:cSld>
+    <p:spTree>
+      <p:nvGrpSpPr>
+        <p:cNvPr id="1" name=""/>
+        <p:cNvGrpSpPr/>
+        <p:nvPr/>
+      </p:nvGrpSpPr>
+      <p:grpSpPr>
+        <a:xfrm>
+          <a:off x="0" y="0"/>
+          <a:ext cx="0" cy="0"/>
+          <a:chOff x="0" y="0"/>
+          <a:chExt cx="0" cy="0"/>
+        </a:xfrm>
+      </p:grpSpPr>
+      <p:sp>
+        <p:nvSpPr>
+          <p:cNvPr id="2" name="Slide Image Placeholder 1"/>
+          <p:cNvSpPr>
+            <a:spLocks noGrp="1" noRot="1" noChangeAspect="1"/>
+          </p:cNvSpPr>
+          <p:nvPr>
+            <p:ph type="sldImg"/>
+          </p:nvPr>
+        </p:nvSpPr>
+        <p:spPr/>
+      </p:sp>
+      <p:sp>
+        <p:nvSpPr>
+          <p:cNvPr id="3" name="Notes Placeholder 2"/>
+          <p:cNvSpPr>
+            <a:spLocks noGrp="1"/>
+          </p:cNvSpPr>
+          <p:nvPr>
+            <p:ph type="body" idx="1"/>
+          </p:nvPr>
+        </p:nvSpPr>
+        <p:spPr/>
+        <p:txBody>
+          <a:bodyPr/>
+          <a:lstStyle/>
+          <a:p>
+            <a:r>
+              <a:rPr lang="en-US" dirty="0"/>
+              <a:t>You’ll notice I named this session “Poke the Box”, which I think is a productive mentality when approaching a new language.</a:t>
+            </a:r>
+          </a:p>
+          <a:p>
+            <a:endParaRPr lang="en-US" dirty="0"/>
+          </a:p>
+          <a:p>
+            <a:r>
+              <a:rPr lang="en-US" dirty="0"/>
+              <a:t>Try stuff – see what happens.  What can we learn?</a:t>
+            </a:r>
+          </a:p>
+          <a:p>
+            <a:endParaRPr lang="en-US" dirty="0"/>
+          </a:p>
+          <a:p>
+            <a:r>
+              <a:rPr lang="en-US" dirty="0"/>
+              <a:t>We’ll start by looking at some very basic input &amp; output, and talk about what insights we can gain.</a:t>
+            </a:r>
+          </a:p>
+        </p:txBody>
+      </p:sp>
+      <p:sp>
+        <p:nvSpPr>
+          <p:cNvPr id="4" name="Slide Number Placeholder 3"/>
+          <p:cNvSpPr>
+            <a:spLocks noGrp="1"/>
+          </p:cNvSpPr>
+          <p:nvPr>
+            <p:ph type="sldNum" sz="quarter" idx="5"/>
+          </p:nvPr>
+        </p:nvSpPr>
+        <p:spPr/>
+        <p:txBody>
+          <a:bodyPr/>
+          <a:lstStyle/>
+          <a:p>
+            <a:fld id="{4D7B2489-0EE5-4C7F-94A6-A858195D0567}" type="slidenum">
+              <a:rPr lang="en-US" smtClean="0"/>
+              <a:t>1</a:t>
+            </a:fld>
+            <a:endParaRPr lang="en-US"/>
+          </a:p>
+        </p:txBody>
+      </p:sp>
+    </p:spTree>
+    <p:extLst>
+      <p:ext uri="{BB962C8B-B14F-4D97-AF65-F5344CB8AC3E}">
+        <p14:creationId xmlns:p14="http://schemas.microsoft.com/office/powerpoint/2010/main" val="2420529059"/>
+      </p:ext>
+    </p:extLst>
+  </p:cSld>
+  <p:clrMapOvr>
+    <a:masterClrMapping/>
+  </p:clrMapOvr>
+</p:notes>
+</file>
+
+<file path=ppt/notesSlides/notesSlide10.xml><?xml version="1.0" encoding="utf-8"?>
+<p:notes xmlns:a="http://schemas.openxmlformats.org/drawingml/2006/main" xmlns:r="http://schemas.openxmlformats.org/officeDocument/2006/relationships" xmlns:p="http://schemas.openxmlformats.org/presentationml/2006/main">
+  <p:cSld>
+    <p:spTree>
+      <p:nvGrpSpPr>
+        <p:cNvPr id="1" name=""/>
+        <p:cNvGrpSpPr/>
+        <p:nvPr/>
+      </p:nvGrpSpPr>
+      <p:grpSpPr>
+        <a:xfrm>
+          <a:off x="0" y="0"/>
+          <a:ext cx="0" cy="0"/>
+          <a:chOff x="0" y="0"/>
+          <a:chExt cx="0" cy="0"/>
+        </a:xfrm>
+      </p:grpSpPr>
+      <p:sp>
+        <p:nvSpPr>
+          <p:cNvPr id="2" name="Slide Image Placeholder 1"/>
+          <p:cNvSpPr>
+            <a:spLocks noGrp="1" noRot="1" noChangeAspect="1"/>
+          </p:cNvSpPr>
+          <p:nvPr>
+            <p:ph type="sldImg"/>
+          </p:nvPr>
+        </p:nvSpPr>
+        <p:spPr/>
+      </p:sp>
+      <p:sp>
+        <p:nvSpPr>
+          <p:cNvPr id="3" name="Notes Placeholder 2"/>
+          <p:cNvSpPr>
+            <a:spLocks noGrp="1"/>
+          </p:cNvSpPr>
+          <p:nvPr>
+            <p:ph type="body" idx="1"/>
+          </p:nvPr>
+        </p:nvSpPr>
+        <p:spPr/>
+        <p:txBody>
+          <a:bodyPr/>
+          <a:lstStyle/>
+          <a:p>
+            <a:r>
+              <a:rPr lang="en-US" dirty="0"/>
+              <a:t>Another tool is the colon operator, which makes an integer sequence</a:t>
+            </a:r>
+          </a:p>
+          <a:p>
+            <a:endParaRPr lang="en-US" dirty="0"/>
+          </a:p>
+          <a:p>
+            <a:r>
+              <a:rPr lang="en-US" dirty="0"/>
+              <a:t>Oh, and remember that [1] thing in square brackets we kept seeing?  Now what do you think it means?</a:t>
+            </a:r>
+          </a:p>
+          <a:p>
+            <a:r>
+              <a:rPr lang="en-US" dirty="0"/>
+              <a:t>It’s just saying where each line of printed output starts!</a:t>
+            </a:r>
+          </a:p>
+        </p:txBody>
+      </p:sp>
+      <p:sp>
+        <p:nvSpPr>
+          <p:cNvPr id="4" name="Slide Number Placeholder 3"/>
+          <p:cNvSpPr>
+            <a:spLocks noGrp="1"/>
+          </p:cNvSpPr>
+          <p:nvPr>
+            <p:ph type="sldNum" sz="quarter" idx="5"/>
+          </p:nvPr>
+        </p:nvSpPr>
+        <p:spPr/>
+        <p:txBody>
+          <a:bodyPr/>
+          <a:lstStyle/>
+          <a:p>
+            <a:fld id="{4D7B2489-0EE5-4C7F-94A6-A858195D0567}" type="slidenum">
+              <a:rPr lang="en-US" smtClean="0"/>
+              <a:t>10</a:t>
+            </a:fld>
+            <a:endParaRPr lang="en-US"/>
+          </a:p>
+        </p:txBody>
+      </p:sp>
+    </p:spTree>
+    <p:extLst>
+      <p:ext uri="{BB962C8B-B14F-4D97-AF65-F5344CB8AC3E}">
+        <p14:creationId xmlns:p14="http://schemas.microsoft.com/office/powerpoint/2010/main" val="106737042"/>
+      </p:ext>
+    </p:extLst>
+  </p:cSld>
+  <p:clrMapOvr>
+    <a:masterClrMapping/>
+  </p:clrMapOvr>
+</p:notes>
+</file>
+
+<file path=ppt/notesSlides/notesSlide11.xml><?xml version="1.0" encoding="utf-8"?>
+<p:notes xmlns:a="http://schemas.openxmlformats.org/drawingml/2006/main" xmlns:r="http://schemas.openxmlformats.org/officeDocument/2006/relationships" xmlns:p="http://schemas.openxmlformats.org/presentationml/2006/main">
+  <p:cSld>
+    <p:spTree>
+      <p:nvGrpSpPr>
+        <p:cNvPr id="1" name=""/>
+        <p:cNvGrpSpPr/>
+        <p:nvPr/>
+      </p:nvGrpSpPr>
+      <p:grpSpPr>
+        <a:xfrm>
+          <a:off x="0" y="0"/>
+          <a:ext cx="0" cy="0"/>
+          <a:chOff x="0" y="0"/>
+          <a:chExt cx="0" cy="0"/>
+        </a:xfrm>
+      </p:grpSpPr>
+      <p:sp>
+        <p:nvSpPr>
+          <p:cNvPr id="2" name="Slide Image Placeholder 1"/>
+          <p:cNvSpPr>
+            <a:spLocks noGrp="1" noRot="1" noChangeAspect="1"/>
+          </p:cNvSpPr>
+          <p:nvPr>
+            <p:ph type="sldImg"/>
+          </p:nvPr>
+        </p:nvSpPr>
+        <p:spPr/>
+      </p:sp>
+      <p:sp>
+        <p:nvSpPr>
+          <p:cNvPr id="3" name="Notes Placeholder 2"/>
+          <p:cNvSpPr>
+            <a:spLocks noGrp="1"/>
+          </p:cNvSpPr>
+          <p:nvPr>
+            <p:ph type="body" idx="1"/>
+          </p:nvPr>
+        </p:nvSpPr>
+        <p:spPr/>
+        <p:txBody>
+          <a:bodyPr/>
+          <a:lstStyle/>
+          <a:p>
+            <a:r>
+              <a:rPr lang="en-US" dirty="0"/>
+              <a:t>The seq() function…</a:t>
+            </a:r>
+          </a:p>
+          <a:p>
+            <a:endParaRPr lang="en-US" dirty="0"/>
+          </a:p>
+          <a:p>
+            <a:r>
+              <a:rPr lang="en-US" dirty="0"/>
+              <a:t>Now before you try memorizing all the different arguments you see here, I actually want to call attention to two things:</a:t>
+            </a:r>
+          </a:p>
+          <a:p>
+            <a:r>
+              <a:rPr lang="en-US" dirty="0"/>
+              <a:t>- there’s often multiple ways of doing the same thing</a:t>
+            </a:r>
+          </a:p>
+          <a:p>
+            <a:r>
+              <a:rPr lang="en-US" dirty="0"/>
+              <a:t>- functions can have multiple possible arguments</a:t>
+            </a:r>
+          </a:p>
+          <a:p>
+            <a:r>
+              <a:rPr lang="en-US" dirty="0"/>
+              <a:t>- …and you may have noticed in the second line I didn’t explicitly use from= and to=, but the function knew what I meant from the position</a:t>
+            </a:r>
+          </a:p>
+        </p:txBody>
+      </p:sp>
+      <p:sp>
+        <p:nvSpPr>
+          <p:cNvPr id="4" name="Slide Number Placeholder 3"/>
+          <p:cNvSpPr>
+            <a:spLocks noGrp="1"/>
+          </p:cNvSpPr>
+          <p:nvPr>
+            <p:ph type="sldNum" sz="quarter" idx="5"/>
+          </p:nvPr>
+        </p:nvSpPr>
+        <p:spPr/>
+        <p:txBody>
+          <a:bodyPr/>
+          <a:lstStyle/>
+          <a:p>
+            <a:fld id="{4D7B2489-0EE5-4C7F-94A6-A858195D0567}" type="slidenum">
+              <a:rPr lang="en-US" smtClean="0"/>
+              <a:t>11</a:t>
+            </a:fld>
+            <a:endParaRPr lang="en-US"/>
+          </a:p>
+        </p:txBody>
+      </p:sp>
+    </p:spTree>
+    <p:extLst>
+      <p:ext uri="{BB962C8B-B14F-4D97-AF65-F5344CB8AC3E}">
+        <p14:creationId xmlns:p14="http://schemas.microsoft.com/office/powerpoint/2010/main" val="2555887919"/>
+      </p:ext>
+    </p:extLst>
+  </p:cSld>
+  <p:clrMapOvr>
+    <a:masterClrMapping/>
+  </p:clrMapOvr>
+</p:notes>
+</file>
+
+<file path=ppt/notesSlides/notesSlide12.xml><?xml version="1.0" encoding="utf-8"?>
+<p:notes xmlns:a="http://schemas.openxmlformats.org/drawingml/2006/main" xmlns:r="http://schemas.openxmlformats.org/officeDocument/2006/relationships" xmlns:p="http://schemas.openxmlformats.org/presentationml/2006/main">
+  <p:cSld>
+    <p:spTree>
+      <p:nvGrpSpPr>
+        <p:cNvPr id="1" name=""/>
+        <p:cNvGrpSpPr/>
+        <p:nvPr/>
+      </p:nvGrpSpPr>
+      <p:grpSpPr>
+        <a:xfrm>
+          <a:off x="0" y="0"/>
+          <a:ext cx="0" cy="0"/>
+          <a:chOff x="0" y="0"/>
+          <a:chExt cx="0" cy="0"/>
+        </a:xfrm>
+      </p:grpSpPr>
+      <p:sp>
+        <p:nvSpPr>
+          <p:cNvPr id="2" name="Slide Image Placeholder 1"/>
+          <p:cNvSpPr>
+            <a:spLocks noGrp="1" noRot="1" noChangeAspect="1"/>
+          </p:cNvSpPr>
+          <p:nvPr>
+            <p:ph type="sldImg"/>
+          </p:nvPr>
+        </p:nvSpPr>
+        <p:spPr/>
+      </p:sp>
+      <p:sp>
+        <p:nvSpPr>
+          <p:cNvPr id="3" name="Notes Placeholder 2"/>
+          <p:cNvSpPr>
+            <a:spLocks noGrp="1"/>
+          </p:cNvSpPr>
+          <p:nvPr>
+            <p:ph type="body" idx="1"/>
+          </p:nvPr>
+        </p:nvSpPr>
+        <p:spPr/>
+        <p:txBody>
+          <a:bodyPr/>
+          <a:lstStyle/>
+          <a:p>
+            <a:endParaRPr lang="en-US" dirty="0"/>
+          </a:p>
+        </p:txBody>
+      </p:sp>
+      <p:sp>
+        <p:nvSpPr>
+          <p:cNvPr id="4" name="Slide Number Placeholder 3"/>
+          <p:cNvSpPr>
+            <a:spLocks noGrp="1"/>
+          </p:cNvSpPr>
+          <p:nvPr>
+            <p:ph type="sldNum" sz="quarter" idx="5"/>
+          </p:nvPr>
+        </p:nvSpPr>
+        <p:spPr/>
+        <p:txBody>
+          <a:bodyPr/>
+          <a:lstStyle/>
+          <a:p>
+            <a:fld id="{4D7B2489-0EE5-4C7F-94A6-A858195D0567}" type="slidenum">
+              <a:rPr lang="en-US" smtClean="0"/>
+              <a:t>12</a:t>
+            </a:fld>
+            <a:endParaRPr lang="en-US"/>
+          </a:p>
+        </p:txBody>
+      </p:sp>
+    </p:spTree>
+    <p:extLst>
+      <p:ext uri="{BB962C8B-B14F-4D97-AF65-F5344CB8AC3E}">
+        <p14:creationId xmlns:p14="http://schemas.microsoft.com/office/powerpoint/2010/main" val="4057076806"/>
+      </p:ext>
+    </p:extLst>
+  </p:cSld>
+  <p:clrMapOvr>
+    <a:masterClrMapping/>
+  </p:clrMapOvr>
+</p:notes>
+</file>
+
+<file path=ppt/notesSlides/notesSlide13.xml><?xml version="1.0" encoding="utf-8"?>
+<p:notes xmlns:a="http://schemas.openxmlformats.org/drawingml/2006/main" xmlns:r="http://schemas.openxmlformats.org/officeDocument/2006/relationships" xmlns:p="http://schemas.openxmlformats.org/presentationml/2006/main">
+  <p:cSld>
+    <p:spTree>
+      <p:nvGrpSpPr>
+        <p:cNvPr id="1" name=""/>
+        <p:cNvGrpSpPr/>
+        <p:nvPr/>
+      </p:nvGrpSpPr>
+      <p:grpSpPr>
+        <a:xfrm>
+          <a:off x="0" y="0"/>
+          <a:ext cx="0" cy="0"/>
+          <a:chOff x="0" y="0"/>
+          <a:chExt cx="0" cy="0"/>
+        </a:xfrm>
+      </p:grpSpPr>
+      <p:sp>
+        <p:nvSpPr>
+          <p:cNvPr id="2" name="Slide Image Placeholder 1"/>
+          <p:cNvSpPr>
+            <a:spLocks noGrp="1" noRot="1" noChangeAspect="1"/>
+          </p:cNvSpPr>
+          <p:nvPr>
+            <p:ph type="sldImg"/>
+          </p:nvPr>
+        </p:nvSpPr>
+        <p:spPr/>
+      </p:sp>
+      <p:sp>
+        <p:nvSpPr>
+          <p:cNvPr id="3" name="Notes Placeholder 2"/>
+          <p:cNvSpPr>
+            <a:spLocks noGrp="1"/>
+          </p:cNvSpPr>
+          <p:nvPr>
+            <p:ph type="body" idx="1"/>
+          </p:nvPr>
+        </p:nvSpPr>
+        <p:spPr/>
+        <p:txBody>
+          <a:bodyPr/>
+          <a:lstStyle/>
+          <a:p>
+            <a:r>
+              <a:rPr lang="en-US" dirty="0"/>
+              <a:t>Ok, so let’s build the vocabulary a little.</a:t>
+            </a:r>
+          </a:p>
+          <a:p>
+            <a:endParaRPr lang="en-US" dirty="0"/>
+          </a:p>
+          <a:p>
+            <a:r>
+              <a:rPr lang="en-US" dirty="0"/>
+              <a:t>We have all the math things: addition, subtraction, multiplication, division, and exponents</a:t>
+            </a:r>
+          </a:p>
+          <a:p>
+            <a:r>
+              <a:rPr lang="en-US" dirty="0"/>
+              <a:t>We can also use parentheses as needed when we’re doing math</a:t>
+            </a:r>
+          </a:p>
+        </p:txBody>
+      </p:sp>
+      <p:sp>
+        <p:nvSpPr>
+          <p:cNvPr id="4" name="Slide Number Placeholder 3"/>
+          <p:cNvSpPr>
+            <a:spLocks noGrp="1"/>
+          </p:cNvSpPr>
+          <p:nvPr>
+            <p:ph type="sldNum" sz="quarter" idx="5"/>
+          </p:nvPr>
+        </p:nvSpPr>
+        <p:spPr/>
+        <p:txBody>
+          <a:bodyPr/>
+          <a:lstStyle/>
+          <a:p>
+            <a:fld id="{4D7B2489-0EE5-4C7F-94A6-A858195D0567}" type="slidenum">
+              <a:rPr lang="en-US" smtClean="0"/>
+              <a:t>14</a:t>
+            </a:fld>
+            <a:endParaRPr lang="en-US"/>
+          </a:p>
+        </p:txBody>
+      </p:sp>
+    </p:spTree>
+    <p:extLst>
+      <p:ext uri="{BB962C8B-B14F-4D97-AF65-F5344CB8AC3E}">
+        <p14:creationId xmlns:p14="http://schemas.microsoft.com/office/powerpoint/2010/main" val="774226052"/>
+      </p:ext>
+    </p:extLst>
+  </p:cSld>
+  <p:clrMapOvr>
+    <a:masterClrMapping/>
+  </p:clrMapOvr>
+</p:notes>
+</file>
+
+<file path=ppt/notesSlides/notesSlide14.xml><?xml version="1.0" encoding="utf-8"?>
+<p:notes xmlns:a="http://schemas.openxmlformats.org/drawingml/2006/main" xmlns:r="http://schemas.openxmlformats.org/officeDocument/2006/relationships" xmlns:p="http://schemas.openxmlformats.org/presentationml/2006/main">
+  <p:cSld>
+    <p:spTree>
+      <p:nvGrpSpPr>
+        <p:cNvPr id="1" name=""/>
+        <p:cNvGrpSpPr/>
+        <p:nvPr/>
+      </p:nvGrpSpPr>
+      <p:grpSpPr>
+        <a:xfrm>
+          <a:off x="0" y="0"/>
+          <a:ext cx="0" cy="0"/>
+          <a:chOff x="0" y="0"/>
+          <a:chExt cx="0" cy="0"/>
+        </a:xfrm>
+      </p:grpSpPr>
+      <p:sp>
+        <p:nvSpPr>
+          <p:cNvPr id="2" name="Slide Image Placeholder 1"/>
+          <p:cNvSpPr>
+            <a:spLocks noGrp="1" noRot="1" noChangeAspect="1"/>
+          </p:cNvSpPr>
+          <p:nvPr>
+            <p:ph type="sldImg"/>
+          </p:nvPr>
+        </p:nvSpPr>
+        <p:spPr/>
+      </p:sp>
+      <p:sp>
+        <p:nvSpPr>
+          <p:cNvPr id="3" name="Notes Placeholder 2"/>
+          <p:cNvSpPr>
+            <a:spLocks noGrp="1"/>
+          </p:cNvSpPr>
+          <p:nvPr>
+            <p:ph type="body" idx="1"/>
+          </p:nvPr>
+        </p:nvSpPr>
+        <p:spPr/>
+        <p:txBody>
+          <a:bodyPr/>
+          <a:lstStyle/>
+          <a:p>
+            <a:r>
+              <a:rPr lang="en-US" dirty="0"/>
+              <a:t>A few more math things: square root, log, exponential, absolute value</a:t>
+            </a:r>
+          </a:p>
+          <a:p>
+            <a:endParaRPr lang="en-US" dirty="0"/>
+          </a:p>
+          <a:p>
+            <a:r>
+              <a:rPr lang="en-US" dirty="0"/>
+              <a:t>Notice that when we put a vector in, we get a vector out.</a:t>
+            </a:r>
+          </a:p>
+          <a:p>
+            <a:r>
+              <a:rPr lang="en-US" dirty="0"/>
+              <a:t>You’ll also notice we had to tell R that it was a vector!  How did we do that?</a:t>
+            </a:r>
+          </a:p>
+        </p:txBody>
+      </p:sp>
+      <p:sp>
+        <p:nvSpPr>
+          <p:cNvPr id="4" name="Slide Number Placeholder 3"/>
+          <p:cNvSpPr>
+            <a:spLocks noGrp="1"/>
+          </p:cNvSpPr>
+          <p:nvPr>
+            <p:ph type="sldNum" sz="quarter" idx="5"/>
+          </p:nvPr>
+        </p:nvSpPr>
+        <p:spPr/>
+        <p:txBody>
+          <a:bodyPr/>
+          <a:lstStyle/>
+          <a:p>
+            <a:fld id="{4D7B2489-0EE5-4C7F-94A6-A858195D0567}" type="slidenum">
+              <a:rPr lang="en-US" smtClean="0"/>
+              <a:t>15</a:t>
+            </a:fld>
+            <a:endParaRPr lang="en-US"/>
+          </a:p>
+        </p:txBody>
+      </p:sp>
+    </p:spTree>
+    <p:extLst>
+      <p:ext uri="{BB962C8B-B14F-4D97-AF65-F5344CB8AC3E}">
+        <p14:creationId xmlns:p14="http://schemas.microsoft.com/office/powerpoint/2010/main" val="3672037594"/>
+      </p:ext>
+    </p:extLst>
+  </p:cSld>
+  <p:clrMapOvr>
+    <a:masterClrMapping/>
+  </p:clrMapOvr>
+</p:notes>
+</file>
+
+<file path=ppt/notesSlides/notesSlide15.xml><?xml version="1.0" encoding="utf-8"?>
+<p:notes xmlns:a="http://schemas.openxmlformats.org/drawingml/2006/main" xmlns:r="http://schemas.openxmlformats.org/officeDocument/2006/relationships" xmlns:p="http://schemas.openxmlformats.org/presentationml/2006/main">
+  <p:cSld>
+    <p:spTree>
+      <p:nvGrpSpPr>
+        <p:cNvPr id="1" name=""/>
+        <p:cNvGrpSpPr/>
+        <p:nvPr/>
+      </p:nvGrpSpPr>
+      <p:grpSpPr>
+        <a:xfrm>
+          <a:off x="0" y="0"/>
+          <a:ext cx="0" cy="0"/>
+          <a:chOff x="0" y="0"/>
+          <a:chExt cx="0" cy="0"/>
+        </a:xfrm>
+      </p:grpSpPr>
+      <p:sp>
+        <p:nvSpPr>
+          <p:cNvPr id="2" name="Slide Image Placeholder 1"/>
+          <p:cNvSpPr>
+            <a:spLocks noGrp="1" noRot="1" noChangeAspect="1"/>
+          </p:cNvSpPr>
+          <p:nvPr>
+            <p:ph type="sldImg"/>
+          </p:nvPr>
+        </p:nvSpPr>
+        <p:spPr/>
+      </p:sp>
+      <p:sp>
+        <p:nvSpPr>
+          <p:cNvPr id="3" name="Notes Placeholder 2"/>
+          <p:cNvSpPr>
+            <a:spLocks noGrp="1"/>
+          </p:cNvSpPr>
+          <p:nvPr>
+            <p:ph type="body" idx="1"/>
+          </p:nvPr>
+        </p:nvSpPr>
+        <p:spPr/>
+        <p:txBody>
+          <a:bodyPr/>
+          <a:lstStyle/>
+          <a:p>
+            <a:r>
+              <a:rPr lang="en-US" dirty="0"/>
+              <a:t>A few more math things that only make sense with a vector input</a:t>
+            </a:r>
+          </a:p>
+          <a:p>
+            <a:r>
+              <a:rPr lang="en-US" dirty="0"/>
+              <a:t>Sum, product, mean, median, quantile, standard deviation, and variance</a:t>
+            </a:r>
+          </a:p>
+        </p:txBody>
+      </p:sp>
+      <p:sp>
+        <p:nvSpPr>
+          <p:cNvPr id="4" name="Slide Number Placeholder 3"/>
+          <p:cNvSpPr>
+            <a:spLocks noGrp="1"/>
+          </p:cNvSpPr>
+          <p:nvPr>
+            <p:ph type="sldNum" sz="quarter" idx="5"/>
+          </p:nvPr>
+        </p:nvSpPr>
+        <p:spPr/>
+        <p:txBody>
+          <a:bodyPr/>
+          <a:lstStyle/>
+          <a:p>
+            <a:fld id="{4D7B2489-0EE5-4C7F-94A6-A858195D0567}" type="slidenum">
+              <a:rPr lang="en-US" smtClean="0"/>
+              <a:t>16</a:t>
+            </a:fld>
+            <a:endParaRPr lang="en-US"/>
+          </a:p>
+        </p:txBody>
+      </p:sp>
+    </p:spTree>
+    <p:extLst>
+      <p:ext uri="{BB962C8B-B14F-4D97-AF65-F5344CB8AC3E}">
+        <p14:creationId xmlns:p14="http://schemas.microsoft.com/office/powerpoint/2010/main" val="2604631203"/>
+      </p:ext>
+    </p:extLst>
+  </p:cSld>
+  <p:clrMapOvr>
+    <a:masterClrMapping/>
+  </p:clrMapOvr>
+</p:notes>
+</file>
+
+<file path=ppt/notesSlides/notesSlide16.xml><?xml version="1.0" encoding="utf-8"?>
+<p:notes xmlns:a="http://schemas.openxmlformats.org/drawingml/2006/main" xmlns:r="http://schemas.openxmlformats.org/officeDocument/2006/relationships" xmlns:p="http://schemas.openxmlformats.org/presentationml/2006/main">
+  <p:cSld>
+    <p:spTree>
+      <p:nvGrpSpPr>
+        <p:cNvPr id="1" name=""/>
+        <p:cNvGrpSpPr/>
+        <p:nvPr/>
+      </p:nvGrpSpPr>
+      <p:grpSpPr>
+        <a:xfrm>
+          <a:off x="0" y="0"/>
+          <a:ext cx="0" cy="0"/>
+          <a:chOff x="0" y="0"/>
+          <a:chExt cx="0" cy="0"/>
+        </a:xfrm>
+      </p:grpSpPr>
+      <p:sp>
+        <p:nvSpPr>
+          <p:cNvPr id="2" name="Slide Image Placeholder 1"/>
+          <p:cNvSpPr>
+            <a:spLocks noGrp="1" noRot="1" noChangeAspect="1"/>
+          </p:cNvSpPr>
+          <p:nvPr>
+            <p:ph type="sldImg"/>
+          </p:nvPr>
+        </p:nvSpPr>
+        <p:spPr/>
+      </p:sp>
+      <p:sp>
+        <p:nvSpPr>
+          <p:cNvPr id="3" name="Notes Placeholder 2"/>
+          <p:cNvSpPr>
+            <a:spLocks noGrp="1"/>
+          </p:cNvSpPr>
+          <p:nvPr>
+            <p:ph type="body" idx="1"/>
+          </p:nvPr>
+        </p:nvSpPr>
+        <p:spPr/>
+        <p:txBody>
+          <a:bodyPr/>
+          <a:lstStyle/>
+          <a:p>
+            <a:r>
+              <a:rPr lang="en-US" dirty="0"/>
+              <a:t>And thankfully, you don’t have to memorize all the things, because there is HELP!</a:t>
+            </a:r>
+          </a:p>
+        </p:txBody>
+      </p:sp>
+      <p:sp>
+        <p:nvSpPr>
+          <p:cNvPr id="4" name="Slide Number Placeholder 3"/>
+          <p:cNvSpPr>
+            <a:spLocks noGrp="1"/>
+          </p:cNvSpPr>
+          <p:nvPr>
+            <p:ph type="sldNum" sz="quarter" idx="5"/>
+          </p:nvPr>
+        </p:nvSpPr>
+        <p:spPr/>
+        <p:txBody>
+          <a:bodyPr/>
+          <a:lstStyle/>
+          <a:p>
+            <a:fld id="{4D7B2489-0EE5-4C7F-94A6-A858195D0567}" type="slidenum">
+              <a:rPr lang="en-US" smtClean="0"/>
+              <a:t>17</a:t>
+            </a:fld>
+            <a:endParaRPr lang="en-US"/>
+          </a:p>
+        </p:txBody>
+      </p:sp>
+    </p:spTree>
+    <p:extLst>
+      <p:ext uri="{BB962C8B-B14F-4D97-AF65-F5344CB8AC3E}">
+        <p14:creationId xmlns:p14="http://schemas.microsoft.com/office/powerpoint/2010/main" val="1852754370"/>
+      </p:ext>
+    </p:extLst>
+  </p:cSld>
+  <p:clrMapOvr>
+    <a:masterClrMapping/>
+  </p:clrMapOvr>
+</p:notes>
+</file>
+
+<file path=ppt/notesSlides/notesSlide17.xml><?xml version="1.0" encoding="utf-8"?>
+<p:notes xmlns:a="http://schemas.openxmlformats.org/drawingml/2006/main" xmlns:r="http://schemas.openxmlformats.org/officeDocument/2006/relationships" xmlns:p="http://schemas.openxmlformats.org/presentationml/2006/main">
+  <p:cSld>
+    <p:spTree>
+      <p:nvGrpSpPr>
+        <p:cNvPr id="1" name=""/>
+        <p:cNvGrpSpPr/>
+        <p:nvPr/>
+      </p:nvGrpSpPr>
+      <p:grpSpPr>
+        <a:xfrm>
+          <a:off x="0" y="0"/>
+          <a:ext cx="0" cy="0"/>
+          <a:chOff x="0" y="0"/>
+          <a:chExt cx="0" cy="0"/>
+        </a:xfrm>
+      </p:grpSpPr>
+      <p:sp>
+        <p:nvSpPr>
+          <p:cNvPr id="2" name="Slide Image Placeholder 1"/>
+          <p:cNvSpPr>
+            <a:spLocks noGrp="1" noRot="1" noChangeAspect="1"/>
+          </p:cNvSpPr>
+          <p:nvPr>
+            <p:ph type="sldImg"/>
+          </p:nvPr>
+        </p:nvSpPr>
+        <p:spPr/>
+      </p:sp>
+      <p:sp>
+        <p:nvSpPr>
+          <p:cNvPr id="3" name="Notes Placeholder 2"/>
+          <p:cNvSpPr>
+            <a:spLocks noGrp="1"/>
+          </p:cNvSpPr>
+          <p:nvPr>
+            <p:ph type="body" idx="1"/>
+          </p:nvPr>
+        </p:nvSpPr>
+        <p:spPr/>
+        <p:txBody>
+          <a:bodyPr/>
+          <a:lstStyle/>
+          <a:p>
+            <a:r>
+              <a:rPr lang="en-US" dirty="0"/>
+              <a:t>Ok, here’s a brain teaser.</a:t>
+            </a:r>
+          </a:p>
+          <a:p>
+            <a:endParaRPr lang="en-US" dirty="0"/>
+          </a:p>
+          <a:p>
+            <a:r>
+              <a:rPr lang="en-US" dirty="0"/>
+              <a:t>We have a single number, and two vectors.</a:t>
+            </a:r>
+          </a:p>
+          <a:p>
+            <a:endParaRPr lang="en-US" dirty="0"/>
+          </a:p>
+          <a:p>
+            <a:r>
+              <a:rPr lang="en-US" dirty="0"/>
+              <a:t>What happens when we add them all together?</a:t>
+            </a:r>
+          </a:p>
+        </p:txBody>
+      </p:sp>
+      <p:sp>
+        <p:nvSpPr>
+          <p:cNvPr id="4" name="Slide Number Placeholder 3"/>
+          <p:cNvSpPr>
+            <a:spLocks noGrp="1"/>
+          </p:cNvSpPr>
+          <p:nvPr>
+            <p:ph type="sldNum" sz="quarter" idx="5"/>
+          </p:nvPr>
+        </p:nvSpPr>
+        <p:spPr/>
+        <p:txBody>
+          <a:bodyPr/>
+          <a:lstStyle/>
+          <a:p>
+            <a:fld id="{4D7B2489-0EE5-4C7F-94A6-A858195D0567}" type="slidenum">
+              <a:rPr lang="en-US" smtClean="0"/>
+              <a:t>18</a:t>
+            </a:fld>
+            <a:endParaRPr lang="en-US"/>
+          </a:p>
+        </p:txBody>
+      </p:sp>
+    </p:spTree>
+    <p:extLst>
+      <p:ext uri="{BB962C8B-B14F-4D97-AF65-F5344CB8AC3E}">
+        <p14:creationId xmlns:p14="http://schemas.microsoft.com/office/powerpoint/2010/main" val="201470007"/>
+      </p:ext>
+    </p:extLst>
+  </p:cSld>
+  <p:clrMapOvr>
+    <a:masterClrMapping/>
+  </p:clrMapOvr>
+</p:notes>
+</file>
+
+<file path=ppt/notesSlides/notesSlide18.xml><?xml version="1.0" encoding="utf-8"?>
+<p:notes xmlns:a="http://schemas.openxmlformats.org/drawingml/2006/main" xmlns:r="http://schemas.openxmlformats.org/officeDocument/2006/relationships" xmlns:p="http://schemas.openxmlformats.org/presentationml/2006/main">
+  <p:cSld>
+    <p:spTree>
+      <p:nvGrpSpPr>
+        <p:cNvPr id="1" name=""/>
+        <p:cNvGrpSpPr/>
+        <p:nvPr/>
+      </p:nvGrpSpPr>
+      <p:grpSpPr>
+        <a:xfrm>
+          <a:off x="0" y="0"/>
+          <a:ext cx="0" cy="0"/>
+          <a:chOff x="0" y="0"/>
+          <a:chExt cx="0" cy="0"/>
+        </a:xfrm>
+      </p:grpSpPr>
+      <p:sp>
+        <p:nvSpPr>
+          <p:cNvPr id="2" name="Slide Image Placeholder 1"/>
+          <p:cNvSpPr>
+            <a:spLocks noGrp="1" noRot="1" noChangeAspect="1"/>
+          </p:cNvSpPr>
+          <p:nvPr>
+            <p:ph type="sldImg"/>
+          </p:nvPr>
+        </p:nvSpPr>
+        <p:spPr/>
+      </p:sp>
+      <p:sp>
+        <p:nvSpPr>
+          <p:cNvPr id="3" name="Notes Placeholder 2"/>
+          <p:cNvSpPr>
+            <a:spLocks noGrp="1"/>
+          </p:cNvSpPr>
+          <p:nvPr>
+            <p:ph type="body" idx="1"/>
+          </p:nvPr>
+        </p:nvSpPr>
+        <p:spPr/>
+        <p:txBody>
+          <a:bodyPr/>
+          <a:lstStyle/>
+          <a:p>
+            <a:r>
+              <a:rPr lang="en-US" dirty="0"/>
+              <a:t>This one isn’t a quiz because that wouldn’t be fair</a:t>
+            </a:r>
+          </a:p>
+        </p:txBody>
+      </p:sp>
+      <p:sp>
+        <p:nvSpPr>
+          <p:cNvPr id="4" name="Slide Number Placeholder 3"/>
+          <p:cNvSpPr>
+            <a:spLocks noGrp="1"/>
+          </p:cNvSpPr>
+          <p:nvPr>
+            <p:ph type="sldNum" sz="quarter" idx="5"/>
+          </p:nvPr>
+        </p:nvSpPr>
+        <p:spPr/>
+        <p:txBody>
+          <a:bodyPr/>
+          <a:lstStyle/>
+          <a:p>
+            <a:fld id="{4D7B2489-0EE5-4C7F-94A6-A858195D0567}" type="slidenum">
+              <a:rPr lang="en-US" smtClean="0"/>
+              <a:t>20</a:t>
+            </a:fld>
+            <a:endParaRPr lang="en-US"/>
+          </a:p>
+        </p:txBody>
+      </p:sp>
+    </p:spTree>
+    <p:extLst>
+      <p:ext uri="{BB962C8B-B14F-4D97-AF65-F5344CB8AC3E}">
+        <p14:creationId xmlns:p14="http://schemas.microsoft.com/office/powerpoint/2010/main" val="1053078255"/>
+      </p:ext>
+    </p:extLst>
+  </p:cSld>
+  <p:clrMapOvr>
+    <a:masterClrMapping/>
+  </p:clrMapOvr>
+</p:notes>
+</file>
+
+<file path=ppt/notesSlides/notesSlide19.xml><?xml version="1.0" encoding="utf-8"?>
+<p:notes xmlns:a="http://schemas.openxmlformats.org/drawingml/2006/main" xmlns:r="http://schemas.openxmlformats.org/officeDocument/2006/relationships" xmlns:p="http://schemas.openxmlformats.org/presentationml/2006/main">
+  <p:cSld>
+    <p:spTree>
+      <p:nvGrpSpPr>
+        <p:cNvPr id="1" name=""/>
+        <p:cNvGrpSpPr/>
+        <p:nvPr/>
+      </p:nvGrpSpPr>
+      <p:grpSpPr>
+        <a:xfrm>
+          <a:off x="0" y="0"/>
+          <a:ext cx="0" cy="0"/>
+          <a:chOff x="0" y="0"/>
+          <a:chExt cx="0" cy="0"/>
+        </a:xfrm>
+      </p:grpSpPr>
+      <p:sp>
+        <p:nvSpPr>
+          <p:cNvPr id="2" name="Slide Image Placeholder 1"/>
+          <p:cNvSpPr>
+            <a:spLocks noGrp="1" noRot="1" noChangeAspect="1"/>
+          </p:cNvSpPr>
+          <p:nvPr>
+            <p:ph type="sldImg"/>
+          </p:nvPr>
+        </p:nvSpPr>
+        <p:spPr/>
+      </p:sp>
+      <p:sp>
+        <p:nvSpPr>
+          <p:cNvPr id="3" name="Notes Placeholder 2"/>
+          <p:cNvSpPr>
+            <a:spLocks noGrp="1"/>
+          </p:cNvSpPr>
+          <p:nvPr>
+            <p:ph type="body" idx="1"/>
+          </p:nvPr>
+        </p:nvSpPr>
+        <p:spPr/>
+        <p:txBody>
+          <a:bodyPr/>
+          <a:lstStyle/>
+          <a:p>
+            <a:r>
+              <a:rPr lang="en-US" dirty="0"/>
+              <a:t>The main point is that R will generally let you know if it thinks you’re doing something weird</a:t>
+            </a:r>
+          </a:p>
+        </p:txBody>
+      </p:sp>
+      <p:sp>
+        <p:nvSpPr>
+          <p:cNvPr id="4" name="Slide Number Placeholder 3"/>
+          <p:cNvSpPr>
+            <a:spLocks noGrp="1"/>
+          </p:cNvSpPr>
+          <p:nvPr>
+            <p:ph type="sldNum" sz="quarter" idx="5"/>
+          </p:nvPr>
+        </p:nvSpPr>
+        <p:spPr/>
+        <p:txBody>
+          <a:bodyPr/>
+          <a:lstStyle/>
+          <a:p>
+            <a:fld id="{4D7B2489-0EE5-4C7F-94A6-A858195D0567}" type="slidenum">
+              <a:rPr lang="en-US" smtClean="0"/>
+              <a:t>21</a:t>
+            </a:fld>
+            <a:endParaRPr lang="en-US"/>
+          </a:p>
+        </p:txBody>
+      </p:sp>
+    </p:spTree>
+    <p:extLst>
+      <p:ext uri="{BB962C8B-B14F-4D97-AF65-F5344CB8AC3E}">
+        <p14:creationId xmlns:p14="http://schemas.microsoft.com/office/powerpoint/2010/main" val="2234390526"/>
+      </p:ext>
+    </p:extLst>
+  </p:cSld>
+  <p:clrMapOvr>
+    <a:masterClrMapping/>
+  </p:clrMapOvr>
+</p:notes>
+</file>
+
+<file path=ppt/notesSlides/notesSlide2.xml><?xml version="1.0" encoding="utf-8"?>
+<p:notes xmlns:a="http://schemas.openxmlformats.org/drawingml/2006/main" xmlns:r="http://schemas.openxmlformats.org/officeDocument/2006/relationships" xmlns:p="http://schemas.openxmlformats.org/presentationml/2006/main">
+  <p:cSld>
+    <p:spTree>
+      <p:nvGrpSpPr>
+        <p:cNvPr id="1" name=""/>
+        <p:cNvGrpSpPr/>
+        <p:nvPr/>
+      </p:nvGrpSpPr>
+      <p:grpSpPr>
+        <a:xfrm>
+          <a:off x="0" y="0"/>
+          <a:ext cx="0" cy="0"/>
+          <a:chOff x="0" y="0"/>
+          <a:chExt cx="0" cy="0"/>
+        </a:xfrm>
+      </p:grpSpPr>
+      <p:sp>
+        <p:nvSpPr>
+          <p:cNvPr id="2" name="Slide Image Placeholder 1"/>
+          <p:cNvSpPr>
+            <a:spLocks noGrp="1" noRot="1" noChangeAspect="1"/>
+          </p:cNvSpPr>
+          <p:nvPr>
+            <p:ph type="sldImg"/>
+          </p:nvPr>
+        </p:nvSpPr>
+        <p:spPr/>
+      </p:sp>
+      <p:sp>
+        <p:nvSpPr>
+          <p:cNvPr id="3" name="Notes Placeholder 2"/>
+          <p:cNvSpPr>
+            <a:spLocks noGrp="1"/>
+          </p:cNvSpPr>
+          <p:nvPr>
+            <p:ph type="body" idx="1"/>
+          </p:nvPr>
+        </p:nvSpPr>
+        <p:spPr/>
+        <p:txBody>
+          <a:bodyPr/>
+          <a:lstStyle/>
+          <a:p>
+            <a:r>
+              <a:rPr lang="en-US" dirty="0"/>
+              <a:t>Can’t get more basic than this…</a:t>
+            </a:r>
+          </a:p>
+        </p:txBody>
+      </p:sp>
+      <p:sp>
+        <p:nvSpPr>
+          <p:cNvPr id="4" name="Slide Number Placeholder 3"/>
+          <p:cNvSpPr>
+            <a:spLocks noGrp="1"/>
+          </p:cNvSpPr>
+          <p:nvPr>
+            <p:ph type="sldNum" sz="quarter" idx="5"/>
+          </p:nvPr>
+        </p:nvSpPr>
+        <p:spPr/>
+        <p:txBody>
+          <a:bodyPr/>
+          <a:lstStyle/>
+          <a:p>
+            <a:fld id="{4D7B2489-0EE5-4C7F-94A6-A858195D0567}" type="slidenum">
+              <a:rPr lang="en-US" smtClean="0"/>
+              <a:t>2</a:t>
+            </a:fld>
+            <a:endParaRPr lang="en-US"/>
+          </a:p>
+        </p:txBody>
+      </p:sp>
+    </p:spTree>
+    <p:extLst>
+      <p:ext uri="{BB962C8B-B14F-4D97-AF65-F5344CB8AC3E}">
+        <p14:creationId xmlns:p14="http://schemas.microsoft.com/office/powerpoint/2010/main" val="2273521969"/>
+      </p:ext>
+    </p:extLst>
+  </p:cSld>
+  <p:clrMapOvr>
+    <a:masterClrMapping/>
+  </p:clrMapOvr>
+</p:notes>
+</file>
+
+<file path=ppt/notesSlides/notesSlide20.xml><?xml version="1.0" encoding="utf-8"?>
+<p:notes xmlns:a="http://schemas.openxmlformats.org/drawingml/2006/main" xmlns:r="http://schemas.openxmlformats.org/officeDocument/2006/relationships" xmlns:p="http://schemas.openxmlformats.org/presentationml/2006/main">
+  <p:cSld>
+    <p:spTree>
+      <p:nvGrpSpPr>
+        <p:cNvPr id="1" name=""/>
+        <p:cNvGrpSpPr/>
+        <p:nvPr/>
+      </p:nvGrpSpPr>
+      <p:grpSpPr>
+        <a:xfrm>
+          <a:off x="0" y="0"/>
+          <a:ext cx="0" cy="0"/>
+          <a:chOff x="0" y="0"/>
+          <a:chExt cx="0" cy="0"/>
+        </a:xfrm>
+      </p:grpSpPr>
+      <p:sp>
+        <p:nvSpPr>
+          <p:cNvPr id="2" name="Slide Image Placeholder 1"/>
+          <p:cNvSpPr>
+            <a:spLocks noGrp="1" noRot="1" noChangeAspect="1"/>
+          </p:cNvSpPr>
+          <p:nvPr>
+            <p:ph type="sldImg"/>
+          </p:nvPr>
+        </p:nvSpPr>
+        <p:spPr/>
+      </p:sp>
+      <p:sp>
+        <p:nvSpPr>
+          <p:cNvPr id="3" name="Notes Placeholder 2"/>
+          <p:cNvSpPr>
+            <a:spLocks noGrp="1"/>
+          </p:cNvSpPr>
+          <p:nvPr>
+            <p:ph type="body" idx="1"/>
+          </p:nvPr>
+        </p:nvSpPr>
+        <p:spPr/>
+        <p:txBody>
+          <a:bodyPr/>
+          <a:lstStyle/>
+          <a:p>
+            <a:r>
+              <a:rPr lang="en-US" dirty="0"/>
+              <a:t>So far we’ve just seen numbers, but R can also store other things</a:t>
+            </a:r>
+          </a:p>
+          <a:p>
+            <a:endParaRPr lang="en-US" dirty="0"/>
+          </a:p>
+          <a:p>
+            <a:r>
+              <a:rPr lang="en-US" dirty="0"/>
+              <a:t>Logical is simpler, it can only be TRUE or FALSE</a:t>
+            </a:r>
+          </a:p>
+          <a:p>
+            <a:endParaRPr lang="en-US" dirty="0"/>
+          </a:p>
+          <a:p>
+            <a:r>
+              <a:rPr lang="en-US" dirty="0"/>
+              <a:t>With Character, you can store text</a:t>
+            </a:r>
+          </a:p>
+        </p:txBody>
+      </p:sp>
+      <p:sp>
+        <p:nvSpPr>
+          <p:cNvPr id="4" name="Slide Number Placeholder 3"/>
+          <p:cNvSpPr>
+            <a:spLocks noGrp="1"/>
+          </p:cNvSpPr>
+          <p:nvPr>
+            <p:ph type="sldNum" sz="quarter" idx="5"/>
+          </p:nvPr>
+        </p:nvSpPr>
+        <p:spPr/>
+        <p:txBody>
+          <a:bodyPr/>
+          <a:lstStyle/>
+          <a:p>
+            <a:fld id="{4D7B2489-0EE5-4C7F-94A6-A858195D0567}" type="slidenum">
+              <a:rPr lang="en-US" smtClean="0"/>
+              <a:t>23</a:t>
+            </a:fld>
+            <a:endParaRPr lang="en-US"/>
+          </a:p>
+        </p:txBody>
+      </p:sp>
+    </p:spTree>
+    <p:extLst>
+      <p:ext uri="{BB962C8B-B14F-4D97-AF65-F5344CB8AC3E}">
+        <p14:creationId xmlns:p14="http://schemas.microsoft.com/office/powerpoint/2010/main" val="1797278814"/>
+      </p:ext>
+    </p:extLst>
+  </p:cSld>
+  <p:clrMapOvr>
+    <a:masterClrMapping/>
+  </p:clrMapOvr>
+</p:notes>
+</file>
+
+<file path=ppt/notesSlides/notesSlide21.xml><?xml version="1.0" encoding="utf-8"?>
+<p:notes xmlns:a="http://schemas.openxmlformats.org/drawingml/2006/main" xmlns:r="http://schemas.openxmlformats.org/officeDocument/2006/relationships" xmlns:p="http://schemas.openxmlformats.org/presentationml/2006/main">
+  <p:cSld>
+    <p:spTree>
+      <p:nvGrpSpPr>
+        <p:cNvPr id="1" name=""/>
+        <p:cNvGrpSpPr/>
+        <p:nvPr/>
+      </p:nvGrpSpPr>
+      <p:grpSpPr>
+        <a:xfrm>
+          <a:off x="0" y="0"/>
+          <a:ext cx="0" cy="0"/>
+          <a:chOff x="0" y="0"/>
+          <a:chExt cx="0" cy="0"/>
+        </a:xfrm>
+      </p:grpSpPr>
+      <p:sp>
+        <p:nvSpPr>
+          <p:cNvPr id="2" name="Slide Image Placeholder 1"/>
+          <p:cNvSpPr>
+            <a:spLocks noGrp="1" noRot="1" noChangeAspect="1"/>
+          </p:cNvSpPr>
+          <p:nvPr>
+            <p:ph type="sldImg"/>
+          </p:nvPr>
+        </p:nvSpPr>
+        <p:spPr/>
+      </p:sp>
+      <p:sp>
+        <p:nvSpPr>
+          <p:cNvPr id="3" name="Notes Placeholder 2"/>
+          <p:cNvSpPr>
+            <a:spLocks noGrp="1"/>
+          </p:cNvSpPr>
+          <p:nvPr>
+            <p:ph type="body" idx="1"/>
+          </p:nvPr>
+        </p:nvSpPr>
+        <p:spPr/>
+        <p:txBody>
+          <a:bodyPr/>
+          <a:lstStyle/>
+          <a:p>
+            <a:r>
+              <a:rPr lang="en-US" dirty="0"/>
+              <a:t>And it’s generally pretty intuitive what can and can’t happen…</a:t>
+            </a:r>
+          </a:p>
+          <a:p>
+            <a:endParaRPr lang="en-US" dirty="0"/>
+          </a:p>
+          <a:p>
+            <a:r>
+              <a:rPr lang="en-US" dirty="0"/>
+              <a:t>Notice that wrapping “2” in quotes tells R to treat it as Character</a:t>
+            </a:r>
+          </a:p>
+        </p:txBody>
+      </p:sp>
+      <p:sp>
+        <p:nvSpPr>
+          <p:cNvPr id="4" name="Slide Number Placeholder 3"/>
+          <p:cNvSpPr>
+            <a:spLocks noGrp="1"/>
+          </p:cNvSpPr>
+          <p:nvPr>
+            <p:ph type="sldNum" sz="quarter" idx="5"/>
+          </p:nvPr>
+        </p:nvSpPr>
+        <p:spPr/>
+        <p:txBody>
+          <a:bodyPr/>
+          <a:lstStyle/>
+          <a:p>
+            <a:fld id="{4D7B2489-0EE5-4C7F-94A6-A858195D0567}" type="slidenum">
+              <a:rPr lang="en-US" smtClean="0"/>
+              <a:t>24</a:t>
+            </a:fld>
+            <a:endParaRPr lang="en-US"/>
+          </a:p>
+        </p:txBody>
+      </p:sp>
+    </p:spTree>
+    <p:extLst>
+      <p:ext uri="{BB962C8B-B14F-4D97-AF65-F5344CB8AC3E}">
+        <p14:creationId xmlns:p14="http://schemas.microsoft.com/office/powerpoint/2010/main" val="2995199807"/>
+      </p:ext>
+    </p:extLst>
+  </p:cSld>
+  <p:clrMapOvr>
+    <a:masterClrMapping/>
+  </p:clrMapOvr>
+</p:notes>
+</file>
+
+<file path=ppt/notesSlides/notesSlide22.xml><?xml version="1.0" encoding="utf-8"?>
+<p:notes xmlns:a="http://schemas.openxmlformats.org/drawingml/2006/main" xmlns:r="http://schemas.openxmlformats.org/officeDocument/2006/relationships" xmlns:p="http://schemas.openxmlformats.org/presentationml/2006/main">
+  <p:cSld>
+    <p:spTree>
+      <p:nvGrpSpPr>
+        <p:cNvPr id="1" name=""/>
+        <p:cNvGrpSpPr/>
+        <p:nvPr/>
+      </p:nvGrpSpPr>
+      <p:grpSpPr>
+        <a:xfrm>
+          <a:off x="0" y="0"/>
+          <a:ext cx="0" cy="0"/>
+          <a:chOff x="0" y="0"/>
+          <a:chExt cx="0" cy="0"/>
+        </a:xfrm>
+      </p:grpSpPr>
+      <p:sp>
+        <p:nvSpPr>
+          <p:cNvPr id="2" name="Slide Image Placeholder 1"/>
+          <p:cNvSpPr>
+            <a:spLocks noGrp="1" noRot="1" noChangeAspect="1"/>
+          </p:cNvSpPr>
+          <p:nvPr>
+            <p:ph type="sldImg"/>
+          </p:nvPr>
+        </p:nvSpPr>
+        <p:spPr/>
+      </p:sp>
+      <p:sp>
+        <p:nvSpPr>
+          <p:cNvPr id="3" name="Notes Placeholder 2"/>
+          <p:cNvSpPr>
+            <a:spLocks noGrp="1"/>
+          </p:cNvSpPr>
+          <p:nvPr>
+            <p:ph type="body" idx="1"/>
+          </p:nvPr>
+        </p:nvSpPr>
+        <p:spPr/>
+        <p:txBody>
+          <a:bodyPr/>
+          <a:lstStyle/>
+          <a:p>
+            <a:r>
+              <a:rPr lang="en-US" dirty="0"/>
+              <a:t>…lets look at what happens here</a:t>
+            </a:r>
+          </a:p>
+        </p:txBody>
+      </p:sp>
+      <p:sp>
+        <p:nvSpPr>
+          <p:cNvPr id="4" name="Slide Number Placeholder 3"/>
+          <p:cNvSpPr>
+            <a:spLocks noGrp="1"/>
+          </p:cNvSpPr>
+          <p:nvPr>
+            <p:ph type="sldNum" sz="quarter" idx="5"/>
+          </p:nvPr>
+        </p:nvSpPr>
+        <p:spPr/>
+        <p:txBody>
+          <a:bodyPr/>
+          <a:lstStyle/>
+          <a:p>
+            <a:fld id="{4D7B2489-0EE5-4C7F-94A6-A858195D0567}" type="slidenum">
+              <a:rPr lang="en-US" smtClean="0"/>
+              <a:t>25</a:t>
+            </a:fld>
+            <a:endParaRPr lang="en-US"/>
+          </a:p>
+        </p:txBody>
+      </p:sp>
+    </p:spTree>
+    <p:extLst>
+      <p:ext uri="{BB962C8B-B14F-4D97-AF65-F5344CB8AC3E}">
+        <p14:creationId xmlns:p14="http://schemas.microsoft.com/office/powerpoint/2010/main" val="416981613"/>
+      </p:ext>
+    </p:extLst>
+  </p:cSld>
+  <p:clrMapOvr>
+    <a:masterClrMapping/>
+  </p:clrMapOvr>
+</p:notes>
+</file>
+
+<file path=ppt/notesSlides/notesSlide23.xml><?xml version="1.0" encoding="utf-8"?>
+<p:notes xmlns:a="http://schemas.openxmlformats.org/drawingml/2006/main" xmlns:r="http://schemas.openxmlformats.org/officeDocument/2006/relationships" xmlns:p="http://schemas.openxmlformats.org/presentationml/2006/main">
+  <p:cSld>
+    <p:spTree>
+      <p:nvGrpSpPr>
+        <p:cNvPr id="1" name=""/>
+        <p:cNvGrpSpPr/>
+        <p:nvPr/>
+      </p:nvGrpSpPr>
+      <p:grpSpPr>
+        <a:xfrm>
+          <a:off x="0" y="0"/>
+          <a:ext cx="0" cy="0"/>
+          <a:chOff x="0" y="0"/>
+          <a:chExt cx="0" cy="0"/>
+        </a:xfrm>
+      </p:grpSpPr>
+      <p:sp>
+        <p:nvSpPr>
+          <p:cNvPr id="2" name="Slide Image Placeholder 1"/>
+          <p:cNvSpPr>
+            <a:spLocks noGrp="1" noRot="1" noChangeAspect="1"/>
+          </p:cNvSpPr>
+          <p:nvPr>
+            <p:ph type="sldImg"/>
+          </p:nvPr>
+        </p:nvSpPr>
+        <p:spPr/>
+      </p:sp>
+      <p:sp>
+        <p:nvSpPr>
+          <p:cNvPr id="3" name="Notes Placeholder 2"/>
+          <p:cNvSpPr>
+            <a:spLocks noGrp="1"/>
+          </p:cNvSpPr>
+          <p:nvPr>
+            <p:ph type="body" idx="1"/>
+          </p:nvPr>
+        </p:nvSpPr>
+        <p:spPr/>
+        <p:txBody>
+          <a:bodyPr/>
+          <a:lstStyle/>
+          <a:p>
+            <a:r>
+              <a:rPr lang="en-US" dirty="0"/>
+              <a:t>…so here we see this Character vector we made a couple slides ago</a:t>
+            </a:r>
+          </a:p>
+          <a:p>
+            <a:endParaRPr lang="en-US" dirty="0"/>
+          </a:p>
+          <a:p>
+            <a:r>
+              <a:rPr lang="en-US" dirty="0"/>
+              <a:t>And when we turn it back to numeric, it doesn’t know what to do with the last element</a:t>
+            </a:r>
+          </a:p>
+        </p:txBody>
+      </p:sp>
+      <p:sp>
+        <p:nvSpPr>
+          <p:cNvPr id="4" name="Slide Number Placeholder 3"/>
+          <p:cNvSpPr>
+            <a:spLocks noGrp="1"/>
+          </p:cNvSpPr>
+          <p:nvPr>
+            <p:ph type="sldNum" sz="quarter" idx="5"/>
+          </p:nvPr>
+        </p:nvSpPr>
+        <p:spPr/>
+        <p:txBody>
+          <a:bodyPr/>
+          <a:lstStyle/>
+          <a:p>
+            <a:fld id="{4D7B2489-0EE5-4C7F-94A6-A858195D0567}" type="slidenum">
+              <a:rPr lang="en-US" smtClean="0"/>
+              <a:t>28</a:t>
+            </a:fld>
+            <a:endParaRPr lang="en-US"/>
+          </a:p>
+        </p:txBody>
+      </p:sp>
+    </p:spTree>
+    <p:extLst>
+      <p:ext uri="{BB962C8B-B14F-4D97-AF65-F5344CB8AC3E}">
+        <p14:creationId xmlns:p14="http://schemas.microsoft.com/office/powerpoint/2010/main" val="2843340191"/>
+      </p:ext>
+    </p:extLst>
+  </p:cSld>
+  <p:clrMapOvr>
+    <a:masterClrMapping/>
+  </p:clrMapOvr>
+</p:notes>
+</file>
+
+<file path=ppt/notesSlides/notesSlide24.xml><?xml version="1.0" encoding="utf-8"?>
+<p:notes xmlns:a="http://schemas.openxmlformats.org/drawingml/2006/main" xmlns:r="http://schemas.openxmlformats.org/officeDocument/2006/relationships" xmlns:p="http://schemas.openxmlformats.org/presentationml/2006/main">
+  <p:cSld>
+    <p:spTree>
+      <p:nvGrpSpPr>
+        <p:cNvPr id="1" name=""/>
+        <p:cNvGrpSpPr/>
+        <p:nvPr/>
+      </p:nvGrpSpPr>
+      <p:grpSpPr>
+        <a:xfrm>
+          <a:off x="0" y="0"/>
+          <a:ext cx="0" cy="0"/>
+          <a:chOff x="0" y="0"/>
+          <a:chExt cx="0" cy="0"/>
+        </a:xfrm>
+      </p:grpSpPr>
+      <p:sp>
+        <p:nvSpPr>
+          <p:cNvPr id="2" name="Slide Image Placeholder 1"/>
+          <p:cNvSpPr>
+            <a:spLocks noGrp="1" noRot="1" noChangeAspect="1"/>
+          </p:cNvSpPr>
+          <p:nvPr>
+            <p:ph type="sldImg"/>
+          </p:nvPr>
+        </p:nvSpPr>
+        <p:spPr/>
+      </p:sp>
+      <p:sp>
+        <p:nvSpPr>
+          <p:cNvPr id="3" name="Notes Placeholder 2"/>
+          <p:cNvSpPr>
+            <a:spLocks noGrp="1"/>
+          </p:cNvSpPr>
+          <p:nvPr>
+            <p:ph type="body" idx="1"/>
+          </p:nvPr>
+        </p:nvSpPr>
+        <p:spPr/>
+        <p:txBody>
+          <a:bodyPr/>
+          <a:lstStyle/>
+          <a:p>
+            <a:r>
+              <a:rPr lang="en-US" dirty="0"/>
+              <a:t>One last vector class that can be useful if you’re working with DISTINCT CATEGORIES is Factor</a:t>
+            </a:r>
+          </a:p>
+          <a:p>
+            <a:endParaRPr lang="en-US" dirty="0"/>
+          </a:p>
+          <a:p>
+            <a:r>
+              <a:rPr lang="en-US" dirty="0"/>
+              <a:t>So we created a vector of field techs two ways: look at the difference in how R behaves</a:t>
+            </a:r>
+          </a:p>
+          <a:p>
+            <a:r>
+              <a:rPr lang="en-US" dirty="0"/>
+              <a:t>- the Factor version carries another piece of information: what categories are allowed</a:t>
+            </a:r>
+          </a:p>
+          <a:p>
+            <a:endParaRPr lang="en-US" dirty="0"/>
+          </a:p>
+          <a:p>
+            <a:r>
+              <a:rPr lang="en-US" dirty="0"/>
+              <a:t>And this is a little odd: look at what happens when you covert this to numeric</a:t>
+            </a:r>
+          </a:p>
+        </p:txBody>
+      </p:sp>
+      <p:sp>
+        <p:nvSpPr>
+          <p:cNvPr id="4" name="Slide Number Placeholder 3"/>
+          <p:cNvSpPr>
+            <a:spLocks noGrp="1"/>
+          </p:cNvSpPr>
+          <p:nvPr>
+            <p:ph type="sldNum" sz="quarter" idx="5"/>
+          </p:nvPr>
+        </p:nvSpPr>
+        <p:spPr/>
+        <p:txBody>
+          <a:bodyPr/>
+          <a:lstStyle/>
+          <a:p>
+            <a:fld id="{4D7B2489-0EE5-4C7F-94A6-A858195D0567}" type="slidenum">
+              <a:rPr lang="en-US" smtClean="0"/>
+              <a:t>29</a:t>
+            </a:fld>
+            <a:endParaRPr lang="en-US"/>
+          </a:p>
+        </p:txBody>
+      </p:sp>
+    </p:spTree>
+    <p:extLst>
+      <p:ext uri="{BB962C8B-B14F-4D97-AF65-F5344CB8AC3E}">
+        <p14:creationId xmlns:p14="http://schemas.microsoft.com/office/powerpoint/2010/main" val="1143673571"/>
+      </p:ext>
+    </p:extLst>
+  </p:cSld>
+  <p:clrMapOvr>
+    <a:masterClrMapping/>
+  </p:clrMapOvr>
+</p:notes>
+</file>
+
+<file path=ppt/notesSlides/notesSlide25.xml><?xml version="1.0" encoding="utf-8"?>
+<p:notes xmlns:a="http://schemas.openxmlformats.org/drawingml/2006/main" xmlns:r="http://schemas.openxmlformats.org/officeDocument/2006/relationships" xmlns:p="http://schemas.openxmlformats.org/presentationml/2006/main">
+  <p:cSld>
+    <p:spTree>
+      <p:nvGrpSpPr>
+        <p:cNvPr id="1" name=""/>
+        <p:cNvGrpSpPr/>
+        <p:nvPr/>
+      </p:nvGrpSpPr>
+      <p:grpSpPr>
+        <a:xfrm>
+          <a:off x="0" y="0"/>
+          <a:ext cx="0" cy="0"/>
+          <a:chOff x="0" y="0"/>
+          <a:chExt cx="0" cy="0"/>
+        </a:xfrm>
+      </p:grpSpPr>
+      <p:sp>
+        <p:nvSpPr>
+          <p:cNvPr id="2" name="Slide Image Placeholder 1"/>
+          <p:cNvSpPr>
+            <a:spLocks noGrp="1" noRot="1" noChangeAspect="1"/>
+          </p:cNvSpPr>
+          <p:nvPr>
+            <p:ph type="sldImg"/>
+          </p:nvPr>
+        </p:nvSpPr>
+        <p:spPr/>
+      </p:sp>
+      <p:sp>
+        <p:nvSpPr>
+          <p:cNvPr id="3" name="Notes Placeholder 2"/>
+          <p:cNvSpPr>
+            <a:spLocks noGrp="1"/>
+          </p:cNvSpPr>
+          <p:nvPr>
+            <p:ph type="body" idx="1"/>
+          </p:nvPr>
+        </p:nvSpPr>
+        <p:spPr/>
+        <p:txBody>
+          <a:bodyPr/>
+          <a:lstStyle/>
+          <a:p>
+            <a:r>
+              <a:rPr lang="en-US" dirty="0"/>
+              <a:t>One special character that you should make friends with is this hashtag guy…</a:t>
+            </a:r>
+          </a:p>
+        </p:txBody>
+      </p:sp>
+      <p:sp>
+        <p:nvSpPr>
+          <p:cNvPr id="4" name="Slide Number Placeholder 3"/>
+          <p:cNvSpPr>
+            <a:spLocks noGrp="1"/>
+          </p:cNvSpPr>
+          <p:nvPr>
+            <p:ph type="sldNum" sz="quarter" idx="5"/>
+          </p:nvPr>
+        </p:nvSpPr>
+        <p:spPr/>
+        <p:txBody>
+          <a:bodyPr/>
+          <a:lstStyle/>
+          <a:p>
+            <a:fld id="{4D7B2489-0EE5-4C7F-94A6-A858195D0567}" type="slidenum">
+              <a:rPr lang="en-US" smtClean="0"/>
+              <a:t>30</a:t>
+            </a:fld>
+            <a:endParaRPr lang="en-US"/>
+          </a:p>
+        </p:txBody>
+      </p:sp>
+    </p:spTree>
+    <p:extLst>
+      <p:ext uri="{BB962C8B-B14F-4D97-AF65-F5344CB8AC3E}">
+        <p14:creationId xmlns:p14="http://schemas.microsoft.com/office/powerpoint/2010/main" val="2944637661"/>
+      </p:ext>
+    </p:extLst>
+  </p:cSld>
+  <p:clrMapOvr>
+    <a:masterClrMapping/>
+  </p:clrMapOvr>
+</p:notes>
+</file>
+
+<file path=ppt/notesSlides/notesSlide26.xml><?xml version="1.0" encoding="utf-8"?>
+<p:notes xmlns:a="http://schemas.openxmlformats.org/drawingml/2006/main" xmlns:r="http://schemas.openxmlformats.org/officeDocument/2006/relationships" xmlns:p="http://schemas.openxmlformats.org/presentationml/2006/main">
+  <p:cSld>
+    <p:spTree>
+      <p:nvGrpSpPr>
+        <p:cNvPr id="1" name=""/>
+        <p:cNvGrpSpPr/>
+        <p:nvPr/>
+      </p:nvGrpSpPr>
+      <p:grpSpPr>
+        <a:xfrm>
+          <a:off x="0" y="0"/>
+          <a:ext cx="0" cy="0"/>
+          <a:chOff x="0" y="0"/>
+          <a:chExt cx="0" cy="0"/>
+        </a:xfrm>
+      </p:grpSpPr>
+      <p:sp>
+        <p:nvSpPr>
+          <p:cNvPr id="2" name="Slide Image Placeholder 1"/>
+          <p:cNvSpPr>
+            <a:spLocks noGrp="1" noRot="1" noChangeAspect="1"/>
+          </p:cNvSpPr>
+          <p:nvPr>
+            <p:ph type="sldImg"/>
+          </p:nvPr>
+        </p:nvSpPr>
+        <p:spPr/>
+      </p:sp>
+      <p:sp>
+        <p:nvSpPr>
+          <p:cNvPr id="3" name="Notes Placeholder 2"/>
+          <p:cNvSpPr>
+            <a:spLocks noGrp="1"/>
+          </p:cNvSpPr>
+          <p:nvPr>
+            <p:ph type="body" idx="1"/>
+          </p:nvPr>
+        </p:nvSpPr>
+        <p:spPr/>
+        <p:txBody>
+          <a:bodyPr/>
+          <a:lstStyle/>
+          <a:p>
+            <a:r>
+              <a:rPr lang="en-US" dirty="0"/>
+              <a:t>Alright!  Let’s revisit the main points to take away.</a:t>
+            </a:r>
+          </a:p>
+        </p:txBody>
+      </p:sp>
+      <p:sp>
+        <p:nvSpPr>
+          <p:cNvPr id="4" name="Slide Number Placeholder 3"/>
+          <p:cNvSpPr>
+            <a:spLocks noGrp="1"/>
+          </p:cNvSpPr>
+          <p:nvPr>
+            <p:ph type="sldNum" sz="quarter" idx="5"/>
+          </p:nvPr>
+        </p:nvSpPr>
+        <p:spPr/>
+        <p:txBody>
+          <a:bodyPr/>
+          <a:lstStyle/>
+          <a:p>
+            <a:fld id="{4D7B2489-0EE5-4C7F-94A6-A858195D0567}" type="slidenum">
+              <a:rPr lang="en-US" smtClean="0"/>
+              <a:t>32</a:t>
+            </a:fld>
+            <a:endParaRPr lang="en-US"/>
+          </a:p>
+        </p:txBody>
+      </p:sp>
+    </p:spTree>
+    <p:extLst>
+      <p:ext uri="{BB962C8B-B14F-4D97-AF65-F5344CB8AC3E}">
+        <p14:creationId xmlns:p14="http://schemas.microsoft.com/office/powerpoint/2010/main" val="343931581"/>
+      </p:ext>
+    </p:extLst>
+  </p:cSld>
+  <p:clrMapOvr>
+    <a:masterClrMapping/>
+  </p:clrMapOvr>
+</p:notes>
+</file>
+
+<file path=ppt/notesSlides/notesSlide3.xml><?xml version="1.0" encoding="utf-8"?>
+<p:notes xmlns:a="http://schemas.openxmlformats.org/drawingml/2006/main" xmlns:r="http://schemas.openxmlformats.org/officeDocument/2006/relationships" xmlns:p="http://schemas.openxmlformats.org/presentationml/2006/main">
+  <p:cSld>
+    <p:spTree>
+      <p:nvGrpSpPr>
+        <p:cNvPr id="1" name=""/>
+        <p:cNvGrpSpPr/>
+        <p:nvPr/>
+      </p:nvGrpSpPr>
+      <p:grpSpPr>
+        <a:xfrm>
+          <a:off x="0" y="0"/>
+          <a:ext cx="0" cy="0"/>
+          <a:chOff x="0" y="0"/>
+          <a:chExt cx="0" cy="0"/>
+        </a:xfrm>
+      </p:grpSpPr>
+      <p:sp>
+        <p:nvSpPr>
+          <p:cNvPr id="2" name="Slide Image Placeholder 1"/>
+          <p:cNvSpPr>
+            <a:spLocks noGrp="1" noRot="1" noChangeAspect="1"/>
+          </p:cNvSpPr>
+          <p:nvPr>
+            <p:ph type="sldImg"/>
+          </p:nvPr>
+        </p:nvSpPr>
+        <p:spPr/>
+      </p:sp>
+      <p:sp>
+        <p:nvSpPr>
+          <p:cNvPr id="3" name="Notes Placeholder 2"/>
+          <p:cNvSpPr>
+            <a:spLocks noGrp="1"/>
+          </p:cNvSpPr>
+          <p:nvPr>
+            <p:ph type="body" idx="1"/>
+          </p:nvPr>
+        </p:nvSpPr>
+        <p:spPr/>
+        <p:txBody>
+          <a:bodyPr/>
+          <a:lstStyle/>
+          <a:p>
+            <a:r>
+              <a:rPr lang="en-US" dirty="0"/>
+              <a:t>R does math … which is reassuring!</a:t>
+            </a:r>
+          </a:p>
+          <a:p>
+            <a:endParaRPr lang="en-US" dirty="0"/>
+          </a:p>
+          <a:p>
+            <a:r>
+              <a:rPr lang="en-US" dirty="0"/>
+              <a:t>You can even think of R like a calculator: Each line can be its own operation, which takes the pressure off!  You don’t have to write a complete “program” </a:t>
+            </a:r>
+          </a:p>
+        </p:txBody>
+      </p:sp>
+      <p:sp>
+        <p:nvSpPr>
+          <p:cNvPr id="4" name="Slide Number Placeholder 3"/>
+          <p:cNvSpPr>
+            <a:spLocks noGrp="1"/>
+          </p:cNvSpPr>
+          <p:nvPr>
+            <p:ph type="sldNum" sz="quarter" idx="5"/>
+          </p:nvPr>
+        </p:nvSpPr>
+        <p:spPr/>
+        <p:txBody>
+          <a:bodyPr/>
+          <a:lstStyle/>
+          <a:p>
+            <a:fld id="{4D7B2489-0EE5-4C7F-94A6-A858195D0567}" type="slidenum">
+              <a:rPr lang="en-US" smtClean="0"/>
+              <a:t>3</a:t>
+            </a:fld>
+            <a:endParaRPr lang="en-US"/>
+          </a:p>
+        </p:txBody>
+      </p:sp>
+    </p:spTree>
+    <p:extLst>
+      <p:ext uri="{BB962C8B-B14F-4D97-AF65-F5344CB8AC3E}">
+        <p14:creationId xmlns:p14="http://schemas.microsoft.com/office/powerpoint/2010/main" val="3001759290"/>
+      </p:ext>
+    </p:extLst>
+  </p:cSld>
+  <p:clrMapOvr>
+    <a:masterClrMapping/>
+  </p:clrMapOvr>
+</p:notes>
+</file>
+
+<file path=ppt/notesSlides/notesSlide4.xml><?xml version="1.0" encoding="utf-8"?>
+<p:notes xmlns:a="http://schemas.openxmlformats.org/drawingml/2006/main" xmlns:r="http://schemas.openxmlformats.org/officeDocument/2006/relationships" xmlns:p="http://schemas.openxmlformats.org/presentationml/2006/main">
+  <p:cSld>
+    <p:spTree>
+      <p:nvGrpSpPr>
+        <p:cNvPr id="1" name=""/>
+        <p:cNvGrpSpPr/>
+        <p:nvPr/>
+      </p:nvGrpSpPr>
+      <p:grpSpPr>
+        <a:xfrm>
+          <a:off x="0" y="0"/>
+          <a:ext cx="0" cy="0"/>
+          <a:chOff x="0" y="0"/>
+          <a:chExt cx="0" cy="0"/>
+        </a:xfrm>
+      </p:grpSpPr>
+      <p:sp>
+        <p:nvSpPr>
+          <p:cNvPr id="2" name="Slide Image Placeholder 1"/>
+          <p:cNvSpPr>
+            <a:spLocks noGrp="1" noRot="1" noChangeAspect="1"/>
+          </p:cNvSpPr>
+          <p:nvPr>
+            <p:ph type="sldImg"/>
+          </p:nvPr>
+        </p:nvSpPr>
+        <p:spPr/>
+      </p:sp>
+      <p:sp>
+        <p:nvSpPr>
+          <p:cNvPr id="3" name="Notes Placeholder 2"/>
+          <p:cNvSpPr>
+            <a:spLocks noGrp="1"/>
+          </p:cNvSpPr>
+          <p:nvPr>
+            <p:ph type="body" idx="1"/>
+          </p:nvPr>
+        </p:nvSpPr>
+        <p:spPr/>
+        <p:txBody>
+          <a:bodyPr/>
+          <a:lstStyle/>
+          <a:p>
+            <a:r>
+              <a:rPr lang="en-US" dirty="0"/>
+              <a:t>What do you see about the DIFFERENCES in how these two lines evaluated? </a:t>
+            </a:r>
+          </a:p>
+          <a:p>
+            <a:endParaRPr lang="en-US" dirty="0"/>
+          </a:p>
+          <a:p>
+            <a:r>
+              <a:rPr lang="en-US" dirty="0"/>
+              <a:t>What does that tell us?</a:t>
+            </a:r>
+          </a:p>
+        </p:txBody>
+      </p:sp>
+      <p:sp>
+        <p:nvSpPr>
+          <p:cNvPr id="4" name="Slide Number Placeholder 3"/>
+          <p:cNvSpPr>
+            <a:spLocks noGrp="1"/>
+          </p:cNvSpPr>
+          <p:nvPr>
+            <p:ph type="sldNum" sz="quarter" idx="5"/>
+          </p:nvPr>
+        </p:nvSpPr>
+        <p:spPr/>
+        <p:txBody>
+          <a:bodyPr/>
+          <a:lstStyle/>
+          <a:p>
+            <a:fld id="{4D7B2489-0EE5-4C7F-94A6-A858195D0567}" type="slidenum">
+              <a:rPr lang="en-US" smtClean="0"/>
+              <a:t>4</a:t>
+            </a:fld>
+            <a:endParaRPr lang="en-US"/>
+          </a:p>
+        </p:txBody>
+      </p:sp>
+    </p:spTree>
+    <p:extLst>
+      <p:ext uri="{BB962C8B-B14F-4D97-AF65-F5344CB8AC3E}">
+        <p14:creationId xmlns:p14="http://schemas.microsoft.com/office/powerpoint/2010/main" val="483881933"/>
+      </p:ext>
+    </p:extLst>
+  </p:cSld>
+  <p:clrMapOvr>
+    <a:masterClrMapping/>
+  </p:clrMapOvr>
+</p:notes>
+</file>
+
+<file path=ppt/notesSlides/notesSlide5.xml><?xml version="1.0" encoding="utf-8"?>
+<p:notes xmlns:a="http://schemas.openxmlformats.org/drawingml/2006/main" xmlns:r="http://schemas.openxmlformats.org/officeDocument/2006/relationships" xmlns:p="http://schemas.openxmlformats.org/presentationml/2006/main">
+  <p:cSld>
+    <p:spTree>
+      <p:nvGrpSpPr>
+        <p:cNvPr id="1" name=""/>
+        <p:cNvGrpSpPr/>
+        <p:nvPr/>
+      </p:nvGrpSpPr>
+      <p:grpSpPr>
+        <a:xfrm>
+          <a:off x="0" y="0"/>
+          <a:ext cx="0" cy="0"/>
+          <a:chOff x="0" y="0"/>
+          <a:chExt cx="0" cy="0"/>
+        </a:xfrm>
+      </p:grpSpPr>
+      <p:sp>
+        <p:nvSpPr>
+          <p:cNvPr id="2" name="Slide Image Placeholder 1"/>
+          <p:cNvSpPr>
+            <a:spLocks noGrp="1" noRot="1" noChangeAspect="1"/>
+          </p:cNvSpPr>
+          <p:nvPr>
+            <p:ph type="sldImg"/>
+          </p:nvPr>
+        </p:nvSpPr>
+        <p:spPr/>
+      </p:sp>
+      <p:sp>
+        <p:nvSpPr>
+          <p:cNvPr id="3" name="Notes Placeholder 2"/>
+          <p:cNvSpPr>
+            <a:spLocks noGrp="1"/>
+          </p:cNvSpPr>
+          <p:nvPr>
+            <p:ph type="body" idx="1"/>
+          </p:nvPr>
+        </p:nvSpPr>
+        <p:spPr/>
+        <p:txBody>
+          <a:bodyPr/>
+          <a:lstStyle/>
+          <a:p>
+            <a:endParaRPr lang="en-US" dirty="0"/>
+          </a:p>
+        </p:txBody>
+      </p:sp>
+      <p:sp>
+        <p:nvSpPr>
+          <p:cNvPr id="4" name="Slide Number Placeholder 3"/>
+          <p:cNvSpPr>
+            <a:spLocks noGrp="1"/>
+          </p:cNvSpPr>
+          <p:nvPr>
+            <p:ph type="sldNum" sz="quarter" idx="5"/>
+          </p:nvPr>
+        </p:nvSpPr>
+        <p:spPr/>
+        <p:txBody>
+          <a:bodyPr/>
+          <a:lstStyle/>
+          <a:p>
+            <a:fld id="{4D7B2489-0EE5-4C7F-94A6-A858195D0567}" type="slidenum">
+              <a:rPr lang="en-US" smtClean="0"/>
+              <a:t>5</a:t>
+            </a:fld>
+            <a:endParaRPr lang="en-US"/>
+          </a:p>
+        </p:txBody>
+      </p:sp>
+    </p:spTree>
+    <p:extLst>
+      <p:ext uri="{BB962C8B-B14F-4D97-AF65-F5344CB8AC3E}">
+        <p14:creationId xmlns:p14="http://schemas.microsoft.com/office/powerpoint/2010/main" val="2401074114"/>
+      </p:ext>
+    </p:extLst>
+  </p:cSld>
+  <p:clrMapOvr>
+    <a:masterClrMapping/>
+  </p:clrMapOvr>
+</p:notes>
+</file>
+
+<file path=ppt/notesSlides/notesSlide6.xml><?xml version="1.0" encoding="utf-8"?>
+<p:notes xmlns:a="http://schemas.openxmlformats.org/drawingml/2006/main" xmlns:r="http://schemas.openxmlformats.org/officeDocument/2006/relationships" xmlns:p="http://schemas.openxmlformats.org/presentationml/2006/main">
+  <p:cSld>
+    <p:spTree>
+      <p:nvGrpSpPr>
+        <p:cNvPr id="1" name=""/>
+        <p:cNvGrpSpPr/>
+        <p:nvPr/>
+      </p:nvGrpSpPr>
+      <p:grpSpPr>
+        <a:xfrm>
+          <a:off x="0" y="0"/>
+          <a:ext cx="0" cy="0"/>
+          <a:chOff x="0" y="0"/>
+          <a:chExt cx="0" cy="0"/>
+        </a:xfrm>
+      </p:grpSpPr>
+      <p:sp>
+        <p:nvSpPr>
+          <p:cNvPr id="2" name="Slide Image Placeholder 1"/>
+          <p:cNvSpPr>
+            <a:spLocks noGrp="1" noRot="1" noChangeAspect="1"/>
+          </p:cNvSpPr>
+          <p:nvPr>
+            <p:ph type="sldImg"/>
+          </p:nvPr>
+        </p:nvSpPr>
+        <p:spPr/>
+      </p:sp>
+      <p:sp>
+        <p:nvSpPr>
+          <p:cNvPr id="3" name="Notes Placeholder 2"/>
+          <p:cNvSpPr>
+            <a:spLocks noGrp="1"/>
+          </p:cNvSpPr>
+          <p:nvPr>
+            <p:ph type="body" idx="1"/>
+          </p:nvPr>
+        </p:nvSpPr>
+        <p:spPr/>
+        <p:txBody>
+          <a:bodyPr/>
+          <a:lstStyle/>
+          <a:p>
+            <a:r>
+              <a:rPr lang="en-US" dirty="0"/>
+              <a:t>What does this tell us?  Case sensitivity.</a:t>
+            </a:r>
+          </a:p>
+          <a:p>
+            <a:endParaRPr lang="en-US" dirty="0"/>
+          </a:p>
+          <a:p>
+            <a:r>
+              <a:rPr lang="en-US" dirty="0"/>
+              <a:t>Perhaps more importantly: ERRORS HAPPEN!  And with every error, we get a message that might give us some insight as to what went wrong</a:t>
+            </a:r>
+          </a:p>
+        </p:txBody>
+      </p:sp>
+      <p:sp>
+        <p:nvSpPr>
+          <p:cNvPr id="4" name="Slide Number Placeholder 3"/>
+          <p:cNvSpPr>
+            <a:spLocks noGrp="1"/>
+          </p:cNvSpPr>
+          <p:nvPr>
+            <p:ph type="sldNum" sz="quarter" idx="5"/>
+          </p:nvPr>
+        </p:nvSpPr>
+        <p:spPr/>
+        <p:txBody>
+          <a:bodyPr/>
+          <a:lstStyle/>
+          <a:p>
+            <a:fld id="{4D7B2489-0EE5-4C7F-94A6-A858195D0567}" type="slidenum">
+              <a:rPr lang="en-US" smtClean="0"/>
+              <a:t>6</a:t>
+            </a:fld>
+            <a:endParaRPr lang="en-US"/>
+          </a:p>
+        </p:txBody>
+      </p:sp>
+    </p:spTree>
+    <p:extLst>
+      <p:ext uri="{BB962C8B-B14F-4D97-AF65-F5344CB8AC3E}">
+        <p14:creationId xmlns:p14="http://schemas.microsoft.com/office/powerpoint/2010/main" val="3776966500"/>
+      </p:ext>
+    </p:extLst>
+  </p:cSld>
+  <p:clrMapOvr>
+    <a:masterClrMapping/>
+  </p:clrMapOvr>
+</p:notes>
+</file>
+
+<file path=ppt/notesSlides/notesSlide7.xml><?xml version="1.0" encoding="utf-8"?>
+<p:notes xmlns:a="http://schemas.openxmlformats.org/drawingml/2006/main" xmlns:r="http://schemas.openxmlformats.org/officeDocument/2006/relationships" xmlns:p="http://schemas.openxmlformats.org/presentationml/2006/main">
+  <p:cSld>
+    <p:spTree>
+      <p:nvGrpSpPr>
+        <p:cNvPr id="1" name=""/>
+        <p:cNvGrpSpPr/>
+        <p:nvPr/>
+      </p:nvGrpSpPr>
+      <p:grpSpPr>
+        <a:xfrm>
+          <a:off x="0" y="0"/>
+          <a:ext cx="0" cy="0"/>
+          <a:chOff x="0" y="0"/>
+          <a:chExt cx="0" cy="0"/>
+        </a:xfrm>
+      </p:grpSpPr>
+      <p:sp>
+        <p:nvSpPr>
+          <p:cNvPr id="2" name="Slide Image Placeholder 1"/>
+          <p:cNvSpPr>
+            <a:spLocks noGrp="1" noRot="1" noChangeAspect="1"/>
+          </p:cNvSpPr>
+          <p:nvPr>
+            <p:ph type="sldImg"/>
+          </p:nvPr>
+        </p:nvSpPr>
+        <p:spPr/>
+      </p:sp>
+      <p:sp>
+        <p:nvSpPr>
+          <p:cNvPr id="3" name="Notes Placeholder 2"/>
+          <p:cNvSpPr>
+            <a:spLocks noGrp="1"/>
+          </p:cNvSpPr>
+          <p:nvPr>
+            <p:ph type="body" idx="1"/>
+          </p:nvPr>
+        </p:nvSpPr>
+        <p:spPr/>
+        <p:txBody>
+          <a:bodyPr/>
+          <a:lstStyle/>
+          <a:p>
+            <a:r>
+              <a:rPr lang="en-US" dirty="0"/>
+              <a:t>How about these two lines?</a:t>
+            </a:r>
+          </a:p>
+        </p:txBody>
+      </p:sp>
+      <p:sp>
+        <p:nvSpPr>
+          <p:cNvPr id="4" name="Slide Number Placeholder 3"/>
+          <p:cNvSpPr>
+            <a:spLocks noGrp="1"/>
+          </p:cNvSpPr>
+          <p:nvPr>
+            <p:ph type="sldNum" sz="quarter" idx="5"/>
+          </p:nvPr>
+        </p:nvSpPr>
+        <p:spPr/>
+        <p:txBody>
+          <a:bodyPr/>
+          <a:lstStyle/>
+          <a:p>
+            <a:fld id="{4D7B2489-0EE5-4C7F-94A6-A858195D0567}" type="slidenum">
+              <a:rPr lang="en-US" smtClean="0"/>
+              <a:t>7</a:t>
+            </a:fld>
+            <a:endParaRPr lang="en-US"/>
+          </a:p>
+        </p:txBody>
+      </p:sp>
+    </p:spTree>
+    <p:extLst>
+      <p:ext uri="{BB962C8B-B14F-4D97-AF65-F5344CB8AC3E}">
+        <p14:creationId xmlns:p14="http://schemas.microsoft.com/office/powerpoint/2010/main" val="3308554953"/>
+      </p:ext>
+    </p:extLst>
+  </p:cSld>
+  <p:clrMapOvr>
+    <a:masterClrMapping/>
+  </p:clrMapOvr>
+</p:notes>
+</file>
+
+<file path=ppt/notesSlides/notesSlide8.xml><?xml version="1.0" encoding="utf-8"?>
+<p:notes xmlns:a="http://schemas.openxmlformats.org/drawingml/2006/main" xmlns:r="http://schemas.openxmlformats.org/officeDocument/2006/relationships" xmlns:p="http://schemas.openxmlformats.org/presentationml/2006/main">
+  <p:cSld>
+    <p:spTree>
+      <p:nvGrpSpPr>
+        <p:cNvPr id="1" name=""/>
+        <p:cNvGrpSpPr/>
+        <p:nvPr/>
+      </p:nvGrpSpPr>
+      <p:grpSpPr>
+        <a:xfrm>
+          <a:off x="0" y="0"/>
+          <a:ext cx="0" cy="0"/>
+          <a:chOff x="0" y="0"/>
+          <a:chExt cx="0" cy="0"/>
+        </a:xfrm>
+      </p:grpSpPr>
+      <p:sp>
+        <p:nvSpPr>
+          <p:cNvPr id="2" name="Slide Image Placeholder 1"/>
+          <p:cNvSpPr>
+            <a:spLocks noGrp="1" noRot="1" noChangeAspect="1"/>
+          </p:cNvSpPr>
+          <p:nvPr>
+            <p:ph type="sldImg"/>
+          </p:nvPr>
+        </p:nvSpPr>
+        <p:spPr/>
+      </p:sp>
+      <p:sp>
+        <p:nvSpPr>
+          <p:cNvPr id="3" name="Notes Placeholder 2"/>
+          <p:cNvSpPr>
+            <a:spLocks noGrp="1"/>
+          </p:cNvSpPr>
+          <p:nvPr>
+            <p:ph type="body" idx="1"/>
+          </p:nvPr>
+        </p:nvSpPr>
+        <p:spPr/>
+        <p:txBody>
+          <a:bodyPr/>
+          <a:lstStyle/>
+          <a:p>
+            <a:r>
+              <a:rPr lang="en-US" dirty="0"/>
+              <a:t>On the topic of descriptive names, there are a few things you can and can’t do.</a:t>
+            </a:r>
+          </a:p>
+          <a:p>
+            <a:endParaRPr lang="en-US" dirty="0"/>
+          </a:p>
+          <a:p>
+            <a:r>
+              <a:rPr lang="en-US" dirty="0"/>
+              <a:t>And some things that are worth doing, because we can.</a:t>
+            </a:r>
+          </a:p>
+        </p:txBody>
+      </p:sp>
+      <p:sp>
+        <p:nvSpPr>
+          <p:cNvPr id="4" name="Slide Number Placeholder 3"/>
+          <p:cNvSpPr>
+            <a:spLocks noGrp="1"/>
+          </p:cNvSpPr>
+          <p:nvPr>
+            <p:ph type="sldNum" sz="quarter" idx="5"/>
+          </p:nvPr>
+        </p:nvSpPr>
+        <p:spPr/>
+        <p:txBody>
+          <a:bodyPr/>
+          <a:lstStyle/>
+          <a:p>
+            <a:fld id="{4D7B2489-0EE5-4C7F-94A6-A858195D0567}" type="slidenum">
+              <a:rPr lang="en-US" smtClean="0"/>
+              <a:t>8</a:t>
+            </a:fld>
+            <a:endParaRPr lang="en-US"/>
+          </a:p>
+        </p:txBody>
+      </p:sp>
+    </p:spTree>
+    <p:extLst>
+      <p:ext uri="{BB962C8B-B14F-4D97-AF65-F5344CB8AC3E}">
+        <p14:creationId xmlns:p14="http://schemas.microsoft.com/office/powerpoint/2010/main" val="663004254"/>
+      </p:ext>
+    </p:extLst>
+  </p:cSld>
+  <p:clrMapOvr>
+    <a:masterClrMapping/>
+  </p:clrMapOvr>
+</p:notes>
+</file>
+
+<file path=ppt/notesSlides/notesSlide9.xml><?xml version="1.0" encoding="utf-8"?>
+<p:notes xmlns:a="http://schemas.openxmlformats.org/drawingml/2006/main" xmlns:r="http://schemas.openxmlformats.org/officeDocument/2006/relationships" xmlns:p="http://schemas.openxmlformats.org/presentationml/2006/main">
+  <p:cSld>
+    <p:spTree>
+      <p:nvGrpSpPr>
+        <p:cNvPr id="1" name=""/>
+        <p:cNvGrpSpPr/>
+        <p:nvPr/>
+      </p:nvGrpSpPr>
+      <p:grpSpPr>
+        <a:xfrm>
+          <a:off x="0" y="0"/>
+          <a:ext cx="0" cy="0"/>
+          <a:chOff x="0" y="0"/>
+          <a:chExt cx="0" cy="0"/>
+        </a:xfrm>
+      </p:grpSpPr>
+      <p:sp>
+        <p:nvSpPr>
+          <p:cNvPr id="2" name="Slide Image Placeholder 1"/>
+          <p:cNvSpPr>
+            <a:spLocks noGrp="1" noRot="1" noChangeAspect="1"/>
+          </p:cNvSpPr>
+          <p:nvPr>
+            <p:ph type="sldImg"/>
+          </p:nvPr>
+        </p:nvSpPr>
+        <p:spPr/>
+      </p:sp>
+      <p:sp>
+        <p:nvSpPr>
+          <p:cNvPr id="3" name="Notes Placeholder 2"/>
+          <p:cNvSpPr>
+            <a:spLocks noGrp="1"/>
+          </p:cNvSpPr>
+          <p:nvPr>
+            <p:ph type="body" idx="1"/>
+          </p:nvPr>
+        </p:nvSpPr>
+        <p:spPr/>
+        <p:txBody>
+          <a:bodyPr/>
+          <a:lstStyle/>
+          <a:p>
+            <a:r>
+              <a:rPr lang="en-US" dirty="0"/>
+              <a:t>Ok, we stored one number … but you’ve probably got a lot more than that!</a:t>
+            </a:r>
+          </a:p>
+          <a:p>
+            <a:endParaRPr lang="en-US" dirty="0"/>
+          </a:p>
+          <a:p>
+            <a:r>
+              <a:rPr lang="en-US" dirty="0"/>
+              <a:t>… and R uses VECTORS for a lot of things, so it’s worth camping on the idea for a while and trying to internalize how vectors behave.</a:t>
+            </a:r>
+          </a:p>
+        </p:txBody>
+      </p:sp>
+      <p:sp>
+        <p:nvSpPr>
+          <p:cNvPr id="4" name="Slide Number Placeholder 3"/>
+          <p:cNvSpPr>
+            <a:spLocks noGrp="1"/>
+          </p:cNvSpPr>
+          <p:nvPr>
+            <p:ph type="sldNum" sz="quarter" idx="5"/>
+          </p:nvPr>
+        </p:nvSpPr>
+        <p:spPr/>
+        <p:txBody>
+          <a:bodyPr/>
+          <a:lstStyle/>
+          <a:p>
+            <a:fld id="{4D7B2489-0EE5-4C7F-94A6-A858195D0567}" type="slidenum">
+              <a:rPr lang="en-US" smtClean="0"/>
+              <a:t>9</a:t>
+            </a:fld>
+            <a:endParaRPr lang="en-US"/>
+          </a:p>
+        </p:txBody>
+      </p:sp>
+    </p:spTree>
+    <p:extLst>
+      <p:ext uri="{BB962C8B-B14F-4D97-AF65-F5344CB8AC3E}">
+        <p14:creationId xmlns:p14="http://schemas.microsoft.com/office/powerpoint/2010/main" val="2845345380"/>
+      </p:ext>
+    </p:extLst>
+  </p:cSld>
+  <p:clrMapOvr>
+    <a:masterClrMapping/>
+  </p:clrMapOvr>
+</p:notes>
+</file>
+
 <file path=ppt/slideLayouts/slideLayout1.xml><?xml version="1.0" encoding="utf-8"?>
 <p:sldLayout xmlns:a="http://schemas.openxmlformats.org/drawingml/2006/main" xmlns:r="http://schemas.openxmlformats.org/officeDocument/2006/relationships" xmlns:p="http://schemas.openxmlformats.org/presentationml/2006/main" type="title" preserve="1">
   <p:cSld name="Title Slide">
@@ -295,7 +3124,7 @@
           <a:p>
             <a:fld id="{00F5AAE2-11C8-4D46-A716-B78E4D7C1BCB}" type="datetimeFigureOut">
               <a:rPr lang="en-US" smtClean="0"/>
-              <a:t>10/26/2023</a:t>
+              <a:t>11/1/2023</a:t>
             </a:fld>
             <a:endParaRPr lang="en-US"/>
           </a:p>
@@ -493,7 +3322,7 @@
           <a:p>
             <a:fld id="{00F5AAE2-11C8-4D46-A716-B78E4D7C1BCB}" type="datetimeFigureOut">
               <a:rPr lang="en-US" smtClean="0"/>
-              <a:t>10/26/2023</a:t>
+              <a:t>11/1/2023</a:t>
             </a:fld>
             <a:endParaRPr lang="en-US"/>
           </a:p>
@@ -701,7 +3530,7 @@
           <a:p>
             <a:fld id="{00F5AAE2-11C8-4D46-A716-B78E4D7C1BCB}" type="datetimeFigureOut">
               <a:rPr lang="en-US" smtClean="0"/>
-              <a:t>10/26/2023</a:t>
+              <a:t>11/1/2023</a:t>
             </a:fld>
             <a:endParaRPr lang="en-US"/>
           </a:p>
@@ -899,7 +3728,7 @@
           <a:p>
             <a:fld id="{00F5AAE2-11C8-4D46-A716-B78E4D7C1BCB}" type="datetimeFigureOut">
               <a:rPr lang="en-US" smtClean="0"/>
-              <a:t>10/26/2023</a:t>
+              <a:t>11/1/2023</a:t>
             </a:fld>
             <a:endParaRPr lang="en-US"/>
           </a:p>
@@ -1174,7 +4003,7 @@
           <a:p>
             <a:fld id="{00F5AAE2-11C8-4D46-A716-B78E4D7C1BCB}" type="datetimeFigureOut">
               <a:rPr lang="en-US" smtClean="0"/>
-              <a:t>10/26/2023</a:t>
+              <a:t>11/1/2023</a:t>
             </a:fld>
             <a:endParaRPr lang="en-US"/>
           </a:p>
@@ -1439,7 +4268,7 @@
           <a:p>
             <a:fld id="{00F5AAE2-11C8-4D46-A716-B78E4D7C1BCB}" type="datetimeFigureOut">
               <a:rPr lang="en-US" smtClean="0"/>
-              <a:t>10/26/2023</a:t>
+              <a:t>11/1/2023</a:t>
             </a:fld>
             <a:endParaRPr lang="en-US"/>
           </a:p>
@@ -1851,7 +4680,7 @@
           <a:p>
             <a:fld id="{00F5AAE2-11C8-4D46-A716-B78E4D7C1BCB}" type="datetimeFigureOut">
               <a:rPr lang="en-US" smtClean="0"/>
-              <a:t>10/26/2023</a:t>
+              <a:t>11/1/2023</a:t>
             </a:fld>
             <a:endParaRPr lang="en-US"/>
           </a:p>
@@ -1992,7 +4821,7 @@
           <a:p>
             <a:fld id="{00F5AAE2-11C8-4D46-A716-B78E4D7C1BCB}" type="datetimeFigureOut">
               <a:rPr lang="en-US" smtClean="0"/>
-              <a:t>10/26/2023</a:t>
+              <a:t>11/1/2023</a:t>
             </a:fld>
             <a:endParaRPr lang="en-US"/>
           </a:p>
@@ -2105,7 +4934,7 @@
           <a:p>
             <a:fld id="{00F5AAE2-11C8-4D46-A716-B78E4D7C1BCB}" type="datetimeFigureOut">
               <a:rPr lang="en-US" smtClean="0"/>
-              <a:t>10/26/2023</a:t>
+              <a:t>11/1/2023</a:t>
             </a:fld>
             <a:endParaRPr lang="en-US"/>
           </a:p>
@@ -2416,7 +5245,7 @@
           <a:p>
             <a:fld id="{00F5AAE2-11C8-4D46-A716-B78E4D7C1BCB}" type="datetimeFigureOut">
               <a:rPr lang="en-US" smtClean="0"/>
-              <a:t>10/26/2023</a:t>
+              <a:t>11/1/2023</a:t>
             </a:fld>
             <a:endParaRPr lang="en-US"/>
           </a:p>
@@ -2704,7 +5533,7 @@
           <a:p>
             <a:fld id="{00F5AAE2-11C8-4D46-A716-B78E4D7C1BCB}" type="datetimeFigureOut">
               <a:rPr lang="en-US" smtClean="0"/>
-              <a:t>10/26/2023</a:t>
+              <a:t>11/1/2023</a:t>
             </a:fld>
             <a:endParaRPr lang="en-US"/>
           </a:p>
@@ -2945,7 +5774,7 @@
           <a:p>
             <a:fld id="{00F5AAE2-11C8-4D46-A716-B78E4D7C1BCB}" type="datetimeFigureOut">
               <a:rPr lang="en-US" smtClean="0"/>
-              <a:t>10/26/2023</a:t>
+              <a:t>11/1/2023</a:t>
             </a:fld>
             <a:endParaRPr lang="en-US"/>
           </a:p>
@@ -3472,7 +6301,7 @@
           <a:p>
             <a:r>
               <a:rPr lang="en-US" sz="3600" dirty="0"/>
-              <a:t>That’s great, but what if I have more than one number?</a:t>
+              <a:t>What if I have more than one number?</a:t>
             </a:r>
             <a:endParaRPr lang="en-US" sz="3600" strike="sngStrike" dirty="0"/>
           </a:p>
@@ -4172,7 +7001,7 @@
           <a:p>
             <a:r>
               <a:rPr lang="en-US" sz="3600" dirty="0"/>
-              <a:t>That’s great, but what if I have more than one number?</a:t>
+              <a:t>What if I have more than one number?</a:t>
             </a:r>
             <a:endParaRPr lang="en-US" sz="3600" strike="sngStrike" dirty="0"/>
           </a:p>
@@ -7986,7 +10815,7 @@
           <p:nvPr/>
         </p:nvPicPr>
         <p:blipFill>
-          <a:blip r:embed="rId2"/>
+          <a:blip r:embed="rId3"/>
           <a:stretch>
             <a:fillRect/>
           </a:stretch>
@@ -8016,7 +10845,7 @@
           <p:nvPr/>
         </p:nvPicPr>
         <p:blipFill>
-          <a:blip r:embed="rId3"/>
+          <a:blip r:embed="rId4"/>
           <a:stretch>
             <a:fillRect/>
           </a:stretch>
@@ -10974,7 +13803,7 @@
           <p:nvPr/>
         </p:nvPicPr>
         <p:blipFill>
-          <a:blip r:embed="rId2">
+          <a:blip r:embed="rId3">
             <a:extLst>
               <a:ext uri="{28A0092B-C50C-407E-A947-70E740481C1C}">
                 <a14:useLocalDpi xmlns:a14="http://schemas.microsoft.com/office/drawing/2010/main" val="0"/>
@@ -11010,13 +13839,13 @@
           <p:nvPr/>
         </p:nvPicPr>
         <p:blipFill>
-          <a:blip r:embed="rId3">
+          <a:blip r:embed="rId4">
             <a:extLst>
               <a:ext uri="{28A0092B-C50C-407E-A947-70E740481C1C}">
                 <a14:useLocalDpi xmlns:a14="http://schemas.microsoft.com/office/drawing/2010/main" val="0"/>
               </a:ext>
               <a:ext uri="{96DAC541-7B7A-43D3-8B79-37D633B846F1}">
-                <asvg:svgBlip xmlns:asvg="http://schemas.microsoft.com/office/drawing/2016/SVG/main" r:embed="rId4"/>
+                <asvg:svgBlip xmlns:asvg="http://schemas.microsoft.com/office/drawing/2016/SVG/main" r:embed="rId5"/>
               </a:ext>
             </a:extLst>
           </a:blip>
@@ -11418,15 +14247,7 @@
           <a:p>
             <a:r>
               <a:rPr lang="en-US" sz="3600" dirty="0"/>
-              <a:t>QUIZ: What do you </a:t>
-            </a:r>
-            <a:r>
-              <a:rPr lang="en-US" sz="3600" i="1" dirty="0"/>
-              <a:t>think</a:t>
-            </a:r>
-            <a:r>
-              <a:rPr lang="en-US" sz="3600" dirty="0"/>
-              <a:t> will happen?</a:t>
+              <a:t>What if we do something that doesn’t make sense?</a:t>
             </a:r>
           </a:p>
         </p:txBody>
@@ -11628,7 +14449,7 @@
             </a:pPr>
             <a:r>
               <a:rPr lang="en-US" dirty="0"/>
-              <a:t>[1] 1 3 5</a:t>
+              <a:t>[1] 1 2 3</a:t>
             </a:r>
           </a:p>
           <a:p>
@@ -11637,7 +14458,7 @@
             </a:pPr>
             <a:r>
               <a:rPr lang="en-US" dirty="0"/>
-              <a:t>[1] 1 6</a:t>
+              <a:t>[1] 1 4</a:t>
             </a:r>
           </a:p>
           <a:p>
@@ -11697,7 +14518,7 @@
                   <a:schemeClr val="accent1"/>
                 </a:solidFill>
               </a:rPr>
-              <a:t>aa &lt;- c(1, 3, 5)</a:t>
+              <a:t>aa &lt;- c(1, 2, 3)</a:t>
             </a:r>
           </a:p>
           <a:p>
@@ -11876,15 +14697,7 @@
           <a:p>
             <a:r>
               <a:rPr lang="en-US" sz="3600" dirty="0"/>
-              <a:t>QUIZ: What do you </a:t>
-            </a:r>
-            <a:r>
-              <a:rPr lang="en-US" sz="3600" i="1" dirty="0"/>
-              <a:t>think</a:t>
-            </a:r>
-            <a:r>
-              <a:rPr lang="en-US" sz="3600" dirty="0"/>
-              <a:t> will happen?</a:t>
+              <a:t>What if we do something that doesn’t make sense?</a:t>
             </a:r>
           </a:p>
         </p:txBody>
@@ -12086,7 +14899,7 @@
             </a:pPr>
             <a:r>
               <a:rPr lang="en-US" dirty="0"/>
-              <a:t>[1] 1 3 5</a:t>
+              <a:t>[1] 1 2 3</a:t>
             </a:r>
           </a:p>
           <a:p>
@@ -12095,7 +14908,7 @@
             </a:pPr>
             <a:r>
               <a:rPr lang="en-US" dirty="0"/>
-              <a:t>[1] 1 6</a:t>
+              <a:t>[1] 1 4</a:t>
             </a:r>
           </a:p>
           <a:p>
@@ -12155,7 +14968,7 @@
                   <a:schemeClr val="accent1"/>
                 </a:solidFill>
               </a:rPr>
-              <a:t>aa &lt;- c(1, 3, 5)</a:t>
+              <a:t>aa &lt;- c(1, 2, 3)</a:t>
             </a:r>
           </a:p>
           <a:p>
@@ -12190,7 +15003,7 @@
             </a:pPr>
             <a:r>
               <a:rPr lang="en-US" dirty="0"/>
-              <a:t>[1] 1 6 5</a:t>
+              <a:t>[1] 1 4 3</a:t>
             </a:r>
           </a:p>
           <a:p>
@@ -20493,7 +23306,7 @@
           <a:p>
             <a:r>
               <a:rPr lang="en-US" sz="3600" dirty="0"/>
-              <a:t>Too deep too fast, Matt.  Why do we care???</a:t>
+              <a:t>Why do we care???</a:t>
             </a:r>
           </a:p>
         </p:txBody>
@@ -24515,77 +27328,6 @@
           </a:prstGeom>
         </p:spPr>
       </p:pic>
-      <p:pic>
-        <p:nvPicPr>
-          <p:cNvPr id="7" name="Picture 6" descr="A picture containing text, cat, domestic cat&#10;&#10;Description automatically generated">
-            <a:extLst>
-              <a:ext uri="{FF2B5EF4-FFF2-40B4-BE49-F238E27FC236}">
-                <a16:creationId xmlns:a16="http://schemas.microsoft.com/office/drawing/2014/main" id="{993F177B-B7D9-7975-8653-36DAB0C6E261}"/>
-              </a:ext>
-            </a:extLst>
-          </p:cNvPr>
-          <p:cNvPicPr>
-            <a:picLocks noChangeAspect="1"/>
-          </p:cNvPicPr>
-          <p:nvPr/>
-        </p:nvPicPr>
-        <p:blipFill>
-          <a:blip r:embed="rId3">
-            <a:extLst>
-              <a:ext uri="{28A0092B-C50C-407E-A947-70E740481C1C}">
-                <a14:useLocalDpi xmlns:a14="http://schemas.microsoft.com/office/drawing/2010/main" val="0"/>
-              </a:ext>
-            </a:extLst>
-          </a:blip>
-          <a:stretch>
-            <a:fillRect/>
-          </a:stretch>
-        </p:blipFill>
-        <p:spPr>
-          <a:xfrm>
-            <a:off x="9589366" y="4638610"/>
-            <a:ext cx="2017294" cy="2138864"/>
-          </a:xfrm>
-          <a:prstGeom prst="rect">
-            <a:avLst/>
-          </a:prstGeom>
-        </p:spPr>
-      </p:pic>
-      <p:sp>
-        <p:nvSpPr>
-          <p:cNvPr id="3" name="TextBox 2">
-            <a:extLst>
-              <a:ext uri="{FF2B5EF4-FFF2-40B4-BE49-F238E27FC236}">
-                <a16:creationId xmlns:a16="http://schemas.microsoft.com/office/drawing/2014/main" id="{7F0DB7AA-4CD9-DD22-AF2C-9F171524173A}"/>
-              </a:ext>
-            </a:extLst>
-          </p:cNvPr>
-          <p:cNvSpPr txBox="1"/>
-          <p:nvPr/>
-        </p:nvSpPr>
-        <p:spPr>
-          <a:xfrm>
-            <a:off x="4875933" y="6408142"/>
-            <a:ext cx="4731616" cy="369332"/>
-          </a:xfrm>
-          <a:prstGeom prst="rect">
-            <a:avLst/>
-          </a:prstGeom>
-          <a:noFill/>
-        </p:spPr>
-        <p:txBody>
-          <a:bodyPr wrap="none" rtlCol="0">
-            <a:spAutoFit/>
-          </a:bodyPr>
-          <a:lstStyle/>
-          <a:p>
-            <a:r>
-              <a:rPr lang="en-US" dirty="0"/>
-              <a:t>…of course, there’s an art to commenting code…</a:t>
-            </a:r>
-          </a:p>
-        </p:txBody>
-      </p:sp>
     </p:spTree>
     <p:extLst>
       <p:ext uri="{BB962C8B-B14F-4D97-AF65-F5344CB8AC3E}">
@@ -24630,7 +27372,11 @@
                                           </p:stCondLst>
                                         </p:cTn>
                                         <p:tgtEl>
-                                          <p:spTgt spid="7"/>
+                                          <p:spTgt spid="19">
+                                            <p:txEl>
+                                              <p:pRg st="1" end="1"/>
+                                            </p:txEl>
+                                          </p:spTgt>
                                         </p:tgtEl>
                                         <p:attrNameLst>
                                           <p:attrName>style.visibility</p:attrName>
@@ -24644,7 +27390,7 @@
                                 </p:cTn>
                               </p:par>
                               <p:par>
-                                <p:cTn id="7" presetID="1" presetClass="entr" presetSubtype="0" fill="hold" grpId="0" nodeType="withEffect">
+                                <p:cTn id="7" presetID="1" presetClass="entr" presetSubtype="0" fill="hold" nodeType="withEffect">
                                   <p:stCondLst>
                                     <p:cond delay="0"/>
                                   </p:stCondLst>
@@ -24657,7 +27403,118 @@
                                           </p:stCondLst>
                                         </p:cTn>
                                         <p:tgtEl>
-                                          <p:spTgt spid="3"/>
+                                          <p:spTgt spid="19">
+                                            <p:txEl>
+                                              <p:pRg st="2" end="2"/>
+                                            </p:txEl>
+                                          </p:spTgt>
+                                        </p:tgtEl>
+                                        <p:attrNameLst>
+                                          <p:attrName>style.visibility</p:attrName>
+                                        </p:attrNameLst>
+                                      </p:cBhvr>
+                                      <p:to>
+                                        <p:strVal val="visible"/>
+                                      </p:to>
+                                    </p:set>
+                                  </p:childTnLst>
+                                </p:cTn>
+                              </p:par>
+                            </p:childTnLst>
+                          </p:cTn>
+                        </p:par>
+                      </p:childTnLst>
+                    </p:cTn>
+                  </p:par>
+                  <p:par>
+                    <p:cTn id="9" fill="hold">
+                      <p:stCondLst>
+                        <p:cond delay="indefinite"/>
+                      </p:stCondLst>
+                      <p:childTnLst>
+                        <p:par>
+                          <p:cTn id="10" fill="hold">
+                            <p:stCondLst>
+                              <p:cond delay="0"/>
+                            </p:stCondLst>
+                            <p:childTnLst>
+                              <p:par>
+                                <p:cTn id="11" presetID="1" presetClass="entr" presetSubtype="0" fill="hold" nodeType="clickEffect">
+                                  <p:stCondLst>
+                                    <p:cond delay="0"/>
+                                  </p:stCondLst>
+                                  <p:childTnLst>
+                                    <p:set>
+                                      <p:cBhvr>
+                                        <p:cTn id="12" dur="1" fill="hold">
+                                          <p:stCondLst>
+                                            <p:cond delay="0"/>
+                                          </p:stCondLst>
+                                        </p:cTn>
+                                        <p:tgtEl>
+                                          <p:spTgt spid="19">
+                                            <p:txEl>
+                                              <p:pRg st="3" end="3"/>
+                                            </p:txEl>
+                                          </p:spTgt>
+                                        </p:tgtEl>
+                                        <p:attrNameLst>
+                                          <p:attrName>style.visibility</p:attrName>
+                                        </p:attrNameLst>
+                                      </p:cBhvr>
+                                      <p:to>
+                                        <p:strVal val="visible"/>
+                                      </p:to>
+                                    </p:set>
+                                  </p:childTnLst>
+                                </p:cTn>
+                              </p:par>
+                              <p:par>
+                                <p:cTn id="13" presetID="1" presetClass="entr" presetSubtype="0" fill="hold" nodeType="withEffect">
+                                  <p:stCondLst>
+                                    <p:cond delay="0"/>
+                                  </p:stCondLst>
+                                  <p:childTnLst>
+                                    <p:set>
+                                      <p:cBhvr>
+                                        <p:cTn id="14" dur="1" fill="hold">
+                                          <p:stCondLst>
+                                            <p:cond delay="0"/>
+                                          </p:stCondLst>
+                                        </p:cTn>
+                                        <p:tgtEl>
+                                          <p:spTgt spid="19">
+                                            <p:txEl>
+                                              <p:pRg st="4" end="4"/>
+                                            </p:txEl>
+                                          </p:spTgt>
+                                        </p:tgtEl>
+                                        <p:attrNameLst>
+                                          <p:attrName>style.visibility</p:attrName>
+                                        </p:attrNameLst>
+                                      </p:cBhvr>
+                                      <p:to>
+                                        <p:strVal val="visible"/>
+                                      </p:to>
+                                    </p:set>
+                                  </p:childTnLst>
+                                </p:cTn>
+                              </p:par>
+                              <p:par>
+                                <p:cTn id="15" presetID="1" presetClass="entr" presetSubtype="0" fill="hold" nodeType="withEffect">
+                                  <p:stCondLst>
+                                    <p:cond delay="0"/>
+                                  </p:stCondLst>
+                                  <p:childTnLst>
+                                    <p:set>
+                                      <p:cBhvr>
+                                        <p:cTn id="16" dur="1" fill="hold">
+                                          <p:stCondLst>
+                                            <p:cond delay="0"/>
+                                          </p:stCondLst>
+                                        </p:cTn>
+                                        <p:tgtEl>
+                                          <p:spTgt spid="4"/>
                                         </p:tgtEl>
                                         <p:attrNameLst>
                                           <p:attrName>style.visibility</p:attrName>
@@ -24697,9 +27554,6 @@
         </p:cTn>
       </p:par>
     </p:tnLst>
-    <p:bldLst>
-      <p:bldP spid="3" grpId="0"/>
-    </p:bldLst>
   </p:timing>
 </p:sld>
 </file>
@@ -29145,7 +31999,7 @@
             </a:r>
             <a:r>
               <a:rPr lang="en-US" dirty="0"/>
-              <a:t> exists too, it’s just a known unknown</a:t>
+              <a:t> is a way of denoting a known unknown</a:t>
             </a:r>
           </a:p>
           <a:p>
@@ -29180,7 +32034,7 @@
             <a:pPr lvl="1"/>
             <a:r>
               <a:rPr lang="en-US" dirty="0"/>
-              <a:t>“Error” means an expression didn’t evaluate</a:t>
+              <a:t>“Error” means line of code didn’t evaluate</a:t>
             </a:r>
           </a:p>
           <a:p>
@@ -29447,6 +32301,2973 @@
 </p:sld>
 </file>
 
+<file path=ppt/slides/slide38.xml><?xml version="1.0" encoding="utf-8"?>
+<p:sld xmlns:a="http://schemas.openxmlformats.org/drawingml/2006/main" xmlns:r="http://schemas.openxmlformats.org/officeDocument/2006/relationships" xmlns:p="http://schemas.openxmlformats.org/presentationml/2006/main">
+  <p:cSld>
+    <p:spTree>
+      <p:nvGrpSpPr>
+        <p:cNvPr id="1" name=""/>
+        <p:cNvGrpSpPr/>
+        <p:nvPr/>
+      </p:nvGrpSpPr>
+      <p:grpSpPr>
+        <a:xfrm>
+          <a:off x="0" y="0"/>
+          <a:ext cx="0" cy="0"/>
+          <a:chOff x="0" y="0"/>
+          <a:chExt cx="0" cy="0"/>
+        </a:xfrm>
+      </p:grpSpPr>
+      <p:sp>
+        <p:nvSpPr>
+          <p:cNvPr id="2" name="Title 1">
+            <a:extLst>
+              <a:ext uri="{FF2B5EF4-FFF2-40B4-BE49-F238E27FC236}">
+                <a16:creationId xmlns:a16="http://schemas.microsoft.com/office/drawing/2014/main" id="{8115451F-211E-5062-3063-EEFCC622ABEA}"/>
+              </a:ext>
+            </a:extLst>
+          </p:cNvPr>
+          <p:cNvSpPr>
+            <a:spLocks noGrp="1"/>
+          </p:cNvSpPr>
+          <p:nvPr>
+            <p:ph type="title"/>
+          </p:nvPr>
+        </p:nvSpPr>
+        <p:spPr>
+          <a:xfrm>
+            <a:off x="741947" y="1"/>
+            <a:ext cx="10515600" cy="914400"/>
+          </a:xfrm>
+        </p:spPr>
+        <p:txBody>
+          <a:bodyPr>
+            <a:noAutofit/>
+          </a:bodyPr>
+          <a:lstStyle/>
+          <a:p>
+            <a:r>
+              <a:rPr lang="en-US" sz="3600" b="1" dirty="0"/>
+              <a:t>One last thing before we head to </a:t>
+            </a:r>
+            <a:r>
+              <a:rPr lang="en-US" sz="3600" b="1" dirty="0" err="1"/>
+              <a:t>Rstudio</a:t>
+            </a:r>
+            <a:r>
+              <a:rPr lang="en-US" sz="3600" b="1" dirty="0"/>
+              <a:t>!</a:t>
+            </a:r>
+          </a:p>
+        </p:txBody>
+      </p:sp>
+      <p:sp>
+        <p:nvSpPr>
+          <p:cNvPr id="19" name="Content Placeholder 2">
+            <a:extLst>
+              <a:ext uri="{FF2B5EF4-FFF2-40B4-BE49-F238E27FC236}">
+                <a16:creationId xmlns:a16="http://schemas.microsoft.com/office/drawing/2014/main" id="{1E59D450-1D15-06EF-3C95-D5BD186D82C4}"/>
+              </a:ext>
+            </a:extLst>
+          </p:cNvPr>
+          <p:cNvSpPr txBox="1">
+            <a:spLocks/>
+          </p:cNvSpPr>
+          <p:nvPr/>
+        </p:nvSpPr>
+        <p:spPr>
+          <a:xfrm>
+            <a:off x="741946" y="1165257"/>
+            <a:ext cx="8461047" cy="2649659"/>
+          </a:xfrm>
+          <a:prstGeom prst="rect">
+            <a:avLst/>
+          </a:prstGeom>
+        </p:spPr>
+        <p:txBody>
+          <a:bodyPr vert="horz" lIns="91440" tIns="45720" rIns="91440" bIns="45720" rtlCol="0">
+            <a:normAutofit/>
+          </a:bodyPr>
+          <a:lstStyle>
+            <a:lvl1pPr marL="228600" indent="-228600" algn="l" defTabSz="914400" rtl="0" eaLnBrk="1" latinLnBrk="0" hangingPunct="1">
+              <a:lnSpc>
+                <a:spcPct val="90000"/>
+              </a:lnSpc>
+              <a:spcBef>
+                <a:spcPts val="1000"/>
+              </a:spcBef>
+              <a:buFont typeface="Arial" panose="020B0604020202020204" pitchFamily="34" charset="0"/>
+              <a:buChar char="•"/>
+              <a:defRPr sz="2800" kern="1200">
+                <a:solidFill>
+                  <a:schemeClr val="tx1"/>
+                </a:solidFill>
+                <a:latin typeface="+mn-lt"/>
+                <a:ea typeface="+mn-ea"/>
+                <a:cs typeface="+mn-cs"/>
+              </a:defRPr>
+            </a:lvl1pPr>
+            <a:lvl2pPr marL="685800" indent="-228600" algn="l" defTabSz="914400" rtl="0" eaLnBrk="1" latinLnBrk="0" hangingPunct="1">
+              <a:lnSpc>
+                <a:spcPct val="90000"/>
+              </a:lnSpc>
+              <a:spcBef>
+                <a:spcPts val="500"/>
+              </a:spcBef>
+              <a:buFont typeface="Arial" panose="020B0604020202020204" pitchFamily="34" charset="0"/>
+              <a:buChar char="•"/>
+              <a:defRPr sz="2400" kern="1200">
+                <a:solidFill>
+                  <a:schemeClr val="tx1"/>
+                </a:solidFill>
+                <a:latin typeface="+mn-lt"/>
+                <a:ea typeface="+mn-ea"/>
+                <a:cs typeface="+mn-cs"/>
+              </a:defRPr>
+            </a:lvl2pPr>
+            <a:lvl3pPr marL="1143000" indent="-228600" algn="l" defTabSz="914400" rtl="0" eaLnBrk="1" latinLnBrk="0" hangingPunct="1">
+              <a:lnSpc>
+                <a:spcPct val="90000"/>
+              </a:lnSpc>
+              <a:spcBef>
+                <a:spcPts val="500"/>
+              </a:spcBef>
+              <a:buFont typeface="Arial" panose="020B0604020202020204" pitchFamily="34" charset="0"/>
+              <a:buChar char="•"/>
+              <a:defRPr sz="2000" kern="1200">
+                <a:solidFill>
+                  <a:schemeClr val="tx1"/>
+                </a:solidFill>
+                <a:latin typeface="+mn-lt"/>
+                <a:ea typeface="+mn-ea"/>
+                <a:cs typeface="+mn-cs"/>
+              </a:defRPr>
+            </a:lvl3pPr>
+            <a:lvl4pPr marL="1600200" indent="-228600" algn="l" defTabSz="914400" rtl="0" eaLnBrk="1" latinLnBrk="0" hangingPunct="1">
+              <a:lnSpc>
+                <a:spcPct val="90000"/>
+              </a:lnSpc>
+              <a:spcBef>
+                <a:spcPts val="500"/>
+              </a:spcBef>
+              <a:buFont typeface="Arial" panose="020B0604020202020204" pitchFamily="34" charset="0"/>
+              <a:buChar char="•"/>
+              <a:defRPr sz="1800" kern="1200">
+                <a:solidFill>
+                  <a:schemeClr val="tx1"/>
+                </a:solidFill>
+                <a:latin typeface="+mn-lt"/>
+                <a:ea typeface="+mn-ea"/>
+                <a:cs typeface="+mn-cs"/>
+              </a:defRPr>
+            </a:lvl4pPr>
+            <a:lvl5pPr marL="2057400" indent="-228600" algn="l" defTabSz="914400" rtl="0" eaLnBrk="1" latinLnBrk="0" hangingPunct="1">
+              <a:lnSpc>
+                <a:spcPct val="90000"/>
+              </a:lnSpc>
+              <a:spcBef>
+                <a:spcPts val="500"/>
+              </a:spcBef>
+              <a:buFont typeface="Arial" panose="020B0604020202020204" pitchFamily="34" charset="0"/>
+              <a:buChar char="•"/>
+              <a:defRPr sz="1800" kern="1200">
+                <a:solidFill>
+                  <a:schemeClr val="tx1"/>
+                </a:solidFill>
+                <a:latin typeface="+mn-lt"/>
+                <a:ea typeface="+mn-ea"/>
+                <a:cs typeface="+mn-cs"/>
+              </a:defRPr>
+            </a:lvl5pPr>
+            <a:lvl6pPr marL="2514600" indent="-228600" algn="l" defTabSz="914400" rtl="0" eaLnBrk="1" latinLnBrk="0" hangingPunct="1">
+              <a:lnSpc>
+                <a:spcPct val="90000"/>
+              </a:lnSpc>
+              <a:spcBef>
+                <a:spcPts val="500"/>
+              </a:spcBef>
+              <a:buFont typeface="Arial" panose="020B0604020202020204" pitchFamily="34" charset="0"/>
+              <a:buChar char="•"/>
+              <a:defRPr sz="1800" kern="1200">
+                <a:solidFill>
+                  <a:schemeClr val="tx1"/>
+                </a:solidFill>
+                <a:latin typeface="+mn-lt"/>
+                <a:ea typeface="+mn-ea"/>
+                <a:cs typeface="+mn-cs"/>
+              </a:defRPr>
+            </a:lvl6pPr>
+            <a:lvl7pPr marL="2971800" indent="-228600" algn="l" defTabSz="914400" rtl="0" eaLnBrk="1" latinLnBrk="0" hangingPunct="1">
+              <a:lnSpc>
+                <a:spcPct val="90000"/>
+              </a:lnSpc>
+              <a:spcBef>
+                <a:spcPts val="500"/>
+              </a:spcBef>
+              <a:buFont typeface="Arial" panose="020B0604020202020204" pitchFamily="34" charset="0"/>
+              <a:buChar char="•"/>
+              <a:defRPr sz="1800" kern="1200">
+                <a:solidFill>
+                  <a:schemeClr val="tx1"/>
+                </a:solidFill>
+                <a:latin typeface="+mn-lt"/>
+                <a:ea typeface="+mn-ea"/>
+                <a:cs typeface="+mn-cs"/>
+              </a:defRPr>
+            </a:lvl7pPr>
+            <a:lvl8pPr marL="3429000" indent="-228600" algn="l" defTabSz="914400" rtl="0" eaLnBrk="1" latinLnBrk="0" hangingPunct="1">
+              <a:lnSpc>
+                <a:spcPct val="90000"/>
+              </a:lnSpc>
+              <a:spcBef>
+                <a:spcPts val="500"/>
+              </a:spcBef>
+              <a:buFont typeface="Arial" panose="020B0604020202020204" pitchFamily="34" charset="0"/>
+              <a:buChar char="•"/>
+              <a:defRPr sz="1800" kern="1200">
+                <a:solidFill>
+                  <a:schemeClr val="tx1"/>
+                </a:solidFill>
+                <a:latin typeface="+mn-lt"/>
+                <a:ea typeface="+mn-ea"/>
+                <a:cs typeface="+mn-cs"/>
+              </a:defRPr>
+            </a:lvl8pPr>
+            <a:lvl9pPr marL="3886200" indent="-228600" algn="l" defTabSz="914400" rtl="0" eaLnBrk="1" latinLnBrk="0" hangingPunct="1">
+              <a:lnSpc>
+                <a:spcPct val="90000"/>
+              </a:lnSpc>
+              <a:spcBef>
+                <a:spcPts val="500"/>
+              </a:spcBef>
+              <a:buFont typeface="Arial" panose="020B0604020202020204" pitchFamily="34" charset="0"/>
+              <a:buChar char="•"/>
+              <a:defRPr sz="1800" kern="1200">
+                <a:solidFill>
+                  <a:schemeClr val="tx1"/>
+                </a:solidFill>
+                <a:latin typeface="+mn-lt"/>
+                <a:ea typeface="+mn-ea"/>
+                <a:cs typeface="+mn-cs"/>
+              </a:defRPr>
+            </a:lvl9pPr>
+          </a:lstStyle>
+          <a:p>
+            <a:endParaRPr lang="en-US" dirty="0"/>
+          </a:p>
+        </p:txBody>
+      </p:sp>
+      <p:sp>
+        <p:nvSpPr>
+          <p:cNvPr id="3" name="Content Placeholder 2">
+            <a:extLst>
+              <a:ext uri="{FF2B5EF4-FFF2-40B4-BE49-F238E27FC236}">
+                <a16:creationId xmlns:a16="http://schemas.microsoft.com/office/drawing/2014/main" id="{DB566984-E5C5-ECC5-287A-D44DCCBB65C8}"/>
+              </a:ext>
+            </a:extLst>
+          </p:cNvPr>
+          <p:cNvSpPr txBox="1">
+            <a:spLocks/>
+          </p:cNvSpPr>
+          <p:nvPr/>
+        </p:nvSpPr>
+        <p:spPr>
+          <a:xfrm>
+            <a:off x="741946" y="870297"/>
+            <a:ext cx="4281316" cy="578493"/>
+          </a:xfrm>
+          <a:prstGeom prst="rect">
+            <a:avLst/>
+          </a:prstGeom>
+        </p:spPr>
+        <p:txBody>
+          <a:bodyPr vert="horz" lIns="91440" tIns="45720" rIns="91440" bIns="45720" rtlCol="0">
+            <a:normAutofit/>
+          </a:bodyPr>
+          <a:lstStyle>
+            <a:lvl1pPr marL="228600" indent="-228600" algn="l" defTabSz="914400" rtl="0" eaLnBrk="1" latinLnBrk="0" hangingPunct="1">
+              <a:lnSpc>
+                <a:spcPct val="90000"/>
+              </a:lnSpc>
+              <a:spcBef>
+                <a:spcPts val="1000"/>
+              </a:spcBef>
+              <a:buFont typeface="Arial" panose="020B0604020202020204" pitchFamily="34" charset="0"/>
+              <a:buChar char="•"/>
+              <a:defRPr sz="2800" kern="1200">
+                <a:solidFill>
+                  <a:schemeClr val="tx1"/>
+                </a:solidFill>
+                <a:latin typeface="+mn-lt"/>
+                <a:ea typeface="+mn-ea"/>
+                <a:cs typeface="+mn-cs"/>
+              </a:defRPr>
+            </a:lvl1pPr>
+            <a:lvl2pPr marL="685800" indent="-228600" algn="l" defTabSz="914400" rtl="0" eaLnBrk="1" latinLnBrk="0" hangingPunct="1">
+              <a:lnSpc>
+                <a:spcPct val="90000"/>
+              </a:lnSpc>
+              <a:spcBef>
+                <a:spcPts val="500"/>
+              </a:spcBef>
+              <a:buFont typeface="Arial" panose="020B0604020202020204" pitchFamily="34" charset="0"/>
+              <a:buChar char="•"/>
+              <a:defRPr sz="2400" kern="1200">
+                <a:solidFill>
+                  <a:schemeClr val="tx1"/>
+                </a:solidFill>
+                <a:latin typeface="+mn-lt"/>
+                <a:ea typeface="+mn-ea"/>
+                <a:cs typeface="+mn-cs"/>
+              </a:defRPr>
+            </a:lvl2pPr>
+            <a:lvl3pPr marL="1143000" indent="-228600" algn="l" defTabSz="914400" rtl="0" eaLnBrk="1" latinLnBrk="0" hangingPunct="1">
+              <a:lnSpc>
+                <a:spcPct val="90000"/>
+              </a:lnSpc>
+              <a:spcBef>
+                <a:spcPts val="500"/>
+              </a:spcBef>
+              <a:buFont typeface="Arial" panose="020B0604020202020204" pitchFamily="34" charset="0"/>
+              <a:buChar char="•"/>
+              <a:defRPr sz="2000" kern="1200">
+                <a:solidFill>
+                  <a:schemeClr val="tx1"/>
+                </a:solidFill>
+                <a:latin typeface="+mn-lt"/>
+                <a:ea typeface="+mn-ea"/>
+                <a:cs typeface="+mn-cs"/>
+              </a:defRPr>
+            </a:lvl3pPr>
+            <a:lvl4pPr marL="1600200" indent="-228600" algn="l" defTabSz="914400" rtl="0" eaLnBrk="1" latinLnBrk="0" hangingPunct="1">
+              <a:lnSpc>
+                <a:spcPct val="90000"/>
+              </a:lnSpc>
+              <a:spcBef>
+                <a:spcPts val="500"/>
+              </a:spcBef>
+              <a:buFont typeface="Arial" panose="020B0604020202020204" pitchFamily="34" charset="0"/>
+              <a:buChar char="•"/>
+              <a:defRPr sz="1800" kern="1200">
+                <a:solidFill>
+                  <a:schemeClr val="tx1"/>
+                </a:solidFill>
+                <a:latin typeface="+mn-lt"/>
+                <a:ea typeface="+mn-ea"/>
+                <a:cs typeface="+mn-cs"/>
+              </a:defRPr>
+            </a:lvl4pPr>
+            <a:lvl5pPr marL="2057400" indent="-228600" algn="l" defTabSz="914400" rtl="0" eaLnBrk="1" latinLnBrk="0" hangingPunct="1">
+              <a:lnSpc>
+                <a:spcPct val="90000"/>
+              </a:lnSpc>
+              <a:spcBef>
+                <a:spcPts val="500"/>
+              </a:spcBef>
+              <a:buFont typeface="Arial" panose="020B0604020202020204" pitchFamily="34" charset="0"/>
+              <a:buChar char="•"/>
+              <a:defRPr sz="1800" kern="1200">
+                <a:solidFill>
+                  <a:schemeClr val="tx1"/>
+                </a:solidFill>
+                <a:latin typeface="+mn-lt"/>
+                <a:ea typeface="+mn-ea"/>
+                <a:cs typeface="+mn-cs"/>
+              </a:defRPr>
+            </a:lvl5pPr>
+            <a:lvl6pPr marL="2514600" indent="-228600" algn="l" defTabSz="914400" rtl="0" eaLnBrk="1" latinLnBrk="0" hangingPunct="1">
+              <a:lnSpc>
+                <a:spcPct val="90000"/>
+              </a:lnSpc>
+              <a:spcBef>
+                <a:spcPts val="500"/>
+              </a:spcBef>
+              <a:buFont typeface="Arial" panose="020B0604020202020204" pitchFamily="34" charset="0"/>
+              <a:buChar char="•"/>
+              <a:defRPr sz="1800" kern="1200">
+                <a:solidFill>
+                  <a:schemeClr val="tx1"/>
+                </a:solidFill>
+                <a:latin typeface="+mn-lt"/>
+                <a:ea typeface="+mn-ea"/>
+                <a:cs typeface="+mn-cs"/>
+              </a:defRPr>
+            </a:lvl6pPr>
+            <a:lvl7pPr marL="2971800" indent="-228600" algn="l" defTabSz="914400" rtl="0" eaLnBrk="1" latinLnBrk="0" hangingPunct="1">
+              <a:lnSpc>
+                <a:spcPct val="90000"/>
+              </a:lnSpc>
+              <a:spcBef>
+                <a:spcPts val="500"/>
+              </a:spcBef>
+              <a:buFont typeface="Arial" panose="020B0604020202020204" pitchFamily="34" charset="0"/>
+              <a:buChar char="•"/>
+              <a:defRPr sz="1800" kern="1200">
+                <a:solidFill>
+                  <a:schemeClr val="tx1"/>
+                </a:solidFill>
+                <a:latin typeface="+mn-lt"/>
+                <a:ea typeface="+mn-ea"/>
+                <a:cs typeface="+mn-cs"/>
+              </a:defRPr>
+            </a:lvl7pPr>
+            <a:lvl8pPr marL="3429000" indent="-228600" algn="l" defTabSz="914400" rtl="0" eaLnBrk="1" latinLnBrk="0" hangingPunct="1">
+              <a:lnSpc>
+                <a:spcPct val="90000"/>
+              </a:lnSpc>
+              <a:spcBef>
+                <a:spcPts val="500"/>
+              </a:spcBef>
+              <a:buFont typeface="Arial" panose="020B0604020202020204" pitchFamily="34" charset="0"/>
+              <a:buChar char="•"/>
+              <a:defRPr sz="1800" kern="1200">
+                <a:solidFill>
+                  <a:schemeClr val="tx1"/>
+                </a:solidFill>
+                <a:latin typeface="+mn-lt"/>
+                <a:ea typeface="+mn-ea"/>
+                <a:cs typeface="+mn-cs"/>
+              </a:defRPr>
+            </a:lvl8pPr>
+            <a:lvl9pPr marL="3886200" indent="-228600" algn="l" defTabSz="914400" rtl="0" eaLnBrk="1" latinLnBrk="0" hangingPunct="1">
+              <a:lnSpc>
+                <a:spcPct val="90000"/>
+              </a:lnSpc>
+              <a:spcBef>
+                <a:spcPts val="500"/>
+              </a:spcBef>
+              <a:buFont typeface="Arial" panose="020B0604020202020204" pitchFamily="34" charset="0"/>
+              <a:buChar char="•"/>
+              <a:defRPr sz="1800" kern="1200">
+                <a:solidFill>
+                  <a:schemeClr val="tx1"/>
+                </a:solidFill>
+                <a:latin typeface="+mn-lt"/>
+                <a:ea typeface="+mn-ea"/>
+                <a:cs typeface="+mn-cs"/>
+              </a:defRPr>
+            </a:lvl9pPr>
+          </a:lstStyle>
+          <a:p>
+            <a:r>
+              <a:rPr lang="en-US" b="1" dirty="0"/>
+              <a:t>Escaping incomplete lines</a:t>
+            </a:r>
+          </a:p>
+          <a:p>
+            <a:endParaRPr lang="en-US" b="1" dirty="0"/>
+          </a:p>
+        </p:txBody>
+      </p:sp>
+      <p:pic>
+        <p:nvPicPr>
+          <p:cNvPr id="5" name="Picture 4">
+            <a:extLst>
+              <a:ext uri="{FF2B5EF4-FFF2-40B4-BE49-F238E27FC236}">
+                <a16:creationId xmlns:a16="http://schemas.microsoft.com/office/drawing/2014/main" id="{26E0C637-6D1C-1F3E-8C75-109CC96B6148}"/>
+              </a:ext>
+            </a:extLst>
+          </p:cNvPr>
+          <p:cNvPicPr>
+            <a:picLocks noChangeAspect="1"/>
+          </p:cNvPicPr>
+          <p:nvPr/>
+        </p:nvPicPr>
+        <p:blipFill rotWithShape="1">
+          <a:blip r:embed="rId2"/>
+          <a:srcRect b="5974"/>
+          <a:stretch/>
+        </p:blipFill>
+        <p:spPr>
+          <a:xfrm>
+            <a:off x="1131632" y="1535195"/>
+            <a:ext cx="2795915" cy="957187"/>
+          </a:xfrm>
+          <a:prstGeom prst="rect">
+            <a:avLst/>
+          </a:prstGeom>
+        </p:spPr>
+      </p:pic>
+      <p:sp>
+        <p:nvSpPr>
+          <p:cNvPr id="6" name="Content Placeholder 2">
+            <a:extLst>
+              <a:ext uri="{FF2B5EF4-FFF2-40B4-BE49-F238E27FC236}">
+                <a16:creationId xmlns:a16="http://schemas.microsoft.com/office/drawing/2014/main" id="{A9D37E79-C76A-0CAC-1230-602FC6974EE4}"/>
+              </a:ext>
+            </a:extLst>
+          </p:cNvPr>
+          <p:cNvSpPr txBox="1">
+            <a:spLocks/>
+          </p:cNvSpPr>
+          <p:nvPr/>
+        </p:nvSpPr>
+        <p:spPr>
+          <a:xfrm>
+            <a:off x="5184329" y="1342378"/>
+            <a:ext cx="4072353" cy="1018001"/>
+          </a:xfrm>
+          <a:prstGeom prst="rect">
+            <a:avLst/>
+          </a:prstGeom>
+        </p:spPr>
+        <p:txBody>
+          <a:bodyPr vert="horz" lIns="91440" tIns="45720" rIns="91440" bIns="45720" rtlCol="0">
+            <a:normAutofit/>
+          </a:bodyPr>
+          <a:lstStyle>
+            <a:lvl1pPr marL="228600" indent="-228600" algn="l" defTabSz="914400" rtl="0" eaLnBrk="1" latinLnBrk="0" hangingPunct="1">
+              <a:lnSpc>
+                <a:spcPct val="90000"/>
+              </a:lnSpc>
+              <a:spcBef>
+                <a:spcPts val="1000"/>
+              </a:spcBef>
+              <a:buFont typeface="Arial" panose="020B0604020202020204" pitchFamily="34" charset="0"/>
+              <a:buChar char="•"/>
+              <a:defRPr sz="2800" kern="1200">
+                <a:solidFill>
+                  <a:schemeClr val="tx1"/>
+                </a:solidFill>
+                <a:latin typeface="+mn-lt"/>
+                <a:ea typeface="+mn-ea"/>
+                <a:cs typeface="+mn-cs"/>
+              </a:defRPr>
+            </a:lvl1pPr>
+            <a:lvl2pPr marL="685800" indent="-228600" algn="l" defTabSz="914400" rtl="0" eaLnBrk="1" latinLnBrk="0" hangingPunct="1">
+              <a:lnSpc>
+                <a:spcPct val="90000"/>
+              </a:lnSpc>
+              <a:spcBef>
+                <a:spcPts val="500"/>
+              </a:spcBef>
+              <a:buFont typeface="Arial" panose="020B0604020202020204" pitchFamily="34" charset="0"/>
+              <a:buChar char="•"/>
+              <a:defRPr sz="2400" kern="1200">
+                <a:solidFill>
+                  <a:schemeClr val="tx1"/>
+                </a:solidFill>
+                <a:latin typeface="+mn-lt"/>
+                <a:ea typeface="+mn-ea"/>
+                <a:cs typeface="+mn-cs"/>
+              </a:defRPr>
+            </a:lvl2pPr>
+            <a:lvl3pPr marL="1143000" indent="-228600" algn="l" defTabSz="914400" rtl="0" eaLnBrk="1" latinLnBrk="0" hangingPunct="1">
+              <a:lnSpc>
+                <a:spcPct val="90000"/>
+              </a:lnSpc>
+              <a:spcBef>
+                <a:spcPts val="500"/>
+              </a:spcBef>
+              <a:buFont typeface="Arial" panose="020B0604020202020204" pitchFamily="34" charset="0"/>
+              <a:buChar char="•"/>
+              <a:defRPr sz="2000" kern="1200">
+                <a:solidFill>
+                  <a:schemeClr val="tx1"/>
+                </a:solidFill>
+                <a:latin typeface="+mn-lt"/>
+                <a:ea typeface="+mn-ea"/>
+                <a:cs typeface="+mn-cs"/>
+              </a:defRPr>
+            </a:lvl3pPr>
+            <a:lvl4pPr marL="1600200" indent="-228600" algn="l" defTabSz="914400" rtl="0" eaLnBrk="1" latinLnBrk="0" hangingPunct="1">
+              <a:lnSpc>
+                <a:spcPct val="90000"/>
+              </a:lnSpc>
+              <a:spcBef>
+                <a:spcPts val="500"/>
+              </a:spcBef>
+              <a:buFont typeface="Arial" panose="020B0604020202020204" pitchFamily="34" charset="0"/>
+              <a:buChar char="•"/>
+              <a:defRPr sz="1800" kern="1200">
+                <a:solidFill>
+                  <a:schemeClr val="tx1"/>
+                </a:solidFill>
+                <a:latin typeface="+mn-lt"/>
+                <a:ea typeface="+mn-ea"/>
+                <a:cs typeface="+mn-cs"/>
+              </a:defRPr>
+            </a:lvl4pPr>
+            <a:lvl5pPr marL="2057400" indent="-228600" algn="l" defTabSz="914400" rtl="0" eaLnBrk="1" latinLnBrk="0" hangingPunct="1">
+              <a:lnSpc>
+                <a:spcPct val="90000"/>
+              </a:lnSpc>
+              <a:spcBef>
+                <a:spcPts val="500"/>
+              </a:spcBef>
+              <a:buFont typeface="Arial" panose="020B0604020202020204" pitchFamily="34" charset="0"/>
+              <a:buChar char="•"/>
+              <a:defRPr sz="1800" kern="1200">
+                <a:solidFill>
+                  <a:schemeClr val="tx1"/>
+                </a:solidFill>
+                <a:latin typeface="+mn-lt"/>
+                <a:ea typeface="+mn-ea"/>
+                <a:cs typeface="+mn-cs"/>
+              </a:defRPr>
+            </a:lvl5pPr>
+            <a:lvl6pPr marL="2514600" indent="-228600" algn="l" defTabSz="914400" rtl="0" eaLnBrk="1" latinLnBrk="0" hangingPunct="1">
+              <a:lnSpc>
+                <a:spcPct val="90000"/>
+              </a:lnSpc>
+              <a:spcBef>
+                <a:spcPts val="500"/>
+              </a:spcBef>
+              <a:buFont typeface="Arial" panose="020B0604020202020204" pitchFamily="34" charset="0"/>
+              <a:buChar char="•"/>
+              <a:defRPr sz="1800" kern="1200">
+                <a:solidFill>
+                  <a:schemeClr val="tx1"/>
+                </a:solidFill>
+                <a:latin typeface="+mn-lt"/>
+                <a:ea typeface="+mn-ea"/>
+                <a:cs typeface="+mn-cs"/>
+              </a:defRPr>
+            </a:lvl6pPr>
+            <a:lvl7pPr marL="2971800" indent="-228600" algn="l" defTabSz="914400" rtl="0" eaLnBrk="1" latinLnBrk="0" hangingPunct="1">
+              <a:lnSpc>
+                <a:spcPct val="90000"/>
+              </a:lnSpc>
+              <a:spcBef>
+                <a:spcPts val="500"/>
+              </a:spcBef>
+              <a:buFont typeface="Arial" panose="020B0604020202020204" pitchFamily="34" charset="0"/>
+              <a:buChar char="•"/>
+              <a:defRPr sz="1800" kern="1200">
+                <a:solidFill>
+                  <a:schemeClr val="tx1"/>
+                </a:solidFill>
+                <a:latin typeface="+mn-lt"/>
+                <a:ea typeface="+mn-ea"/>
+                <a:cs typeface="+mn-cs"/>
+              </a:defRPr>
+            </a:lvl7pPr>
+            <a:lvl8pPr marL="3429000" indent="-228600" algn="l" defTabSz="914400" rtl="0" eaLnBrk="1" latinLnBrk="0" hangingPunct="1">
+              <a:lnSpc>
+                <a:spcPct val="90000"/>
+              </a:lnSpc>
+              <a:spcBef>
+                <a:spcPts val="500"/>
+              </a:spcBef>
+              <a:buFont typeface="Arial" panose="020B0604020202020204" pitchFamily="34" charset="0"/>
+              <a:buChar char="•"/>
+              <a:defRPr sz="1800" kern="1200">
+                <a:solidFill>
+                  <a:schemeClr val="tx1"/>
+                </a:solidFill>
+                <a:latin typeface="+mn-lt"/>
+                <a:ea typeface="+mn-ea"/>
+                <a:cs typeface="+mn-cs"/>
+              </a:defRPr>
+            </a:lvl8pPr>
+            <a:lvl9pPr marL="3886200" indent="-228600" algn="l" defTabSz="914400" rtl="0" eaLnBrk="1" latinLnBrk="0" hangingPunct="1">
+              <a:lnSpc>
+                <a:spcPct val="90000"/>
+              </a:lnSpc>
+              <a:spcBef>
+                <a:spcPts val="500"/>
+              </a:spcBef>
+              <a:buFont typeface="Arial" panose="020B0604020202020204" pitchFamily="34" charset="0"/>
+              <a:buChar char="•"/>
+              <a:defRPr sz="1800" kern="1200">
+                <a:solidFill>
+                  <a:schemeClr val="tx1"/>
+                </a:solidFill>
+                <a:latin typeface="+mn-lt"/>
+                <a:ea typeface="+mn-ea"/>
+                <a:cs typeface="+mn-cs"/>
+              </a:defRPr>
+            </a:lvl9pPr>
+          </a:lstStyle>
+          <a:p>
+            <a:pPr marL="0" indent="0">
+              <a:buNone/>
+            </a:pPr>
+            <a:r>
+              <a:rPr lang="en-US" i="1" dirty="0"/>
+              <a:t>R ignores whitespace, which includes &lt;return&gt;</a:t>
+            </a:r>
+          </a:p>
+          <a:p>
+            <a:endParaRPr lang="en-US" i="1" dirty="0"/>
+          </a:p>
+        </p:txBody>
+      </p:sp>
+      <p:cxnSp>
+        <p:nvCxnSpPr>
+          <p:cNvPr id="9" name="Straight Arrow Connector 8">
+            <a:extLst>
+              <a:ext uri="{FF2B5EF4-FFF2-40B4-BE49-F238E27FC236}">
+                <a16:creationId xmlns:a16="http://schemas.microsoft.com/office/drawing/2014/main" id="{16D43FF0-5A5D-FBA0-397F-0029A7B4F356}"/>
+              </a:ext>
+            </a:extLst>
+          </p:cNvPr>
+          <p:cNvCxnSpPr>
+            <a:cxnSpLocks/>
+          </p:cNvCxnSpPr>
+          <p:nvPr/>
+        </p:nvCxnSpPr>
+        <p:spPr>
+          <a:xfrm flipH="1" flipV="1">
+            <a:off x="1588168" y="2666198"/>
+            <a:ext cx="259883" cy="548640"/>
+          </a:xfrm>
+          <a:prstGeom prst="straightConnector1">
+            <a:avLst/>
+          </a:prstGeom>
+          <a:ln w="50800">
+            <a:tailEnd type="triangle"/>
+          </a:ln>
+        </p:spPr>
+        <p:style>
+          <a:lnRef idx="1">
+            <a:schemeClr val="accent1"/>
+          </a:lnRef>
+          <a:fillRef idx="0">
+            <a:schemeClr val="accent1"/>
+          </a:fillRef>
+          <a:effectRef idx="0">
+            <a:schemeClr val="accent1"/>
+          </a:effectRef>
+          <a:fontRef idx="minor">
+            <a:schemeClr val="tx1"/>
+          </a:fontRef>
+        </p:style>
+      </p:cxnSp>
+      <p:sp>
+        <p:nvSpPr>
+          <p:cNvPr id="11" name="Content Placeholder 2">
+            <a:extLst>
+              <a:ext uri="{FF2B5EF4-FFF2-40B4-BE49-F238E27FC236}">
+                <a16:creationId xmlns:a16="http://schemas.microsoft.com/office/drawing/2014/main" id="{D071C0B3-789B-F909-7DB7-18E1018FCA49}"/>
+              </a:ext>
+            </a:extLst>
+          </p:cNvPr>
+          <p:cNvSpPr txBox="1">
+            <a:spLocks/>
+          </p:cNvSpPr>
+          <p:nvPr/>
+        </p:nvSpPr>
+        <p:spPr>
+          <a:xfrm>
+            <a:off x="1097020" y="3328480"/>
+            <a:ext cx="5661054" cy="908351"/>
+          </a:xfrm>
+          <a:prstGeom prst="rect">
+            <a:avLst/>
+          </a:prstGeom>
+        </p:spPr>
+        <p:txBody>
+          <a:bodyPr vert="horz" lIns="91440" tIns="45720" rIns="91440" bIns="45720" rtlCol="0">
+            <a:normAutofit/>
+          </a:bodyPr>
+          <a:lstStyle>
+            <a:lvl1pPr marL="228600" indent="-228600" algn="l" defTabSz="914400" rtl="0" eaLnBrk="1" latinLnBrk="0" hangingPunct="1">
+              <a:lnSpc>
+                <a:spcPct val="90000"/>
+              </a:lnSpc>
+              <a:spcBef>
+                <a:spcPts val="1000"/>
+              </a:spcBef>
+              <a:buFont typeface="Arial" panose="020B0604020202020204" pitchFamily="34" charset="0"/>
+              <a:buChar char="•"/>
+              <a:defRPr sz="2800" kern="1200">
+                <a:solidFill>
+                  <a:schemeClr val="tx1"/>
+                </a:solidFill>
+                <a:latin typeface="+mn-lt"/>
+                <a:ea typeface="+mn-ea"/>
+                <a:cs typeface="+mn-cs"/>
+              </a:defRPr>
+            </a:lvl1pPr>
+            <a:lvl2pPr marL="685800" indent="-228600" algn="l" defTabSz="914400" rtl="0" eaLnBrk="1" latinLnBrk="0" hangingPunct="1">
+              <a:lnSpc>
+                <a:spcPct val="90000"/>
+              </a:lnSpc>
+              <a:spcBef>
+                <a:spcPts val="500"/>
+              </a:spcBef>
+              <a:buFont typeface="Arial" panose="020B0604020202020204" pitchFamily="34" charset="0"/>
+              <a:buChar char="•"/>
+              <a:defRPr sz="2400" kern="1200">
+                <a:solidFill>
+                  <a:schemeClr val="tx1"/>
+                </a:solidFill>
+                <a:latin typeface="+mn-lt"/>
+                <a:ea typeface="+mn-ea"/>
+                <a:cs typeface="+mn-cs"/>
+              </a:defRPr>
+            </a:lvl2pPr>
+            <a:lvl3pPr marL="1143000" indent="-228600" algn="l" defTabSz="914400" rtl="0" eaLnBrk="1" latinLnBrk="0" hangingPunct="1">
+              <a:lnSpc>
+                <a:spcPct val="90000"/>
+              </a:lnSpc>
+              <a:spcBef>
+                <a:spcPts val="500"/>
+              </a:spcBef>
+              <a:buFont typeface="Arial" panose="020B0604020202020204" pitchFamily="34" charset="0"/>
+              <a:buChar char="•"/>
+              <a:defRPr sz="2000" kern="1200">
+                <a:solidFill>
+                  <a:schemeClr val="tx1"/>
+                </a:solidFill>
+                <a:latin typeface="+mn-lt"/>
+                <a:ea typeface="+mn-ea"/>
+                <a:cs typeface="+mn-cs"/>
+              </a:defRPr>
+            </a:lvl3pPr>
+            <a:lvl4pPr marL="1600200" indent="-228600" algn="l" defTabSz="914400" rtl="0" eaLnBrk="1" latinLnBrk="0" hangingPunct="1">
+              <a:lnSpc>
+                <a:spcPct val="90000"/>
+              </a:lnSpc>
+              <a:spcBef>
+                <a:spcPts val="500"/>
+              </a:spcBef>
+              <a:buFont typeface="Arial" panose="020B0604020202020204" pitchFamily="34" charset="0"/>
+              <a:buChar char="•"/>
+              <a:defRPr sz="1800" kern="1200">
+                <a:solidFill>
+                  <a:schemeClr val="tx1"/>
+                </a:solidFill>
+                <a:latin typeface="+mn-lt"/>
+                <a:ea typeface="+mn-ea"/>
+                <a:cs typeface="+mn-cs"/>
+              </a:defRPr>
+            </a:lvl4pPr>
+            <a:lvl5pPr marL="2057400" indent="-228600" algn="l" defTabSz="914400" rtl="0" eaLnBrk="1" latinLnBrk="0" hangingPunct="1">
+              <a:lnSpc>
+                <a:spcPct val="90000"/>
+              </a:lnSpc>
+              <a:spcBef>
+                <a:spcPts val="500"/>
+              </a:spcBef>
+              <a:buFont typeface="Arial" panose="020B0604020202020204" pitchFamily="34" charset="0"/>
+              <a:buChar char="•"/>
+              <a:defRPr sz="1800" kern="1200">
+                <a:solidFill>
+                  <a:schemeClr val="tx1"/>
+                </a:solidFill>
+                <a:latin typeface="+mn-lt"/>
+                <a:ea typeface="+mn-ea"/>
+                <a:cs typeface="+mn-cs"/>
+              </a:defRPr>
+            </a:lvl5pPr>
+            <a:lvl6pPr marL="2514600" indent="-228600" algn="l" defTabSz="914400" rtl="0" eaLnBrk="1" latinLnBrk="0" hangingPunct="1">
+              <a:lnSpc>
+                <a:spcPct val="90000"/>
+              </a:lnSpc>
+              <a:spcBef>
+                <a:spcPts val="500"/>
+              </a:spcBef>
+              <a:buFont typeface="Arial" panose="020B0604020202020204" pitchFamily="34" charset="0"/>
+              <a:buChar char="•"/>
+              <a:defRPr sz="1800" kern="1200">
+                <a:solidFill>
+                  <a:schemeClr val="tx1"/>
+                </a:solidFill>
+                <a:latin typeface="+mn-lt"/>
+                <a:ea typeface="+mn-ea"/>
+                <a:cs typeface="+mn-cs"/>
+              </a:defRPr>
+            </a:lvl6pPr>
+            <a:lvl7pPr marL="2971800" indent="-228600" algn="l" defTabSz="914400" rtl="0" eaLnBrk="1" latinLnBrk="0" hangingPunct="1">
+              <a:lnSpc>
+                <a:spcPct val="90000"/>
+              </a:lnSpc>
+              <a:spcBef>
+                <a:spcPts val="500"/>
+              </a:spcBef>
+              <a:buFont typeface="Arial" panose="020B0604020202020204" pitchFamily="34" charset="0"/>
+              <a:buChar char="•"/>
+              <a:defRPr sz="1800" kern="1200">
+                <a:solidFill>
+                  <a:schemeClr val="tx1"/>
+                </a:solidFill>
+                <a:latin typeface="+mn-lt"/>
+                <a:ea typeface="+mn-ea"/>
+                <a:cs typeface="+mn-cs"/>
+              </a:defRPr>
+            </a:lvl7pPr>
+            <a:lvl8pPr marL="3429000" indent="-228600" algn="l" defTabSz="914400" rtl="0" eaLnBrk="1" latinLnBrk="0" hangingPunct="1">
+              <a:lnSpc>
+                <a:spcPct val="90000"/>
+              </a:lnSpc>
+              <a:spcBef>
+                <a:spcPts val="500"/>
+              </a:spcBef>
+              <a:buFont typeface="Arial" panose="020B0604020202020204" pitchFamily="34" charset="0"/>
+              <a:buChar char="•"/>
+              <a:defRPr sz="1800" kern="1200">
+                <a:solidFill>
+                  <a:schemeClr val="tx1"/>
+                </a:solidFill>
+                <a:latin typeface="+mn-lt"/>
+                <a:ea typeface="+mn-ea"/>
+                <a:cs typeface="+mn-cs"/>
+              </a:defRPr>
+            </a:lvl8pPr>
+            <a:lvl9pPr marL="3886200" indent="-228600" algn="l" defTabSz="914400" rtl="0" eaLnBrk="1" latinLnBrk="0" hangingPunct="1">
+              <a:lnSpc>
+                <a:spcPct val="90000"/>
+              </a:lnSpc>
+              <a:spcBef>
+                <a:spcPts val="500"/>
+              </a:spcBef>
+              <a:buFont typeface="Arial" panose="020B0604020202020204" pitchFamily="34" charset="0"/>
+              <a:buChar char="•"/>
+              <a:defRPr sz="1800" kern="1200">
+                <a:solidFill>
+                  <a:schemeClr val="tx1"/>
+                </a:solidFill>
+                <a:latin typeface="+mn-lt"/>
+                <a:ea typeface="+mn-ea"/>
+                <a:cs typeface="+mn-cs"/>
+              </a:defRPr>
+            </a:lvl9pPr>
+          </a:lstStyle>
+          <a:p>
+            <a:pPr marL="0" indent="0">
+              <a:buNone/>
+            </a:pPr>
+            <a:r>
+              <a:rPr lang="en-US" dirty="0"/>
+              <a:t>The “+” means R is waiting for you to “add” the rest of what you’re telling it</a:t>
+            </a:r>
+          </a:p>
+          <a:p>
+            <a:endParaRPr lang="en-US" dirty="0"/>
+          </a:p>
+        </p:txBody>
+      </p:sp>
+      <p:sp>
+        <p:nvSpPr>
+          <p:cNvPr id="12" name="Content Placeholder 2">
+            <a:extLst>
+              <a:ext uri="{FF2B5EF4-FFF2-40B4-BE49-F238E27FC236}">
+                <a16:creationId xmlns:a16="http://schemas.microsoft.com/office/drawing/2014/main" id="{B9A7F0C2-8F61-3628-B8E3-55E1F3351ED9}"/>
+              </a:ext>
+            </a:extLst>
+          </p:cNvPr>
+          <p:cNvSpPr txBox="1">
+            <a:spLocks/>
+          </p:cNvSpPr>
+          <p:nvPr/>
+        </p:nvSpPr>
+        <p:spPr>
+          <a:xfrm>
+            <a:off x="1131632" y="4907367"/>
+            <a:ext cx="2332919" cy="1719063"/>
+          </a:xfrm>
+          <a:prstGeom prst="rect">
+            <a:avLst/>
+          </a:prstGeom>
+          <a:ln>
+            <a:solidFill>
+              <a:schemeClr val="accent1"/>
+            </a:solidFill>
+          </a:ln>
+        </p:spPr>
+        <p:txBody>
+          <a:bodyPr vert="horz" lIns="91440" tIns="45720" rIns="91440" bIns="45720" rtlCol="0">
+            <a:normAutofit/>
+          </a:bodyPr>
+          <a:lstStyle>
+            <a:lvl1pPr marL="228600" indent="-228600" algn="l" defTabSz="914400" rtl="0" eaLnBrk="1" latinLnBrk="0" hangingPunct="1">
+              <a:lnSpc>
+                <a:spcPct val="90000"/>
+              </a:lnSpc>
+              <a:spcBef>
+                <a:spcPts val="1000"/>
+              </a:spcBef>
+              <a:buFont typeface="Arial" panose="020B0604020202020204" pitchFamily="34" charset="0"/>
+              <a:buChar char="•"/>
+              <a:defRPr sz="2800" kern="1200">
+                <a:solidFill>
+                  <a:schemeClr val="tx1"/>
+                </a:solidFill>
+                <a:latin typeface="+mn-lt"/>
+                <a:ea typeface="+mn-ea"/>
+                <a:cs typeface="+mn-cs"/>
+              </a:defRPr>
+            </a:lvl1pPr>
+            <a:lvl2pPr marL="685800" indent="-228600" algn="l" defTabSz="914400" rtl="0" eaLnBrk="1" latinLnBrk="0" hangingPunct="1">
+              <a:lnSpc>
+                <a:spcPct val="90000"/>
+              </a:lnSpc>
+              <a:spcBef>
+                <a:spcPts val="500"/>
+              </a:spcBef>
+              <a:buFont typeface="Arial" panose="020B0604020202020204" pitchFamily="34" charset="0"/>
+              <a:buChar char="•"/>
+              <a:defRPr sz="2400" kern="1200">
+                <a:solidFill>
+                  <a:schemeClr val="tx1"/>
+                </a:solidFill>
+                <a:latin typeface="+mn-lt"/>
+                <a:ea typeface="+mn-ea"/>
+                <a:cs typeface="+mn-cs"/>
+              </a:defRPr>
+            </a:lvl2pPr>
+            <a:lvl3pPr marL="1143000" indent="-228600" algn="l" defTabSz="914400" rtl="0" eaLnBrk="1" latinLnBrk="0" hangingPunct="1">
+              <a:lnSpc>
+                <a:spcPct val="90000"/>
+              </a:lnSpc>
+              <a:spcBef>
+                <a:spcPts val="500"/>
+              </a:spcBef>
+              <a:buFont typeface="Arial" panose="020B0604020202020204" pitchFamily="34" charset="0"/>
+              <a:buChar char="•"/>
+              <a:defRPr sz="2000" kern="1200">
+                <a:solidFill>
+                  <a:schemeClr val="tx1"/>
+                </a:solidFill>
+                <a:latin typeface="+mn-lt"/>
+                <a:ea typeface="+mn-ea"/>
+                <a:cs typeface="+mn-cs"/>
+              </a:defRPr>
+            </a:lvl3pPr>
+            <a:lvl4pPr marL="1600200" indent="-228600" algn="l" defTabSz="914400" rtl="0" eaLnBrk="1" latinLnBrk="0" hangingPunct="1">
+              <a:lnSpc>
+                <a:spcPct val="90000"/>
+              </a:lnSpc>
+              <a:spcBef>
+                <a:spcPts val="500"/>
+              </a:spcBef>
+              <a:buFont typeface="Arial" panose="020B0604020202020204" pitchFamily="34" charset="0"/>
+              <a:buChar char="•"/>
+              <a:defRPr sz="1800" kern="1200">
+                <a:solidFill>
+                  <a:schemeClr val="tx1"/>
+                </a:solidFill>
+                <a:latin typeface="+mn-lt"/>
+                <a:ea typeface="+mn-ea"/>
+                <a:cs typeface="+mn-cs"/>
+              </a:defRPr>
+            </a:lvl4pPr>
+            <a:lvl5pPr marL="2057400" indent="-228600" algn="l" defTabSz="914400" rtl="0" eaLnBrk="1" latinLnBrk="0" hangingPunct="1">
+              <a:lnSpc>
+                <a:spcPct val="90000"/>
+              </a:lnSpc>
+              <a:spcBef>
+                <a:spcPts val="500"/>
+              </a:spcBef>
+              <a:buFont typeface="Arial" panose="020B0604020202020204" pitchFamily="34" charset="0"/>
+              <a:buChar char="•"/>
+              <a:defRPr sz="1800" kern="1200">
+                <a:solidFill>
+                  <a:schemeClr val="tx1"/>
+                </a:solidFill>
+                <a:latin typeface="+mn-lt"/>
+                <a:ea typeface="+mn-ea"/>
+                <a:cs typeface="+mn-cs"/>
+              </a:defRPr>
+            </a:lvl5pPr>
+            <a:lvl6pPr marL="2514600" indent="-228600" algn="l" defTabSz="914400" rtl="0" eaLnBrk="1" latinLnBrk="0" hangingPunct="1">
+              <a:lnSpc>
+                <a:spcPct val="90000"/>
+              </a:lnSpc>
+              <a:spcBef>
+                <a:spcPts val="500"/>
+              </a:spcBef>
+              <a:buFont typeface="Arial" panose="020B0604020202020204" pitchFamily="34" charset="0"/>
+              <a:buChar char="•"/>
+              <a:defRPr sz="1800" kern="1200">
+                <a:solidFill>
+                  <a:schemeClr val="tx1"/>
+                </a:solidFill>
+                <a:latin typeface="+mn-lt"/>
+                <a:ea typeface="+mn-ea"/>
+                <a:cs typeface="+mn-cs"/>
+              </a:defRPr>
+            </a:lvl6pPr>
+            <a:lvl7pPr marL="2971800" indent="-228600" algn="l" defTabSz="914400" rtl="0" eaLnBrk="1" latinLnBrk="0" hangingPunct="1">
+              <a:lnSpc>
+                <a:spcPct val="90000"/>
+              </a:lnSpc>
+              <a:spcBef>
+                <a:spcPts val="500"/>
+              </a:spcBef>
+              <a:buFont typeface="Arial" panose="020B0604020202020204" pitchFamily="34" charset="0"/>
+              <a:buChar char="•"/>
+              <a:defRPr sz="1800" kern="1200">
+                <a:solidFill>
+                  <a:schemeClr val="tx1"/>
+                </a:solidFill>
+                <a:latin typeface="+mn-lt"/>
+                <a:ea typeface="+mn-ea"/>
+                <a:cs typeface="+mn-cs"/>
+              </a:defRPr>
+            </a:lvl7pPr>
+            <a:lvl8pPr marL="3429000" indent="-228600" algn="l" defTabSz="914400" rtl="0" eaLnBrk="1" latinLnBrk="0" hangingPunct="1">
+              <a:lnSpc>
+                <a:spcPct val="90000"/>
+              </a:lnSpc>
+              <a:spcBef>
+                <a:spcPts val="500"/>
+              </a:spcBef>
+              <a:buFont typeface="Arial" panose="020B0604020202020204" pitchFamily="34" charset="0"/>
+              <a:buChar char="•"/>
+              <a:defRPr sz="1800" kern="1200">
+                <a:solidFill>
+                  <a:schemeClr val="tx1"/>
+                </a:solidFill>
+                <a:latin typeface="+mn-lt"/>
+                <a:ea typeface="+mn-ea"/>
+                <a:cs typeface="+mn-cs"/>
+              </a:defRPr>
+            </a:lvl8pPr>
+            <a:lvl9pPr marL="3886200" indent="-228600" algn="l" defTabSz="914400" rtl="0" eaLnBrk="1" latinLnBrk="0" hangingPunct="1">
+              <a:lnSpc>
+                <a:spcPct val="90000"/>
+              </a:lnSpc>
+              <a:spcBef>
+                <a:spcPts val="500"/>
+              </a:spcBef>
+              <a:buFont typeface="Arial" panose="020B0604020202020204" pitchFamily="34" charset="0"/>
+              <a:buChar char="•"/>
+              <a:defRPr sz="1800" kern="1200">
+                <a:solidFill>
+                  <a:schemeClr val="tx1"/>
+                </a:solidFill>
+                <a:latin typeface="+mn-lt"/>
+                <a:ea typeface="+mn-ea"/>
+                <a:cs typeface="+mn-cs"/>
+              </a:defRPr>
+            </a:lvl9pPr>
+          </a:lstStyle>
+          <a:p>
+            <a:pPr marL="0" indent="0">
+              <a:buNone/>
+            </a:pPr>
+            <a:r>
+              <a:rPr lang="en-US" b="1" dirty="0"/>
+              <a:t>Solution:</a:t>
+            </a:r>
+          </a:p>
+          <a:p>
+            <a:pPr marL="0" indent="0">
+              <a:buNone/>
+            </a:pPr>
+            <a:r>
+              <a:rPr lang="en-US" b="1" dirty="0"/>
+              <a:t>&lt;esc&gt; key</a:t>
+            </a:r>
+          </a:p>
+          <a:p>
+            <a:pPr marL="0" indent="0">
+              <a:buNone/>
+            </a:pPr>
+            <a:r>
+              <a:rPr lang="en-US" b="1" dirty="0"/>
+              <a:t>and try again</a:t>
+            </a:r>
+          </a:p>
+          <a:p>
+            <a:endParaRPr lang="en-US" b="1" dirty="0"/>
+          </a:p>
+        </p:txBody>
+      </p:sp>
+      <p:pic>
+        <p:nvPicPr>
+          <p:cNvPr id="14" name="Picture 13">
+            <a:extLst>
+              <a:ext uri="{FF2B5EF4-FFF2-40B4-BE49-F238E27FC236}">
+                <a16:creationId xmlns:a16="http://schemas.microsoft.com/office/drawing/2014/main" id="{923FC2D2-6CB6-6A0D-875B-D6608FEE3829}"/>
+              </a:ext>
+            </a:extLst>
+          </p:cNvPr>
+          <p:cNvPicPr>
+            <a:picLocks noChangeAspect="1"/>
+          </p:cNvPicPr>
+          <p:nvPr/>
+        </p:nvPicPr>
+        <p:blipFill>
+          <a:blip r:embed="rId3"/>
+          <a:stretch>
+            <a:fillRect/>
+          </a:stretch>
+        </p:blipFill>
+        <p:spPr>
+          <a:xfrm>
+            <a:off x="4350308" y="5072929"/>
+            <a:ext cx="2332918" cy="1387938"/>
+          </a:xfrm>
+          <a:prstGeom prst="rect">
+            <a:avLst/>
+          </a:prstGeom>
+        </p:spPr>
+      </p:pic>
+      <p:pic>
+        <p:nvPicPr>
+          <p:cNvPr id="16" name="Picture 15">
+            <a:extLst>
+              <a:ext uri="{FF2B5EF4-FFF2-40B4-BE49-F238E27FC236}">
+                <a16:creationId xmlns:a16="http://schemas.microsoft.com/office/drawing/2014/main" id="{0CC7E930-4B0E-DD6D-0862-E29EDC83A7A2}"/>
+              </a:ext>
+            </a:extLst>
+          </p:cNvPr>
+          <p:cNvPicPr>
+            <a:picLocks noChangeAspect="1"/>
+          </p:cNvPicPr>
+          <p:nvPr/>
+        </p:nvPicPr>
+        <p:blipFill rotWithShape="1">
+          <a:blip r:embed="rId4"/>
+          <a:srcRect l="5358" r="31597" b="30269"/>
+          <a:stretch/>
+        </p:blipFill>
+        <p:spPr>
+          <a:xfrm>
+            <a:off x="10052503" y="148317"/>
+            <a:ext cx="1982538" cy="1703062"/>
+          </a:xfrm>
+          <a:prstGeom prst="rect">
+            <a:avLst/>
+          </a:prstGeom>
+        </p:spPr>
+      </p:pic>
+    </p:spTree>
+    <p:extLst>
+      <p:ext uri="{BB962C8B-B14F-4D97-AF65-F5344CB8AC3E}">
+        <p14:creationId xmlns:p14="http://schemas.microsoft.com/office/powerpoint/2010/main" val="2506056458"/>
+      </p:ext>
+    </p:extLst>
+  </p:cSld>
+  <p:clrMapOvr>
+    <a:masterClrMapping/>
+  </p:clrMapOvr>
+  <p:timing>
+    <p:tnLst>
+      <p:par>
+        <p:cTn id="1" dur="indefinite" restart="never" nodeType="tmRoot">
+          <p:childTnLst>
+            <p:seq concurrent="1" nextAc="seek">
+              <p:cTn id="2" dur="indefinite" nodeType="mainSeq">
+                <p:childTnLst>
+                  <p:par>
+                    <p:cTn id="3" fill="hold">
+                      <p:stCondLst>
+                        <p:cond delay="indefinite"/>
+                        <p:cond evt="onBegin" delay="0">
+                          <p:tn val="2"/>
+                        </p:cond>
+                      </p:stCondLst>
+                      <p:childTnLst>
+                        <p:par>
+                          <p:cTn id="4" fill="hold">
+                            <p:stCondLst>
+                              <p:cond delay="0"/>
+                            </p:stCondLst>
+                            <p:childTnLst>
+                              <p:par>
+                                <p:cTn id="5" presetID="1" presetClass="entr" presetSubtype="0" fill="hold" nodeType="withEffect">
+                                  <p:stCondLst>
+                                    <p:cond delay="0"/>
+                                  </p:stCondLst>
+                                  <p:childTnLst>
+                                    <p:set>
+                                      <p:cBhvr>
+                                        <p:cTn id="6" dur="1" fill="hold">
+                                          <p:stCondLst>
+                                            <p:cond delay="0"/>
+                                          </p:stCondLst>
+                                        </p:cTn>
+                                        <p:tgtEl>
+                                          <p:spTgt spid="3">
+                                            <p:txEl>
+                                              <p:pRg st="0" end="0"/>
+                                            </p:txEl>
+                                          </p:spTgt>
+                                        </p:tgtEl>
+                                        <p:attrNameLst>
+                                          <p:attrName>style.visibility</p:attrName>
+                                        </p:attrNameLst>
+                                      </p:cBhvr>
+                                      <p:to>
+                                        <p:strVal val="visible"/>
+                                      </p:to>
+                                    </p:set>
+                                  </p:childTnLst>
+                                </p:cTn>
+                              </p:par>
+                            </p:childTnLst>
+                          </p:cTn>
+                        </p:par>
+                      </p:childTnLst>
+                    </p:cTn>
+                  </p:par>
+                  <p:par>
+                    <p:cTn id="7" fill="hold">
+                      <p:stCondLst>
+                        <p:cond delay="indefinite"/>
+                      </p:stCondLst>
+                      <p:childTnLst>
+                        <p:par>
+                          <p:cTn id="8" fill="hold">
+                            <p:stCondLst>
+                              <p:cond delay="0"/>
+                            </p:stCondLst>
+                            <p:childTnLst>
+                              <p:par>
+                                <p:cTn id="9" presetID="1" presetClass="entr" presetSubtype="0" fill="hold" grpId="0" nodeType="clickEffect">
+                                  <p:stCondLst>
+                                    <p:cond delay="0"/>
+                                  </p:stCondLst>
+                                  <p:childTnLst>
+                                    <p:set>
+                                      <p:cBhvr>
+                                        <p:cTn id="10" dur="1" fill="hold">
+                                          <p:stCondLst>
+                                            <p:cond delay="0"/>
+                                          </p:stCondLst>
+                                        </p:cTn>
+                                        <p:tgtEl>
+                                          <p:spTgt spid="6"/>
+                                        </p:tgtEl>
+                                        <p:attrNameLst>
+                                          <p:attrName>style.visibility</p:attrName>
+                                        </p:attrNameLst>
+                                      </p:cBhvr>
+                                      <p:to>
+                                        <p:strVal val="visible"/>
+                                      </p:to>
+                                    </p:set>
+                                  </p:childTnLst>
+                                </p:cTn>
+                              </p:par>
+                            </p:childTnLst>
+                          </p:cTn>
+                        </p:par>
+                      </p:childTnLst>
+                    </p:cTn>
+                  </p:par>
+                  <p:par>
+                    <p:cTn id="11" fill="hold">
+                      <p:stCondLst>
+                        <p:cond delay="indefinite"/>
+                      </p:stCondLst>
+                      <p:childTnLst>
+                        <p:par>
+                          <p:cTn id="12" fill="hold">
+                            <p:stCondLst>
+                              <p:cond delay="0"/>
+                            </p:stCondLst>
+                            <p:childTnLst>
+                              <p:par>
+                                <p:cTn id="13" presetID="1" presetClass="entr" presetSubtype="0" fill="hold" grpId="0" nodeType="clickEffect">
+                                  <p:stCondLst>
+                                    <p:cond delay="0"/>
+                                  </p:stCondLst>
+                                  <p:childTnLst>
+                                    <p:set>
+                                      <p:cBhvr>
+                                        <p:cTn id="14" dur="1" fill="hold">
+                                          <p:stCondLst>
+                                            <p:cond delay="0"/>
+                                          </p:stCondLst>
+                                        </p:cTn>
+                                        <p:tgtEl>
+                                          <p:spTgt spid="11"/>
+                                        </p:tgtEl>
+                                        <p:attrNameLst>
+                                          <p:attrName>style.visibility</p:attrName>
+                                        </p:attrNameLst>
+                                      </p:cBhvr>
+                                      <p:to>
+                                        <p:strVal val="visible"/>
+                                      </p:to>
+                                    </p:set>
+                                  </p:childTnLst>
+                                </p:cTn>
+                              </p:par>
+                              <p:par>
+                                <p:cTn id="15" presetID="1" presetClass="entr" presetSubtype="0" fill="hold" nodeType="withEffect">
+                                  <p:stCondLst>
+                                    <p:cond delay="0"/>
+                                  </p:stCondLst>
+                                  <p:childTnLst>
+                                    <p:set>
+                                      <p:cBhvr>
+                                        <p:cTn id="16" dur="1" fill="hold">
+                                          <p:stCondLst>
+                                            <p:cond delay="0"/>
+                                          </p:stCondLst>
+                                        </p:cTn>
+                                        <p:tgtEl>
+                                          <p:spTgt spid="9"/>
+                                        </p:tgtEl>
+                                        <p:attrNameLst>
+                                          <p:attrName>style.visibility</p:attrName>
+                                        </p:attrNameLst>
+                                      </p:cBhvr>
+                                      <p:to>
+                                        <p:strVal val="visible"/>
+                                      </p:to>
+                                    </p:set>
+                                  </p:childTnLst>
+                                </p:cTn>
+                              </p:par>
+                            </p:childTnLst>
+                          </p:cTn>
+                        </p:par>
+                      </p:childTnLst>
+                    </p:cTn>
+                  </p:par>
+                  <p:par>
+                    <p:cTn id="17" fill="hold">
+                      <p:stCondLst>
+                        <p:cond delay="indefinite"/>
+                      </p:stCondLst>
+                      <p:childTnLst>
+                        <p:par>
+                          <p:cTn id="18" fill="hold">
+                            <p:stCondLst>
+                              <p:cond delay="0"/>
+                            </p:stCondLst>
+                            <p:childTnLst>
+                              <p:par>
+                                <p:cTn id="19" presetID="1" presetClass="entr" presetSubtype="0" fill="hold" nodeType="clickEffect">
+                                  <p:stCondLst>
+                                    <p:cond delay="0"/>
+                                  </p:stCondLst>
+                                  <p:childTnLst>
+                                    <p:set>
+                                      <p:cBhvr>
+                                        <p:cTn id="20" dur="1" fill="hold">
+                                          <p:stCondLst>
+                                            <p:cond delay="0"/>
+                                          </p:stCondLst>
+                                        </p:cTn>
+                                        <p:tgtEl>
+                                          <p:spTgt spid="14"/>
+                                        </p:tgtEl>
+                                        <p:attrNameLst>
+                                          <p:attrName>style.visibility</p:attrName>
+                                        </p:attrNameLst>
+                                      </p:cBhvr>
+                                      <p:to>
+                                        <p:strVal val="visible"/>
+                                      </p:to>
+                                    </p:set>
+                                  </p:childTnLst>
+                                </p:cTn>
+                              </p:par>
+                              <p:par>
+                                <p:cTn id="21" presetID="1" presetClass="entr" presetSubtype="0" fill="hold" grpId="0" nodeType="withEffect">
+                                  <p:stCondLst>
+                                    <p:cond delay="0"/>
+                                  </p:stCondLst>
+                                  <p:childTnLst>
+                                    <p:set>
+                                      <p:cBhvr>
+                                        <p:cTn id="22" dur="1" fill="hold">
+                                          <p:stCondLst>
+                                            <p:cond delay="0"/>
+                                          </p:stCondLst>
+                                        </p:cTn>
+                                        <p:tgtEl>
+                                          <p:spTgt spid="12"/>
+                                        </p:tgtEl>
+                                        <p:attrNameLst>
+                                          <p:attrName>style.visibility</p:attrName>
+                                        </p:attrNameLst>
+                                      </p:cBhvr>
+                                      <p:to>
+                                        <p:strVal val="visible"/>
+                                      </p:to>
+                                    </p:set>
+                                  </p:childTnLst>
+                                </p:cTn>
+                              </p:par>
+                            </p:childTnLst>
+                          </p:cTn>
+                        </p:par>
+                      </p:childTnLst>
+                    </p:cTn>
+                  </p:par>
+                </p:childTnLst>
+              </p:cTn>
+              <p:prevCondLst>
+                <p:cond evt="onPrev" delay="0">
+                  <p:tgtEl>
+                    <p:sldTgt/>
+                  </p:tgtEl>
+                </p:cond>
+              </p:prevCondLst>
+              <p:nextCondLst>
+                <p:cond evt="onNext" delay="0">
+                  <p:tgtEl>
+                    <p:sldTgt/>
+                  </p:tgtEl>
+                </p:cond>
+              </p:nextCondLst>
+            </p:seq>
+          </p:childTnLst>
+        </p:cTn>
+      </p:par>
+    </p:tnLst>
+    <p:bldLst>
+      <p:bldP spid="6" grpId="0"/>
+      <p:bldP spid="11" grpId="0"/>
+      <p:bldP spid="12" grpId="0" animBg="1"/>
+    </p:bldLst>
+  </p:timing>
+</p:sld>
+</file>
+
+<file path=ppt/slides/slide39.xml><?xml version="1.0" encoding="utf-8"?>
+<p:sld xmlns:a="http://schemas.openxmlformats.org/drawingml/2006/main" xmlns:r="http://schemas.openxmlformats.org/officeDocument/2006/relationships" xmlns:p="http://schemas.openxmlformats.org/presentationml/2006/main">
+  <p:cSld>
+    <p:spTree>
+      <p:nvGrpSpPr>
+        <p:cNvPr id="1" name=""/>
+        <p:cNvGrpSpPr/>
+        <p:nvPr/>
+      </p:nvGrpSpPr>
+      <p:grpSpPr>
+        <a:xfrm>
+          <a:off x="0" y="0"/>
+          <a:ext cx="0" cy="0"/>
+          <a:chOff x="0" y="0"/>
+          <a:chExt cx="0" cy="0"/>
+        </a:xfrm>
+      </p:grpSpPr>
+      <p:sp>
+        <p:nvSpPr>
+          <p:cNvPr id="2" name="Title 1">
+            <a:extLst>
+              <a:ext uri="{FF2B5EF4-FFF2-40B4-BE49-F238E27FC236}">
+                <a16:creationId xmlns:a16="http://schemas.microsoft.com/office/drawing/2014/main" id="{8115451F-211E-5062-3063-EEFCC622ABEA}"/>
+              </a:ext>
+            </a:extLst>
+          </p:cNvPr>
+          <p:cNvSpPr>
+            <a:spLocks noGrp="1"/>
+          </p:cNvSpPr>
+          <p:nvPr>
+            <p:ph type="title"/>
+          </p:nvPr>
+        </p:nvSpPr>
+        <p:spPr>
+          <a:xfrm>
+            <a:off x="741947" y="1"/>
+            <a:ext cx="10515600" cy="914400"/>
+          </a:xfrm>
+        </p:spPr>
+        <p:txBody>
+          <a:bodyPr>
+            <a:noAutofit/>
+          </a:bodyPr>
+          <a:lstStyle/>
+          <a:p>
+            <a:r>
+              <a:rPr lang="en-US" sz="3600" b="1" dirty="0"/>
+              <a:t>One last thing before we head to </a:t>
+            </a:r>
+            <a:r>
+              <a:rPr lang="en-US" sz="3600" b="1" dirty="0" err="1"/>
+              <a:t>Rstudio</a:t>
+            </a:r>
+            <a:r>
+              <a:rPr lang="en-US" sz="3600" b="1" dirty="0"/>
+              <a:t>!</a:t>
+            </a:r>
+          </a:p>
+        </p:txBody>
+      </p:sp>
+      <p:sp>
+        <p:nvSpPr>
+          <p:cNvPr id="19" name="Content Placeholder 2">
+            <a:extLst>
+              <a:ext uri="{FF2B5EF4-FFF2-40B4-BE49-F238E27FC236}">
+                <a16:creationId xmlns:a16="http://schemas.microsoft.com/office/drawing/2014/main" id="{1E59D450-1D15-06EF-3C95-D5BD186D82C4}"/>
+              </a:ext>
+            </a:extLst>
+          </p:cNvPr>
+          <p:cNvSpPr txBox="1">
+            <a:spLocks/>
+          </p:cNvSpPr>
+          <p:nvPr/>
+        </p:nvSpPr>
+        <p:spPr>
+          <a:xfrm>
+            <a:off x="741946" y="1165257"/>
+            <a:ext cx="8461047" cy="2649659"/>
+          </a:xfrm>
+          <a:prstGeom prst="rect">
+            <a:avLst/>
+          </a:prstGeom>
+        </p:spPr>
+        <p:txBody>
+          <a:bodyPr vert="horz" lIns="91440" tIns="45720" rIns="91440" bIns="45720" rtlCol="0">
+            <a:normAutofit/>
+          </a:bodyPr>
+          <a:lstStyle>
+            <a:lvl1pPr marL="228600" indent="-228600" algn="l" defTabSz="914400" rtl="0" eaLnBrk="1" latinLnBrk="0" hangingPunct="1">
+              <a:lnSpc>
+                <a:spcPct val="90000"/>
+              </a:lnSpc>
+              <a:spcBef>
+                <a:spcPts val="1000"/>
+              </a:spcBef>
+              <a:buFont typeface="Arial" panose="020B0604020202020204" pitchFamily="34" charset="0"/>
+              <a:buChar char="•"/>
+              <a:defRPr sz="2800" kern="1200">
+                <a:solidFill>
+                  <a:schemeClr val="tx1"/>
+                </a:solidFill>
+                <a:latin typeface="+mn-lt"/>
+                <a:ea typeface="+mn-ea"/>
+                <a:cs typeface="+mn-cs"/>
+              </a:defRPr>
+            </a:lvl1pPr>
+            <a:lvl2pPr marL="685800" indent="-228600" algn="l" defTabSz="914400" rtl="0" eaLnBrk="1" latinLnBrk="0" hangingPunct="1">
+              <a:lnSpc>
+                <a:spcPct val="90000"/>
+              </a:lnSpc>
+              <a:spcBef>
+                <a:spcPts val="500"/>
+              </a:spcBef>
+              <a:buFont typeface="Arial" panose="020B0604020202020204" pitchFamily="34" charset="0"/>
+              <a:buChar char="•"/>
+              <a:defRPr sz="2400" kern="1200">
+                <a:solidFill>
+                  <a:schemeClr val="tx1"/>
+                </a:solidFill>
+                <a:latin typeface="+mn-lt"/>
+                <a:ea typeface="+mn-ea"/>
+                <a:cs typeface="+mn-cs"/>
+              </a:defRPr>
+            </a:lvl2pPr>
+            <a:lvl3pPr marL="1143000" indent="-228600" algn="l" defTabSz="914400" rtl="0" eaLnBrk="1" latinLnBrk="0" hangingPunct="1">
+              <a:lnSpc>
+                <a:spcPct val="90000"/>
+              </a:lnSpc>
+              <a:spcBef>
+                <a:spcPts val="500"/>
+              </a:spcBef>
+              <a:buFont typeface="Arial" panose="020B0604020202020204" pitchFamily="34" charset="0"/>
+              <a:buChar char="•"/>
+              <a:defRPr sz="2000" kern="1200">
+                <a:solidFill>
+                  <a:schemeClr val="tx1"/>
+                </a:solidFill>
+                <a:latin typeface="+mn-lt"/>
+                <a:ea typeface="+mn-ea"/>
+                <a:cs typeface="+mn-cs"/>
+              </a:defRPr>
+            </a:lvl3pPr>
+            <a:lvl4pPr marL="1600200" indent="-228600" algn="l" defTabSz="914400" rtl="0" eaLnBrk="1" latinLnBrk="0" hangingPunct="1">
+              <a:lnSpc>
+                <a:spcPct val="90000"/>
+              </a:lnSpc>
+              <a:spcBef>
+                <a:spcPts val="500"/>
+              </a:spcBef>
+              <a:buFont typeface="Arial" panose="020B0604020202020204" pitchFamily="34" charset="0"/>
+              <a:buChar char="•"/>
+              <a:defRPr sz="1800" kern="1200">
+                <a:solidFill>
+                  <a:schemeClr val="tx1"/>
+                </a:solidFill>
+                <a:latin typeface="+mn-lt"/>
+                <a:ea typeface="+mn-ea"/>
+                <a:cs typeface="+mn-cs"/>
+              </a:defRPr>
+            </a:lvl4pPr>
+            <a:lvl5pPr marL="2057400" indent="-228600" algn="l" defTabSz="914400" rtl="0" eaLnBrk="1" latinLnBrk="0" hangingPunct="1">
+              <a:lnSpc>
+                <a:spcPct val="90000"/>
+              </a:lnSpc>
+              <a:spcBef>
+                <a:spcPts val="500"/>
+              </a:spcBef>
+              <a:buFont typeface="Arial" panose="020B0604020202020204" pitchFamily="34" charset="0"/>
+              <a:buChar char="•"/>
+              <a:defRPr sz="1800" kern="1200">
+                <a:solidFill>
+                  <a:schemeClr val="tx1"/>
+                </a:solidFill>
+                <a:latin typeface="+mn-lt"/>
+                <a:ea typeface="+mn-ea"/>
+                <a:cs typeface="+mn-cs"/>
+              </a:defRPr>
+            </a:lvl5pPr>
+            <a:lvl6pPr marL="2514600" indent="-228600" algn="l" defTabSz="914400" rtl="0" eaLnBrk="1" latinLnBrk="0" hangingPunct="1">
+              <a:lnSpc>
+                <a:spcPct val="90000"/>
+              </a:lnSpc>
+              <a:spcBef>
+                <a:spcPts val="500"/>
+              </a:spcBef>
+              <a:buFont typeface="Arial" panose="020B0604020202020204" pitchFamily="34" charset="0"/>
+              <a:buChar char="•"/>
+              <a:defRPr sz="1800" kern="1200">
+                <a:solidFill>
+                  <a:schemeClr val="tx1"/>
+                </a:solidFill>
+                <a:latin typeface="+mn-lt"/>
+                <a:ea typeface="+mn-ea"/>
+                <a:cs typeface="+mn-cs"/>
+              </a:defRPr>
+            </a:lvl6pPr>
+            <a:lvl7pPr marL="2971800" indent="-228600" algn="l" defTabSz="914400" rtl="0" eaLnBrk="1" latinLnBrk="0" hangingPunct="1">
+              <a:lnSpc>
+                <a:spcPct val="90000"/>
+              </a:lnSpc>
+              <a:spcBef>
+                <a:spcPts val="500"/>
+              </a:spcBef>
+              <a:buFont typeface="Arial" panose="020B0604020202020204" pitchFamily="34" charset="0"/>
+              <a:buChar char="•"/>
+              <a:defRPr sz="1800" kern="1200">
+                <a:solidFill>
+                  <a:schemeClr val="tx1"/>
+                </a:solidFill>
+                <a:latin typeface="+mn-lt"/>
+                <a:ea typeface="+mn-ea"/>
+                <a:cs typeface="+mn-cs"/>
+              </a:defRPr>
+            </a:lvl7pPr>
+            <a:lvl8pPr marL="3429000" indent="-228600" algn="l" defTabSz="914400" rtl="0" eaLnBrk="1" latinLnBrk="0" hangingPunct="1">
+              <a:lnSpc>
+                <a:spcPct val="90000"/>
+              </a:lnSpc>
+              <a:spcBef>
+                <a:spcPts val="500"/>
+              </a:spcBef>
+              <a:buFont typeface="Arial" panose="020B0604020202020204" pitchFamily="34" charset="0"/>
+              <a:buChar char="•"/>
+              <a:defRPr sz="1800" kern="1200">
+                <a:solidFill>
+                  <a:schemeClr val="tx1"/>
+                </a:solidFill>
+                <a:latin typeface="+mn-lt"/>
+                <a:ea typeface="+mn-ea"/>
+                <a:cs typeface="+mn-cs"/>
+              </a:defRPr>
+            </a:lvl8pPr>
+            <a:lvl9pPr marL="3886200" indent="-228600" algn="l" defTabSz="914400" rtl="0" eaLnBrk="1" latinLnBrk="0" hangingPunct="1">
+              <a:lnSpc>
+                <a:spcPct val="90000"/>
+              </a:lnSpc>
+              <a:spcBef>
+                <a:spcPts val="500"/>
+              </a:spcBef>
+              <a:buFont typeface="Arial" panose="020B0604020202020204" pitchFamily="34" charset="0"/>
+              <a:buChar char="•"/>
+              <a:defRPr sz="1800" kern="1200">
+                <a:solidFill>
+                  <a:schemeClr val="tx1"/>
+                </a:solidFill>
+                <a:latin typeface="+mn-lt"/>
+                <a:ea typeface="+mn-ea"/>
+                <a:cs typeface="+mn-cs"/>
+              </a:defRPr>
+            </a:lvl9pPr>
+          </a:lstStyle>
+          <a:p>
+            <a:endParaRPr lang="en-US" dirty="0"/>
+          </a:p>
+        </p:txBody>
+      </p:sp>
+      <p:sp>
+        <p:nvSpPr>
+          <p:cNvPr id="3" name="Content Placeholder 2">
+            <a:extLst>
+              <a:ext uri="{FF2B5EF4-FFF2-40B4-BE49-F238E27FC236}">
+                <a16:creationId xmlns:a16="http://schemas.microsoft.com/office/drawing/2014/main" id="{DB566984-E5C5-ECC5-287A-D44DCCBB65C8}"/>
+              </a:ext>
+            </a:extLst>
+          </p:cNvPr>
+          <p:cNvSpPr txBox="1">
+            <a:spLocks/>
+          </p:cNvSpPr>
+          <p:nvPr/>
+        </p:nvSpPr>
+        <p:spPr>
+          <a:xfrm>
+            <a:off x="741945" y="870297"/>
+            <a:ext cx="5076963" cy="578493"/>
+          </a:xfrm>
+          <a:prstGeom prst="rect">
+            <a:avLst/>
+          </a:prstGeom>
+        </p:spPr>
+        <p:txBody>
+          <a:bodyPr vert="horz" lIns="91440" tIns="45720" rIns="91440" bIns="45720" rtlCol="0">
+            <a:normAutofit/>
+          </a:bodyPr>
+          <a:lstStyle>
+            <a:lvl1pPr marL="228600" indent="-228600" algn="l" defTabSz="914400" rtl="0" eaLnBrk="1" latinLnBrk="0" hangingPunct="1">
+              <a:lnSpc>
+                <a:spcPct val="90000"/>
+              </a:lnSpc>
+              <a:spcBef>
+                <a:spcPts val="1000"/>
+              </a:spcBef>
+              <a:buFont typeface="Arial" panose="020B0604020202020204" pitchFamily="34" charset="0"/>
+              <a:buChar char="•"/>
+              <a:defRPr sz="2800" kern="1200">
+                <a:solidFill>
+                  <a:schemeClr val="tx1"/>
+                </a:solidFill>
+                <a:latin typeface="+mn-lt"/>
+                <a:ea typeface="+mn-ea"/>
+                <a:cs typeface="+mn-cs"/>
+              </a:defRPr>
+            </a:lvl1pPr>
+            <a:lvl2pPr marL="685800" indent="-228600" algn="l" defTabSz="914400" rtl="0" eaLnBrk="1" latinLnBrk="0" hangingPunct="1">
+              <a:lnSpc>
+                <a:spcPct val="90000"/>
+              </a:lnSpc>
+              <a:spcBef>
+                <a:spcPts val="500"/>
+              </a:spcBef>
+              <a:buFont typeface="Arial" panose="020B0604020202020204" pitchFamily="34" charset="0"/>
+              <a:buChar char="•"/>
+              <a:defRPr sz="2400" kern="1200">
+                <a:solidFill>
+                  <a:schemeClr val="tx1"/>
+                </a:solidFill>
+                <a:latin typeface="+mn-lt"/>
+                <a:ea typeface="+mn-ea"/>
+                <a:cs typeface="+mn-cs"/>
+              </a:defRPr>
+            </a:lvl2pPr>
+            <a:lvl3pPr marL="1143000" indent="-228600" algn="l" defTabSz="914400" rtl="0" eaLnBrk="1" latinLnBrk="0" hangingPunct="1">
+              <a:lnSpc>
+                <a:spcPct val="90000"/>
+              </a:lnSpc>
+              <a:spcBef>
+                <a:spcPts val="500"/>
+              </a:spcBef>
+              <a:buFont typeface="Arial" panose="020B0604020202020204" pitchFamily="34" charset="0"/>
+              <a:buChar char="•"/>
+              <a:defRPr sz="2000" kern="1200">
+                <a:solidFill>
+                  <a:schemeClr val="tx1"/>
+                </a:solidFill>
+                <a:latin typeface="+mn-lt"/>
+                <a:ea typeface="+mn-ea"/>
+                <a:cs typeface="+mn-cs"/>
+              </a:defRPr>
+            </a:lvl3pPr>
+            <a:lvl4pPr marL="1600200" indent="-228600" algn="l" defTabSz="914400" rtl="0" eaLnBrk="1" latinLnBrk="0" hangingPunct="1">
+              <a:lnSpc>
+                <a:spcPct val="90000"/>
+              </a:lnSpc>
+              <a:spcBef>
+                <a:spcPts val="500"/>
+              </a:spcBef>
+              <a:buFont typeface="Arial" panose="020B0604020202020204" pitchFamily="34" charset="0"/>
+              <a:buChar char="•"/>
+              <a:defRPr sz="1800" kern="1200">
+                <a:solidFill>
+                  <a:schemeClr val="tx1"/>
+                </a:solidFill>
+                <a:latin typeface="+mn-lt"/>
+                <a:ea typeface="+mn-ea"/>
+                <a:cs typeface="+mn-cs"/>
+              </a:defRPr>
+            </a:lvl4pPr>
+            <a:lvl5pPr marL="2057400" indent="-228600" algn="l" defTabSz="914400" rtl="0" eaLnBrk="1" latinLnBrk="0" hangingPunct="1">
+              <a:lnSpc>
+                <a:spcPct val="90000"/>
+              </a:lnSpc>
+              <a:spcBef>
+                <a:spcPts val="500"/>
+              </a:spcBef>
+              <a:buFont typeface="Arial" panose="020B0604020202020204" pitchFamily="34" charset="0"/>
+              <a:buChar char="•"/>
+              <a:defRPr sz="1800" kern="1200">
+                <a:solidFill>
+                  <a:schemeClr val="tx1"/>
+                </a:solidFill>
+                <a:latin typeface="+mn-lt"/>
+                <a:ea typeface="+mn-ea"/>
+                <a:cs typeface="+mn-cs"/>
+              </a:defRPr>
+            </a:lvl5pPr>
+            <a:lvl6pPr marL="2514600" indent="-228600" algn="l" defTabSz="914400" rtl="0" eaLnBrk="1" latinLnBrk="0" hangingPunct="1">
+              <a:lnSpc>
+                <a:spcPct val="90000"/>
+              </a:lnSpc>
+              <a:spcBef>
+                <a:spcPts val="500"/>
+              </a:spcBef>
+              <a:buFont typeface="Arial" panose="020B0604020202020204" pitchFamily="34" charset="0"/>
+              <a:buChar char="•"/>
+              <a:defRPr sz="1800" kern="1200">
+                <a:solidFill>
+                  <a:schemeClr val="tx1"/>
+                </a:solidFill>
+                <a:latin typeface="+mn-lt"/>
+                <a:ea typeface="+mn-ea"/>
+                <a:cs typeface="+mn-cs"/>
+              </a:defRPr>
+            </a:lvl6pPr>
+            <a:lvl7pPr marL="2971800" indent="-228600" algn="l" defTabSz="914400" rtl="0" eaLnBrk="1" latinLnBrk="0" hangingPunct="1">
+              <a:lnSpc>
+                <a:spcPct val="90000"/>
+              </a:lnSpc>
+              <a:spcBef>
+                <a:spcPts val="500"/>
+              </a:spcBef>
+              <a:buFont typeface="Arial" panose="020B0604020202020204" pitchFamily="34" charset="0"/>
+              <a:buChar char="•"/>
+              <a:defRPr sz="1800" kern="1200">
+                <a:solidFill>
+                  <a:schemeClr val="tx1"/>
+                </a:solidFill>
+                <a:latin typeface="+mn-lt"/>
+                <a:ea typeface="+mn-ea"/>
+                <a:cs typeface="+mn-cs"/>
+              </a:defRPr>
+            </a:lvl7pPr>
+            <a:lvl8pPr marL="3429000" indent="-228600" algn="l" defTabSz="914400" rtl="0" eaLnBrk="1" latinLnBrk="0" hangingPunct="1">
+              <a:lnSpc>
+                <a:spcPct val="90000"/>
+              </a:lnSpc>
+              <a:spcBef>
+                <a:spcPts val="500"/>
+              </a:spcBef>
+              <a:buFont typeface="Arial" panose="020B0604020202020204" pitchFamily="34" charset="0"/>
+              <a:buChar char="•"/>
+              <a:defRPr sz="1800" kern="1200">
+                <a:solidFill>
+                  <a:schemeClr val="tx1"/>
+                </a:solidFill>
+                <a:latin typeface="+mn-lt"/>
+                <a:ea typeface="+mn-ea"/>
+                <a:cs typeface="+mn-cs"/>
+              </a:defRPr>
+            </a:lvl8pPr>
+            <a:lvl9pPr marL="3886200" indent="-228600" algn="l" defTabSz="914400" rtl="0" eaLnBrk="1" latinLnBrk="0" hangingPunct="1">
+              <a:lnSpc>
+                <a:spcPct val="90000"/>
+              </a:lnSpc>
+              <a:spcBef>
+                <a:spcPts val="500"/>
+              </a:spcBef>
+              <a:buFont typeface="Arial" panose="020B0604020202020204" pitchFamily="34" charset="0"/>
+              <a:buChar char="•"/>
+              <a:defRPr sz="1800" kern="1200">
+                <a:solidFill>
+                  <a:schemeClr val="tx1"/>
+                </a:solidFill>
+                <a:latin typeface="+mn-lt"/>
+                <a:ea typeface="+mn-ea"/>
+                <a:cs typeface="+mn-cs"/>
+              </a:defRPr>
+            </a:lvl9pPr>
+          </a:lstStyle>
+          <a:p>
+            <a:r>
+              <a:rPr lang="en-US" b="1" dirty="0"/>
+              <a:t>Escaping long-running code</a:t>
+            </a:r>
+          </a:p>
+          <a:p>
+            <a:endParaRPr lang="en-US" b="1" dirty="0"/>
+          </a:p>
+        </p:txBody>
+      </p:sp>
+      <p:sp>
+        <p:nvSpPr>
+          <p:cNvPr id="6" name="Content Placeholder 2">
+            <a:extLst>
+              <a:ext uri="{FF2B5EF4-FFF2-40B4-BE49-F238E27FC236}">
+                <a16:creationId xmlns:a16="http://schemas.microsoft.com/office/drawing/2014/main" id="{A9D37E79-C76A-0CAC-1230-602FC6974EE4}"/>
+              </a:ext>
+            </a:extLst>
+          </p:cNvPr>
+          <p:cNvSpPr txBox="1">
+            <a:spLocks/>
+          </p:cNvSpPr>
+          <p:nvPr/>
+        </p:nvSpPr>
+        <p:spPr>
+          <a:xfrm>
+            <a:off x="5531485" y="1159543"/>
+            <a:ext cx="3155958" cy="1276525"/>
+          </a:xfrm>
+          <a:prstGeom prst="rect">
+            <a:avLst/>
+          </a:prstGeom>
+        </p:spPr>
+        <p:txBody>
+          <a:bodyPr vert="horz" lIns="91440" tIns="45720" rIns="91440" bIns="45720" rtlCol="0">
+            <a:normAutofit/>
+          </a:bodyPr>
+          <a:lstStyle>
+            <a:lvl1pPr marL="228600" indent="-228600" algn="l" defTabSz="914400" rtl="0" eaLnBrk="1" latinLnBrk="0" hangingPunct="1">
+              <a:lnSpc>
+                <a:spcPct val="90000"/>
+              </a:lnSpc>
+              <a:spcBef>
+                <a:spcPts val="1000"/>
+              </a:spcBef>
+              <a:buFont typeface="Arial" panose="020B0604020202020204" pitchFamily="34" charset="0"/>
+              <a:buChar char="•"/>
+              <a:defRPr sz="2800" kern="1200">
+                <a:solidFill>
+                  <a:schemeClr val="tx1"/>
+                </a:solidFill>
+                <a:latin typeface="+mn-lt"/>
+                <a:ea typeface="+mn-ea"/>
+                <a:cs typeface="+mn-cs"/>
+              </a:defRPr>
+            </a:lvl1pPr>
+            <a:lvl2pPr marL="685800" indent="-228600" algn="l" defTabSz="914400" rtl="0" eaLnBrk="1" latinLnBrk="0" hangingPunct="1">
+              <a:lnSpc>
+                <a:spcPct val="90000"/>
+              </a:lnSpc>
+              <a:spcBef>
+                <a:spcPts val="500"/>
+              </a:spcBef>
+              <a:buFont typeface="Arial" panose="020B0604020202020204" pitchFamily="34" charset="0"/>
+              <a:buChar char="•"/>
+              <a:defRPr sz="2400" kern="1200">
+                <a:solidFill>
+                  <a:schemeClr val="tx1"/>
+                </a:solidFill>
+                <a:latin typeface="+mn-lt"/>
+                <a:ea typeface="+mn-ea"/>
+                <a:cs typeface="+mn-cs"/>
+              </a:defRPr>
+            </a:lvl2pPr>
+            <a:lvl3pPr marL="1143000" indent="-228600" algn="l" defTabSz="914400" rtl="0" eaLnBrk="1" latinLnBrk="0" hangingPunct="1">
+              <a:lnSpc>
+                <a:spcPct val="90000"/>
+              </a:lnSpc>
+              <a:spcBef>
+                <a:spcPts val="500"/>
+              </a:spcBef>
+              <a:buFont typeface="Arial" panose="020B0604020202020204" pitchFamily="34" charset="0"/>
+              <a:buChar char="•"/>
+              <a:defRPr sz="2000" kern="1200">
+                <a:solidFill>
+                  <a:schemeClr val="tx1"/>
+                </a:solidFill>
+                <a:latin typeface="+mn-lt"/>
+                <a:ea typeface="+mn-ea"/>
+                <a:cs typeface="+mn-cs"/>
+              </a:defRPr>
+            </a:lvl3pPr>
+            <a:lvl4pPr marL="1600200" indent="-228600" algn="l" defTabSz="914400" rtl="0" eaLnBrk="1" latinLnBrk="0" hangingPunct="1">
+              <a:lnSpc>
+                <a:spcPct val="90000"/>
+              </a:lnSpc>
+              <a:spcBef>
+                <a:spcPts val="500"/>
+              </a:spcBef>
+              <a:buFont typeface="Arial" panose="020B0604020202020204" pitchFamily="34" charset="0"/>
+              <a:buChar char="•"/>
+              <a:defRPr sz="1800" kern="1200">
+                <a:solidFill>
+                  <a:schemeClr val="tx1"/>
+                </a:solidFill>
+                <a:latin typeface="+mn-lt"/>
+                <a:ea typeface="+mn-ea"/>
+                <a:cs typeface="+mn-cs"/>
+              </a:defRPr>
+            </a:lvl4pPr>
+            <a:lvl5pPr marL="2057400" indent="-228600" algn="l" defTabSz="914400" rtl="0" eaLnBrk="1" latinLnBrk="0" hangingPunct="1">
+              <a:lnSpc>
+                <a:spcPct val="90000"/>
+              </a:lnSpc>
+              <a:spcBef>
+                <a:spcPts val="500"/>
+              </a:spcBef>
+              <a:buFont typeface="Arial" panose="020B0604020202020204" pitchFamily="34" charset="0"/>
+              <a:buChar char="•"/>
+              <a:defRPr sz="1800" kern="1200">
+                <a:solidFill>
+                  <a:schemeClr val="tx1"/>
+                </a:solidFill>
+                <a:latin typeface="+mn-lt"/>
+                <a:ea typeface="+mn-ea"/>
+                <a:cs typeface="+mn-cs"/>
+              </a:defRPr>
+            </a:lvl5pPr>
+            <a:lvl6pPr marL="2514600" indent="-228600" algn="l" defTabSz="914400" rtl="0" eaLnBrk="1" latinLnBrk="0" hangingPunct="1">
+              <a:lnSpc>
+                <a:spcPct val="90000"/>
+              </a:lnSpc>
+              <a:spcBef>
+                <a:spcPts val="500"/>
+              </a:spcBef>
+              <a:buFont typeface="Arial" panose="020B0604020202020204" pitchFamily="34" charset="0"/>
+              <a:buChar char="•"/>
+              <a:defRPr sz="1800" kern="1200">
+                <a:solidFill>
+                  <a:schemeClr val="tx1"/>
+                </a:solidFill>
+                <a:latin typeface="+mn-lt"/>
+                <a:ea typeface="+mn-ea"/>
+                <a:cs typeface="+mn-cs"/>
+              </a:defRPr>
+            </a:lvl6pPr>
+            <a:lvl7pPr marL="2971800" indent="-228600" algn="l" defTabSz="914400" rtl="0" eaLnBrk="1" latinLnBrk="0" hangingPunct="1">
+              <a:lnSpc>
+                <a:spcPct val="90000"/>
+              </a:lnSpc>
+              <a:spcBef>
+                <a:spcPts val="500"/>
+              </a:spcBef>
+              <a:buFont typeface="Arial" panose="020B0604020202020204" pitchFamily="34" charset="0"/>
+              <a:buChar char="•"/>
+              <a:defRPr sz="1800" kern="1200">
+                <a:solidFill>
+                  <a:schemeClr val="tx1"/>
+                </a:solidFill>
+                <a:latin typeface="+mn-lt"/>
+                <a:ea typeface="+mn-ea"/>
+                <a:cs typeface="+mn-cs"/>
+              </a:defRPr>
+            </a:lvl7pPr>
+            <a:lvl8pPr marL="3429000" indent="-228600" algn="l" defTabSz="914400" rtl="0" eaLnBrk="1" latinLnBrk="0" hangingPunct="1">
+              <a:lnSpc>
+                <a:spcPct val="90000"/>
+              </a:lnSpc>
+              <a:spcBef>
+                <a:spcPts val="500"/>
+              </a:spcBef>
+              <a:buFont typeface="Arial" panose="020B0604020202020204" pitchFamily="34" charset="0"/>
+              <a:buChar char="•"/>
+              <a:defRPr sz="1800" kern="1200">
+                <a:solidFill>
+                  <a:schemeClr val="tx1"/>
+                </a:solidFill>
+                <a:latin typeface="+mn-lt"/>
+                <a:ea typeface="+mn-ea"/>
+                <a:cs typeface="+mn-cs"/>
+              </a:defRPr>
+            </a:lvl8pPr>
+            <a:lvl9pPr marL="3886200" indent="-228600" algn="l" defTabSz="914400" rtl="0" eaLnBrk="1" latinLnBrk="0" hangingPunct="1">
+              <a:lnSpc>
+                <a:spcPct val="90000"/>
+              </a:lnSpc>
+              <a:spcBef>
+                <a:spcPts val="500"/>
+              </a:spcBef>
+              <a:buFont typeface="Arial" panose="020B0604020202020204" pitchFamily="34" charset="0"/>
+              <a:buChar char="•"/>
+              <a:defRPr sz="1800" kern="1200">
+                <a:solidFill>
+                  <a:schemeClr val="tx1"/>
+                </a:solidFill>
+                <a:latin typeface="+mn-lt"/>
+                <a:ea typeface="+mn-ea"/>
+                <a:cs typeface="+mn-cs"/>
+              </a:defRPr>
+            </a:lvl9pPr>
+          </a:lstStyle>
+          <a:p>
+            <a:pPr marL="0" indent="0">
+              <a:buNone/>
+            </a:pPr>
+            <a:r>
+              <a:rPr lang="en-US" i="1" dirty="0"/>
+              <a:t>Maybe R is working hard on something you didn’t intend!</a:t>
+            </a:r>
+          </a:p>
+          <a:p>
+            <a:endParaRPr lang="en-US" i="1" dirty="0"/>
+          </a:p>
+        </p:txBody>
+      </p:sp>
+      <p:cxnSp>
+        <p:nvCxnSpPr>
+          <p:cNvPr id="9" name="Straight Arrow Connector 8">
+            <a:extLst>
+              <a:ext uri="{FF2B5EF4-FFF2-40B4-BE49-F238E27FC236}">
+                <a16:creationId xmlns:a16="http://schemas.microsoft.com/office/drawing/2014/main" id="{16D43FF0-5A5D-FBA0-397F-0029A7B4F356}"/>
+              </a:ext>
+            </a:extLst>
+          </p:cNvPr>
+          <p:cNvCxnSpPr>
+            <a:cxnSpLocks/>
+          </p:cNvCxnSpPr>
+          <p:nvPr/>
+        </p:nvCxnSpPr>
+        <p:spPr>
+          <a:xfrm flipH="1" flipV="1">
+            <a:off x="4760015" y="2413829"/>
+            <a:ext cx="412739" cy="350977"/>
+          </a:xfrm>
+          <a:prstGeom prst="straightConnector1">
+            <a:avLst/>
+          </a:prstGeom>
+          <a:ln w="50800">
+            <a:tailEnd type="triangle"/>
+          </a:ln>
+        </p:spPr>
+        <p:style>
+          <a:lnRef idx="1">
+            <a:schemeClr val="accent1"/>
+          </a:lnRef>
+          <a:fillRef idx="0">
+            <a:schemeClr val="accent1"/>
+          </a:fillRef>
+          <a:effectRef idx="0">
+            <a:schemeClr val="accent1"/>
+          </a:effectRef>
+          <a:fontRef idx="minor">
+            <a:schemeClr val="tx1"/>
+          </a:fontRef>
+        </p:style>
+      </p:cxnSp>
+      <p:sp>
+        <p:nvSpPr>
+          <p:cNvPr id="11" name="Content Placeholder 2">
+            <a:extLst>
+              <a:ext uri="{FF2B5EF4-FFF2-40B4-BE49-F238E27FC236}">
+                <a16:creationId xmlns:a16="http://schemas.microsoft.com/office/drawing/2014/main" id="{D071C0B3-789B-F909-7DB7-18E1018FCA49}"/>
+              </a:ext>
+            </a:extLst>
+          </p:cNvPr>
+          <p:cNvSpPr txBox="1">
+            <a:spLocks/>
+          </p:cNvSpPr>
+          <p:nvPr/>
+        </p:nvSpPr>
+        <p:spPr>
+          <a:xfrm>
+            <a:off x="5281622" y="2780853"/>
+            <a:ext cx="2182944" cy="885063"/>
+          </a:xfrm>
+          <a:prstGeom prst="rect">
+            <a:avLst/>
+          </a:prstGeom>
+        </p:spPr>
+        <p:txBody>
+          <a:bodyPr vert="horz" lIns="91440" tIns="45720" rIns="91440" bIns="45720" rtlCol="0">
+            <a:normAutofit/>
+          </a:bodyPr>
+          <a:lstStyle>
+            <a:lvl1pPr marL="228600" indent="-228600" algn="l" defTabSz="914400" rtl="0" eaLnBrk="1" latinLnBrk="0" hangingPunct="1">
+              <a:lnSpc>
+                <a:spcPct val="90000"/>
+              </a:lnSpc>
+              <a:spcBef>
+                <a:spcPts val="1000"/>
+              </a:spcBef>
+              <a:buFont typeface="Arial" panose="020B0604020202020204" pitchFamily="34" charset="0"/>
+              <a:buChar char="•"/>
+              <a:defRPr sz="2800" kern="1200">
+                <a:solidFill>
+                  <a:schemeClr val="tx1"/>
+                </a:solidFill>
+                <a:latin typeface="+mn-lt"/>
+                <a:ea typeface="+mn-ea"/>
+                <a:cs typeface="+mn-cs"/>
+              </a:defRPr>
+            </a:lvl1pPr>
+            <a:lvl2pPr marL="685800" indent="-228600" algn="l" defTabSz="914400" rtl="0" eaLnBrk="1" latinLnBrk="0" hangingPunct="1">
+              <a:lnSpc>
+                <a:spcPct val="90000"/>
+              </a:lnSpc>
+              <a:spcBef>
+                <a:spcPts val="500"/>
+              </a:spcBef>
+              <a:buFont typeface="Arial" panose="020B0604020202020204" pitchFamily="34" charset="0"/>
+              <a:buChar char="•"/>
+              <a:defRPr sz="2400" kern="1200">
+                <a:solidFill>
+                  <a:schemeClr val="tx1"/>
+                </a:solidFill>
+                <a:latin typeface="+mn-lt"/>
+                <a:ea typeface="+mn-ea"/>
+                <a:cs typeface="+mn-cs"/>
+              </a:defRPr>
+            </a:lvl2pPr>
+            <a:lvl3pPr marL="1143000" indent="-228600" algn="l" defTabSz="914400" rtl="0" eaLnBrk="1" latinLnBrk="0" hangingPunct="1">
+              <a:lnSpc>
+                <a:spcPct val="90000"/>
+              </a:lnSpc>
+              <a:spcBef>
+                <a:spcPts val="500"/>
+              </a:spcBef>
+              <a:buFont typeface="Arial" panose="020B0604020202020204" pitchFamily="34" charset="0"/>
+              <a:buChar char="•"/>
+              <a:defRPr sz="2000" kern="1200">
+                <a:solidFill>
+                  <a:schemeClr val="tx1"/>
+                </a:solidFill>
+                <a:latin typeface="+mn-lt"/>
+                <a:ea typeface="+mn-ea"/>
+                <a:cs typeface="+mn-cs"/>
+              </a:defRPr>
+            </a:lvl3pPr>
+            <a:lvl4pPr marL="1600200" indent="-228600" algn="l" defTabSz="914400" rtl="0" eaLnBrk="1" latinLnBrk="0" hangingPunct="1">
+              <a:lnSpc>
+                <a:spcPct val="90000"/>
+              </a:lnSpc>
+              <a:spcBef>
+                <a:spcPts val="500"/>
+              </a:spcBef>
+              <a:buFont typeface="Arial" panose="020B0604020202020204" pitchFamily="34" charset="0"/>
+              <a:buChar char="•"/>
+              <a:defRPr sz="1800" kern="1200">
+                <a:solidFill>
+                  <a:schemeClr val="tx1"/>
+                </a:solidFill>
+                <a:latin typeface="+mn-lt"/>
+                <a:ea typeface="+mn-ea"/>
+                <a:cs typeface="+mn-cs"/>
+              </a:defRPr>
+            </a:lvl4pPr>
+            <a:lvl5pPr marL="2057400" indent="-228600" algn="l" defTabSz="914400" rtl="0" eaLnBrk="1" latinLnBrk="0" hangingPunct="1">
+              <a:lnSpc>
+                <a:spcPct val="90000"/>
+              </a:lnSpc>
+              <a:spcBef>
+                <a:spcPts val="500"/>
+              </a:spcBef>
+              <a:buFont typeface="Arial" panose="020B0604020202020204" pitchFamily="34" charset="0"/>
+              <a:buChar char="•"/>
+              <a:defRPr sz="1800" kern="1200">
+                <a:solidFill>
+                  <a:schemeClr val="tx1"/>
+                </a:solidFill>
+                <a:latin typeface="+mn-lt"/>
+                <a:ea typeface="+mn-ea"/>
+                <a:cs typeface="+mn-cs"/>
+              </a:defRPr>
+            </a:lvl5pPr>
+            <a:lvl6pPr marL="2514600" indent="-228600" algn="l" defTabSz="914400" rtl="0" eaLnBrk="1" latinLnBrk="0" hangingPunct="1">
+              <a:lnSpc>
+                <a:spcPct val="90000"/>
+              </a:lnSpc>
+              <a:spcBef>
+                <a:spcPts val="500"/>
+              </a:spcBef>
+              <a:buFont typeface="Arial" panose="020B0604020202020204" pitchFamily="34" charset="0"/>
+              <a:buChar char="•"/>
+              <a:defRPr sz="1800" kern="1200">
+                <a:solidFill>
+                  <a:schemeClr val="tx1"/>
+                </a:solidFill>
+                <a:latin typeface="+mn-lt"/>
+                <a:ea typeface="+mn-ea"/>
+                <a:cs typeface="+mn-cs"/>
+              </a:defRPr>
+            </a:lvl6pPr>
+            <a:lvl7pPr marL="2971800" indent="-228600" algn="l" defTabSz="914400" rtl="0" eaLnBrk="1" latinLnBrk="0" hangingPunct="1">
+              <a:lnSpc>
+                <a:spcPct val="90000"/>
+              </a:lnSpc>
+              <a:spcBef>
+                <a:spcPts val="500"/>
+              </a:spcBef>
+              <a:buFont typeface="Arial" panose="020B0604020202020204" pitchFamily="34" charset="0"/>
+              <a:buChar char="•"/>
+              <a:defRPr sz="1800" kern="1200">
+                <a:solidFill>
+                  <a:schemeClr val="tx1"/>
+                </a:solidFill>
+                <a:latin typeface="+mn-lt"/>
+                <a:ea typeface="+mn-ea"/>
+                <a:cs typeface="+mn-cs"/>
+              </a:defRPr>
+            </a:lvl7pPr>
+            <a:lvl8pPr marL="3429000" indent="-228600" algn="l" defTabSz="914400" rtl="0" eaLnBrk="1" latinLnBrk="0" hangingPunct="1">
+              <a:lnSpc>
+                <a:spcPct val="90000"/>
+              </a:lnSpc>
+              <a:spcBef>
+                <a:spcPts val="500"/>
+              </a:spcBef>
+              <a:buFont typeface="Arial" panose="020B0604020202020204" pitchFamily="34" charset="0"/>
+              <a:buChar char="•"/>
+              <a:defRPr sz="1800" kern="1200">
+                <a:solidFill>
+                  <a:schemeClr val="tx1"/>
+                </a:solidFill>
+                <a:latin typeface="+mn-lt"/>
+                <a:ea typeface="+mn-ea"/>
+                <a:cs typeface="+mn-cs"/>
+              </a:defRPr>
+            </a:lvl8pPr>
+            <a:lvl9pPr marL="3886200" indent="-228600" algn="l" defTabSz="914400" rtl="0" eaLnBrk="1" latinLnBrk="0" hangingPunct="1">
+              <a:lnSpc>
+                <a:spcPct val="90000"/>
+              </a:lnSpc>
+              <a:spcBef>
+                <a:spcPts val="500"/>
+              </a:spcBef>
+              <a:buFont typeface="Arial" panose="020B0604020202020204" pitchFamily="34" charset="0"/>
+              <a:buChar char="•"/>
+              <a:defRPr sz="1800" kern="1200">
+                <a:solidFill>
+                  <a:schemeClr val="tx1"/>
+                </a:solidFill>
+                <a:latin typeface="+mn-lt"/>
+                <a:ea typeface="+mn-ea"/>
+                <a:cs typeface="+mn-cs"/>
+              </a:defRPr>
+            </a:lvl9pPr>
+          </a:lstStyle>
+          <a:p>
+            <a:pPr marL="0" indent="0">
+              <a:buNone/>
+            </a:pPr>
+            <a:r>
+              <a:rPr lang="en-US" dirty="0"/>
+              <a:t>Look for the red stop sign</a:t>
+            </a:r>
+          </a:p>
+          <a:p>
+            <a:endParaRPr lang="en-US" dirty="0"/>
+          </a:p>
+        </p:txBody>
+      </p:sp>
+      <p:sp>
+        <p:nvSpPr>
+          <p:cNvPr id="12" name="Content Placeholder 2">
+            <a:extLst>
+              <a:ext uri="{FF2B5EF4-FFF2-40B4-BE49-F238E27FC236}">
+                <a16:creationId xmlns:a16="http://schemas.microsoft.com/office/drawing/2014/main" id="{B9A7F0C2-8F61-3628-B8E3-55E1F3351ED9}"/>
+              </a:ext>
+            </a:extLst>
+          </p:cNvPr>
+          <p:cNvSpPr txBox="1">
+            <a:spLocks/>
+          </p:cNvSpPr>
+          <p:nvPr/>
+        </p:nvSpPr>
+        <p:spPr>
+          <a:xfrm>
+            <a:off x="398536" y="4833211"/>
+            <a:ext cx="3927256" cy="1719063"/>
+          </a:xfrm>
+          <a:prstGeom prst="rect">
+            <a:avLst/>
+          </a:prstGeom>
+          <a:ln>
+            <a:solidFill>
+              <a:schemeClr val="accent1"/>
+            </a:solidFill>
+          </a:ln>
+        </p:spPr>
+        <p:txBody>
+          <a:bodyPr vert="horz" lIns="91440" tIns="45720" rIns="91440" bIns="45720" rtlCol="0">
+            <a:normAutofit/>
+          </a:bodyPr>
+          <a:lstStyle>
+            <a:lvl1pPr marL="228600" indent="-228600" algn="l" defTabSz="914400" rtl="0" eaLnBrk="1" latinLnBrk="0" hangingPunct="1">
+              <a:lnSpc>
+                <a:spcPct val="90000"/>
+              </a:lnSpc>
+              <a:spcBef>
+                <a:spcPts val="1000"/>
+              </a:spcBef>
+              <a:buFont typeface="Arial" panose="020B0604020202020204" pitchFamily="34" charset="0"/>
+              <a:buChar char="•"/>
+              <a:defRPr sz="2800" kern="1200">
+                <a:solidFill>
+                  <a:schemeClr val="tx1"/>
+                </a:solidFill>
+                <a:latin typeface="+mn-lt"/>
+                <a:ea typeface="+mn-ea"/>
+                <a:cs typeface="+mn-cs"/>
+              </a:defRPr>
+            </a:lvl1pPr>
+            <a:lvl2pPr marL="685800" indent="-228600" algn="l" defTabSz="914400" rtl="0" eaLnBrk="1" latinLnBrk="0" hangingPunct="1">
+              <a:lnSpc>
+                <a:spcPct val="90000"/>
+              </a:lnSpc>
+              <a:spcBef>
+                <a:spcPts val="500"/>
+              </a:spcBef>
+              <a:buFont typeface="Arial" panose="020B0604020202020204" pitchFamily="34" charset="0"/>
+              <a:buChar char="•"/>
+              <a:defRPr sz="2400" kern="1200">
+                <a:solidFill>
+                  <a:schemeClr val="tx1"/>
+                </a:solidFill>
+                <a:latin typeface="+mn-lt"/>
+                <a:ea typeface="+mn-ea"/>
+                <a:cs typeface="+mn-cs"/>
+              </a:defRPr>
+            </a:lvl2pPr>
+            <a:lvl3pPr marL="1143000" indent="-228600" algn="l" defTabSz="914400" rtl="0" eaLnBrk="1" latinLnBrk="0" hangingPunct="1">
+              <a:lnSpc>
+                <a:spcPct val="90000"/>
+              </a:lnSpc>
+              <a:spcBef>
+                <a:spcPts val="500"/>
+              </a:spcBef>
+              <a:buFont typeface="Arial" panose="020B0604020202020204" pitchFamily="34" charset="0"/>
+              <a:buChar char="•"/>
+              <a:defRPr sz="2000" kern="1200">
+                <a:solidFill>
+                  <a:schemeClr val="tx1"/>
+                </a:solidFill>
+                <a:latin typeface="+mn-lt"/>
+                <a:ea typeface="+mn-ea"/>
+                <a:cs typeface="+mn-cs"/>
+              </a:defRPr>
+            </a:lvl3pPr>
+            <a:lvl4pPr marL="1600200" indent="-228600" algn="l" defTabSz="914400" rtl="0" eaLnBrk="1" latinLnBrk="0" hangingPunct="1">
+              <a:lnSpc>
+                <a:spcPct val="90000"/>
+              </a:lnSpc>
+              <a:spcBef>
+                <a:spcPts val="500"/>
+              </a:spcBef>
+              <a:buFont typeface="Arial" panose="020B0604020202020204" pitchFamily="34" charset="0"/>
+              <a:buChar char="•"/>
+              <a:defRPr sz="1800" kern="1200">
+                <a:solidFill>
+                  <a:schemeClr val="tx1"/>
+                </a:solidFill>
+                <a:latin typeface="+mn-lt"/>
+                <a:ea typeface="+mn-ea"/>
+                <a:cs typeface="+mn-cs"/>
+              </a:defRPr>
+            </a:lvl4pPr>
+            <a:lvl5pPr marL="2057400" indent="-228600" algn="l" defTabSz="914400" rtl="0" eaLnBrk="1" latinLnBrk="0" hangingPunct="1">
+              <a:lnSpc>
+                <a:spcPct val="90000"/>
+              </a:lnSpc>
+              <a:spcBef>
+                <a:spcPts val="500"/>
+              </a:spcBef>
+              <a:buFont typeface="Arial" panose="020B0604020202020204" pitchFamily="34" charset="0"/>
+              <a:buChar char="•"/>
+              <a:defRPr sz="1800" kern="1200">
+                <a:solidFill>
+                  <a:schemeClr val="tx1"/>
+                </a:solidFill>
+                <a:latin typeface="+mn-lt"/>
+                <a:ea typeface="+mn-ea"/>
+                <a:cs typeface="+mn-cs"/>
+              </a:defRPr>
+            </a:lvl5pPr>
+            <a:lvl6pPr marL="2514600" indent="-228600" algn="l" defTabSz="914400" rtl="0" eaLnBrk="1" latinLnBrk="0" hangingPunct="1">
+              <a:lnSpc>
+                <a:spcPct val="90000"/>
+              </a:lnSpc>
+              <a:spcBef>
+                <a:spcPts val="500"/>
+              </a:spcBef>
+              <a:buFont typeface="Arial" panose="020B0604020202020204" pitchFamily="34" charset="0"/>
+              <a:buChar char="•"/>
+              <a:defRPr sz="1800" kern="1200">
+                <a:solidFill>
+                  <a:schemeClr val="tx1"/>
+                </a:solidFill>
+                <a:latin typeface="+mn-lt"/>
+                <a:ea typeface="+mn-ea"/>
+                <a:cs typeface="+mn-cs"/>
+              </a:defRPr>
+            </a:lvl6pPr>
+            <a:lvl7pPr marL="2971800" indent="-228600" algn="l" defTabSz="914400" rtl="0" eaLnBrk="1" latinLnBrk="0" hangingPunct="1">
+              <a:lnSpc>
+                <a:spcPct val="90000"/>
+              </a:lnSpc>
+              <a:spcBef>
+                <a:spcPts val="500"/>
+              </a:spcBef>
+              <a:buFont typeface="Arial" panose="020B0604020202020204" pitchFamily="34" charset="0"/>
+              <a:buChar char="•"/>
+              <a:defRPr sz="1800" kern="1200">
+                <a:solidFill>
+                  <a:schemeClr val="tx1"/>
+                </a:solidFill>
+                <a:latin typeface="+mn-lt"/>
+                <a:ea typeface="+mn-ea"/>
+                <a:cs typeface="+mn-cs"/>
+              </a:defRPr>
+            </a:lvl7pPr>
+            <a:lvl8pPr marL="3429000" indent="-228600" algn="l" defTabSz="914400" rtl="0" eaLnBrk="1" latinLnBrk="0" hangingPunct="1">
+              <a:lnSpc>
+                <a:spcPct val="90000"/>
+              </a:lnSpc>
+              <a:spcBef>
+                <a:spcPts val="500"/>
+              </a:spcBef>
+              <a:buFont typeface="Arial" panose="020B0604020202020204" pitchFamily="34" charset="0"/>
+              <a:buChar char="•"/>
+              <a:defRPr sz="1800" kern="1200">
+                <a:solidFill>
+                  <a:schemeClr val="tx1"/>
+                </a:solidFill>
+                <a:latin typeface="+mn-lt"/>
+                <a:ea typeface="+mn-ea"/>
+                <a:cs typeface="+mn-cs"/>
+              </a:defRPr>
+            </a:lvl8pPr>
+            <a:lvl9pPr marL="3886200" indent="-228600" algn="l" defTabSz="914400" rtl="0" eaLnBrk="1" latinLnBrk="0" hangingPunct="1">
+              <a:lnSpc>
+                <a:spcPct val="90000"/>
+              </a:lnSpc>
+              <a:spcBef>
+                <a:spcPts val="500"/>
+              </a:spcBef>
+              <a:buFont typeface="Arial" panose="020B0604020202020204" pitchFamily="34" charset="0"/>
+              <a:buChar char="•"/>
+              <a:defRPr sz="1800" kern="1200">
+                <a:solidFill>
+                  <a:schemeClr val="tx1"/>
+                </a:solidFill>
+                <a:latin typeface="+mn-lt"/>
+                <a:ea typeface="+mn-ea"/>
+                <a:cs typeface="+mn-cs"/>
+              </a:defRPr>
+            </a:lvl9pPr>
+          </a:lstStyle>
+          <a:p>
+            <a:pPr marL="0" indent="0">
+              <a:buNone/>
+            </a:pPr>
+            <a:r>
+              <a:rPr lang="en-US" b="1" dirty="0"/>
+              <a:t>Solution:</a:t>
+            </a:r>
+          </a:p>
+          <a:p>
+            <a:r>
+              <a:rPr lang="en-US" b="1" dirty="0"/>
+              <a:t>Click the red stop sign!</a:t>
+            </a:r>
+          </a:p>
+          <a:p>
+            <a:r>
+              <a:rPr lang="en-US" b="1" dirty="0"/>
+              <a:t>&lt;esc&gt; might work too</a:t>
+            </a:r>
+          </a:p>
+        </p:txBody>
+      </p:sp>
+      <p:pic>
+        <p:nvPicPr>
+          <p:cNvPr id="7" name="Picture 6">
+            <a:extLst>
+              <a:ext uri="{FF2B5EF4-FFF2-40B4-BE49-F238E27FC236}">
+                <a16:creationId xmlns:a16="http://schemas.microsoft.com/office/drawing/2014/main" id="{3B21BE43-1702-5AE4-56D2-83080F86AB59}"/>
+              </a:ext>
+            </a:extLst>
+          </p:cNvPr>
+          <p:cNvPicPr>
+            <a:picLocks noChangeAspect="1"/>
+          </p:cNvPicPr>
+          <p:nvPr/>
+        </p:nvPicPr>
+        <p:blipFill rotWithShape="1">
+          <a:blip r:embed="rId2"/>
+          <a:srcRect t="2694"/>
+          <a:stretch/>
+        </p:blipFill>
+        <p:spPr>
+          <a:xfrm>
+            <a:off x="336323" y="1784697"/>
+            <a:ext cx="4314825" cy="2456146"/>
+          </a:xfrm>
+          <a:prstGeom prst="rect">
+            <a:avLst/>
+          </a:prstGeom>
+        </p:spPr>
+      </p:pic>
+      <p:pic>
+        <p:nvPicPr>
+          <p:cNvPr id="13" name="Picture 12">
+            <a:extLst>
+              <a:ext uri="{FF2B5EF4-FFF2-40B4-BE49-F238E27FC236}">
+                <a16:creationId xmlns:a16="http://schemas.microsoft.com/office/drawing/2014/main" id="{88A435C1-2331-B538-1D8F-2901C9E3946C}"/>
+              </a:ext>
+            </a:extLst>
+          </p:cNvPr>
+          <p:cNvPicPr>
+            <a:picLocks noChangeAspect="1"/>
+          </p:cNvPicPr>
+          <p:nvPr/>
+        </p:nvPicPr>
+        <p:blipFill>
+          <a:blip r:embed="rId3"/>
+          <a:stretch>
+            <a:fillRect/>
+          </a:stretch>
+        </p:blipFill>
+        <p:spPr>
+          <a:xfrm>
+            <a:off x="6581539" y="4240843"/>
+            <a:ext cx="4343400" cy="2505075"/>
+          </a:xfrm>
+          <a:prstGeom prst="rect">
+            <a:avLst/>
+          </a:prstGeom>
+        </p:spPr>
+      </p:pic>
+      <p:pic>
+        <p:nvPicPr>
+          <p:cNvPr id="15" name="Picture 14">
+            <a:extLst>
+              <a:ext uri="{FF2B5EF4-FFF2-40B4-BE49-F238E27FC236}">
+                <a16:creationId xmlns:a16="http://schemas.microsoft.com/office/drawing/2014/main" id="{1AE7CD70-2E84-8FCF-61BA-C1F3621CFA52}"/>
+              </a:ext>
+            </a:extLst>
+          </p:cNvPr>
+          <p:cNvPicPr>
+            <a:picLocks noChangeAspect="1"/>
+          </p:cNvPicPr>
+          <p:nvPr/>
+        </p:nvPicPr>
+        <p:blipFill rotWithShape="1">
+          <a:blip r:embed="rId4"/>
+          <a:srcRect l="5358" r="31597" b="30269"/>
+          <a:stretch/>
+        </p:blipFill>
+        <p:spPr>
+          <a:xfrm>
+            <a:off x="10052503" y="148317"/>
+            <a:ext cx="1982538" cy="1703062"/>
+          </a:xfrm>
+          <a:prstGeom prst="rect">
+            <a:avLst/>
+          </a:prstGeom>
+        </p:spPr>
+      </p:pic>
+    </p:spTree>
+    <p:extLst>
+      <p:ext uri="{BB962C8B-B14F-4D97-AF65-F5344CB8AC3E}">
+        <p14:creationId xmlns:p14="http://schemas.microsoft.com/office/powerpoint/2010/main" val="2804531483"/>
+      </p:ext>
+    </p:extLst>
+  </p:cSld>
+  <p:clrMapOvr>
+    <a:masterClrMapping/>
+  </p:clrMapOvr>
+  <p:timing>
+    <p:tnLst>
+      <p:par>
+        <p:cTn id="1" dur="indefinite" restart="never" nodeType="tmRoot">
+          <p:childTnLst>
+            <p:seq concurrent="1" nextAc="seek">
+              <p:cTn id="2" dur="indefinite" nodeType="mainSeq">
+                <p:childTnLst>
+                  <p:par>
+                    <p:cTn id="3" fill="hold">
+                      <p:stCondLst>
+                        <p:cond delay="indefinite"/>
+                      </p:stCondLst>
+                      <p:childTnLst>
+                        <p:par>
+                          <p:cTn id="4" fill="hold">
+                            <p:stCondLst>
+                              <p:cond delay="0"/>
+                            </p:stCondLst>
+                            <p:childTnLst>
+                              <p:par>
+                                <p:cTn id="5" presetID="1" presetClass="entr" presetSubtype="0" fill="hold" grpId="0" nodeType="clickEffect">
+                                  <p:stCondLst>
+                                    <p:cond delay="0"/>
+                                  </p:stCondLst>
+                                  <p:childTnLst>
+                                    <p:set>
+                                      <p:cBhvr>
+                                        <p:cTn id="6" dur="1" fill="hold">
+                                          <p:stCondLst>
+                                            <p:cond delay="0"/>
+                                          </p:stCondLst>
+                                        </p:cTn>
+                                        <p:tgtEl>
+                                          <p:spTgt spid="6"/>
+                                        </p:tgtEl>
+                                        <p:attrNameLst>
+                                          <p:attrName>style.visibility</p:attrName>
+                                        </p:attrNameLst>
+                                      </p:cBhvr>
+                                      <p:to>
+                                        <p:strVal val="visible"/>
+                                      </p:to>
+                                    </p:set>
+                                  </p:childTnLst>
+                                </p:cTn>
+                              </p:par>
+                            </p:childTnLst>
+                          </p:cTn>
+                        </p:par>
+                      </p:childTnLst>
+                    </p:cTn>
+                  </p:par>
+                  <p:par>
+                    <p:cTn id="7" fill="hold">
+                      <p:stCondLst>
+                        <p:cond delay="indefinite"/>
+                      </p:stCondLst>
+                      <p:childTnLst>
+                        <p:par>
+                          <p:cTn id="8" fill="hold">
+                            <p:stCondLst>
+                              <p:cond delay="0"/>
+                            </p:stCondLst>
+                            <p:childTnLst>
+                              <p:par>
+                                <p:cTn id="9" presetID="1" presetClass="entr" presetSubtype="0" fill="hold" grpId="0" nodeType="clickEffect">
+                                  <p:stCondLst>
+                                    <p:cond delay="0"/>
+                                  </p:stCondLst>
+                                  <p:childTnLst>
+                                    <p:set>
+                                      <p:cBhvr>
+                                        <p:cTn id="10" dur="1" fill="hold">
+                                          <p:stCondLst>
+                                            <p:cond delay="0"/>
+                                          </p:stCondLst>
+                                        </p:cTn>
+                                        <p:tgtEl>
+                                          <p:spTgt spid="11"/>
+                                        </p:tgtEl>
+                                        <p:attrNameLst>
+                                          <p:attrName>style.visibility</p:attrName>
+                                        </p:attrNameLst>
+                                      </p:cBhvr>
+                                      <p:to>
+                                        <p:strVal val="visible"/>
+                                      </p:to>
+                                    </p:set>
+                                  </p:childTnLst>
+                                </p:cTn>
+                              </p:par>
+                              <p:par>
+                                <p:cTn id="11" presetID="1" presetClass="entr" presetSubtype="0" fill="hold" nodeType="withEffect">
+                                  <p:stCondLst>
+                                    <p:cond delay="0"/>
+                                  </p:stCondLst>
+                                  <p:childTnLst>
+                                    <p:set>
+                                      <p:cBhvr>
+                                        <p:cTn id="12" dur="1" fill="hold">
+                                          <p:stCondLst>
+                                            <p:cond delay="0"/>
+                                          </p:stCondLst>
+                                        </p:cTn>
+                                        <p:tgtEl>
+                                          <p:spTgt spid="9"/>
+                                        </p:tgtEl>
+                                        <p:attrNameLst>
+                                          <p:attrName>style.visibility</p:attrName>
+                                        </p:attrNameLst>
+                                      </p:cBhvr>
+                                      <p:to>
+                                        <p:strVal val="visible"/>
+                                      </p:to>
+                                    </p:set>
+                                  </p:childTnLst>
+                                </p:cTn>
+                              </p:par>
+                            </p:childTnLst>
+                          </p:cTn>
+                        </p:par>
+                      </p:childTnLst>
+                    </p:cTn>
+                  </p:par>
+                  <p:par>
+                    <p:cTn id="13" fill="hold">
+                      <p:stCondLst>
+                        <p:cond delay="indefinite"/>
+                      </p:stCondLst>
+                      <p:childTnLst>
+                        <p:par>
+                          <p:cTn id="14" fill="hold">
+                            <p:stCondLst>
+                              <p:cond delay="0"/>
+                            </p:stCondLst>
+                            <p:childTnLst>
+                              <p:par>
+                                <p:cTn id="15" presetID="1" presetClass="entr" presetSubtype="0" fill="hold" grpId="0" nodeType="clickEffect">
+                                  <p:stCondLst>
+                                    <p:cond delay="0"/>
+                                  </p:stCondLst>
+                                  <p:childTnLst>
+                                    <p:set>
+                                      <p:cBhvr>
+                                        <p:cTn id="16" dur="1" fill="hold">
+                                          <p:stCondLst>
+                                            <p:cond delay="0"/>
+                                          </p:stCondLst>
+                                        </p:cTn>
+                                        <p:tgtEl>
+                                          <p:spTgt spid="12"/>
+                                        </p:tgtEl>
+                                        <p:attrNameLst>
+                                          <p:attrName>style.visibility</p:attrName>
+                                        </p:attrNameLst>
+                                      </p:cBhvr>
+                                      <p:to>
+                                        <p:strVal val="visible"/>
+                                      </p:to>
+                                    </p:set>
+                                  </p:childTnLst>
+                                </p:cTn>
+                              </p:par>
+                              <p:par>
+                                <p:cTn id="17" presetID="1" presetClass="entr" presetSubtype="0" fill="hold" nodeType="withEffect">
+                                  <p:stCondLst>
+                                    <p:cond delay="0"/>
+                                  </p:stCondLst>
+                                  <p:childTnLst>
+                                    <p:set>
+                                      <p:cBhvr>
+                                        <p:cTn id="18" dur="1" fill="hold">
+                                          <p:stCondLst>
+                                            <p:cond delay="0"/>
+                                          </p:stCondLst>
+                                        </p:cTn>
+                                        <p:tgtEl>
+                                          <p:spTgt spid="13"/>
+                                        </p:tgtEl>
+                                        <p:attrNameLst>
+                                          <p:attrName>style.visibility</p:attrName>
+                                        </p:attrNameLst>
+                                      </p:cBhvr>
+                                      <p:to>
+                                        <p:strVal val="visible"/>
+                                      </p:to>
+                                    </p:set>
+                                  </p:childTnLst>
+                                </p:cTn>
+                              </p:par>
+                            </p:childTnLst>
+                          </p:cTn>
+                        </p:par>
+                      </p:childTnLst>
+                    </p:cTn>
+                  </p:par>
+                </p:childTnLst>
+              </p:cTn>
+              <p:prevCondLst>
+                <p:cond evt="onPrev" delay="0">
+                  <p:tgtEl>
+                    <p:sldTgt/>
+                  </p:tgtEl>
+                </p:cond>
+              </p:prevCondLst>
+              <p:nextCondLst>
+                <p:cond evt="onNext" delay="0">
+                  <p:tgtEl>
+                    <p:sldTgt/>
+                  </p:tgtEl>
+                </p:cond>
+              </p:nextCondLst>
+            </p:seq>
+          </p:childTnLst>
+        </p:cTn>
+      </p:par>
+    </p:tnLst>
+    <p:bldLst>
+      <p:bldP spid="6" grpId="0"/>
+      <p:bldP spid="11" grpId="0"/>
+      <p:bldP spid="12" grpId="0" animBg="1"/>
+    </p:bldLst>
+  </p:timing>
+</p:sld>
+</file>
+
 <file path=ppt/slides/slide4.xml><?xml version="1.0" encoding="utf-8"?>
 <p:sld xmlns:a="http://schemas.openxmlformats.org/drawingml/2006/main" xmlns:r="http://schemas.openxmlformats.org/officeDocument/2006/relationships" xmlns:p="http://schemas.openxmlformats.org/presentationml/2006/main">
   <p:cSld>
@@ -30393,7 +36214,15 @@
             <a:pPr lvl="1"/>
             <a:r>
               <a:rPr lang="en-US" dirty="0"/>
-              <a:t>Things that go inside the parentheses (function inputs) are referred to as “arguments” of the function</a:t>
+              <a:t>Things that go inside the parentheses (function inputs) are referred to as “</a:t>
+            </a:r>
+            <a:r>
+              <a:rPr lang="en-US" b="1" dirty="0"/>
+              <a:t>arguments</a:t>
+            </a:r>
+            <a:r>
+              <a:rPr lang="en-US" dirty="0"/>
+              <a:t>” of the function</a:t>
             </a:r>
           </a:p>
         </p:txBody>
@@ -31911,8 +37740,8 @@
         </p:nvSpPr>
         <p:spPr>
           <a:xfrm>
-            <a:off x="741947" y="0"/>
-            <a:ext cx="10515600" cy="1214635"/>
+            <a:off x="803731" y="5374272"/>
+            <a:ext cx="5848323" cy="1214635"/>
           </a:xfrm>
         </p:spPr>
         <p:txBody>
@@ -31922,14 +37751,14 @@
           <a:lstStyle/>
           <a:p>
             <a:r>
-              <a:rPr lang="en-US" sz="3600" dirty="0"/>
+              <a:rPr lang="en-US" sz="2000" dirty="0"/>
               <a:t>“There are only two hard thing in computer science:  Cache invalidation and naming things.” – Phil </a:t>
             </a:r>
             <a:r>
-              <a:rPr lang="en-US" sz="3600" dirty="0" err="1"/>
+              <a:rPr lang="en-US" sz="2000" dirty="0" err="1"/>
               <a:t>Karlton</a:t>
             </a:r>
-            <a:endParaRPr lang="en-US" sz="3600" dirty="0"/>
+            <a:endParaRPr lang="en-US" sz="2000" dirty="0"/>
           </a:p>
         </p:txBody>
       </p:sp>
@@ -31949,7 +37778,7 @@
         </p:nvSpPr>
         <p:spPr>
           <a:xfrm>
-            <a:off x="483146" y="1724628"/>
+            <a:off x="557287" y="607317"/>
             <a:ext cx="9424783" cy="4445894"/>
           </a:xfrm>
           <a:prstGeom prst="rect">
@@ -31958,7 +37787,7 @@
         </p:spPr>
         <p:txBody>
           <a:bodyPr vert="horz" lIns="91440" tIns="45720" rIns="91440" bIns="45720" rtlCol="0">
-            <a:normAutofit lnSpcReduction="10000"/>
+            <a:normAutofit fontScale="92500" lnSpcReduction="20000"/>
           </a:bodyPr>
           <a:lstStyle>
             <a:lvl1pPr marL="228600" indent="-228600" algn="l" defTabSz="914400" rtl="0" eaLnBrk="1" latinLnBrk="0" hangingPunct="1">
@@ -32125,9 +37954,22 @@
             </a:lvl9pPr>
           </a:lstStyle>
           <a:p>
+            <a:pPr marL="0" indent="0">
+              <a:buNone/>
+            </a:pPr>
+            <a:r>
+              <a:rPr lang="en-US" b="1" dirty="0"/>
+              <a:t>Aside</a:t>
+            </a:r>
             <a:r>
               <a:rPr lang="en-US" dirty="0"/>
-              <a:t>Naming rules in R:</a:t>
+              <a:t>: </a:t>
+            </a:r>
+          </a:p>
+          <a:p>
+            <a:r>
+              <a:rPr lang="en-US" dirty="0"/>
+              <a:t>Names in R…</a:t>
             </a:r>
           </a:p>
           <a:p>
@@ -32220,7 +38062,7 @@
           <p:nvPr/>
         </p:nvPicPr>
         <p:blipFill>
-          <a:blip r:embed="rId2"/>
+          <a:blip r:embed="rId3"/>
           <a:stretch>
             <a:fillRect/>
           </a:stretch>
@@ -32296,15 +38138,33 @@
                                   </p:childTnLst>
                                 </p:cTn>
                               </p:par>
+                            </p:childTnLst>
+                          </p:cTn>
+                        </p:par>
+                      </p:childTnLst>
+                    </p:cTn>
+                  </p:par>
+                  <p:par>
+                    <p:cTn id="7" fill="hold">
+                      <p:stCondLst>
+                        <p:cond delay="indefinite"/>
+                      </p:stCondLst>
+                      <p:childTnLst>
+                        <p:par>
+                          <p:cTn id="8" fill="hold">
+                            <p:stCondLst>
+                              <p:cond delay="0"/>
+                            </p:stCondLst>
+                            <p:childTnLst>
                               <p:par>
-                                <p:cTn id="7" presetID="1" presetClass="entr" presetSubtype="0" fill="hold" nodeType="withEffect">
+                                <p:cTn id="9" presetID="1" presetClass="entr" presetSubtype="0" fill="hold" nodeType="clickEffect">
                                   <p:stCondLst>
                                     <p:cond delay="0"/>
                                   </p:stCondLst>
                                   <p:childTnLst>
                                     <p:set>
                                       <p:cBhvr>
-                                        <p:cTn id="8" dur="1" fill="hold">
+                                        <p:cTn id="10" dur="1" fill="hold">
                                           <p:stCondLst>
                                             <p:cond delay="0"/>
                                           </p:stCondLst>
@@ -32328,14 +38188,14 @@
                                 </p:cTn>
                               </p:par>
                               <p:par>
-                                <p:cTn id="9" presetID="1" presetClass="entr" presetSubtype="0" fill="hold" nodeType="withEffect">
+                                <p:cTn id="11" presetID="1" presetClass="entr" presetSubtype="0" fill="hold" nodeType="withEffect">
                                   <p:stCondLst>
                                     <p:cond delay="0"/>
                                   </p:stCondLst>
                                   <p:childTnLst>
                                     <p:set>
                                       <p:cBhvr>
-                                        <p:cTn id="10" dur="1" fill="hold">
+                                        <p:cTn id="12" dur="1" fill="hold">
                                           <p:stCondLst>
                                             <p:cond delay="0"/>
                                           </p:stCondLst>
@@ -32358,26 +38218,8 @@
                                   </p:childTnLst>
                                 </p:cTn>
                               </p:par>
-                            </p:childTnLst>
-                          </p:cTn>
-                        </p:par>
-                      </p:childTnLst>
-                    </p:cTn>
-                  </p:par>
-                  <p:par>
-                    <p:cTn id="11" fill="hold">
-                      <p:stCondLst>
-                        <p:cond delay="indefinite"/>
-                      </p:stCondLst>
-                      <p:childTnLst>
-                        <p:par>
-                          <p:cTn id="12" fill="hold">
-                            <p:stCondLst>
-                              <p:cond delay="0"/>
-                            </p:stCondLst>
-                            <p:childTnLst>
                               <p:par>
-                                <p:cTn id="13" presetID="1" presetClass="entr" presetSubtype="0" fill="hold" nodeType="clickEffect">
+                                <p:cTn id="13" presetID="1" presetClass="entr" presetSubtype="0" fill="hold" nodeType="withEffect">
                                   <p:stCondLst>
                                     <p:cond delay="0"/>
                                   </p:stCondLst>
@@ -32439,7 +38281,11 @@
                                           </p:stCondLst>
                                         </p:cTn>
                                         <p:tgtEl>
-                                          <p:spTgt spid="9"/>
+                                          <p:spTgt spid="4">
+                                            <p:txEl>
+                                              <p:pRg st="4" end="4"/>
+                                            </p:txEl>
+                                          </p:spTgt>
                                         </p:tgtEl>
                                         <p:attrNameLst>
                                           <p:attrName>style.visibility</p:attrName>
@@ -32484,11 +38330,7 @@
                                           </p:stCondLst>
                                         </p:cTn>
                                         <p:tgtEl>
-                                          <p:spTgt spid="4">
-                                            <p:txEl>
-                                              <p:pRg st="4" end="4"/>
-                                            </p:txEl>
-                                          </p:spTgt>
+                                          <p:spTgt spid="9"/>
                                         </p:tgtEl>
                                         <p:attrNameLst>
                                           <p:attrName>style.visibility</p:attrName>
@@ -32501,15 +38343,33 @@
                                   </p:childTnLst>
                                 </p:cTn>
                               </p:par>
+                            </p:childTnLst>
+                          </p:cTn>
+                        </p:par>
+                      </p:childTnLst>
+                    </p:cTn>
+                  </p:par>
+                  <p:par>
+                    <p:cTn id="23" fill="hold">
+                      <p:stCondLst>
+                        <p:cond delay="indefinite"/>
+                      </p:stCondLst>
+                      <p:childTnLst>
+                        <p:par>
+                          <p:cTn id="24" fill="hold">
+                            <p:stCondLst>
+                              <p:cond delay="0"/>
+                            </p:stCondLst>
+                            <p:childTnLst>
                               <p:par>
-                                <p:cTn id="23" presetID="1" presetClass="entr" presetSubtype="0" fill="hold" nodeType="withEffect">
+                                <p:cTn id="25" presetID="1" presetClass="entr" presetSubtype="0" fill="hold" nodeType="clickEffect">
                                   <p:stCondLst>
                                     <p:cond delay="0"/>
                                   </p:stCondLst>
                                   <p:childTnLst>
                                     <p:set>
                                       <p:cBhvr>
-                                        <p:cTn id="24" dur="1" fill="hold">
+                                        <p:cTn id="26" dur="1" fill="hold">
                                           <p:stCondLst>
                                             <p:cond delay="0"/>
                                           </p:stCondLst>
@@ -32532,26 +38392,8 @@
                                   </p:childTnLst>
                                 </p:cTn>
                               </p:par>
-                            </p:childTnLst>
-                          </p:cTn>
-                        </p:par>
-                      </p:childTnLst>
-                    </p:cTn>
-                  </p:par>
-                  <p:par>
-                    <p:cTn id="25" fill="hold">
-                      <p:stCondLst>
-                        <p:cond delay="indefinite"/>
-                      </p:stCondLst>
-                      <p:childTnLst>
-                        <p:par>
-                          <p:cTn id="26" fill="hold">
-                            <p:stCondLst>
-                              <p:cond delay="0"/>
-                            </p:stCondLst>
-                            <p:childTnLst>
                               <p:par>
-                                <p:cTn id="27" presetID="1" presetClass="entr" presetSubtype="0" fill="hold" nodeType="clickEffect">
+                                <p:cTn id="27" presetID="1" presetClass="entr" presetSubtype="0" fill="hold" nodeType="withEffect">
                                   <p:stCondLst>
                                     <p:cond delay="0"/>
                                   </p:stCondLst>
@@ -32581,39 +38423,26 @@
                                   </p:childTnLst>
                                 </p:cTn>
                               </p:par>
+                            </p:childTnLst>
+                          </p:cTn>
+                        </p:par>
+                      </p:childTnLst>
+                    </p:cTn>
+                  </p:par>
+                  <p:par>
+                    <p:cTn id="29" fill="hold">
+                      <p:stCondLst>
+                        <p:cond delay="indefinite"/>
+                      </p:stCondLst>
+                      <p:childTnLst>
+                        <p:par>
+                          <p:cTn id="30" fill="hold">
+                            <p:stCondLst>
+                              <p:cond delay="0"/>
+                            </p:stCondLst>
+                            <p:childTnLst>
                               <p:par>
-                                <p:cTn id="29" presetID="1" presetClass="entr" presetSubtype="0" fill="hold" nodeType="withEffect">
-                                  <p:stCondLst>
-                                    <p:cond delay="0"/>
-                                  </p:stCondLst>
-                                  <p:childTnLst>
-                                    <p:set>
-                                      <p:cBhvr>
-                                        <p:cTn id="30" dur="1" fill="hold">
-                                          <p:stCondLst>
-                                            <p:cond delay="0"/>
-                                          </p:stCondLst>
-                                        </p:cTn>
-                                        <p:tgtEl>
-                                          <p:spTgt spid="4">
-                                            <p:txEl>
-                                              <p:pRg st="7" end="7"/>
-                                            </p:txEl>
-                                          </p:spTgt>
-                                        </p:tgtEl>
-                                        <p:attrNameLst>
-                                          <p:attrName>style.visibility</p:attrName>
-                                        </p:attrNameLst>
-                                      </p:cBhvr>
-                                      <p:to>
-                                        <p:strVal val="visible"/>
-                                      </p:to>
-                                    </p:set>
-                                  </p:childTnLst>
-                                </p:cTn>
-                              </p:par>
-                              <p:par>
-                                <p:cTn id="31" presetID="1" presetClass="entr" presetSubtype="0" fill="hold" nodeType="withEffect">
+                                <p:cTn id="31" presetID="1" presetClass="entr" presetSubtype="0" fill="hold" nodeType="clickEffect">
                                   <p:stCondLst>
                                     <p:cond delay="0"/>
                                   </p:stCondLst>
@@ -32628,7 +38457,7 @@
                                         <p:tgtEl>
                                           <p:spTgt spid="4">
                                             <p:txEl>
-                                              <p:pRg st="8" end="8"/>
+                                              <p:pRg st="7" end="7"/>
                                             </p:txEl>
                                           </p:spTgt>
                                         </p:tgtEl>
@@ -32659,7 +38488,7 @@
                                         <p:tgtEl>
                                           <p:spTgt spid="4">
                                             <p:txEl>
-                                              <p:pRg st="9" end="9"/>
+                                              <p:pRg st="8" end="8"/>
                                             </p:txEl>
                                           </p:spTgt>
                                         </p:tgtEl>
@@ -32690,7 +38519,69 @@
                                         <p:tgtEl>
                                           <p:spTgt spid="4">
                                             <p:txEl>
+                                              <p:pRg st="9" end="9"/>
+                                            </p:txEl>
+                                          </p:spTgt>
+                                        </p:tgtEl>
+                                        <p:attrNameLst>
+                                          <p:attrName>style.visibility</p:attrName>
+                                        </p:attrNameLst>
+                                      </p:cBhvr>
+                                      <p:to>
+                                        <p:strVal val="visible"/>
+                                      </p:to>
+                                    </p:set>
+                                  </p:childTnLst>
+                                </p:cTn>
+                              </p:par>
+                              <p:par>
+                                <p:cTn id="37" presetID="1" presetClass="entr" presetSubtype="0" fill="hold" nodeType="withEffect">
+                                  <p:stCondLst>
+                                    <p:cond delay="0"/>
+                                  </p:stCondLst>
+                                  <p:childTnLst>
+                                    <p:set>
+                                      <p:cBhvr>
+                                        <p:cTn id="38" dur="1" fill="hold">
+                                          <p:stCondLst>
+                                            <p:cond delay="0"/>
+                                          </p:stCondLst>
+                                        </p:cTn>
+                                        <p:tgtEl>
+                                          <p:spTgt spid="4">
+                                            <p:txEl>
                                               <p:pRg st="10" end="10"/>
+                                            </p:txEl>
+                                          </p:spTgt>
+                                        </p:tgtEl>
+                                        <p:attrNameLst>
+                                          <p:attrName>style.visibility</p:attrName>
+                                        </p:attrNameLst>
+                                      </p:cBhvr>
+                                      <p:to>
+                                        <p:strVal val="visible"/>
+                                      </p:to>
+                                    </p:set>
+                                  </p:childTnLst>
+                                </p:cTn>
+                              </p:par>
+                              <p:par>
+                                <p:cTn id="39" presetID="1" presetClass="entr" presetSubtype="0" fill="hold" nodeType="withEffect">
+                                  <p:stCondLst>
+                                    <p:cond delay="0"/>
+                                  </p:stCondLst>
+                                  <p:childTnLst>
+                                    <p:set>
+                                      <p:cBhvr>
+                                        <p:cTn id="40" dur="1" fill="hold">
+                                          <p:stCondLst>
+                                            <p:cond delay="0"/>
+                                          </p:stCondLst>
+                                        </p:cTn>
+                                        <p:tgtEl>
+                                          <p:spTgt spid="4">
+                                            <p:txEl>
+                                              <p:pRg st="11" end="11"/>
                                             </p:txEl>
                                           </p:spTgt>
                                         </p:tgtEl>
@@ -32783,7 +38674,7 @@
           <a:p>
             <a:r>
               <a:rPr lang="en-US" sz="3600" dirty="0"/>
-              <a:t>That’s great, but what if I have more than one number?</a:t>
+              <a:t>What if I have more than one number?</a:t>
             </a:r>
             <a:endParaRPr lang="en-US" sz="3600" strike="sngStrike" dirty="0"/>
           </a:p>
@@ -33457,4 +39348,299 @@
     </a:ext>
   </a:extLst>
 </a:theme>
+</file>
+
+<file path=ppt/theme/theme2.xml><?xml version="1.0" encoding="utf-8"?>
+<a:theme xmlns:a="http://schemas.openxmlformats.org/drawingml/2006/main" name="Office Theme">
+  <a:themeElements>
+    <a:clrScheme name="Office">
+      <a:dk1>
+        <a:sysClr val="windowText" lastClr="000000"/>
+      </a:dk1>
+      <a:lt1>
+        <a:sysClr val="window" lastClr="FFFFFF"/>
+      </a:lt1>
+      <a:dk2>
+        <a:srgbClr val="44546A"/>
+      </a:dk2>
+      <a:lt2>
+        <a:srgbClr val="E7E6E6"/>
+      </a:lt2>
+      <a:accent1>
+        <a:srgbClr val="4472C4"/>
+      </a:accent1>
+      <a:accent2>
+        <a:srgbClr val="ED7D31"/>
+      </a:accent2>
+      <a:accent3>
+        <a:srgbClr val="A5A5A5"/>
+      </a:accent3>
+      <a:accent4>
+        <a:srgbClr val="FFC000"/>
+      </a:accent4>
+      <a:accent5>
+        <a:srgbClr val="5B9BD5"/>
+      </a:accent5>
+      <a:accent6>
+        <a:srgbClr val="70AD47"/>
+      </a:accent6>
+      <a:hlink>
+        <a:srgbClr val="0563C1"/>
+      </a:hlink>
+      <a:folHlink>
+        <a:srgbClr val="954F72"/>
+      </a:folHlink>
+    </a:clrScheme>
+    <a:fontScheme name="Office">
+      <a:majorFont>
+        <a:latin typeface="Calibri Light" panose="020F0302020204030204"/>
+        <a:ea typeface=""/>
+        <a:cs typeface=""/>
+        <a:font script="Jpan" typeface="游ゴシック Light"/>
+        <a:font script="Hang" typeface="맑은 고딕"/>
+        <a:font script="Hans" typeface="等线 Light"/>
+        <a:font script="Hant" typeface="新細明體"/>
+        <a:font script="Arab" typeface="Times New Roman"/>
+        <a:font script="Hebr" typeface="Times New Roman"/>
+        <a:font script="Thai" typeface="Angsana New"/>
+        <a:font script="Ethi" typeface="Nyala"/>
+        <a:font script="Beng" typeface="Vrinda"/>
+        <a:font script="Gujr" typeface="Shruti"/>
+        <a:font script="Khmr" typeface="MoolBoran"/>
+        <a:font script="Knda" typeface="Tunga"/>
+        <a:font script="Guru" typeface="Raavi"/>
+        <a:font script="Cans" typeface="Euphemia"/>
+        <a:font script="Cher" typeface="Plantagenet Cherokee"/>
+        <a:font script="Yiii" typeface="Microsoft Yi Baiti"/>
+        <a:font script="Tibt" typeface="Microsoft Himalaya"/>
+        <a:font script="Thaa" typeface="MV Boli"/>
+        <a:font script="Deva" typeface="Mangal"/>
+        <a:font script="Telu" typeface="Gautami"/>
+        <a:font script="Taml" typeface="Latha"/>
+        <a:font script="Syrc" typeface="Estrangelo Edessa"/>
+        <a:font script="Orya" typeface="Kalinga"/>
+        <a:font script="Mlym" typeface="Kartika"/>
+        <a:font script="Laoo" typeface="DokChampa"/>
+        <a:font script="Sinh" typeface="Iskoola Pota"/>
+        <a:font script="Mong" typeface="Mongolian Baiti"/>
+        <a:font script="Viet" typeface="Times New Roman"/>
+        <a:font script="Uigh" typeface="Microsoft Uighur"/>
+        <a:font script="Geor" typeface="Sylfaen"/>
+        <a:font script="Armn" typeface="Arial"/>
+        <a:font script="Bugi" typeface="Leelawadee UI"/>
+        <a:font script="Bopo" typeface="Microsoft JhengHei"/>
+        <a:font script="Java" typeface="Javanese Text"/>
+        <a:font script="Lisu" typeface="Segoe UI"/>
+        <a:font script="Mymr" typeface="Myanmar Text"/>
+        <a:font script="Nkoo" typeface="Ebrima"/>
+        <a:font script="Olck" typeface="Nirmala UI"/>
+        <a:font script="Osma" typeface="Ebrima"/>
+        <a:font script="Phag" typeface="Phagspa"/>
+        <a:font script="Syrn" typeface="Estrangelo Edessa"/>
+        <a:font script="Syrj" typeface="Estrangelo Edessa"/>
+        <a:font script="Syre" typeface="Estrangelo Edessa"/>
+        <a:font script="Sora" typeface="Nirmala UI"/>
+        <a:font script="Tale" typeface="Microsoft Tai Le"/>
+        <a:font script="Talu" typeface="Microsoft New Tai Lue"/>
+        <a:font script="Tfng" typeface="Ebrima"/>
+      </a:majorFont>
+      <a:minorFont>
+        <a:latin typeface="Calibri" panose="020F0502020204030204"/>
+        <a:ea typeface=""/>
+        <a:cs typeface=""/>
+        <a:font script="Jpan" typeface="游ゴシック"/>
+        <a:font script="Hang" typeface="맑은 고딕"/>
+        <a:font script="Hans" typeface="等线"/>
+        <a:font script="Hant" typeface="新細明體"/>
+        <a:font script="Arab" typeface="Arial"/>
+        <a:font script="Hebr" typeface="Arial"/>
+        <a:font script="Thai" typeface="Cordia New"/>
+        <a:font script="Ethi" typeface="Nyala"/>
+        <a:font script="Beng" typeface="Vrinda"/>
+        <a:font script="Gujr" typeface="Shruti"/>
+        <a:font script="Khmr" typeface="DaunPenh"/>
+        <a:font script="Knda" typeface="Tunga"/>
+        <a:font script="Guru" typeface="Raavi"/>
+        <a:font script="Cans" typeface="Euphemia"/>
+        <a:font script="Cher" typeface="Plantagenet Cherokee"/>
+        <a:font script="Yiii" typeface="Microsoft Yi Baiti"/>
+        <a:font script="Tibt" typeface="Microsoft Himalaya"/>
+        <a:font script="Thaa" typeface="MV Boli"/>
+        <a:font script="Deva" typeface="Mangal"/>
+        <a:font script="Telu" typeface="Gautami"/>
+        <a:font script="Taml" typeface="Latha"/>
+        <a:font script="Syrc" typeface="Estrangelo Edessa"/>
+        <a:font script="Orya" typeface="Kalinga"/>
+        <a:font script="Mlym" typeface="Kartika"/>
+        <a:font script="Laoo" typeface="DokChampa"/>
+        <a:font script="Sinh" typeface="Iskoola Pota"/>
+        <a:font script="Mong" typeface="Mongolian Baiti"/>
+        <a:font script="Viet" typeface="Arial"/>
+        <a:font script="Uigh" typeface="Microsoft Uighur"/>
+        <a:font script="Geor" typeface="Sylfaen"/>
+        <a:font script="Armn" typeface="Arial"/>
+        <a:font script="Bugi" typeface="Leelawadee UI"/>
+        <a:font script="Bopo" typeface="Microsoft JhengHei"/>
+        <a:font script="Java" typeface="Javanese Text"/>
+        <a:font script="Lisu" typeface="Segoe UI"/>
+        <a:font script="Mymr" typeface="Myanmar Text"/>
+        <a:font script="Nkoo" typeface="Ebrima"/>
+        <a:font script="Olck" typeface="Nirmala UI"/>
+        <a:font script="Osma" typeface="Ebrima"/>
+        <a:font script="Phag" typeface="Phagspa"/>
+        <a:font script="Syrn" typeface="Estrangelo Edessa"/>
+        <a:font script="Syrj" typeface="Estrangelo Edessa"/>
+        <a:font script="Syre" typeface="Estrangelo Edessa"/>
+        <a:font script="Sora" typeface="Nirmala UI"/>
+        <a:font script="Tale" typeface="Microsoft Tai Le"/>
+        <a:font script="Talu" typeface="Microsoft New Tai Lue"/>
+        <a:font script="Tfng" typeface="Ebrima"/>
+      </a:minorFont>
+    </a:fontScheme>
+    <a:fmtScheme name="Office">
+      <a:fillStyleLst>
+        <a:solidFill>
+          <a:schemeClr val="phClr"/>
+        </a:solidFill>
+        <a:gradFill rotWithShape="1">
+          <a:gsLst>
+            <a:gs pos="0">
+              <a:schemeClr val="phClr">
+                <a:lumMod val="110000"/>
+                <a:satMod val="105000"/>
+                <a:tint val="67000"/>
+              </a:schemeClr>
+            </a:gs>
+            <a:gs pos="50000">
+              <a:schemeClr val="phClr">
+                <a:lumMod val="105000"/>
+                <a:satMod val="103000"/>
+                <a:tint val="73000"/>
+              </a:schemeClr>
+            </a:gs>
+            <a:gs pos="100000">
+              <a:schemeClr val="phClr">
+                <a:lumMod val="105000"/>
+                <a:satMod val="109000"/>
+                <a:tint val="81000"/>
+              </a:schemeClr>
+            </a:gs>
+          </a:gsLst>
+          <a:lin ang="5400000" scaled="0"/>
+        </a:gradFill>
+        <a:gradFill rotWithShape="1">
+          <a:gsLst>
+            <a:gs pos="0">
+              <a:schemeClr val="phClr">
+                <a:satMod val="103000"/>
+                <a:lumMod val="102000"/>
+                <a:tint val="94000"/>
+              </a:schemeClr>
+            </a:gs>
+            <a:gs pos="50000">
+              <a:schemeClr val="phClr">
+                <a:satMod val="110000"/>
+                <a:lumMod val="100000"/>
+                <a:shade val="100000"/>
+              </a:schemeClr>
+            </a:gs>
+            <a:gs pos="100000">
+              <a:schemeClr val="phClr">
+                <a:lumMod val="99000"/>
+                <a:satMod val="120000"/>
+                <a:shade val="78000"/>
+              </a:schemeClr>
+            </a:gs>
+          </a:gsLst>
+          <a:lin ang="5400000" scaled="0"/>
+        </a:gradFill>
+      </a:fillStyleLst>
+      <a:lnStyleLst>
+        <a:ln w="6350" cap="flat" cmpd="sng" algn="ctr">
+          <a:solidFill>
+            <a:schemeClr val="phClr"/>
+          </a:solidFill>
+          <a:prstDash val="solid"/>
+          <a:miter lim="800000"/>
+        </a:ln>
+        <a:ln w="12700" cap="flat" cmpd="sng" algn="ctr">
+          <a:solidFill>
+            <a:schemeClr val="phClr"/>
+          </a:solidFill>
+          <a:prstDash val="solid"/>
+          <a:miter lim="800000"/>
+        </a:ln>
+        <a:ln w="19050" cap="flat" cmpd="sng" algn="ctr">
+          <a:solidFill>
+            <a:schemeClr val="phClr"/>
+          </a:solidFill>
+          <a:prstDash val="solid"/>
+          <a:miter lim="800000"/>
+        </a:ln>
+      </a:lnStyleLst>
+      <a:effectStyleLst>
+        <a:effectStyle>
+          <a:effectLst/>
+        </a:effectStyle>
+        <a:effectStyle>
+          <a:effectLst/>
+        </a:effectStyle>
+        <a:effectStyle>
+          <a:effectLst>
+            <a:outerShdw blurRad="57150" dist="19050" dir="5400000" algn="ctr" rotWithShape="0">
+              <a:srgbClr val="000000">
+                <a:alpha val="63000"/>
+              </a:srgbClr>
+            </a:outerShdw>
+          </a:effectLst>
+        </a:effectStyle>
+      </a:effectStyleLst>
+      <a:bgFillStyleLst>
+        <a:solidFill>
+          <a:schemeClr val="phClr"/>
+        </a:solidFill>
+        <a:solidFill>
+          <a:schemeClr val="phClr">
+            <a:tint val="95000"/>
+            <a:satMod val="170000"/>
+          </a:schemeClr>
+        </a:solidFill>
+        <a:gradFill rotWithShape="1">
+          <a:gsLst>
+            <a:gs pos="0">
+              <a:schemeClr val="phClr">
+                <a:tint val="93000"/>
+                <a:satMod val="150000"/>
+                <a:shade val="98000"/>
+                <a:lumMod val="102000"/>
+              </a:schemeClr>
+            </a:gs>
+            <a:gs pos="50000">
+              <a:schemeClr val="phClr">
+                <a:tint val="98000"/>
+                <a:satMod val="130000"/>
+                <a:shade val="90000"/>
+                <a:lumMod val="103000"/>
+              </a:schemeClr>
+            </a:gs>
+            <a:gs pos="100000">
+              <a:schemeClr val="phClr">
+                <a:shade val="63000"/>
+                <a:satMod val="120000"/>
+              </a:schemeClr>
+            </a:gs>
+          </a:gsLst>
+          <a:lin ang="5400000" scaled="0"/>
+        </a:gradFill>
+      </a:bgFillStyleLst>
+    </a:fmtScheme>
+  </a:themeElements>
+  <a:objectDefaults/>
+  <a:extraClrSchemeLst/>
+  <a:extLst>
+    <a:ext uri="{05A4C25C-085E-4340-85A3-A5531E510DB2}">
+      <thm15:themeFamily xmlns:thm15="http://schemas.microsoft.com/office/thememl/2012/main" name="Office Theme" id="{62F939B6-93AF-4DB8-9C6B-D6C7DFDC589F}" vid="{4A3C46E8-61CC-4603-A589-7422A47A8E4A}"/>
+    </a:ext>
+  </a:extLst>
+</a:theme>
 </file>
--- a/presentations/3 - Programming Basics 1 - Poke the Box.pptx
+++ b/presentations/3 - Programming Basics 1 - Poke the Box.pptx
@@ -237,7 +237,7 @@
           <a:p>
             <a:fld id="{0C3747FC-B9FC-4317-A7AC-005EC1BA3397}" type="datetimeFigureOut">
               <a:rPr lang="en-US" smtClean="0"/>
-              <a:t>11/6/2023</a:t>
+              <a:t>11/9/2023</a:t>
             </a:fld>
             <a:endParaRPr lang="en-US"/>
           </a:p>
@@ -653,7 +653,28 @@
           <a:bodyPr/>
           <a:lstStyle/>
           <a:p>
+            <a:r>
+              <a:rPr lang="en-US" dirty="0"/>
+              <a:t>… so here’s a silly example</a:t>
+            </a:r>
+          </a:p>
+          <a:p>
             <a:endParaRPr lang="en-US" dirty="0"/>
+          </a:p>
+          <a:p>
+            <a:r>
+              <a:rPr lang="en-US" dirty="0"/>
+              <a:t>… we get a vector OUT, and check out how this works: </a:t>
+            </a:r>
+          </a:p>
+          <a:p>
+            <a:endParaRPr lang="en-US" dirty="0"/>
+          </a:p>
+          <a:p>
+            <a:r>
+              <a:rPr lang="en-US" dirty="0"/>
+              <a:t>If it’s useful, you can think of this like dragging a formula down in Excel – and just like Excel, the RELATIVE POSITION gets preserved</a:t>
+            </a:r>
           </a:p>
         </p:txBody>
       </p:sp>
@@ -739,7 +760,7 @@
           <a:p>
             <a:r>
               <a:rPr lang="en-US" dirty="0"/>
-              <a:t>Ok, here’s a brain teaser.</a:t>
+              <a:t>So what happens when you mix vectors and single numbers</a:t>
             </a:r>
           </a:p>
           <a:p>
@@ -748,7 +769,7 @@
           <a:p>
             <a:r>
               <a:rPr lang="en-US" dirty="0"/>
-              <a:t>We have a single number, and two vectors.</a:t>
+              <a:t>… you get a vector out, but it adds one to ALL elements</a:t>
             </a:r>
           </a:p>
           <a:p>
@@ -757,7 +778,7 @@
           <a:p>
             <a:r>
               <a:rPr lang="en-US" dirty="0"/>
-              <a:t>What happens when we add them all together?</a:t>
+              <a:t>So maybe this is how it works in Excel land?</a:t>
             </a:r>
           </a:p>
         </p:txBody>
@@ -779,7 +800,7 @@
           <a:p>
             <a:fld id="{4D7B2489-0EE5-4C7F-94A6-A858195D0567}" type="slidenum">
               <a:rPr lang="en-US" smtClean="0"/>
-              <a:t>12</a:t>
+              <a:t>11</a:t>
             </a:fld>
             <a:endParaRPr lang="en-US"/>
           </a:p>
@@ -788,7 +809,7 @@
     </p:spTree>
     <p:extLst>
       <p:ext uri="{BB962C8B-B14F-4D97-AF65-F5344CB8AC3E}">
-        <p14:creationId xmlns:p14="http://schemas.microsoft.com/office/powerpoint/2010/main" val="1284866668"/>
+        <p14:creationId xmlns:p14="http://schemas.microsoft.com/office/powerpoint/2010/main" val="1637829726"/>
       </p:ext>
     </p:extLst>
   </p:cSld>
@@ -844,7 +865,7 @@
           <a:p>
             <a:r>
               <a:rPr lang="en-US" dirty="0"/>
-              <a:t>Ok, here’s a brain teaser.</a:t>
+              <a:t>So let’s try this.</a:t>
             </a:r>
           </a:p>
           <a:p>
@@ -853,16 +874,7 @@
           <a:p>
             <a:r>
               <a:rPr lang="en-US" dirty="0"/>
-              <a:t>We have a single number, and two vectors.</a:t>
-            </a:r>
-          </a:p>
-          <a:p>
-            <a:endParaRPr lang="en-US" dirty="0"/>
-          </a:p>
-          <a:p>
-            <a:r>
-              <a:rPr lang="en-US" dirty="0"/>
-              <a:t>What happens when we add them all together?</a:t>
+              <a:t>What do you think will happen?</a:t>
             </a:r>
           </a:p>
         </p:txBody>
@@ -884,7 +896,7 @@
           <a:p>
             <a:fld id="{4D7B2489-0EE5-4C7F-94A6-A858195D0567}" type="slidenum">
               <a:rPr lang="en-US" smtClean="0"/>
-              <a:t>13</a:t>
+              <a:t>12</a:t>
             </a:fld>
             <a:endParaRPr lang="en-US"/>
           </a:p>
@@ -893,7 +905,7 @@
     </p:spTree>
     <p:extLst>
       <p:ext uri="{BB962C8B-B14F-4D97-AF65-F5344CB8AC3E}">
-        <p14:creationId xmlns:p14="http://schemas.microsoft.com/office/powerpoint/2010/main" val="3260853886"/>
+        <p14:creationId xmlns:p14="http://schemas.microsoft.com/office/powerpoint/2010/main" val="1284866668"/>
       </p:ext>
     </p:extLst>
   </p:cSld>
@@ -947,28 +959,7 @@
           <a:bodyPr/>
           <a:lstStyle/>
           <a:p>
-            <a:r>
-              <a:rPr lang="en-US" dirty="0"/>
-              <a:t>Ok, here’s a brain teaser.</a:t>
-            </a:r>
-          </a:p>
-          <a:p>
             <a:endParaRPr lang="en-US" dirty="0"/>
-          </a:p>
-          <a:p>
-            <a:r>
-              <a:rPr lang="en-US" dirty="0"/>
-              <a:t>We have a single number, and two vectors.</a:t>
-            </a:r>
-          </a:p>
-          <a:p>
-            <a:endParaRPr lang="en-US" dirty="0"/>
-          </a:p>
-          <a:p>
-            <a:r>
-              <a:rPr lang="en-US" dirty="0"/>
-              <a:t>What happens when we add them all together?</a:t>
-            </a:r>
           </a:p>
         </p:txBody>
       </p:sp>
@@ -989,7 +980,7 @@
           <a:p>
             <a:fld id="{4D7B2489-0EE5-4C7F-94A6-A858195D0567}" type="slidenum">
               <a:rPr lang="en-US" smtClean="0"/>
-              <a:t>14</a:t>
+              <a:t>13</a:t>
             </a:fld>
             <a:endParaRPr lang="en-US"/>
           </a:p>
@@ -998,7 +989,7 @@
     </p:spTree>
     <p:extLst>
       <p:ext uri="{BB962C8B-B14F-4D97-AF65-F5344CB8AC3E}">
-        <p14:creationId xmlns:p14="http://schemas.microsoft.com/office/powerpoint/2010/main" val="2144586236"/>
+        <p14:creationId xmlns:p14="http://schemas.microsoft.com/office/powerpoint/2010/main" val="3260853886"/>
       </p:ext>
     </p:extLst>
   </p:cSld>
@@ -1054,7 +1045,7 @@
           <a:p>
             <a:r>
               <a:rPr lang="en-US" dirty="0"/>
-              <a:t>Ok, here’s a brain teaser.</a:t>
+              <a:t>How about this one?</a:t>
             </a:r>
           </a:p>
           <a:p>
@@ -1063,16 +1054,7 @@
           <a:p>
             <a:r>
               <a:rPr lang="en-US" dirty="0"/>
-              <a:t>We have a single number, and two vectors.</a:t>
-            </a:r>
-          </a:p>
-          <a:p>
-            <a:endParaRPr lang="en-US" dirty="0"/>
-          </a:p>
-          <a:p>
-            <a:r>
-              <a:rPr lang="en-US" dirty="0"/>
-              <a:t>What happens when we add them all together?</a:t>
+              <a:t>Same two vectors from before, but now we add a single number.</a:t>
             </a:r>
           </a:p>
         </p:txBody>
@@ -1094,7 +1076,7 @@
           <a:p>
             <a:fld id="{4D7B2489-0EE5-4C7F-94A6-A858195D0567}" type="slidenum">
               <a:rPr lang="en-US" smtClean="0"/>
-              <a:t>15</a:t>
+              <a:t>14</a:t>
             </a:fld>
             <a:endParaRPr lang="en-US"/>
           </a:p>
@@ -1103,7 +1085,7 @@
     </p:spTree>
     <p:extLst>
       <p:ext uri="{BB962C8B-B14F-4D97-AF65-F5344CB8AC3E}">
-        <p14:creationId xmlns:p14="http://schemas.microsoft.com/office/powerpoint/2010/main" val="6446530"/>
+        <p14:creationId xmlns:p14="http://schemas.microsoft.com/office/powerpoint/2010/main" val="2144586236"/>
       </p:ext>
     </p:extLst>
   </p:cSld>
@@ -1157,25 +1139,7 @@
           <a:bodyPr/>
           <a:lstStyle/>
           <a:p>
-            <a:r>
-              <a:rPr lang="en-US" dirty="0"/>
-              <a:t>Another tool is the colon operator, which makes an integer sequence</a:t>
-            </a:r>
-          </a:p>
-          <a:p>
             <a:endParaRPr lang="en-US" dirty="0"/>
-          </a:p>
-          <a:p>
-            <a:r>
-              <a:rPr lang="en-US" dirty="0"/>
-              <a:t>Oh, and remember that [1] thing in square brackets we kept seeing?  Now what do you think it means?</a:t>
-            </a:r>
-          </a:p>
-          <a:p>
-            <a:r>
-              <a:rPr lang="en-US" dirty="0"/>
-              <a:t>It’s just saying where each line of printed output starts!</a:t>
-            </a:r>
           </a:p>
         </p:txBody>
       </p:sp>
@@ -1196,7 +1160,7 @@
           <a:p>
             <a:fld id="{4D7B2489-0EE5-4C7F-94A6-A858195D0567}" type="slidenum">
               <a:rPr lang="en-US" smtClean="0"/>
-              <a:t>16</a:t>
+              <a:t>15</a:t>
             </a:fld>
             <a:endParaRPr lang="en-US"/>
           </a:p>
@@ -1205,7 +1169,7 @@
     </p:spTree>
     <p:extLst>
       <p:ext uri="{BB962C8B-B14F-4D97-AF65-F5344CB8AC3E}">
-        <p14:creationId xmlns:p14="http://schemas.microsoft.com/office/powerpoint/2010/main" val="106737042"/>
+        <p14:creationId xmlns:p14="http://schemas.microsoft.com/office/powerpoint/2010/main" val="6446530"/>
       </p:ext>
     </p:extLst>
   </p:cSld>
@@ -1261,7 +1225,7 @@
           <a:p>
             <a:r>
               <a:rPr lang="en-US" dirty="0"/>
-              <a:t>The seq() function…</a:t>
+              <a:t>Here’s a couple more ways of making a vector from scratch…</a:t>
             </a:r>
           </a:p>
           <a:p>
@@ -1270,25 +1234,22 @@
           <a:p>
             <a:r>
               <a:rPr lang="en-US" dirty="0"/>
-              <a:t>Now before you try memorizing all the different arguments you see here, I actually want to call attention to two things:</a:t>
-            </a:r>
+              <a:t>Another tool is the colon operator, which makes an integer sequence</a:t>
+            </a:r>
+          </a:p>
+          <a:p>
+            <a:endParaRPr lang="en-US" dirty="0"/>
           </a:p>
           <a:p>
             <a:r>
               <a:rPr lang="en-US" dirty="0"/>
-              <a:t>- there’s often multiple ways of doing the same thing</a:t>
+              <a:t>Oh, and remember that [1] thing in square brackets we kept seeing?  Now what do you think it means?</a:t>
             </a:r>
           </a:p>
           <a:p>
             <a:r>
               <a:rPr lang="en-US" dirty="0"/>
-              <a:t>- functions can have multiple possible arguments</a:t>
-            </a:r>
-          </a:p>
-          <a:p>
-            <a:r>
-              <a:rPr lang="en-US" dirty="0"/>
-              <a:t>- …and you may have noticed in the second line I didn’t explicitly use from= and to=, but the function knew what I meant from the position</a:t>
+              <a:t>It’s just saying where each line of printed output starts!</a:t>
             </a:r>
           </a:p>
         </p:txBody>
@@ -1310,7 +1271,7 @@
           <a:p>
             <a:fld id="{4D7B2489-0EE5-4C7F-94A6-A858195D0567}" type="slidenum">
               <a:rPr lang="en-US" smtClean="0"/>
-              <a:t>17</a:t>
+              <a:t>16</a:t>
             </a:fld>
             <a:endParaRPr lang="en-US"/>
           </a:p>
@@ -1319,7 +1280,7 @@
     </p:spTree>
     <p:extLst>
       <p:ext uri="{BB962C8B-B14F-4D97-AF65-F5344CB8AC3E}">
-        <p14:creationId xmlns:p14="http://schemas.microsoft.com/office/powerpoint/2010/main" val="2555887919"/>
+        <p14:creationId xmlns:p14="http://schemas.microsoft.com/office/powerpoint/2010/main" val="106737042"/>
       </p:ext>
     </p:extLst>
   </p:cSld>
@@ -1375,7 +1336,28 @@
           <a:p>
             <a:r>
               <a:rPr lang="en-US" dirty="0"/>
-              <a:t>And thankfully, you don’t have to memorize all the things, because there is HELP!</a:t>
+              <a:t>The seq() function…</a:t>
+            </a:r>
+          </a:p>
+          <a:p>
+            <a:endParaRPr lang="en-US" dirty="0"/>
+          </a:p>
+          <a:p>
+            <a:r>
+              <a:rPr lang="en-US" dirty="0"/>
+              <a:t>Now before you try memorizing all the different arguments you see here, I actually want to call attention to two things:</a:t>
+            </a:r>
+          </a:p>
+          <a:p>
+            <a:r>
+              <a:rPr lang="en-US" dirty="0"/>
+              <a:t>- there’s often multiple ways of doing the same thing</a:t>
+            </a:r>
+          </a:p>
+          <a:p>
+            <a:r>
+              <a:rPr lang="en-US" dirty="0"/>
+              <a:t>- functions can have multiple possible arguments</a:t>
             </a:r>
           </a:p>
         </p:txBody>
@@ -1397,7 +1379,7 @@
           <a:p>
             <a:fld id="{4D7B2489-0EE5-4C7F-94A6-A858195D0567}" type="slidenum">
               <a:rPr lang="en-US" smtClean="0"/>
-              <a:t>18</a:t>
+              <a:t>17</a:t>
             </a:fld>
             <a:endParaRPr lang="en-US"/>
           </a:p>
@@ -1406,7 +1388,7 @@
     </p:spTree>
     <p:extLst>
       <p:ext uri="{BB962C8B-B14F-4D97-AF65-F5344CB8AC3E}">
-        <p14:creationId xmlns:p14="http://schemas.microsoft.com/office/powerpoint/2010/main" val="1852754370"/>
+        <p14:creationId xmlns:p14="http://schemas.microsoft.com/office/powerpoint/2010/main" val="2555887919"/>
       </p:ext>
     </p:extLst>
   </p:cSld>
@@ -1462,22 +1444,7 @@
           <a:p>
             <a:r>
               <a:rPr lang="en-US" dirty="0"/>
-              <a:t>Ok, so let’s build the vocabulary a little.</a:t>
-            </a:r>
-          </a:p>
-          <a:p>
-            <a:endParaRPr lang="en-US" dirty="0"/>
-          </a:p>
-          <a:p>
-            <a:r>
-              <a:rPr lang="en-US" dirty="0"/>
-              <a:t>We have all the math things: addition, subtraction, multiplication, division, and exponents</a:t>
-            </a:r>
-          </a:p>
-          <a:p>
-            <a:r>
-              <a:rPr lang="en-US" dirty="0"/>
-              <a:t>We can also use parentheses as needed when we’re doing math</a:t>
+              <a:t>And thankfully, you don’t have to memorize all the things, because there is HELP!</a:t>
             </a:r>
           </a:p>
         </p:txBody>
@@ -1499,7 +1466,7 @@
           <a:p>
             <a:fld id="{4D7B2489-0EE5-4C7F-94A6-A858195D0567}" type="slidenum">
               <a:rPr lang="en-US" smtClean="0"/>
-              <a:t>19</a:t>
+              <a:t>18</a:t>
             </a:fld>
             <a:endParaRPr lang="en-US"/>
           </a:p>
@@ -1508,7 +1475,7 @@
     </p:spTree>
     <p:extLst>
       <p:ext uri="{BB962C8B-B14F-4D97-AF65-F5344CB8AC3E}">
-        <p14:creationId xmlns:p14="http://schemas.microsoft.com/office/powerpoint/2010/main" val="774226052"/>
+        <p14:creationId xmlns:p14="http://schemas.microsoft.com/office/powerpoint/2010/main" val="1852754370"/>
       </p:ext>
     </p:extLst>
   </p:cSld>
@@ -1564,7 +1531,7 @@
           <a:p>
             <a:r>
               <a:rPr lang="en-US" dirty="0"/>
-              <a:t>A few more math things: square root, log, exponential, absolute value</a:t>
+              <a:t>Ok, so let’s build the vocabulary a little.</a:t>
             </a:r>
           </a:p>
           <a:p>
@@ -1573,13 +1540,13 @@
           <a:p>
             <a:r>
               <a:rPr lang="en-US" dirty="0"/>
-              <a:t>Notice that when we put a vector in, we get a vector out.</a:t>
+              <a:t>We have all the math things: addition, subtraction, multiplication, division, and exponents</a:t>
             </a:r>
           </a:p>
           <a:p>
             <a:r>
               <a:rPr lang="en-US" dirty="0"/>
-              <a:t>You’ll also notice we had to tell R that it was a vector!  How did we do that?</a:t>
+              <a:t>We can also use parentheses as needed when we’re doing math</a:t>
             </a:r>
           </a:p>
         </p:txBody>
@@ -1601,7 +1568,7 @@
           <a:p>
             <a:fld id="{4D7B2489-0EE5-4C7F-94A6-A858195D0567}" type="slidenum">
               <a:rPr lang="en-US" smtClean="0"/>
-              <a:t>20</a:t>
+              <a:t>19</a:t>
             </a:fld>
             <a:endParaRPr lang="en-US"/>
           </a:p>
@@ -1610,7 +1577,7 @@
     </p:spTree>
     <p:extLst>
       <p:ext uri="{BB962C8B-B14F-4D97-AF65-F5344CB8AC3E}">
-        <p14:creationId xmlns:p14="http://schemas.microsoft.com/office/powerpoint/2010/main" val="3672037594"/>
+        <p14:creationId xmlns:p14="http://schemas.microsoft.com/office/powerpoint/2010/main" val="774226052"/>
       </p:ext>
     </p:extLst>
   </p:cSld>
@@ -1753,13 +1720,22 @@
           <a:p>
             <a:r>
               <a:rPr lang="en-US" dirty="0"/>
-              <a:t>A few more math things that only make sense with a vector input</a:t>
-            </a:r>
+              <a:t>A few more math things: square root, log, exponential, absolute value</a:t>
+            </a:r>
+          </a:p>
+          <a:p>
+            <a:endParaRPr lang="en-US" dirty="0"/>
           </a:p>
           <a:p>
             <a:r>
               <a:rPr lang="en-US" dirty="0"/>
-              <a:t>Sum, product, mean, median, quantile, standard deviation, and variance</a:t>
+              <a:t>Notice that when we put a vector in, we get a vector out.</a:t>
+            </a:r>
+          </a:p>
+          <a:p>
+            <a:r>
+              <a:rPr lang="en-US" dirty="0"/>
+              <a:t>You’ll also notice we had to tell R that it was a vector!  How did we do that?</a:t>
             </a:r>
           </a:p>
         </p:txBody>
@@ -1781,7 +1757,7 @@
           <a:p>
             <a:fld id="{4D7B2489-0EE5-4C7F-94A6-A858195D0567}" type="slidenum">
               <a:rPr lang="en-US" smtClean="0"/>
-              <a:t>21</a:t>
+              <a:t>20</a:t>
             </a:fld>
             <a:endParaRPr lang="en-US"/>
           </a:p>
@@ -1790,7 +1766,7 @@
     </p:spTree>
     <p:extLst>
       <p:ext uri="{BB962C8B-B14F-4D97-AF65-F5344CB8AC3E}">
-        <p14:creationId xmlns:p14="http://schemas.microsoft.com/office/powerpoint/2010/main" val="2604631203"/>
+        <p14:creationId xmlns:p14="http://schemas.microsoft.com/office/powerpoint/2010/main" val="3672037594"/>
       </p:ext>
     </p:extLst>
   </p:cSld>
@@ -1846,25 +1822,13 @@
           <a:p>
             <a:r>
               <a:rPr lang="en-US" dirty="0"/>
-              <a:t>So far we’ve just seen numbers, but R can also store other things</a:t>
-            </a:r>
-          </a:p>
-          <a:p>
-            <a:endParaRPr lang="en-US" dirty="0"/>
+              <a:t>A few more math things that only make sense with a vector input</a:t>
+            </a:r>
           </a:p>
           <a:p>
             <a:r>
               <a:rPr lang="en-US" dirty="0"/>
-              <a:t>Logical is simpler, it can only be TRUE or FALSE</a:t>
-            </a:r>
-          </a:p>
-          <a:p>
-            <a:endParaRPr lang="en-US" dirty="0"/>
-          </a:p>
-          <a:p>
-            <a:r>
-              <a:rPr lang="en-US" dirty="0"/>
-              <a:t>With Character, you can store text</a:t>
+              <a:t>Sum, product, mean, median, quantile, standard deviation, and variance</a:t>
             </a:r>
           </a:p>
         </p:txBody>
@@ -1886,7 +1850,7 @@
           <a:p>
             <a:fld id="{4D7B2489-0EE5-4C7F-94A6-A858195D0567}" type="slidenum">
               <a:rPr lang="en-US" smtClean="0"/>
-              <a:t>23</a:t>
+              <a:t>21</a:t>
             </a:fld>
             <a:endParaRPr lang="en-US"/>
           </a:p>
@@ -1895,7 +1859,7 @@
     </p:spTree>
     <p:extLst>
       <p:ext uri="{BB962C8B-B14F-4D97-AF65-F5344CB8AC3E}">
-        <p14:creationId xmlns:p14="http://schemas.microsoft.com/office/powerpoint/2010/main" val="1797278814"/>
+        <p14:creationId xmlns:p14="http://schemas.microsoft.com/office/powerpoint/2010/main" val="2604631203"/>
       </p:ext>
     </p:extLst>
   </p:cSld>
@@ -1951,16 +1915,7 @@
           <a:p>
             <a:r>
               <a:rPr lang="en-US" dirty="0"/>
-              <a:t>And it’s generally pretty intuitive what can and can’t happen…</a:t>
-            </a:r>
-          </a:p>
-          <a:p>
-            <a:endParaRPr lang="en-US" dirty="0"/>
-          </a:p>
-          <a:p>
-            <a:r>
-              <a:rPr lang="en-US" dirty="0"/>
-              <a:t>Notice that wrapping “2” in quotes tells R to treat it as Character</a:t>
+              <a:t>An important R thing we need to talk about is NA, which is R’s way of handling blanks.</a:t>
             </a:r>
           </a:p>
         </p:txBody>
@@ -1982,7 +1937,7 @@
           <a:p>
             <a:fld id="{4D7B2489-0EE5-4C7F-94A6-A858195D0567}" type="slidenum">
               <a:rPr lang="en-US" smtClean="0"/>
-              <a:t>24</a:t>
+              <a:t>22</a:t>
             </a:fld>
             <a:endParaRPr lang="en-US"/>
           </a:p>
@@ -1991,7 +1946,7 @@
     </p:spTree>
     <p:extLst>
       <p:ext uri="{BB962C8B-B14F-4D97-AF65-F5344CB8AC3E}">
-        <p14:creationId xmlns:p14="http://schemas.microsoft.com/office/powerpoint/2010/main" val="2995199807"/>
+        <p14:creationId xmlns:p14="http://schemas.microsoft.com/office/powerpoint/2010/main" val="2880662153"/>
       </p:ext>
     </p:extLst>
   </p:cSld>
@@ -2047,7 +2002,34 @@
           <a:p>
             <a:r>
               <a:rPr lang="en-US" dirty="0"/>
-              <a:t>…lets look at what happens here</a:t>
+              <a:t>So far we’ve just seen numbers, but R can also store other things</a:t>
+            </a:r>
+          </a:p>
+          <a:p>
+            <a:endParaRPr lang="en-US" dirty="0"/>
+          </a:p>
+          <a:p>
+            <a:r>
+              <a:rPr lang="en-US" dirty="0"/>
+              <a:t>Logical is simpler, it can only be TRUE or FALSE</a:t>
+            </a:r>
+          </a:p>
+          <a:p>
+            <a:endParaRPr lang="en-US" dirty="0"/>
+          </a:p>
+          <a:p>
+            <a:r>
+              <a:rPr lang="en-US" dirty="0"/>
+              <a:t>With Character, you can store text</a:t>
+            </a:r>
+          </a:p>
+          <a:p>
+            <a:endParaRPr lang="en-US" dirty="0"/>
+          </a:p>
+          <a:p>
+            <a:r>
+              <a:rPr lang="en-US" dirty="0"/>
+              <a:t>And things can be changed into a MORE COMPLEX class without losing information.  …which will make sense in a moment.</a:t>
             </a:r>
           </a:p>
         </p:txBody>
@@ -2069,7 +2051,7 @@
           <a:p>
             <a:fld id="{4D7B2489-0EE5-4C7F-94A6-A858195D0567}" type="slidenum">
               <a:rPr lang="en-US" smtClean="0"/>
-              <a:t>25</a:t>
+              <a:t>23</a:t>
             </a:fld>
             <a:endParaRPr lang="en-US"/>
           </a:p>
@@ -2078,7 +2060,7 @@
     </p:spTree>
     <p:extLst>
       <p:ext uri="{BB962C8B-B14F-4D97-AF65-F5344CB8AC3E}">
-        <p14:creationId xmlns:p14="http://schemas.microsoft.com/office/powerpoint/2010/main" val="416981613"/>
+        <p14:creationId xmlns:p14="http://schemas.microsoft.com/office/powerpoint/2010/main" val="1797278814"/>
       </p:ext>
     </p:extLst>
   </p:cSld>
@@ -2134,7 +2116,7 @@
           <a:p>
             <a:r>
               <a:rPr lang="en-US" dirty="0"/>
-              <a:t>…so here we see this Character vector we made a couple slides ago</a:t>
+              <a:t>But first …  it’s generally pretty intuitive what can and can’t happen…</a:t>
             </a:r>
           </a:p>
           <a:p>
@@ -2143,7 +2125,7 @@
           <a:p>
             <a:r>
               <a:rPr lang="en-US" dirty="0"/>
-              <a:t>And when we turn it back to numeric, it doesn’t know what to do with the last element</a:t>
+              <a:t>Notice that wrapping “2” in quotes tells R to treat it as Character</a:t>
             </a:r>
           </a:p>
         </p:txBody>
@@ -2165,7 +2147,7 @@
           <a:p>
             <a:fld id="{4D7B2489-0EE5-4C7F-94A6-A858195D0567}" type="slidenum">
               <a:rPr lang="en-US" smtClean="0"/>
-              <a:t>28</a:t>
+              <a:t>24</a:t>
             </a:fld>
             <a:endParaRPr lang="en-US"/>
           </a:p>
@@ -2174,7 +2156,7 @@
     </p:spTree>
     <p:extLst>
       <p:ext uri="{BB962C8B-B14F-4D97-AF65-F5344CB8AC3E}">
-        <p14:creationId xmlns:p14="http://schemas.microsoft.com/office/powerpoint/2010/main" val="2843340191"/>
+        <p14:creationId xmlns:p14="http://schemas.microsoft.com/office/powerpoint/2010/main" val="2995199807"/>
       </p:ext>
     </p:extLst>
   </p:cSld>
@@ -2230,31 +2212,7 @@
           <a:p>
             <a:r>
               <a:rPr lang="en-US" dirty="0"/>
-              <a:t>One last vector class that can be useful if you’re working with DISTINCT CATEGORIES is Factor</a:t>
-            </a:r>
-          </a:p>
-          <a:p>
-            <a:endParaRPr lang="en-US" dirty="0"/>
-          </a:p>
-          <a:p>
-            <a:r>
-              <a:rPr lang="en-US" dirty="0"/>
-              <a:t>So we created a vector of field techs two ways: look at the difference in how R behaves</a:t>
-            </a:r>
-          </a:p>
-          <a:p>
-            <a:r>
-              <a:rPr lang="en-US" dirty="0"/>
-              <a:t>- the Factor version carries another piece of information: what categories are allowed</a:t>
-            </a:r>
-          </a:p>
-          <a:p>
-            <a:endParaRPr lang="en-US" dirty="0"/>
-          </a:p>
-          <a:p>
-            <a:r>
-              <a:rPr lang="en-US" dirty="0"/>
-              <a:t>And this is a little odd: look at what happens when you covert this to numeric</a:t>
+              <a:t>…lets look at what happens here</a:t>
             </a:r>
           </a:p>
         </p:txBody>
@@ -2276,7 +2234,7 @@
           <a:p>
             <a:fld id="{4D7B2489-0EE5-4C7F-94A6-A858195D0567}" type="slidenum">
               <a:rPr lang="en-US" smtClean="0"/>
-              <a:t>29</a:t>
+              <a:t>25</a:t>
             </a:fld>
             <a:endParaRPr lang="en-US"/>
           </a:p>
@@ -2285,7 +2243,7 @@
     </p:spTree>
     <p:extLst>
       <p:ext uri="{BB962C8B-B14F-4D97-AF65-F5344CB8AC3E}">
-        <p14:creationId xmlns:p14="http://schemas.microsoft.com/office/powerpoint/2010/main" val="1143673571"/>
+        <p14:creationId xmlns:p14="http://schemas.microsoft.com/office/powerpoint/2010/main" val="416981613"/>
       </p:ext>
     </p:extLst>
   </p:cSld>
@@ -2341,7 +2299,16 @@
           <a:p>
             <a:r>
               <a:rPr lang="en-US" dirty="0"/>
-              <a:t>Alright!  Let’s revisit the main points to take away.</a:t>
+              <a:t>Maybe more importantly….</a:t>
+            </a:r>
+          </a:p>
+          <a:p>
+            <a:endParaRPr lang="en-US" dirty="0"/>
+          </a:p>
+          <a:p>
+            <a:r>
+              <a:rPr lang="en-US" dirty="0"/>
+              <a:t>…and I put this one in bold because this is DIFFERENT FROM EXCEL!</a:t>
             </a:r>
           </a:p>
         </p:txBody>
@@ -2363,7 +2330,7 @@
           <a:p>
             <a:fld id="{4D7B2489-0EE5-4C7F-94A6-A858195D0567}" type="slidenum">
               <a:rPr lang="en-US" smtClean="0"/>
-              <a:t>30</a:t>
+              <a:t>26</a:t>
             </a:fld>
             <a:endParaRPr lang="en-US"/>
           </a:p>
@@ -2372,7 +2339,7 @@
     </p:spTree>
     <p:extLst>
       <p:ext uri="{BB962C8B-B14F-4D97-AF65-F5344CB8AC3E}">
-        <p14:creationId xmlns:p14="http://schemas.microsoft.com/office/powerpoint/2010/main" val="461412475"/>
+        <p14:creationId xmlns:p14="http://schemas.microsoft.com/office/powerpoint/2010/main" val="2231930002"/>
       </p:ext>
     </p:extLst>
   </p:cSld>
@@ -2428,7 +2395,7 @@
           <a:p>
             <a:r>
               <a:rPr lang="en-US" dirty="0"/>
-              <a:t>One special character that you should make friends with is this hashtag guy…</a:t>
+              <a:t>So to bring it all home, just remember:</a:t>
             </a:r>
           </a:p>
         </p:txBody>
@@ -2450,7 +2417,7 @@
           <a:p>
             <a:fld id="{4D7B2489-0EE5-4C7F-94A6-A858195D0567}" type="slidenum">
               <a:rPr lang="en-US" smtClean="0"/>
-              <a:t>31</a:t>
+              <a:t>27</a:t>
             </a:fld>
             <a:endParaRPr lang="en-US"/>
           </a:p>
@@ -2459,7 +2426,7 @@
     </p:spTree>
     <p:extLst>
       <p:ext uri="{BB962C8B-B14F-4D97-AF65-F5344CB8AC3E}">
-        <p14:creationId xmlns:p14="http://schemas.microsoft.com/office/powerpoint/2010/main" val="2944637661"/>
+        <p14:creationId xmlns:p14="http://schemas.microsoft.com/office/powerpoint/2010/main" val="1994883717"/>
       </p:ext>
     </p:extLst>
   </p:cSld>
@@ -2515,7 +2482,7 @@
           <a:p>
             <a:r>
               <a:rPr lang="en-US" dirty="0"/>
-              <a:t>On the topic of descriptive names, there are a few things you can and can’t do.</a:t>
+              <a:t>And I can feel you asking: YES, we can change classes manually.  Mostly.</a:t>
             </a:r>
           </a:p>
           <a:p>
@@ -2524,7 +2491,16 @@
           <a:p>
             <a:r>
               <a:rPr lang="en-US" dirty="0"/>
-              <a:t>And some things that are worth doing, because we can.</a:t>
+              <a:t>…so here we see this Character vector we made a couple slides ago</a:t>
+            </a:r>
+          </a:p>
+          <a:p>
+            <a:endParaRPr lang="en-US" dirty="0"/>
+          </a:p>
+          <a:p>
+            <a:r>
+              <a:rPr lang="en-US" dirty="0"/>
+              <a:t>And when we turn it back to numeric, it doesn’t know what to do with the last element</a:t>
             </a:r>
           </a:p>
         </p:txBody>
@@ -2546,7 +2522,7 @@
           <a:p>
             <a:fld id="{4D7B2489-0EE5-4C7F-94A6-A858195D0567}" type="slidenum">
               <a:rPr lang="en-US" smtClean="0"/>
-              <a:t>33</a:t>
+              <a:t>28</a:t>
             </a:fld>
             <a:endParaRPr lang="en-US"/>
           </a:p>
@@ -2555,7 +2531,7 @@
     </p:spTree>
     <p:extLst>
       <p:ext uri="{BB962C8B-B14F-4D97-AF65-F5344CB8AC3E}">
-        <p14:creationId xmlns:p14="http://schemas.microsoft.com/office/powerpoint/2010/main" val="3117339836"/>
+        <p14:creationId xmlns:p14="http://schemas.microsoft.com/office/powerpoint/2010/main" val="2843340191"/>
       </p:ext>
     </p:extLst>
   </p:cSld>
@@ -2611,7 +2587,31 @@
           <a:p>
             <a:r>
               <a:rPr lang="en-US" dirty="0"/>
-              <a:t>Alright!  Let’s revisit the main points to take away.</a:t>
+              <a:t>One last vector class that can be useful if you’re working with DISTINCT CATEGORIES is Factor</a:t>
+            </a:r>
+          </a:p>
+          <a:p>
+            <a:endParaRPr lang="en-US" dirty="0"/>
+          </a:p>
+          <a:p>
+            <a:r>
+              <a:rPr lang="en-US" dirty="0"/>
+              <a:t>So we created a vector of field techs two ways: look at the difference in how R behaves</a:t>
+            </a:r>
+          </a:p>
+          <a:p>
+            <a:r>
+              <a:rPr lang="en-US" dirty="0"/>
+              <a:t>- the Factor version carries another piece of information: what categories are allowed</a:t>
+            </a:r>
+          </a:p>
+          <a:p>
+            <a:endParaRPr lang="en-US" dirty="0"/>
+          </a:p>
+          <a:p>
+            <a:r>
+              <a:rPr lang="en-US" dirty="0"/>
+              <a:t>And this is a little odd: look at what happens when you covert this to numeric</a:t>
             </a:r>
           </a:p>
         </p:txBody>
@@ -2633,7 +2633,7 @@
           <a:p>
             <a:fld id="{4D7B2489-0EE5-4C7F-94A6-A858195D0567}" type="slidenum">
               <a:rPr lang="en-US" smtClean="0"/>
-              <a:t>34</a:t>
+              <a:t>29</a:t>
             </a:fld>
             <a:endParaRPr lang="en-US"/>
           </a:p>
@@ -2642,7 +2642,7 @@
     </p:spTree>
     <p:extLst>
       <p:ext uri="{BB962C8B-B14F-4D97-AF65-F5344CB8AC3E}">
-        <p14:creationId xmlns:p14="http://schemas.microsoft.com/office/powerpoint/2010/main" val="343931581"/>
+        <p14:creationId xmlns:p14="http://schemas.microsoft.com/office/powerpoint/2010/main" val="1143673571"/>
       </p:ext>
     </p:extLst>
   </p:cSld>
@@ -2707,7 +2707,7 @@
           <a:p>
             <a:r>
               <a:rPr lang="en-US" dirty="0"/>
-              <a:t>You can even think of R like a calculator: Each line can be its own operation, which takes the pressure off!  You don’t have to write a complete “program” </a:t>
+              <a:t>You can even think of R like a calculator: Each line can be its own operation, which takes the pressure off!  You don’t have to write a complete “program” to see results</a:t>
             </a:r>
           </a:p>
         </p:txBody>
@@ -2739,6 +2739,456 @@
     <p:extLst>
       <p:ext uri="{BB962C8B-B14F-4D97-AF65-F5344CB8AC3E}">
         <p14:creationId xmlns:p14="http://schemas.microsoft.com/office/powerpoint/2010/main" val="3001759290"/>
+      </p:ext>
+    </p:extLst>
+  </p:cSld>
+  <p:clrMapOvr>
+    <a:masterClrMapping/>
+  </p:clrMapOvr>
+</p:notes>
+</file>
+
+<file path=ppt/notesSlides/notesSlide30.xml><?xml version="1.0" encoding="utf-8"?>
+<p:notes xmlns:a="http://schemas.openxmlformats.org/drawingml/2006/main" xmlns:r="http://schemas.openxmlformats.org/officeDocument/2006/relationships" xmlns:p="http://schemas.openxmlformats.org/presentationml/2006/main">
+  <p:cSld>
+    <p:spTree>
+      <p:nvGrpSpPr>
+        <p:cNvPr id="1" name=""/>
+        <p:cNvGrpSpPr/>
+        <p:nvPr/>
+      </p:nvGrpSpPr>
+      <p:grpSpPr>
+        <a:xfrm>
+          <a:off x="0" y="0"/>
+          <a:ext cx="0" cy="0"/>
+          <a:chOff x="0" y="0"/>
+          <a:chExt cx="0" cy="0"/>
+        </a:xfrm>
+      </p:grpSpPr>
+      <p:sp>
+        <p:nvSpPr>
+          <p:cNvPr id="2" name="Slide Image Placeholder 1"/>
+          <p:cNvSpPr>
+            <a:spLocks noGrp="1" noRot="1" noChangeAspect="1"/>
+          </p:cNvSpPr>
+          <p:nvPr>
+            <p:ph type="sldImg"/>
+          </p:nvPr>
+        </p:nvSpPr>
+        <p:spPr/>
+      </p:sp>
+      <p:sp>
+        <p:nvSpPr>
+          <p:cNvPr id="3" name="Notes Placeholder 2"/>
+          <p:cNvSpPr>
+            <a:spLocks noGrp="1"/>
+          </p:cNvSpPr>
+          <p:nvPr>
+            <p:ph type="body" idx="1"/>
+          </p:nvPr>
+        </p:nvSpPr>
+        <p:spPr/>
+        <p:txBody>
+          <a:bodyPr/>
+          <a:lstStyle/>
+          <a:p>
+            <a:r>
+              <a:rPr lang="en-US" dirty="0"/>
+              <a:t>This might feel like splitting hairs, but since we’re talking about the differences, we should probably talk about when to use which.</a:t>
+            </a:r>
+          </a:p>
+          <a:p>
+            <a:endParaRPr lang="en-US" dirty="0"/>
+          </a:p>
+          <a:p>
+            <a:r>
+              <a:rPr lang="en-US" dirty="0"/>
+              <a:t>But IN PRACTICE, it actually matters a little less than it might seem</a:t>
+            </a:r>
+          </a:p>
+        </p:txBody>
+      </p:sp>
+      <p:sp>
+        <p:nvSpPr>
+          <p:cNvPr id="4" name="Slide Number Placeholder 3"/>
+          <p:cNvSpPr>
+            <a:spLocks noGrp="1"/>
+          </p:cNvSpPr>
+          <p:nvPr>
+            <p:ph type="sldNum" sz="quarter" idx="5"/>
+          </p:nvPr>
+        </p:nvSpPr>
+        <p:spPr/>
+        <p:txBody>
+          <a:bodyPr/>
+          <a:lstStyle/>
+          <a:p>
+            <a:fld id="{4D7B2489-0EE5-4C7F-94A6-A858195D0567}" type="slidenum">
+              <a:rPr lang="en-US" smtClean="0"/>
+              <a:t>30</a:t>
+            </a:fld>
+            <a:endParaRPr lang="en-US"/>
+          </a:p>
+        </p:txBody>
+      </p:sp>
+    </p:spTree>
+    <p:extLst>
+      <p:ext uri="{BB962C8B-B14F-4D97-AF65-F5344CB8AC3E}">
+        <p14:creationId xmlns:p14="http://schemas.microsoft.com/office/powerpoint/2010/main" val="461412475"/>
+      </p:ext>
+    </p:extLst>
+  </p:cSld>
+  <p:clrMapOvr>
+    <a:masterClrMapping/>
+  </p:clrMapOvr>
+</p:notes>
+</file>
+
+<file path=ppt/notesSlides/notesSlide31.xml><?xml version="1.0" encoding="utf-8"?>
+<p:notes xmlns:a="http://schemas.openxmlformats.org/drawingml/2006/main" xmlns:r="http://schemas.openxmlformats.org/officeDocument/2006/relationships" xmlns:p="http://schemas.openxmlformats.org/presentationml/2006/main">
+  <p:cSld>
+    <p:spTree>
+      <p:nvGrpSpPr>
+        <p:cNvPr id="1" name=""/>
+        <p:cNvGrpSpPr/>
+        <p:nvPr/>
+      </p:nvGrpSpPr>
+      <p:grpSpPr>
+        <a:xfrm>
+          <a:off x="0" y="0"/>
+          <a:ext cx="0" cy="0"/>
+          <a:chOff x="0" y="0"/>
+          <a:chExt cx="0" cy="0"/>
+        </a:xfrm>
+      </p:grpSpPr>
+      <p:sp>
+        <p:nvSpPr>
+          <p:cNvPr id="2" name="Slide Image Placeholder 1"/>
+          <p:cNvSpPr>
+            <a:spLocks noGrp="1" noRot="1" noChangeAspect="1"/>
+          </p:cNvSpPr>
+          <p:nvPr>
+            <p:ph type="sldImg"/>
+          </p:nvPr>
+        </p:nvSpPr>
+        <p:spPr/>
+      </p:sp>
+      <p:sp>
+        <p:nvSpPr>
+          <p:cNvPr id="3" name="Notes Placeholder 2"/>
+          <p:cNvSpPr>
+            <a:spLocks noGrp="1"/>
+          </p:cNvSpPr>
+          <p:nvPr>
+            <p:ph type="body" idx="1"/>
+          </p:nvPr>
+        </p:nvSpPr>
+        <p:spPr/>
+        <p:txBody>
+          <a:bodyPr/>
+          <a:lstStyle/>
+          <a:p>
+            <a:r>
+              <a:rPr lang="en-US" dirty="0"/>
+              <a:t>One special character that you should make friends with is this hashtag guy…</a:t>
+            </a:r>
+          </a:p>
+          <a:p>
+            <a:endParaRPr lang="en-US" dirty="0"/>
+          </a:p>
+          <a:p>
+            <a:r>
+              <a:rPr lang="en-US" dirty="0"/>
+              <a:t>And the way this works is that everything to the right of # is not evaluated</a:t>
+            </a:r>
+          </a:p>
+        </p:txBody>
+      </p:sp>
+      <p:sp>
+        <p:nvSpPr>
+          <p:cNvPr id="4" name="Slide Number Placeholder 3"/>
+          <p:cNvSpPr>
+            <a:spLocks noGrp="1"/>
+          </p:cNvSpPr>
+          <p:nvPr>
+            <p:ph type="sldNum" sz="quarter" idx="5"/>
+          </p:nvPr>
+        </p:nvSpPr>
+        <p:spPr/>
+        <p:txBody>
+          <a:bodyPr/>
+          <a:lstStyle/>
+          <a:p>
+            <a:fld id="{4D7B2489-0EE5-4C7F-94A6-A858195D0567}" type="slidenum">
+              <a:rPr lang="en-US" smtClean="0"/>
+              <a:t>31</a:t>
+            </a:fld>
+            <a:endParaRPr lang="en-US"/>
+          </a:p>
+        </p:txBody>
+      </p:sp>
+    </p:spTree>
+    <p:extLst>
+      <p:ext uri="{BB962C8B-B14F-4D97-AF65-F5344CB8AC3E}">
+        <p14:creationId xmlns:p14="http://schemas.microsoft.com/office/powerpoint/2010/main" val="2944637661"/>
+      </p:ext>
+    </p:extLst>
+  </p:cSld>
+  <p:clrMapOvr>
+    <a:masterClrMapping/>
+  </p:clrMapOvr>
+</p:notes>
+</file>
+
+<file path=ppt/notesSlides/notesSlide32.xml><?xml version="1.0" encoding="utf-8"?>
+<p:notes xmlns:a="http://schemas.openxmlformats.org/drawingml/2006/main" xmlns:r="http://schemas.openxmlformats.org/officeDocument/2006/relationships" xmlns:p="http://schemas.openxmlformats.org/presentationml/2006/main">
+  <p:cSld>
+    <p:spTree>
+      <p:nvGrpSpPr>
+        <p:cNvPr id="1" name=""/>
+        <p:cNvGrpSpPr/>
+        <p:nvPr/>
+      </p:nvGrpSpPr>
+      <p:grpSpPr>
+        <a:xfrm>
+          <a:off x="0" y="0"/>
+          <a:ext cx="0" cy="0"/>
+          <a:chOff x="0" y="0"/>
+          <a:chExt cx="0" cy="0"/>
+        </a:xfrm>
+      </p:grpSpPr>
+      <p:sp>
+        <p:nvSpPr>
+          <p:cNvPr id="2" name="Slide Image Placeholder 1"/>
+          <p:cNvSpPr>
+            <a:spLocks noGrp="1" noRot="1" noChangeAspect="1"/>
+          </p:cNvSpPr>
+          <p:nvPr>
+            <p:ph type="sldImg"/>
+          </p:nvPr>
+        </p:nvSpPr>
+        <p:spPr/>
+      </p:sp>
+      <p:sp>
+        <p:nvSpPr>
+          <p:cNvPr id="3" name="Notes Placeholder 2"/>
+          <p:cNvSpPr>
+            <a:spLocks noGrp="1"/>
+          </p:cNvSpPr>
+          <p:nvPr>
+            <p:ph type="body" idx="1"/>
+          </p:nvPr>
+        </p:nvSpPr>
+        <p:spPr/>
+        <p:txBody>
+          <a:bodyPr/>
+          <a:lstStyle/>
+          <a:p>
+            <a:r>
+              <a:rPr lang="en-US" dirty="0"/>
+              <a:t>Oh, and while we’re talking about readability, there are a few rules</a:t>
+            </a:r>
+          </a:p>
+        </p:txBody>
+      </p:sp>
+      <p:sp>
+        <p:nvSpPr>
+          <p:cNvPr id="4" name="Slide Number Placeholder 3"/>
+          <p:cNvSpPr>
+            <a:spLocks noGrp="1"/>
+          </p:cNvSpPr>
+          <p:nvPr>
+            <p:ph type="sldNum" sz="quarter" idx="5"/>
+          </p:nvPr>
+        </p:nvSpPr>
+        <p:spPr/>
+        <p:txBody>
+          <a:bodyPr/>
+          <a:lstStyle/>
+          <a:p>
+            <a:fld id="{4D7B2489-0EE5-4C7F-94A6-A858195D0567}" type="slidenum">
+              <a:rPr lang="en-US" smtClean="0"/>
+              <a:t>33</a:t>
+            </a:fld>
+            <a:endParaRPr lang="en-US"/>
+          </a:p>
+        </p:txBody>
+      </p:sp>
+    </p:spTree>
+    <p:extLst>
+      <p:ext uri="{BB962C8B-B14F-4D97-AF65-F5344CB8AC3E}">
+        <p14:creationId xmlns:p14="http://schemas.microsoft.com/office/powerpoint/2010/main" val="3117339836"/>
+      </p:ext>
+    </p:extLst>
+  </p:cSld>
+  <p:clrMapOvr>
+    <a:masterClrMapping/>
+  </p:clrMapOvr>
+</p:notes>
+</file>
+
+<file path=ppt/notesSlides/notesSlide33.xml><?xml version="1.0" encoding="utf-8"?>
+<p:notes xmlns:a="http://schemas.openxmlformats.org/drawingml/2006/main" xmlns:r="http://schemas.openxmlformats.org/officeDocument/2006/relationships" xmlns:p="http://schemas.openxmlformats.org/presentationml/2006/main">
+  <p:cSld>
+    <p:spTree>
+      <p:nvGrpSpPr>
+        <p:cNvPr id="1" name=""/>
+        <p:cNvGrpSpPr/>
+        <p:nvPr/>
+      </p:nvGrpSpPr>
+      <p:grpSpPr>
+        <a:xfrm>
+          <a:off x="0" y="0"/>
+          <a:ext cx="0" cy="0"/>
+          <a:chOff x="0" y="0"/>
+          <a:chExt cx="0" cy="0"/>
+        </a:xfrm>
+      </p:grpSpPr>
+      <p:sp>
+        <p:nvSpPr>
+          <p:cNvPr id="2" name="Slide Image Placeholder 1"/>
+          <p:cNvSpPr>
+            <a:spLocks noGrp="1" noRot="1" noChangeAspect="1"/>
+          </p:cNvSpPr>
+          <p:nvPr>
+            <p:ph type="sldImg"/>
+          </p:nvPr>
+        </p:nvSpPr>
+        <p:spPr/>
+      </p:sp>
+      <p:sp>
+        <p:nvSpPr>
+          <p:cNvPr id="3" name="Notes Placeholder 2"/>
+          <p:cNvSpPr>
+            <a:spLocks noGrp="1"/>
+          </p:cNvSpPr>
+          <p:nvPr>
+            <p:ph type="body" idx="1"/>
+          </p:nvPr>
+        </p:nvSpPr>
+        <p:spPr/>
+        <p:txBody>
+          <a:bodyPr/>
+          <a:lstStyle/>
+          <a:p>
+            <a:r>
+              <a:rPr lang="en-US" dirty="0"/>
+              <a:t>Alright!  Let’s revisit the main points we saw.</a:t>
+            </a:r>
+          </a:p>
+        </p:txBody>
+      </p:sp>
+      <p:sp>
+        <p:nvSpPr>
+          <p:cNvPr id="4" name="Slide Number Placeholder 3"/>
+          <p:cNvSpPr>
+            <a:spLocks noGrp="1"/>
+          </p:cNvSpPr>
+          <p:nvPr>
+            <p:ph type="sldNum" sz="quarter" idx="5"/>
+          </p:nvPr>
+        </p:nvSpPr>
+        <p:spPr/>
+        <p:txBody>
+          <a:bodyPr/>
+          <a:lstStyle/>
+          <a:p>
+            <a:fld id="{4D7B2489-0EE5-4C7F-94A6-A858195D0567}" type="slidenum">
+              <a:rPr lang="en-US" smtClean="0"/>
+              <a:t>34</a:t>
+            </a:fld>
+            <a:endParaRPr lang="en-US"/>
+          </a:p>
+        </p:txBody>
+      </p:sp>
+    </p:spTree>
+    <p:extLst>
+      <p:ext uri="{BB962C8B-B14F-4D97-AF65-F5344CB8AC3E}">
+        <p14:creationId xmlns:p14="http://schemas.microsoft.com/office/powerpoint/2010/main" val="343931581"/>
+      </p:ext>
+    </p:extLst>
+  </p:cSld>
+  <p:clrMapOvr>
+    <a:masterClrMapping/>
+  </p:clrMapOvr>
+</p:notes>
+</file>
+
+<file path=ppt/notesSlides/notesSlide34.xml><?xml version="1.0" encoding="utf-8"?>
+<p:notes xmlns:a="http://schemas.openxmlformats.org/drawingml/2006/main" xmlns:r="http://schemas.openxmlformats.org/officeDocument/2006/relationships" xmlns:p="http://schemas.openxmlformats.org/presentationml/2006/main">
+  <p:cSld>
+    <p:spTree>
+      <p:nvGrpSpPr>
+        <p:cNvPr id="1" name=""/>
+        <p:cNvGrpSpPr/>
+        <p:nvPr/>
+      </p:nvGrpSpPr>
+      <p:grpSpPr>
+        <a:xfrm>
+          <a:off x="0" y="0"/>
+          <a:ext cx="0" cy="0"/>
+          <a:chOff x="0" y="0"/>
+          <a:chExt cx="0" cy="0"/>
+        </a:xfrm>
+      </p:grpSpPr>
+      <p:sp>
+        <p:nvSpPr>
+          <p:cNvPr id="2" name="Slide Image Placeholder 1"/>
+          <p:cNvSpPr>
+            <a:spLocks noGrp="1" noRot="1" noChangeAspect="1"/>
+          </p:cNvSpPr>
+          <p:nvPr>
+            <p:ph type="sldImg"/>
+          </p:nvPr>
+        </p:nvSpPr>
+        <p:spPr/>
+      </p:sp>
+      <p:sp>
+        <p:nvSpPr>
+          <p:cNvPr id="3" name="Notes Placeholder 2"/>
+          <p:cNvSpPr>
+            <a:spLocks noGrp="1"/>
+          </p:cNvSpPr>
+          <p:nvPr>
+            <p:ph type="body" idx="1"/>
+          </p:nvPr>
+        </p:nvSpPr>
+        <p:spPr/>
+        <p:txBody>
+          <a:bodyPr/>
+          <a:lstStyle/>
+          <a:p>
+            <a:endParaRPr lang="en-US" dirty="0"/>
+          </a:p>
+        </p:txBody>
+      </p:sp>
+      <p:sp>
+        <p:nvSpPr>
+          <p:cNvPr id="4" name="Slide Number Placeholder 3"/>
+          <p:cNvSpPr>
+            <a:spLocks noGrp="1"/>
+          </p:cNvSpPr>
+          <p:nvPr>
+            <p:ph type="sldNum" sz="quarter" idx="5"/>
+          </p:nvPr>
+        </p:nvSpPr>
+        <p:spPr/>
+        <p:txBody>
+          <a:bodyPr/>
+          <a:lstStyle/>
+          <a:p>
+            <a:fld id="{4D7B2489-0EE5-4C7F-94A6-A858195D0567}" type="slidenum">
+              <a:rPr lang="en-US" smtClean="0"/>
+              <a:t>38</a:t>
+            </a:fld>
+            <a:endParaRPr lang="en-US"/>
+          </a:p>
+        </p:txBody>
+      </p:sp>
+    </p:spTree>
+    <p:extLst>
+      <p:ext uri="{BB962C8B-B14F-4D97-AF65-F5344CB8AC3E}">
+        <p14:creationId xmlns:p14="http://schemas.microsoft.com/office/powerpoint/2010/main" val="1433465262"/>
       </p:ext>
     </p:extLst>
   </p:cSld>
@@ -2888,7 +3338,28 @@
           <a:bodyPr/>
           <a:lstStyle/>
           <a:p>
+            <a:r>
+              <a:rPr lang="en-US" dirty="0"/>
+              <a:t>How about this line?  What happened?  (it took the square root of 49!)</a:t>
+            </a:r>
+          </a:p>
+          <a:p>
             <a:endParaRPr lang="en-US" dirty="0"/>
+          </a:p>
+          <a:p>
+            <a:r>
+              <a:rPr lang="en-US" dirty="0"/>
+              <a:t>Maybe more generally, R uses FUNCTIONS.</a:t>
+            </a:r>
+          </a:p>
+          <a:p>
+            <a:endParaRPr lang="en-US" dirty="0"/>
+          </a:p>
+          <a:p>
+            <a:r>
+              <a:rPr lang="en-US" dirty="0"/>
+              <a:t>Here’s a little bit of R terminology: the inputs (or … stuff that go inside the parentheses) are referred to as ARGUMENTS</a:t>
+            </a:r>
           </a:p>
         </p:txBody>
       </p:sp>
@@ -2983,7 +3454,7 @@
           <a:p>
             <a:r>
               <a:rPr lang="en-US" dirty="0"/>
-              <a:t>Perhaps more importantly: ERRORS HAPPEN!  And with every error, we get a message that might give us some insight as to what went wrong</a:t>
+              <a:t>But, maybe a MORE important insight:: ERRORS HAPPEN!  And with every error, we get a message that might give us some clues as to what went wrong</a:t>
             </a:r>
           </a:p>
           <a:p>
@@ -3079,7 +3550,7 @@
           <a:p>
             <a:r>
               <a:rPr lang="en-US" dirty="0"/>
-              <a:t>How about these two lines?</a:t>
+              <a:t>How about these two lines?  What happened?</a:t>
             </a:r>
           </a:p>
         </p:txBody>
@@ -3164,10 +3635,7 @@
           <a:bodyPr/>
           <a:lstStyle/>
           <a:p>
-            <a:r>
-              <a:rPr lang="en-US" dirty="0"/>
-              <a:t>How about these two lines?</a:t>
-            </a:r>
+            <a:endParaRPr lang="en-US" dirty="0"/>
           </a:p>
         </p:txBody>
       </p:sp>
@@ -3262,7 +3730,25 @@
           <a:p>
             <a:r>
               <a:rPr lang="en-US" dirty="0"/>
-              <a:t>… and R uses VECTORS for a lot of things, so it’s worth camping on the idea for a while and trying to internalize how vectors behave.</a:t>
+              <a:t>…and this is an important enough concept that it gets its own name.  If it’s helpful, you can think of a vector as being like a COLUMN of a spreadsheet.</a:t>
+            </a:r>
+          </a:p>
+          <a:p>
+            <a:endParaRPr lang="en-US" dirty="0"/>
+          </a:p>
+          <a:p>
+            <a:r>
+              <a:rPr lang="en-US" dirty="0"/>
+              <a:t>And by the way: you won’t have to type stuff by hand like this very often: Most of the time you’ll be reading data from an external file.</a:t>
+            </a:r>
+          </a:p>
+          <a:p>
+            <a:endParaRPr lang="en-US" dirty="0"/>
+          </a:p>
+          <a:p>
+            <a:r>
+              <a:rPr lang="en-US" dirty="0"/>
+              <a:t>BUT it’s worth looking at some simplified examples first, so you’ll have an intuition for how things will behave once it’s read INTO R.</a:t>
             </a:r>
           </a:p>
         </p:txBody>
@@ -3450,7 +3936,7 @@
           <a:p>
             <a:fld id="{00F5AAE2-11C8-4D46-A716-B78E4D7C1BCB}" type="datetimeFigureOut">
               <a:rPr lang="en-US" smtClean="0"/>
-              <a:t>11/6/2023</a:t>
+              <a:t>11/9/2023</a:t>
             </a:fld>
             <a:endParaRPr lang="en-US"/>
           </a:p>
@@ -3648,7 +4134,7 @@
           <a:p>
             <a:fld id="{00F5AAE2-11C8-4D46-A716-B78E4D7C1BCB}" type="datetimeFigureOut">
               <a:rPr lang="en-US" smtClean="0"/>
-              <a:t>11/6/2023</a:t>
+              <a:t>11/9/2023</a:t>
             </a:fld>
             <a:endParaRPr lang="en-US"/>
           </a:p>
@@ -3856,7 +4342,7 @@
           <a:p>
             <a:fld id="{00F5AAE2-11C8-4D46-A716-B78E4D7C1BCB}" type="datetimeFigureOut">
               <a:rPr lang="en-US" smtClean="0"/>
-              <a:t>11/6/2023</a:t>
+              <a:t>11/9/2023</a:t>
             </a:fld>
             <a:endParaRPr lang="en-US"/>
           </a:p>
@@ -4054,7 +4540,7 @@
           <a:p>
             <a:fld id="{00F5AAE2-11C8-4D46-A716-B78E4D7C1BCB}" type="datetimeFigureOut">
               <a:rPr lang="en-US" smtClean="0"/>
-              <a:t>11/6/2023</a:t>
+              <a:t>11/9/2023</a:t>
             </a:fld>
             <a:endParaRPr lang="en-US"/>
           </a:p>
@@ -4329,7 +4815,7 @@
           <a:p>
             <a:fld id="{00F5AAE2-11C8-4D46-A716-B78E4D7C1BCB}" type="datetimeFigureOut">
               <a:rPr lang="en-US" smtClean="0"/>
-              <a:t>11/6/2023</a:t>
+              <a:t>11/9/2023</a:t>
             </a:fld>
             <a:endParaRPr lang="en-US"/>
           </a:p>
@@ -4594,7 +5080,7 @@
           <a:p>
             <a:fld id="{00F5AAE2-11C8-4D46-A716-B78E4D7C1BCB}" type="datetimeFigureOut">
               <a:rPr lang="en-US" smtClean="0"/>
-              <a:t>11/6/2023</a:t>
+              <a:t>11/9/2023</a:t>
             </a:fld>
             <a:endParaRPr lang="en-US"/>
           </a:p>
@@ -5006,7 +5492,7 @@
           <a:p>
             <a:fld id="{00F5AAE2-11C8-4D46-A716-B78E4D7C1BCB}" type="datetimeFigureOut">
               <a:rPr lang="en-US" smtClean="0"/>
-              <a:t>11/6/2023</a:t>
+              <a:t>11/9/2023</a:t>
             </a:fld>
             <a:endParaRPr lang="en-US"/>
           </a:p>
@@ -5147,7 +5633,7 @@
           <a:p>
             <a:fld id="{00F5AAE2-11C8-4D46-A716-B78E4D7C1BCB}" type="datetimeFigureOut">
               <a:rPr lang="en-US" smtClean="0"/>
-              <a:t>11/6/2023</a:t>
+              <a:t>11/9/2023</a:t>
             </a:fld>
             <a:endParaRPr lang="en-US"/>
           </a:p>
@@ -5260,7 +5746,7 @@
           <a:p>
             <a:fld id="{00F5AAE2-11C8-4D46-A716-B78E4D7C1BCB}" type="datetimeFigureOut">
               <a:rPr lang="en-US" smtClean="0"/>
-              <a:t>11/6/2023</a:t>
+              <a:t>11/9/2023</a:t>
             </a:fld>
             <a:endParaRPr lang="en-US"/>
           </a:p>
@@ -5571,7 +6057,7 @@
           <a:p>
             <a:fld id="{00F5AAE2-11C8-4D46-A716-B78E4D7C1BCB}" type="datetimeFigureOut">
               <a:rPr lang="en-US" smtClean="0"/>
-              <a:t>11/6/2023</a:t>
+              <a:t>11/9/2023</a:t>
             </a:fld>
             <a:endParaRPr lang="en-US"/>
           </a:p>
@@ -5859,7 +6345,7 @@
           <a:p>
             <a:fld id="{00F5AAE2-11C8-4D46-A716-B78E4D7C1BCB}" type="datetimeFigureOut">
               <a:rPr lang="en-US" smtClean="0"/>
-              <a:t>11/6/2023</a:t>
+              <a:t>11/9/2023</a:t>
             </a:fld>
             <a:endParaRPr lang="en-US"/>
           </a:p>
@@ -6100,7 +6586,7 @@
           <a:p>
             <a:fld id="{00F5AAE2-11C8-4D46-A716-B78E4D7C1BCB}" type="datetimeFigureOut">
               <a:rPr lang="en-US" smtClean="0"/>
-              <a:t>11/6/2023</a:t>
+              <a:t>11/9/2023</a:t>
             </a:fld>
             <a:endParaRPr lang="en-US"/>
           </a:p>
@@ -7774,7 +8260,7 @@
           <p:nvPr/>
         </p:nvPicPr>
         <p:blipFill>
-          <a:blip r:embed="rId2"/>
+          <a:blip r:embed="rId3"/>
           <a:stretch>
             <a:fillRect/>
           </a:stretch>
@@ -13216,7 +13702,7 @@
             </a:pPr>
             <a:r>
               <a:rPr lang="en-US" dirty="0"/>
-              <a:t>That weird [1] thing we keep seeing? It’s just R labeling the index of the first element of each row of output!</a:t>
+              <a:t>That weird [1] thing we keep seeing? It’s just R labeling where each line of output starts!</a:t>
             </a:r>
           </a:p>
         </p:txBody>
@@ -25784,7 +26270,7 @@
           <p:nvPr/>
         </p:nvPicPr>
         <p:blipFill>
-          <a:blip r:embed="rId2"/>
+          <a:blip r:embed="rId3"/>
           <a:stretch>
             <a:fillRect/>
           </a:stretch>
@@ -27087,7 +27573,7 @@
         </p:spPr>
         <p:txBody>
           <a:bodyPr>
-            <a:normAutofit/>
+            <a:normAutofit fontScale="92500" lnSpcReduction="10000"/>
           </a:bodyPr>
           <a:lstStyle/>
           <a:p>
@@ -27184,14 +27670,6 @@
             <a:pPr marL="0" indent="0">
               <a:buNone/>
             </a:pPr>
-            <a:r>
-              <a:rPr lang="en-US" dirty="0" err="1">
-                <a:solidFill>
-                  <a:schemeClr val="accent1"/>
-                </a:solidFill>
-              </a:rPr>
-              <a:t>tech_char</a:t>
-            </a:r>
             <a:endParaRPr lang="en-US" dirty="0">
               <a:solidFill>
                 <a:schemeClr val="accent1"/>
@@ -27203,21 +27681,12 @@
               <a:buNone/>
             </a:pPr>
             <a:r>
-              <a:rPr lang="en-US" dirty="0"/>
-              <a:t>[1] Chuck  Albert Betty  Albert Betty </a:t>
-            </a:r>
-          </a:p>
-          <a:p>
-            <a:pPr marL="0" indent="0">
-              <a:buNone/>
-            </a:pPr>
-            <a:r>
               <a:rPr lang="en-US" dirty="0" err="1">
                 <a:solidFill>
                   <a:schemeClr val="accent1"/>
                 </a:solidFill>
               </a:rPr>
-              <a:t>tech_factor</a:t>
+              <a:t>tech_char</a:t>
             </a:r>
             <a:endParaRPr lang="en-US" dirty="0">
               <a:solidFill>
@@ -27239,9 +27708,46 @@
               <a:buNone/>
             </a:pPr>
             <a:r>
+              <a:rPr lang="en-US" dirty="0" err="1">
+                <a:solidFill>
+                  <a:schemeClr val="accent1"/>
+                </a:solidFill>
+              </a:rPr>
+              <a:t>tech_factor</a:t>
+            </a:r>
+            <a:endParaRPr lang="en-US" dirty="0">
+              <a:solidFill>
+                <a:schemeClr val="accent1"/>
+              </a:solidFill>
+            </a:endParaRPr>
+          </a:p>
+          <a:p>
+            <a:pPr marL="0" indent="0">
+              <a:buNone/>
+            </a:pPr>
+            <a:r>
+              <a:rPr lang="en-US" dirty="0"/>
+              <a:t>[1] Chuck  Albert Betty  Albert Betty </a:t>
+            </a:r>
+          </a:p>
+          <a:p>
+            <a:pPr marL="0" indent="0">
+              <a:buNone/>
+            </a:pPr>
+            <a:r>
               <a:rPr lang="en-US" dirty="0"/>
               <a:t>Levels: Albert Betty Chuck</a:t>
             </a:r>
+            <a:endParaRPr lang="en-US" dirty="0">
+              <a:solidFill>
+                <a:schemeClr val="accent1"/>
+              </a:solidFill>
+            </a:endParaRPr>
+          </a:p>
+          <a:p>
+            <a:pPr marL="0" indent="0">
+              <a:buNone/>
+            </a:pPr>
             <a:endParaRPr lang="en-US" dirty="0">
               <a:solidFill>
                 <a:schemeClr val="accent1"/>
@@ -27830,7 +28336,7 @@
                                         <p:tgtEl>
                                           <p:spTgt spid="6">
                                             <p:txEl>
-                                              <p:pRg st="2" end="2"/>
+                                              <p:pRg st="3" end="3"/>
                                             </p:txEl>
                                           </p:spTgt>
                                         </p:tgtEl>
@@ -27861,7 +28367,7 @@
                                         <p:tgtEl>
                                           <p:spTgt spid="6">
                                             <p:txEl>
-                                              <p:pRg st="3" end="3"/>
+                                              <p:pRg st="4" end="4"/>
                                             </p:txEl>
                                           </p:spTgt>
                                         </p:tgtEl>
@@ -27910,7 +28416,7 @@
                                         <p:tgtEl>
                                           <p:spTgt spid="6">
                                             <p:txEl>
-                                              <p:pRg st="4" end="4"/>
+                                              <p:pRg st="5" end="5"/>
                                             </p:txEl>
                                           </p:spTgt>
                                         </p:tgtEl>
@@ -27941,7 +28447,7 @@
                                         <p:tgtEl>
                                           <p:spTgt spid="6">
                                             <p:txEl>
-                                              <p:pRg st="5" end="5"/>
+                                              <p:pRg st="6" end="6"/>
                                             </p:txEl>
                                           </p:spTgt>
                                         </p:tgtEl>
@@ -27972,7 +28478,7 @@
                                         <p:tgtEl>
                                           <p:spTgt spid="6">
                                             <p:txEl>
-                                              <p:pRg st="6" end="6"/>
+                                              <p:pRg st="7" end="7"/>
                                             </p:txEl>
                                           </p:spTgt>
                                         </p:tgtEl>
@@ -28066,7 +28572,7 @@
                                         <p:tgtEl>
                                           <p:spTgt spid="6">
                                             <p:txEl>
-                                              <p:pRg st="7" end="7"/>
+                                              <p:pRg st="9" end="9"/>
                                             </p:txEl>
                                           </p:spTgt>
                                         </p:tgtEl>
@@ -28097,7 +28603,7 @@
                                         <p:tgtEl>
                                           <p:spTgt spid="6">
                                             <p:txEl>
-                                              <p:pRg st="8" end="8"/>
+                                              <p:pRg st="10" end="10"/>
                                             </p:txEl>
                                           </p:spTgt>
                                         </p:tgtEl>
@@ -32995,6 +33501,145 @@
           </a:p>
         </p:txBody>
       </p:sp>
+      <p:pic>
+        <p:nvPicPr>
+          <p:cNvPr id="4" name="Picture 3">
+            <a:extLst>
+              <a:ext uri="{FF2B5EF4-FFF2-40B4-BE49-F238E27FC236}">
+                <a16:creationId xmlns:a16="http://schemas.microsoft.com/office/drawing/2014/main" id="{56B964F4-A5BA-7AD1-901A-BDE2F2258B14}"/>
+              </a:ext>
+            </a:extLst>
+          </p:cNvPr>
+          <p:cNvPicPr>
+            <a:picLocks noChangeAspect="1"/>
+          </p:cNvPicPr>
+          <p:nvPr/>
+        </p:nvPicPr>
+        <p:blipFill rotWithShape="1">
+          <a:blip r:embed="rId3" cstate="print">
+            <a:extLst>
+              <a:ext uri="{28A0092B-C50C-407E-A947-70E740481C1C}">
+                <a14:useLocalDpi xmlns:a14="http://schemas.microsoft.com/office/drawing/2010/main"/>
+              </a:ext>
+            </a:extLst>
+          </a:blip>
+          <a:srcRect/>
+          <a:stretch/>
+        </p:blipFill>
+        <p:spPr>
+          <a:xfrm>
+            <a:off x="11091408" y="0"/>
+            <a:ext cx="1100592" cy="2636463"/>
+          </a:xfrm>
+          <a:prstGeom prst="rect">
+            <a:avLst/>
+          </a:prstGeom>
+        </p:spPr>
+      </p:pic>
+      <p:sp>
+        <p:nvSpPr>
+          <p:cNvPr id="5" name="Rectangle 4">
+            <a:extLst>
+              <a:ext uri="{FF2B5EF4-FFF2-40B4-BE49-F238E27FC236}">
+                <a16:creationId xmlns:a16="http://schemas.microsoft.com/office/drawing/2014/main" id="{A19C2B9C-4F34-1973-AC67-ABEEF0F17293}"/>
+              </a:ext>
+            </a:extLst>
+          </p:cNvPr>
+          <p:cNvSpPr/>
+          <p:nvPr/>
+        </p:nvSpPr>
+        <p:spPr>
+          <a:xfrm>
+            <a:off x="10993426" y="378135"/>
+            <a:ext cx="211319" cy="155547"/>
+          </a:xfrm>
+          <a:prstGeom prst="rect">
+            <a:avLst/>
+          </a:prstGeom>
+          <a:solidFill>
+            <a:schemeClr val="bg1"/>
+          </a:solidFill>
+          <a:ln>
+            <a:noFill/>
+          </a:ln>
+        </p:spPr>
+        <p:style>
+          <a:lnRef idx="2">
+            <a:schemeClr val="accent1">
+              <a:shade val="15000"/>
+            </a:schemeClr>
+          </a:lnRef>
+          <a:fillRef idx="1">
+            <a:schemeClr val="accent1"/>
+          </a:fillRef>
+          <a:effectRef idx="0">
+            <a:schemeClr val="accent1"/>
+          </a:effectRef>
+          <a:fontRef idx="minor">
+            <a:schemeClr val="lt1"/>
+          </a:fontRef>
+        </p:style>
+        <p:txBody>
+          <a:bodyPr rtlCol="0" anchor="ctr"/>
+          <a:lstStyle/>
+          <a:p>
+            <a:pPr algn="ctr"/>
+            <a:endParaRPr lang="en-US"/>
+          </a:p>
+        </p:txBody>
+      </p:sp>
+      <p:sp>
+        <p:nvSpPr>
+          <p:cNvPr id="6" name="Rectangle 5">
+            <a:extLst>
+              <a:ext uri="{FF2B5EF4-FFF2-40B4-BE49-F238E27FC236}">
+                <a16:creationId xmlns:a16="http://schemas.microsoft.com/office/drawing/2014/main" id="{94129B6C-18F0-9610-3C48-481090BBAB66}"/>
+              </a:ext>
+            </a:extLst>
+          </p:cNvPr>
+          <p:cNvSpPr/>
+          <p:nvPr/>
+        </p:nvSpPr>
+        <p:spPr>
+          <a:xfrm>
+            <a:off x="12074253" y="-1"/>
+            <a:ext cx="117747" cy="142737"/>
+          </a:xfrm>
+          <a:prstGeom prst="rect">
+            <a:avLst/>
+          </a:prstGeom>
+          <a:solidFill>
+            <a:schemeClr val="bg1"/>
+          </a:solidFill>
+          <a:ln>
+            <a:noFill/>
+          </a:ln>
+        </p:spPr>
+        <p:style>
+          <a:lnRef idx="2">
+            <a:schemeClr val="accent1">
+              <a:shade val="15000"/>
+            </a:schemeClr>
+          </a:lnRef>
+          <a:fillRef idx="1">
+            <a:schemeClr val="accent1"/>
+          </a:fillRef>
+          <a:effectRef idx="0">
+            <a:schemeClr val="accent1"/>
+          </a:effectRef>
+          <a:fontRef idx="minor">
+            <a:schemeClr val="lt1"/>
+          </a:fontRef>
+        </p:style>
+        <p:txBody>
+          <a:bodyPr rtlCol="0" anchor="ctr"/>
+          <a:lstStyle/>
+          <a:p>
+            <a:pPr algn="ctr"/>
+            <a:endParaRPr lang="en-US"/>
+          </a:p>
+        </p:txBody>
+      </p:sp>
     </p:spTree>
     <p:extLst>
       <p:ext uri="{BB962C8B-B14F-4D97-AF65-F5344CB8AC3E}">
@@ -33563,6 +34208,145 @@
               <a:rPr lang="en-US" dirty="0"/>
               <a:t>(inputs)</a:t>
             </a:r>
+          </a:p>
+        </p:txBody>
+      </p:sp>
+      <p:pic>
+        <p:nvPicPr>
+          <p:cNvPr id="4" name="Picture 3">
+            <a:extLst>
+              <a:ext uri="{FF2B5EF4-FFF2-40B4-BE49-F238E27FC236}">
+                <a16:creationId xmlns:a16="http://schemas.microsoft.com/office/drawing/2014/main" id="{E8849A61-A77E-00C9-65BE-EEF19CB4333D}"/>
+              </a:ext>
+            </a:extLst>
+          </p:cNvPr>
+          <p:cNvPicPr>
+            <a:picLocks noChangeAspect="1"/>
+          </p:cNvPicPr>
+          <p:nvPr/>
+        </p:nvPicPr>
+        <p:blipFill rotWithShape="1">
+          <a:blip r:embed="rId2" cstate="print">
+            <a:extLst>
+              <a:ext uri="{28A0092B-C50C-407E-A947-70E740481C1C}">
+                <a14:useLocalDpi xmlns:a14="http://schemas.microsoft.com/office/drawing/2010/main"/>
+              </a:ext>
+            </a:extLst>
+          </a:blip>
+          <a:srcRect/>
+          <a:stretch/>
+        </p:blipFill>
+        <p:spPr>
+          <a:xfrm>
+            <a:off x="11091408" y="0"/>
+            <a:ext cx="1100592" cy="2636463"/>
+          </a:xfrm>
+          <a:prstGeom prst="rect">
+            <a:avLst/>
+          </a:prstGeom>
+        </p:spPr>
+      </p:pic>
+      <p:sp>
+        <p:nvSpPr>
+          <p:cNvPr id="5" name="Rectangle 4">
+            <a:extLst>
+              <a:ext uri="{FF2B5EF4-FFF2-40B4-BE49-F238E27FC236}">
+                <a16:creationId xmlns:a16="http://schemas.microsoft.com/office/drawing/2014/main" id="{139B9345-8D91-3DF1-F810-02CD03922044}"/>
+              </a:ext>
+            </a:extLst>
+          </p:cNvPr>
+          <p:cNvSpPr/>
+          <p:nvPr/>
+        </p:nvSpPr>
+        <p:spPr>
+          <a:xfrm>
+            <a:off x="10993426" y="378135"/>
+            <a:ext cx="211319" cy="155547"/>
+          </a:xfrm>
+          <a:prstGeom prst="rect">
+            <a:avLst/>
+          </a:prstGeom>
+          <a:solidFill>
+            <a:schemeClr val="bg1"/>
+          </a:solidFill>
+          <a:ln>
+            <a:noFill/>
+          </a:ln>
+        </p:spPr>
+        <p:style>
+          <a:lnRef idx="2">
+            <a:schemeClr val="accent1">
+              <a:shade val="15000"/>
+            </a:schemeClr>
+          </a:lnRef>
+          <a:fillRef idx="1">
+            <a:schemeClr val="accent1"/>
+          </a:fillRef>
+          <a:effectRef idx="0">
+            <a:schemeClr val="accent1"/>
+          </a:effectRef>
+          <a:fontRef idx="minor">
+            <a:schemeClr val="lt1"/>
+          </a:fontRef>
+        </p:style>
+        <p:txBody>
+          <a:bodyPr rtlCol="0" anchor="ctr"/>
+          <a:lstStyle/>
+          <a:p>
+            <a:pPr algn="ctr"/>
+            <a:endParaRPr lang="en-US"/>
+          </a:p>
+        </p:txBody>
+      </p:sp>
+      <p:sp>
+        <p:nvSpPr>
+          <p:cNvPr id="7" name="Rectangle 6">
+            <a:extLst>
+              <a:ext uri="{FF2B5EF4-FFF2-40B4-BE49-F238E27FC236}">
+                <a16:creationId xmlns:a16="http://schemas.microsoft.com/office/drawing/2014/main" id="{13ACF747-EB75-65C3-B666-25337EAA4988}"/>
+              </a:ext>
+            </a:extLst>
+          </p:cNvPr>
+          <p:cNvSpPr/>
+          <p:nvPr/>
+        </p:nvSpPr>
+        <p:spPr>
+          <a:xfrm>
+            <a:off x="12074253" y="-1"/>
+            <a:ext cx="117747" cy="142737"/>
+          </a:xfrm>
+          <a:prstGeom prst="rect">
+            <a:avLst/>
+          </a:prstGeom>
+          <a:solidFill>
+            <a:schemeClr val="bg1"/>
+          </a:solidFill>
+          <a:ln>
+            <a:noFill/>
+          </a:ln>
+        </p:spPr>
+        <p:style>
+          <a:lnRef idx="2">
+            <a:schemeClr val="accent1">
+              <a:shade val="15000"/>
+            </a:schemeClr>
+          </a:lnRef>
+          <a:fillRef idx="1">
+            <a:schemeClr val="accent1"/>
+          </a:fillRef>
+          <a:effectRef idx="0">
+            <a:schemeClr val="accent1"/>
+          </a:effectRef>
+          <a:fontRef idx="minor">
+            <a:schemeClr val="lt1"/>
+          </a:fontRef>
+        </p:style>
+        <p:txBody>
+          <a:bodyPr rtlCol="0" anchor="ctr"/>
+          <a:lstStyle/>
+          <a:p>
+            <a:pPr algn="ctr"/>
+            <a:endParaRPr lang="en-US"/>
           </a:p>
         </p:txBody>
       </p:sp>
@@ -34154,6 +34938,145 @@
               <a:rPr lang="en-US" dirty="0"/>
               <a:t>Note: these go away when you close R, but that’s a good thing</a:t>
             </a:r>
+          </a:p>
+        </p:txBody>
+      </p:sp>
+      <p:pic>
+        <p:nvPicPr>
+          <p:cNvPr id="4" name="Picture 3">
+            <a:extLst>
+              <a:ext uri="{FF2B5EF4-FFF2-40B4-BE49-F238E27FC236}">
+                <a16:creationId xmlns:a16="http://schemas.microsoft.com/office/drawing/2014/main" id="{66DC6711-8A4C-BAC3-7512-FE04EBF6562B}"/>
+              </a:ext>
+            </a:extLst>
+          </p:cNvPr>
+          <p:cNvPicPr>
+            <a:picLocks noChangeAspect="1"/>
+          </p:cNvPicPr>
+          <p:nvPr/>
+        </p:nvPicPr>
+        <p:blipFill rotWithShape="1">
+          <a:blip r:embed="rId2" cstate="print">
+            <a:extLst>
+              <a:ext uri="{28A0092B-C50C-407E-A947-70E740481C1C}">
+                <a14:useLocalDpi xmlns:a14="http://schemas.microsoft.com/office/drawing/2010/main"/>
+              </a:ext>
+            </a:extLst>
+          </a:blip>
+          <a:srcRect/>
+          <a:stretch/>
+        </p:blipFill>
+        <p:spPr>
+          <a:xfrm>
+            <a:off x="11091408" y="0"/>
+            <a:ext cx="1100592" cy="2636463"/>
+          </a:xfrm>
+          <a:prstGeom prst="rect">
+            <a:avLst/>
+          </a:prstGeom>
+        </p:spPr>
+      </p:pic>
+      <p:sp>
+        <p:nvSpPr>
+          <p:cNvPr id="5" name="Rectangle 4">
+            <a:extLst>
+              <a:ext uri="{FF2B5EF4-FFF2-40B4-BE49-F238E27FC236}">
+                <a16:creationId xmlns:a16="http://schemas.microsoft.com/office/drawing/2014/main" id="{D44E9EB6-ABCD-7B00-E30A-DCFB6110AD1F}"/>
+              </a:ext>
+            </a:extLst>
+          </p:cNvPr>
+          <p:cNvSpPr/>
+          <p:nvPr/>
+        </p:nvSpPr>
+        <p:spPr>
+          <a:xfrm>
+            <a:off x="10993426" y="378135"/>
+            <a:ext cx="211319" cy="155547"/>
+          </a:xfrm>
+          <a:prstGeom prst="rect">
+            <a:avLst/>
+          </a:prstGeom>
+          <a:solidFill>
+            <a:schemeClr val="bg1"/>
+          </a:solidFill>
+          <a:ln>
+            <a:noFill/>
+          </a:ln>
+        </p:spPr>
+        <p:style>
+          <a:lnRef idx="2">
+            <a:schemeClr val="accent1">
+              <a:shade val="15000"/>
+            </a:schemeClr>
+          </a:lnRef>
+          <a:fillRef idx="1">
+            <a:schemeClr val="accent1"/>
+          </a:fillRef>
+          <a:effectRef idx="0">
+            <a:schemeClr val="accent1"/>
+          </a:effectRef>
+          <a:fontRef idx="minor">
+            <a:schemeClr val="lt1"/>
+          </a:fontRef>
+        </p:style>
+        <p:txBody>
+          <a:bodyPr rtlCol="0" anchor="ctr"/>
+          <a:lstStyle/>
+          <a:p>
+            <a:pPr algn="ctr"/>
+            <a:endParaRPr lang="en-US"/>
+          </a:p>
+        </p:txBody>
+      </p:sp>
+      <p:sp>
+        <p:nvSpPr>
+          <p:cNvPr id="7" name="Rectangle 6">
+            <a:extLst>
+              <a:ext uri="{FF2B5EF4-FFF2-40B4-BE49-F238E27FC236}">
+                <a16:creationId xmlns:a16="http://schemas.microsoft.com/office/drawing/2014/main" id="{FEA63606-BE96-2553-1C11-D35562A18A2D}"/>
+              </a:ext>
+            </a:extLst>
+          </p:cNvPr>
+          <p:cNvSpPr/>
+          <p:nvPr/>
+        </p:nvSpPr>
+        <p:spPr>
+          <a:xfrm>
+            <a:off x="12074253" y="-1"/>
+            <a:ext cx="117747" cy="142737"/>
+          </a:xfrm>
+          <a:prstGeom prst="rect">
+            <a:avLst/>
+          </a:prstGeom>
+          <a:solidFill>
+            <a:schemeClr val="bg1"/>
+          </a:solidFill>
+          <a:ln>
+            <a:noFill/>
+          </a:ln>
+        </p:spPr>
+        <p:style>
+          <a:lnRef idx="2">
+            <a:schemeClr val="accent1">
+              <a:shade val="15000"/>
+            </a:schemeClr>
+          </a:lnRef>
+          <a:fillRef idx="1">
+            <a:schemeClr val="accent1"/>
+          </a:fillRef>
+          <a:effectRef idx="0">
+            <a:schemeClr val="accent1"/>
+          </a:effectRef>
+          <a:fontRef idx="minor">
+            <a:schemeClr val="lt1"/>
+          </a:fontRef>
+        </p:style>
+        <p:txBody>
+          <a:bodyPr rtlCol="0" anchor="ctr"/>
+          <a:lstStyle/>
+          <a:p>
+            <a:pPr algn="ctr"/>
+            <a:endParaRPr lang="en-US"/>
           </a:p>
         </p:txBody>
       </p:sp>
@@ -44058,6 +44981,51 @@
                                     <p:set>
                                       <p:cBhvr>
                                         <p:cTn id="6" dur="1" fill="hold">
+                                          <p:stCondLst>
+                                            <p:cond delay="0"/>
+                                          </p:stCondLst>
+                                        </p:cTn>
+                                        <p:tgtEl>
+                                          <p:spTgt spid="5"/>
+                                        </p:tgtEl>
+                                        <p:attrNameLst>
+                                          <p:attrName>style.visibility</p:attrName>
+                                        </p:attrNameLst>
+                                      </p:cBhvr>
+                                      <p:to>
+                                        <p:strVal val="visible"/>
+                                      </p:to>
+                                    </p:set>
+                                  </p:childTnLst>
+                                </p:cTn>
+                              </p:par>
+                            </p:childTnLst>
+                          </p:cTn>
+                        </p:par>
+                      </p:childTnLst>
+                    </p:cTn>
+                  </p:par>
+                  <p:par>
+                    <p:cTn id="7" fill="hold">
+                      <p:stCondLst>
+                        <p:cond delay="indefinite"/>
+                      </p:stCondLst>
+                      <p:childTnLst>
+                        <p:par>
+                          <p:cTn id="8" fill="hold">
+                            <p:stCondLst>
+                              <p:cond delay="0"/>
+                            </p:stCondLst>
+                            <p:childTnLst>
+                              <p:par>
+                                <p:cTn id="9" presetID="1" presetClass="entr" presetSubtype="0" fill="hold" nodeType="clickEffect">
+                                  <p:stCondLst>
+                                    <p:cond delay="0"/>
+                                  </p:stCondLst>
+                                  <p:childTnLst>
+                                    <p:set>
+                                      <p:cBhvr>
+                                        <p:cTn id="10" dur="1" fill="hold">
                                           <p:stCondLst>
                                             <p:cond delay="0"/>
                                           </p:stCondLst>

--- a/presentations/3 - Programming Basics 1 - Poke the Box.pptx
+++ b/presentations/3 - Programming Basics 1 - Poke the Box.pptx
@@ -237,7 +237,7 @@
           <a:p>
             <a:fld id="{0C3747FC-B9FC-4317-A7AC-005EC1BA3397}" type="datetimeFigureOut">
               <a:rPr lang="en-US" smtClean="0"/>
-              <a:t>11/9/2023</a:t>
+              <a:t>11/13/2023</a:t>
             </a:fld>
             <a:endParaRPr lang="en-US"/>
           </a:p>
@@ -3936,7 +3936,7 @@
           <a:p>
             <a:fld id="{00F5AAE2-11C8-4D46-A716-B78E4D7C1BCB}" type="datetimeFigureOut">
               <a:rPr lang="en-US" smtClean="0"/>
-              <a:t>11/9/2023</a:t>
+              <a:t>11/13/2023</a:t>
             </a:fld>
             <a:endParaRPr lang="en-US"/>
           </a:p>
@@ -4134,7 +4134,7 @@
           <a:p>
             <a:fld id="{00F5AAE2-11C8-4D46-A716-B78E4D7C1BCB}" type="datetimeFigureOut">
               <a:rPr lang="en-US" smtClean="0"/>
-              <a:t>11/9/2023</a:t>
+              <a:t>11/13/2023</a:t>
             </a:fld>
             <a:endParaRPr lang="en-US"/>
           </a:p>
@@ -4342,7 +4342,7 @@
           <a:p>
             <a:fld id="{00F5AAE2-11C8-4D46-A716-B78E4D7C1BCB}" type="datetimeFigureOut">
               <a:rPr lang="en-US" smtClean="0"/>
-              <a:t>11/9/2023</a:t>
+              <a:t>11/13/2023</a:t>
             </a:fld>
             <a:endParaRPr lang="en-US"/>
           </a:p>
@@ -4540,7 +4540,7 @@
           <a:p>
             <a:fld id="{00F5AAE2-11C8-4D46-A716-B78E4D7C1BCB}" type="datetimeFigureOut">
               <a:rPr lang="en-US" smtClean="0"/>
-              <a:t>11/9/2023</a:t>
+              <a:t>11/13/2023</a:t>
             </a:fld>
             <a:endParaRPr lang="en-US"/>
           </a:p>
@@ -4815,7 +4815,7 @@
           <a:p>
             <a:fld id="{00F5AAE2-11C8-4D46-A716-B78E4D7C1BCB}" type="datetimeFigureOut">
               <a:rPr lang="en-US" smtClean="0"/>
-              <a:t>11/9/2023</a:t>
+              <a:t>11/13/2023</a:t>
             </a:fld>
             <a:endParaRPr lang="en-US"/>
           </a:p>
@@ -5080,7 +5080,7 @@
           <a:p>
             <a:fld id="{00F5AAE2-11C8-4D46-A716-B78E4D7C1BCB}" type="datetimeFigureOut">
               <a:rPr lang="en-US" smtClean="0"/>
-              <a:t>11/9/2023</a:t>
+              <a:t>11/13/2023</a:t>
             </a:fld>
             <a:endParaRPr lang="en-US"/>
           </a:p>
@@ -5492,7 +5492,7 @@
           <a:p>
             <a:fld id="{00F5AAE2-11C8-4D46-A716-B78E4D7C1BCB}" type="datetimeFigureOut">
               <a:rPr lang="en-US" smtClean="0"/>
-              <a:t>11/9/2023</a:t>
+              <a:t>11/13/2023</a:t>
             </a:fld>
             <a:endParaRPr lang="en-US"/>
           </a:p>
@@ -5633,7 +5633,7 @@
           <a:p>
             <a:fld id="{00F5AAE2-11C8-4D46-A716-B78E4D7C1BCB}" type="datetimeFigureOut">
               <a:rPr lang="en-US" smtClean="0"/>
-              <a:t>11/9/2023</a:t>
+              <a:t>11/13/2023</a:t>
             </a:fld>
             <a:endParaRPr lang="en-US"/>
           </a:p>
@@ -5746,7 +5746,7 @@
           <a:p>
             <a:fld id="{00F5AAE2-11C8-4D46-A716-B78E4D7C1BCB}" type="datetimeFigureOut">
               <a:rPr lang="en-US" smtClean="0"/>
-              <a:t>11/9/2023</a:t>
+              <a:t>11/13/2023</a:t>
             </a:fld>
             <a:endParaRPr lang="en-US"/>
           </a:p>
@@ -6057,7 +6057,7 @@
           <a:p>
             <a:fld id="{00F5AAE2-11C8-4D46-A716-B78E4D7C1BCB}" type="datetimeFigureOut">
               <a:rPr lang="en-US" smtClean="0"/>
-              <a:t>11/9/2023</a:t>
+              <a:t>11/13/2023</a:t>
             </a:fld>
             <a:endParaRPr lang="en-US"/>
           </a:p>
@@ -6345,7 +6345,7 @@
           <a:p>
             <a:fld id="{00F5AAE2-11C8-4D46-A716-B78E4D7C1BCB}" type="datetimeFigureOut">
               <a:rPr lang="en-US" smtClean="0"/>
-              <a:t>11/9/2023</a:t>
+              <a:t>11/13/2023</a:t>
             </a:fld>
             <a:endParaRPr lang="en-US"/>
           </a:p>
@@ -6586,7 +6586,7 @@
           <a:p>
             <a:fld id="{00F5AAE2-11C8-4D46-A716-B78E4D7C1BCB}" type="datetimeFigureOut">
               <a:rPr lang="en-US" smtClean="0"/>
-              <a:t>11/9/2023</a:t>
+              <a:t>11/13/2023</a:t>
             </a:fld>
             <a:endParaRPr lang="en-US"/>
           </a:p>
@@ -7019,12 +7019,20 @@
             <p:ph type="ctrTitle"/>
           </p:nvPr>
         </p:nvSpPr>
-        <p:spPr/>
+        <p:spPr>
+          <a:xfrm>
+            <a:off x="1607857" y="1716725"/>
+            <a:ext cx="9144000" cy="2387600"/>
+          </a:xfrm>
+        </p:spPr>
         <p:txBody>
           <a:bodyPr/>
           <a:lstStyle/>
           <a:p>
-            <a:endParaRPr lang="en-US"/>
+            <a:r>
+              <a:rPr lang="en-US" dirty="0"/>
+              <a:t>R Programming Basics, Part I</a:t>
+            </a:r>
           </a:p>
         </p:txBody>
       </p:sp>
@@ -7044,15 +7052,98 @@
             <p:ph type="subTitle" idx="1"/>
           </p:nvPr>
         </p:nvSpPr>
-        <p:spPr/>
+        <p:spPr>
+          <a:xfrm>
+            <a:off x="1524000" y="4461437"/>
+            <a:ext cx="9144000" cy="1655762"/>
+          </a:xfrm>
+        </p:spPr>
         <p:txBody>
           <a:bodyPr/>
           <a:lstStyle/>
           <a:p>
-            <a:endParaRPr lang="en-US"/>
+            <a:r>
+              <a:rPr lang="en-US" dirty="0"/>
+              <a:t>- Poke the Box! -</a:t>
+            </a:r>
           </a:p>
         </p:txBody>
       </p:sp>
+      <p:pic>
+        <p:nvPicPr>
+          <p:cNvPr id="4" name="Picture 3" descr="Logo, icon&#10;&#10;Description automatically generated">
+            <a:extLst>
+              <a:ext uri="{FF2B5EF4-FFF2-40B4-BE49-F238E27FC236}">
+                <a16:creationId xmlns:a16="http://schemas.microsoft.com/office/drawing/2014/main" id="{C26DF792-F7E6-EBE6-F4CB-9D44697915A2}"/>
+              </a:ext>
+            </a:extLst>
+          </p:cNvPr>
+          <p:cNvPicPr>
+            <a:picLocks noChangeAspect="1"/>
+          </p:cNvPicPr>
+          <p:nvPr/>
+        </p:nvPicPr>
+        <p:blipFill>
+          <a:blip r:embed="rId3">
+            <a:extLst>
+              <a:ext uri="{28A0092B-C50C-407E-A947-70E740481C1C}">
+                <a14:useLocalDpi xmlns:a14="http://schemas.microsoft.com/office/drawing/2010/main" val="0"/>
+              </a:ext>
+            </a:extLst>
+          </a:blip>
+          <a:stretch>
+            <a:fillRect/>
+          </a:stretch>
+        </p:blipFill>
+        <p:spPr>
+          <a:xfrm>
+            <a:off x="9198295" y="292264"/>
+            <a:ext cx="2059252" cy="1595920"/>
+          </a:xfrm>
+          <a:prstGeom prst="rect">
+            <a:avLst/>
+          </a:prstGeom>
+        </p:spPr>
+      </p:pic>
+      <p:pic>
+        <p:nvPicPr>
+          <p:cNvPr id="5" name="Graphic 4" descr="Double Tap Gesture with solid fill">
+            <a:extLst>
+              <a:ext uri="{FF2B5EF4-FFF2-40B4-BE49-F238E27FC236}">
+                <a16:creationId xmlns:a16="http://schemas.microsoft.com/office/drawing/2014/main" id="{4CD7470F-CD1F-AA0E-16B8-5C4EB18558BC}"/>
+              </a:ext>
+            </a:extLst>
+          </p:cNvPr>
+          <p:cNvPicPr>
+            <a:picLocks noChangeAspect="1"/>
+          </p:cNvPicPr>
+          <p:nvPr/>
+        </p:nvPicPr>
+        <p:blipFill>
+          <a:blip r:embed="rId4">
+            <a:extLst>
+              <a:ext uri="{28A0092B-C50C-407E-A947-70E740481C1C}">
+                <a14:useLocalDpi xmlns:a14="http://schemas.microsoft.com/office/drawing/2010/main" val="0"/>
+              </a:ext>
+              <a:ext uri="{96DAC541-7B7A-43D3-8B79-37D633B846F1}">
+                <asvg:svgBlip xmlns:asvg="http://schemas.microsoft.com/office/drawing/2016/SVG/main" r:embed="rId5"/>
+              </a:ext>
+            </a:extLst>
+          </a:blip>
+          <a:stretch>
+            <a:fillRect/>
+          </a:stretch>
+        </p:blipFill>
+        <p:spPr>
+          <a:xfrm>
+            <a:off x="9837457" y="1502356"/>
+            <a:ext cx="914400" cy="914400"/>
+          </a:xfrm>
+          <a:prstGeom prst="rect">
+            <a:avLst/>
+          </a:prstGeom>
+        </p:spPr>
+      </p:pic>
     </p:spTree>
     <p:extLst>
       <p:ext uri="{BB962C8B-B14F-4D97-AF65-F5344CB8AC3E}">

--- a/presentations/3 - Programming Basics 1 - Poke the Box.pptx
+++ b/presentations/3 - Programming Basics 1 - Poke the Box.pptx
@@ -5,7 +5,7 @@
     <p:sldMasterId id="2147483648" r:id="rId1"/>
   </p:sldMasterIdLst>
   <p:notesMasterIdLst>
-    <p:notesMasterId r:id="rId43"/>
+    <p:notesMasterId r:id="rId46"/>
   </p:notesMasterIdLst>
   <p:sldIdLst>
     <p:sldId id="256" r:id="rId2"/>
@@ -19,36 +19,39 @@
     <p:sldId id="264" r:id="rId10"/>
     <p:sldId id="267" r:id="rId11"/>
     <p:sldId id="268" r:id="rId12"/>
-    <p:sldId id="348" r:id="rId13"/>
-    <p:sldId id="355" r:id="rId14"/>
-    <p:sldId id="356" r:id="rId15"/>
-    <p:sldId id="357" r:id="rId16"/>
-    <p:sldId id="265" r:id="rId17"/>
-    <p:sldId id="266" r:id="rId18"/>
-    <p:sldId id="275" r:id="rId19"/>
-    <p:sldId id="272" r:id="rId20"/>
-    <p:sldId id="273" r:id="rId21"/>
-    <p:sldId id="274" r:id="rId22"/>
-    <p:sldId id="277" r:id="rId23"/>
-    <p:sldId id="279" r:id="rId24"/>
-    <p:sldId id="280" r:id="rId25"/>
-    <p:sldId id="281" r:id="rId26"/>
-    <p:sldId id="282" r:id="rId27"/>
-    <p:sldId id="283" r:id="rId28"/>
-    <p:sldId id="284" r:id="rId29"/>
-    <p:sldId id="285" r:id="rId30"/>
-    <p:sldId id="358" r:id="rId31"/>
-    <p:sldId id="287" r:id="rId32"/>
-    <p:sldId id="288" r:id="rId33"/>
-    <p:sldId id="347" r:id="rId34"/>
-    <p:sldId id="289" r:id="rId35"/>
-    <p:sldId id="290" r:id="rId36"/>
-    <p:sldId id="291" r:id="rId37"/>
-    <p:sldId id="292" r:id="rId38"/>
-    <p:sldId id="293" r:id="rId39"/>
-    <p:sldId id="295" r:id="rId40"/>
-    <p:sldId id="352" r:id="rId41"/>
-    <p:sldId id="353" r:id="rId42"/>
+    <p:sldId id="359" r:id="rId13"/>
+    <p:sldId id="348" r:id="rId14"/>
+    <p:sldId id="355" r:id="rId15"/>
+    <p:sldId id="356" r:id="rId16"/>
+    <p:sldId id="357" r:id="rId17"/>
+    <p:sldId id="265" r:id="rId18"/>
+    <p:sldId id="266" r:id="rId19"/>
+    <p:sldId id="275" r:id="rId20"/>
+    <p:sldId id="272" r:id="rId21"/>
+    <p:sldId id="273" r:id="rId22"/>
+    <p:sldId id="274" r:id="rId23"/>
+    <p:sldId id="277" r:id="rId24"/>
+    <p:sldId id="360" r:id="rId25"/>
+    <p:sldId id="279" r:id="rId26"/>
+    <p:sldId id="280" r:id="rId27"/>
+    <p:sldId id="281" r:id="rId28"/>
+    <p:sldId id="282" r:id="rId29"/>
+    <p:sldId id="283" r:id="rId30"/>
+    <p:sldId id="284" r:id="rId31"/>
+    <p:sldId id="285" r:id="rId32"/>
+    <p:sldId id="358" r:id="rId33"/>
+    <p:sldId id="287" r:id="rId34"/>
+    <p:sldId id="288" r:id="rId35"/>
+    <p:sldId id="347" r:id="rId36"/>
+    <p:sldId id="361" r:id="rId37"/>
+    <p:sldId id="289" r:id="rId38"/>
+    <p:sldId id="290" r:id="rId39"/>
+    <p:sldId id="291" r:id="rId40"/>
+    <p:sldId id="292" r:id="rId41"/>
+    <p:sldId id="293" r:id="rId42"/>
+    <p:sldId id="295" r:id="rId43"/>
+    <p:sldId id="352" r:id="rId44"/>
+    <p:sldId id="353" r:id="rId45"/>
   </p:sldIdLst>
   <p:sldSz cx="12192000" cy="6858000"/>
   <p:notesSz cx="6858000" cy="9144000"/>
@@ -237,7 +240,7 @@
           <a:p>
             <a:fld id="{0C3747FC-B9FC-4317-A7AC-005EC1BA3397}" type="datetimeFigureOut">
               <a:rPr lang="en-US" smtClean="0"/>
-              <a:t>11/13/2023</a:t>
+              <a:t>11/30/2023</a:t>
             </a:fld>
             <a:endParaRPr lang="en-US"/>
           </a:p>
@@ -865,16 +868,7 @@
           <a:p>
             <a:r>
               <a:rPr lang="en-US" dirty="0"/>
-              <a:t>So let’s try this.</a:t>
-            </a:r>
-          </a:p>
-          <a:p>
-            <a:endParaRPr lang="en-US" dirty="0"/>
-          </a:p>
-          <a:p>
-            <a:r>
-              <a:rPr lang="en-US" dirty="0"/>
-              <a:t>What do you think will happen?</a:t>
+              <a:t>DEMONSTRATIVE CODING BREAK</a:t>
             </a:r>
           </a:p>
         </p:txBody>
@@ -905,7 +899,7 @@
     </p:spTree>
     <p:extLst>
       <p:ext uri="{BB962C8B-B14F-4D97-AF65-F5344CB8AC3E}">
-        <p14:creationId xmlns:p14="http://schemas.microsoft.com/office/powerpoint/2010/main" val="1284866668"/>
+        <p14:creationId xmlns:p14="http://schemas.microsoft.com/office/powerpoint/2010/main" val="469468625"/>
       </p:ext>
     </p:extLst>
   </p:cSld>
@@ -959,7 +953,19 @@
           <a:bodyPr/>
           <a:lstStyle/>
           <a:p>
+            <a:r>
+              <a:rPr lang="en-US" dirty="0"/>
+              <a:t>So let’s try this.</a:t>
+            </a:r>
+          </a:p>
+          <a:p>
             <a:endParaRPr lang="en-US" dirty="0"/>
+          </a:p>
+          <a:p>
+            <a:r>
+              <a:rPr lang="en-US" dirty="0"/>
+              <a:t>What do you think will happen?</a:t>
+            </a:r>
           </a:p>
         </p:txBody>
       </p:sp>
@@ -989,7 +995,7 @@
     </p:spTree>
     <p:extLst>
       <p:ext uri="{BB962C8B-B14F-4D97-AF65-F5344CB8AC3E}">
-        <p14:creationId xmlns:p14="http://schemas.microsoft.com/office/powerpoint/2010/main" val="3260853886"/>
+        <p14:creationId xmlns:p14="http://schemas.microsoft.com/office/powerpoint/2010/main" val="1284866668"/>
       </p:ext>
     </p:extLst>
   </p:cSld>
@@ -1043,19 +1049,7 @@
           <a:bodyPr/>
           <a:lstStyle/>
           <a:p>
-            <a:r>
-              <a:rPr lang="en-US" dirty="0"/>
-              <a:t>How about this one?</a:t>
-            </a:r>
-          </a:p>
-          <a:p>
             <a:endParaRPr lang="en-US" dirty="0"/>
-          </a:p>
-          <a:p>
-            <a:r>
-              <a:rPr lang="en-US" dirty="0"/>
-              <a:t>Same two vectors from before, but now we add a single number.</a:t>
-            </a:r>
           </a:p>
         </p:txBody>
       </p:sp>
@@ -1085,7 +1079,7 @@
     </p:spTree>
     <p:extLst>
       <p:ext uri="{BB962C8B-B14F-4D97-AF65-F5344CB8AC3E}">
-        <p14:creationId xmlns:p14="http://schemas.microsoft.com/office/powerpoint/2010/main" val="2144586236"/>
+        <p14:creationId xmlns:p14="http://schemas.microsoft.com/office/powerpoint/2010/main" val="3260853886"/>
       </p:ext>
     </p:extLst>
   </p:cSld>
@@ -1139,7 +1133,19 @@
           <a:bodyPr/>
           <a:lstStyle/>
           <a:p>
+            <a:r>
+              <a:rPr lang="en-US" dirty="0"/>
+              <a:t>How about this one?</a:t>
+            </a:r>
+          </a:p>
+          <a:p>
             <a:endParaRPr lang="en-US" dirty="0"/>
+          </a:p>
+          <a:p>
+            <a:r>
+              <a:rPr lang="en-US" dirty="0"/>
+              <a:t>Same two vectors from before, but now we add a single number.</a:t>
+            </a:r>
           </a:p>
         </p:txBody>
       </p:sp>
@@ -1169,7 +1175,7 @@
     </p:spTree>
     <p:extLst>
       <p:ext uri="{BB962C8B-B14F-4D97-AF65-F5344CB8AC3E}">
-        <p14:creationId xmlns:p14="http://schemas.microsoft.com/office/powerpoint/2010/main" val="6446530"/>
+        <p14:creationId xmlns:p14="http://schemas.microsoft.com/office/powerpoint/2010/main" val="2144586236"/>
       </p:ext>
     </p:extLst>
   </p:cSld>
@@ -1223,34 +1229,7 @@
           <a:bodyPr/>
           <a:lstStyle/>
           <a:p>
-            <a:r>
-              <a:rPr lang="en-US" dirty="0"/>
-              <a:t>Here’s a couple more ways of making a vector from scratch…</a:t>
-            </a:r>
-          </a:p>
-          <a:p>
             <a:endParaRPr lang="en-US" dirty="0"/>
-          </a:p>
-          <a:p>
-            <a:r>
-              <a:rPr lang="en-US" dirty="0"/>
-              <a:t>Another tool is the colon operator, which makes an integer sequence</a:t>
-            </a:r>
-          </a:p>
-          <a:p>
-            <a:endParaRPr lang="en-US" dirty="0"/>
-          </a:p>
-          <a:p>
-            <a:r>
-              <a:rPr lang="en-US" dirty="0"/>
-              <a:t>Oh, and remember that [1] thing in square brackets we kept seeing?  Now what do you think it means?</a:t>
-            </a:r>
-          </a:p>
-          <a:p>
-            <a:r>
-              <a:rPr lang="en-US" dirty="0"/>
-              <a:t>It’s just saying where each line of printed output starts!</a:t>
-            </a:r>
           </a:p>
         </p:txBody>
       </p:sp>
@@ -1280,7 +1259,7 @@
     </p:spTree>
     <p:extLst>
       <p:ext uri="{BB962C8B-B14F-4D97-AF65-F5344CB8AC3E}">
-        <p14:creationId xmlns:p14="http://schemas.microsoft.com/office/powerpoint/2010/main" val="106737042"/>
+        <p14:creationId xmlns:p14="http://schemas.microsoft.com/office/powerpoint/2010/main" val="6446530"/>
       </p:ext>
     </p:extLst>
   </p:cSld>
@@ -1336,7 +1315,7 @@
           <a:p>
             <a:r>
               <a:rPr lang="en-US" dirty="0"/>
-              <a:t>The seq() function…</a:t>
+              <a:t>Here’s a couple more ways of making a vector from scratch…</a:t>
             </a:r>
           </a:p>
           <a:p>
@@ -1345,19 +1324,22 @@
           <a:p>
             <a:r>
               <a:rPr lang="en-US" dirty="0"/>
-              <a:t>Now before you try memorizing all the different arguments you see here, I actually want to call attention to two things:</a:t>
-            </a:r>
+              <a:t>Another tool is the colon operator, which makes an integer sequence</a:t>
+            </a:r>
+          </a:p>
+          <a:p>
+            <a:endParaRPr lang="en-US" dirty="0"/>
           </a:p>
           <a:p>
             <a:r>
               <a:rPr lang="en-US" dirty="0"/>
-              <a:t>- there’s often multiple ways of doing the same thing</a:t>
+              <a:t>Oh, and remember that [1] thing in square brackets we kept seeing?  Now what do you think it means?</a:t>
             </a:r>
           </a:p>
           <a:p>
             <a:r>
               <a:rPr lang="en-US" dirty="0"/>
-              <a:t>- functions can have multiple possible arguments</a:t>
+              <a:t>It’s just saying where each line of printed output starts!</a:t>
             </a:r>
           </a:p>
         </p:txBody>
@@ -1388,7 +1370,7 @@
     </p:spTree>
     <p:extLst>
       <p:ext uri="{BB962C8B-B14F-4D97-AF65-F5344CB8AC3E}">
-        <p14:creationId xmlns:p14="http://schemas.microsoft.com/office/powerpoint/2010/main" val="2555887919"/>
+        <p14:creationId xmlns:p14="http://schemas.microsoft.com/office/powerpoint/2010/main" val="106737042"/>
       </p:ext>
     </p:extLst>
   </p:cSld>
@@ -1444,7 +1426,28 @@
           <a:p>
             <a:r>
               <a:rPr lang="en-US" dirty="0"/>
-              <a:t>And thankfully, you don’t have to memorize all the things, because there is HELP!</a:t>
+              <a:t>The seq() function…</a:t>
+            </a:r>
+          </a:p>
+          <a:p>
+            <a:endParaRPr lang="en-US" dirty="0"/>
+          </a:p>
+          <a:p>
+            <a:r>
+              <a:rPr lang="en-US" dirty="0"/>
+              <a:t>Now before you try memorizing all the different arguments you see here, I actually want to call attention to two things:</a:t>
+            </a:r>
+          </a:p>
+          <a:p>
+            <a:r>
+              <a:rPr lang="en-US" dirty="0"/>
+              <a:t>- there’s often multiple ways of doing the same thing</a:t>
+            </a:r>
+          </a:p>
+          <a:p>
+            <a:r>
+              <a:rPr lang="en-US" dirty="0"/>
+              <a:t>- functions can have multiple possible arguments</a:t>
             </a:r>
           </a:p>
         </p:txBody>
@@ -1475,7 +1478,7 @@
     </p:spTree>
     <p:extLst>
       <p:ext uri="{BB962C8B-B14F-4D97-AF65-F5344CB8AC3E}">
-        <p14:creationId xmlns:p14="http://schemas.microsoft.com/office/powerpoint/2010/main" val="1852754370"/>
+        <p14:creationId xmlns:p14="http://schemas.microsoft.com/office/powerpoint/2010/main" val="2555887919"/>
       </p:ext>
     </p:extLst>
   </p:cSld>
@@ -1531,22 +1534,7 @@
           <a:p>
             <a:r>
               <a:rPr lang="en-US" dirty="0"/>
-              <a:t>Ok, so let’s build the vocabulary a little.</a:t>
-            </a:r>
-          </a:p>
-          <a:p>
-            <a:endParaRPr lang="en-US" dirty="0"/>
-          </a:p>
-          <a:p>
-            <a:r>
-              <a:rPr lang="en-US" dirty="0"/>
-              <a:t>We have all the math things: addition, subtraction, multiplication, division, and exponents</a:t>
-            </a:r>
-          </a:p>
-          <a:p>
-            <a:r>
-              <a:rPr lang="en-US" dirty="0"/>
-              <a:t>We can also use parentheses as needed when we’re doing math</a:t>
+              <a:t>And thankfully, you don’t have to memorize all the things, because there is HELP!</a:t>
             </a:r>
           </a:p>
         </p:txBody>
@@ -1577,7 +1565,7 @@
     </p:spTree>
     <p:extLst>
       <p:ext uri="{BB962C8B-B14F-4D97-AF65-F5344CB8AC3E}">
-        <p14:creationId xmlns:p14="http://schemas.microsoft.com/office/powerpoint/2010/main" val="774226052"/>
+        <p14:creationId xmlns:p14="http://schemas.microsoft.com/office/powerpoint/2010/main" val="1852754370"/>
       </p:ext>
     </p:extLst>
   </p:cSld>
@@ -1720,7 +1708,7 @@
           <a:p>
             <a:r>
               <a:rPr lang="en-US" dirty="0"/>
-              <a:t>A few more math things: square root, log, exponential, absolute value</a:t>
+              <a:t>Ok, so let’s build the vocabulary a little.</a:t>
             </a:r>
           </a:p>
           <a:p>
@@ -1729,13 +1717,13 @@
           <a:p>
             <a:r>
               <a:rPr lang="en-US" dirty="0"/>
-              <a:t>Notice that when we put a vector in, we get a vector out.</a:t>
+              <a:t>We have all the math things: addition, subtraction, multiplication, division, and exponents</a:t>
             </a:r>
           </a:p>
           <a:p>
             <a:r>
               <a:rPr lang="en-US" dirty="0"/>
-              <a:t>You’ll also notice we had to tell R that it was a vector!  How did we do that?</a:t>
+              <a:t>We can also use parentheses as needed when we’re doing math</a:t>
             </a:r>
           </a:p>
         </p:txBody>
@@ -1766,7 +1754,7 @@
     </p:spTree>
     <p:extLst>
       <p:ext uri="{BB962C8B-B14F-4D97-AF65-F5344CB8AC3E}">
-        <p14:creationId xmlns:p14="http://schemas.microsoft.com/office/powerpoint/2010/main" val="3672037594"/>
+        <p14:creationId xmlns:p14="http://schemas.microsoft.com/office/powerpoint/2010/main" val="774226052"/>
       </p:ext>
     </p:extLst>
   </p:cSld>
@@ -1822,13 +1810,22 @@
           <a:p>
             <a:r>
               <a:rPr lang="en-US" dirty="0"/>
-              <a:t>A few more math things that only make sense with a vector input</a:t>
-            </a:r>
+              <a:t>A few more math things: square root, log, exponential, absolute value</a:t>
+            </a:r>
+          </a:p>
+          <a:p>
+            <a:endParaRPr lang="en-US" dirty="0"/>
           </a:p>
           <a:p>
             <a:r>
               <a:rPr lang="en-US" dirty="0"/>
-              <a:t>Sum, product, mean, median, quantile, standard deviation, and variance</a:t>
+              <a:t>Notice that when we put a vector in, we get a vector out.</a:t>
+            </a:r>
+          </a:p>
+          <a:p>
+            <a:r>
+              <a:rPr lang="en-US" dirty="0"/>
+              <a:t>You’ll also notice we had to tell R that it was a vector!  How did we do that?</a:t>
             </a:r>
           </a:p>
         </p:txBody>
@@ -1859,7 +1856,7 @@
     </p:spTree>
     <p:extLst>
       <p:ext uri="{BB962C8B-B14F-4D97-AF65-F5344CB8AC3E}">
-        <p14:creationId xmlns:p14="http://schemas.microsoft.com/office/powerpoint/2010/main" val="2604631203"/>
+        <p14:creationId xmlns:p14="http://schemas.microsoft.com/office/powerpoint/2010/main" val="3672037594"/>
       </p:ext>
     </p:extLst>
   </p:cSld>
@@ -1915,7 +1912,13 @@
           <a:p>
             <a:r>
               <a:rPr lang="en-US" dirty="0"/>
-              <a:t>An important R thing we need to talk about is NA, which is R’s way of handling blanks.</a:t>
+              <a:t>A few more math things that only make sense with a vector input</a:t>
+            </a:r>
+          </a:p>
+          <a:p>
+            <a:r>
+              <a:rPr lang="en-US" dirty="0"/>
+              <a:t>Sum, product, mean, median, quantile, standard deviation, and variance</a:t>
             </a:r>
           </a:p>
         </p:txBody>
@@ -1946,7 +1949,7 @@
     </p:spTree>
     <p:extLst>
       <p:ext uri="{BB962C8B-B14F-4D97-AF65-F5344CB8AC3E}">
-        <p14:creationId xmlns:p14="http://schemas.microsoft.com/office/powerpoint/2010/main" val="2880662153"/>
+        <p14:creationId xmlns:p14="http://schemas.microsoft.com/office/powerpoint/2010/main" val="2604631203"/>
       </p:ext>
     </p:extLst>
   </p:cSld>
@@ -2002,34 +2005,7 @@
           <a:p>
             <a:r>
               <a:rPr lang="en-US" dirty="0"/>
-              <a:t>So far we’ve just seen numbers, but R can also store other things</a:t>
-            </a:r>
-          </a:p>
-          <a:p>
-            <a:endParaRPr lang="en-US" dirty="0"/>
-          </a:p>
-          <a:p>
-            <a:r>
-              <a:rPr lang="en-US" dirty="0"/>
-              <a:t>Logical is simpler, it can only be TRUE or FALSE</a:t>
-            </a:r>
-          </a:p>
-          <a:p>
-            <a:endParaRPr lang="en-US" dirty="0"/>
-          </a:p>
-          <a:p>
-            <a:r>
-              <a:rPr lang="en-US" dirty="0"/>
-              <a:t>With Character, you can store text</a:t>
-            </a:r>
-          </a:p>
-          <a:p>
-            <a:endParaRPr lang="en-US" dirty="0"/>
-          </a:p>
-          <a:p>
-            <a:r>
-              <a:rPr lang="en-US" dirty="0"/>
-              <a:t>And things can be changed into a MORE COMPLEX class without losing information.  …which will make sense in a moment.</a:t>
+              <a:t>An important R thing we need to talk about is NA, which is R’s way of handling blanks.</a:t>
             </a:r>
           </a:p>
         </p:txBody>
@@ -2060,7 +2036,7 @@
     </p:spTree>
     <p:extLst>
       <p:ext uri="{BB962C8B-B14F-4D97-AF65-F5344CB8AC3E}">
-        <p14:creationId xmlns:p14="http://schemas.microsoft.com/office/powerpoint/2010/main" val="1797278814"/>
+        <p14:creationId xmlns:p14="http://schemas.microsoft.com/office/powerpoint/2010/main" val="2880662153"/>
       </p:ext>
     </p:extLst>
   </p:cSld>
@@ -2116,16 +2092,7 @@
           <a:p>
             <a:r>
               <a:rPr lang="en-US" dirty="0"/>
-              <a:t>But first …  it’s generally pretty intuitive what can and can’t happen…</a:t>
-            </a:r>
-          </a:p>
-          <a:p>
-            <a:endParaRPr lang="en-US" dirty="0"/>
-          </a:p>
-          <a:p>
-            <a:r>
-              <a:rPr lang="en-US" dirty="0"/>
-              <a:t>Notice that wrapping “2” in quotes tells R to treat it as Character</a:t>
+              <a:t>DEMONSTRATIVE CODING BREAK</a:t>
             </a:r>
           </a:p>
         </p:txBody>
@@ -2156,7 +2123,7 @@
     </p:spTree>
     <p:extLst>
       <p:ext uri="{BB962C8B-B14F-4D97-AF65-F5344CB8AC3E}">
-        <p14:creationId xmlns:p14="http://schemas.microsoft.com/office/powerpoint/2010/main" val="2995199807"/>
+        <p14:creationId xmlns:p14="http://schemas.microsoft.com/office/powerpoint/2010/main" val="1972188983"/>
       </p:ext>
     </p:extLst>
   </p:cSld>
@@ -2212,7 +2179,34 @@
           <a:p>
             <a:r>
               <a:rPr lang="en-US" dirty="0"/>
-              <a:t>…lets look at what happens here</a:t>
+              <a:t>So far we’ve just seen numbers, but R can also store other things</a:t>
+            </a:r>
+          </a:p>
+          <a:p>
+            <a:endParaRPr lang="en-US" dirty="0"/>
+          </a:p>
+          <a:p>
+            <a:r>
+              <a:rPr lang="en-US" dirty="0"/>
+              <a:t>Logical is simpler, it can only be TRUE or FALSE</a:t>
+            </a:r>
+          </a:p>
+          <a:p>
+            <a:endParaRPr lang="en-US" dirty="0"/>
+          </a:p>
+          <a:p>
+            <a:r>
+              <a:rPr lang="en-US" dirty="0"/>
+              <a:t>With Character, you can store text</a:t>
+            </a:r>
+          </a:p>
+          <a:p>
+            <a:endParaRPr lang="en-US" dirty="0"/>
+          </a:p>
+          <a:p>
+            <a:r>
+              <a:rPr lang="en-US" dirty="0"/>
+              <a:t>And things can be changed into a MORE COMPLEX class without losing information.  …which will make sense in a moment.</a:t>
             </a:r>
           </a:p>
         </p:txBody>
@@ -2243,7 +2237,7 @@
     </p:spTree>
     <p:extLst>
       <p:ext uri="{BB962C8B-B14F-4D97-AF65-F5344CB8AC3E}">
-        <p14:creationId xmlns:p14="http://schemas.microsoft.com/office/powerpoint/2010/main" val="416981613"/>
+        <p14:creationId xmlns:p14="http://schemas.microsoft.com/office/powerpoint/2010/main" val="1797278814"/>
       </p:ext>
     </p:extLst>
   </p:cSld>
@@ -2299,7 +2293,7 @@
           <a:p>
             <a:r>
               <a:rPr lang="en-US" dirty="0"/>
-              <a:t>Maybe more importantly….</a:t>
+              <a:t>But first …  it’s generally pretty intuitive what can and can’t happen…</a:t>
             </a:r>
           </a:p>
           <a:p>
@@ -2308,7 +2302,7 @@
           <a:p>
             <a:r>
               <a:rPr lang="en-US" dirty="0"/>
-              <a:t>…and I put this one in bold because this is DIFFERENT FROM EXCEL!</a:t>
+              <a:t>Notice that wrapping “2” in quotes tells R to treat it as Character</a:t>
             </a:r>
           </a:p>
         </p:txBody>
@@ -2339,7 +2333,7 @@
     </p:spTree>
     <p:extLst>
       <p:ext uri="{BB962C8B-B14F-4D97-AF65-F5344CB8AC3E}">
-        <p14:creationId xmlns:p14="http://schemas.microsoft.com/office/powerpoint/2010/main" val="2231930002"/>
+        <p14:creationId xmlns:p14="http://schemas.microsoft.com/office/powerpoint/2010/main" val="2995199807"/>
       </p:ext>
     </p:extLst>
   </p:cSld>
@@ -2395,7 +2389,7 @@
           <a:p>
             <a:r>
               <a:rPr lang="en-US" dirty="0"/>
-              <a:t>So to bring it all home, just remember:</a:t>
+              <a:t>…lets look at what happens here</a:t>
             </a:r>
           </a:p>
         </p:txBody>
@@ -2426,7 +2420,7 @@
     </p:spTree>
     <p:extLst>
       <p:ext uri="{BB962C8B-B14F-4D97-AF65-F5344CB8AC3E}">
-        <p14:creationId xmlns:p14="http://schemas.microsoft.com/office/powerpoint/2010/main" val="1994883717"/>
+        <p14:creationId xmlns:p14="http://schemas.microsoft.com/office/powerpoint/2010/main" val="416981613"/>
       </p:ext>
     </p:extLst>
   </p:cSld>
@@ -2482,7 +2476,7 @@
           <a:p>
             <a:r>
               <a:rPr lang="en-US" dirty="0"/>
-              <a:t>And I can feel you asking: YES, we can change classes manually.  Mostly.</a:t>
+              <a:t>Maybe more importantly….</a:t>
             </a:r>
           </a:p>
           <a:p>
@@ -2491,16 +2485,7 @@
           <a:p>
             <a:r>
               <a:rPr lang="en-US" dirty="0"/>
-              <a:t>…so here we see this Character vector we made a couple slides ago</a:t>
-            </a:r>
-          </a:p>
-          <a:p>
-            <a:endParaRPr lang="en-US" dirty="0"/>
-          </a:p>
-          <a:p>
-            <a:r>
-              <a:rPr lang="en-US" dirty="0"/>
-              <a:t>And when we turn it back to numeric, it doesn’t know what to do with the last element</a:t>
+              <a:t>…and I put this one in bold because this is DIFFERENT FROM EXCEL!</a:t>
             </a:r>
           </a:p>
         </p:txBody>
@@ -2531,7 +2516,7 @@
     </p:spTree>
     <p:extLst>
       <p:ext uri="{BB962C8B-B14F-4D97-AF65-F5344CB8AC3E}">
-        <p14:creationId xmlns:p14="http://schemas.microsoft.com/office/powerpoint/2010/main" val="2843340191"/>
+        <p14:creationId xmlns:p14="http://schemas.microsoft.com/office/powerpoint/2010/main" val="2231930002"/>
       </p:ext>
     </p:extLst>
   </p:cSld>
@@ -2587,31 +2572,7 @@
           <a:p>
             <a:r>
               <a:rPr lang="en-US" dirty="0"/>
-              <a:t>One last vector class that can be useful if you’re working with DISTINCT CATEGORIES is Factor</a:t>
-            </a:r>
-          </a:p>
-          <a:p>
-            <a:endParaRPr lang="en-US" dirty="0"/>
-          </a:p>
-          <a:p>
-            <a:r>
-              <a:rPr lang="en-US" dirty="0"/>
-              <a:t>So we created a vector of field techs two ways: look at the difference in how R behaves</a:t>
-            </a:r>
-          </a:p>
-          <a:p>
-            <a:r>
-              <a:rPr lang="en-US" dirty="0"/>
-              <a:t>- the Factor version carries another piece of information: what categories are allowed</a:t>
-            </a:r>
-          </a:p>
-          <a:p>
-            <a:endParaRPr lang="en-US" dirty="0"/>
-          </a:p>
-          <a:p>
-            <a:r>
-              <a:rPr lang="en-US" dirty="0"/>
-              <a:t>And this is a little odd: look at what happens when you covert this to numeric</a:t>
+              <a:t>So to bring it all home, just remember:</a:t>
             </a:r>
           </a:p>
         </p:txBody>
@@ -2642,7 +2603,7 @@
     </p:spTree>
     <p:extLst>
       <p:ext uri="{BB962C8B-B14F-4D97-AF65-F5344CB8AC3E}">
-        <p14:creationId xmlns:p14="http://schemas.microsoft.com/office/powerpoint/2010/main" val="1143673571"/>
+        <p14:creationId xmlns:p14="http://schemas.microsoft.com/office/powerpoint/2010/main" val="1994883717"/>
       </p:ext>
     </p:extLst>
   </p:cSld>
@@ -2794,7 +2755,7 @@
           <a:p>
             <a:r>
               <a:rPr lang="en-US" dirty="0"/>
-              <a:t>This might feel like splitting hairs, but since we’re talking about the differences, we should probably talk about when to use which.</a:t>
+              <a:t>And I can feel you asking: YES, we can change classes manually.  Mostly.</a:t>
             </a:r>
           </a:p>
           <a:p>
@@ -2803,7 +2764,16 @@
           <a:p>
             <a:r>
               <a:rPr lang="en-US" dirty="0"/>
-              <a:t>But IN PRACTICE, it actually matters a little less than it might seem</a:t>
+              <a:t>…so here we see this Character vector we made a couple slides ago</a:t>
+            </a:r>
+          </a:p>
+          <a:p>
+            <a:endParaRPr lang="en-US" dirty="0"/>
+          </a:p>
+          <a:p>
+            <a:r>
+              <a:rPr lang="en-US" dirty="0"/>
+              <a:t>And when we turn it back to numeric, it doesn’t know what to do with the last element</a:t>
             </a:r>
           </a:p>
         </p:txBody>
@@ -2834,7 +2804,7 @@
     </p:spTree>
     <p:extLst>
       <p:ext uri="{BB962C8B-B14F-4D97-AF65-F5344CB8AC3E}">
-        <p14:creationId xmlns:p14="http://schemas.microsoft.com/office/powerpoint/2010/main" val="461412475"/>
+        <p14:creationId xmlns:p14="http://schemas.microsoft.com/office/powerpoint/2010/main" val="2843340191"/>
       </p:ext>
     </p:extLst>
   </p:cSld>
@@ -2890,7 +2860,7 @@
           <a:p>
             <a:r>
               <a:rPr lang="en-US" dirty="0"/>
-              <a:t>One special character that you should make friends with is this hashtag guy…</a:t>
+              <a:t>One last vector class that can be useful if you’re working with DISTINCT CATEGORIES is Factor</a:t>
             </a:r>
           </a:p>
           <a:p>
@@ -2899,7 +2869,22 @@
           <a:p>
             <a:r>
               <a:rPr lang="en-US" dirty="0"/>
-              <a:t>And the way this works is that everything to the right of # is not evaluated</a:t>
+              <a:t>So we created a vector of field techs two ways: look at the difference in how R behaves</a:t>
+            </a:r>
+          </a:p>
+          <a:p>
+            <a:r>
+              <a:rPr lang="en-US" dirty="0"/>
+              <a:t>- the Factor version carries another piece of information: what categories are allowed</a:t>
+            </a:r>
+          </a:p>
+          <a:p>
+            <a:endParaRPr lang="en-US" dirty="0"/>
+          </a:p>
+          <a:p>
+            <a:r>
+              <a:rPr lang="en-US" dirty="0"/>
+              <a:t>And this is a little odd: look at what happens when you covert this to numeric</a:t>
             </a:r>
           </a:p>
         </p:txBody>
@@ -2930,7 +2915,7 @@
     </p:spTree>
     <p:extLst>
       <p:ext uri="{BB962C8B-B14F-4D97-AF65-F5344CB8AC3E}">
-        <p14:creationId xmlns:p14="http://schemas.microsoft.com/office/powerpoint/2010/main" val="2944637661"/>
+        <p14:creationId xmlns:p14="http://schemas.microsoft.com/office/powerpoint/2010/main" val="1143673571"/>
       </p:ext>
     </p:extLst>
   </p:cSld>
@@ -2986,7 +2971,16 @@
           <a:p>
             <a:r>
               <a:rPr lang="en-US" dirty="0"/>
-              <a:t>Oh, and while we’re talking about readability, there are a few rules</a:t>
+              <a:t>This might feel like splitting hairs, but since we’re talking about the differences, we should probably talk about when to use which.</a:t>
+            </a:r>
+          </a:p>
+          <a:p>
+            <a:endParaRPr lang="en-US" dirty="0"/>
+          </a:p>
+          <a:p>
+            <a:r>
+              <a:rPr lang="en-US" dirty="0"/>
+              <a:t>But IN PRACTICE, it actually matters a little less than it might seem</a:t>
             </a:r>
           </a:p>
         </p:txBody>
@@ -3008,7 +3002,7 @@
           <a:p>
             <a:fld id="{4D7B2489-0EE5-4C7F-94A6-A858195D0567}" type="slidenum">
               <a:rPr lang="en-US" smtClean="0"/>
-              <a:t>33</a:t>
+              <a:t>32</a:t>
             </a:fld>
             <a:endParaRPr lang="en-US"/>
           </a:p>
@@ -3017,7 +3011,7 @@
     </p:spTree>
     <p:extLst>
       <p:ext uri="{BB962C8B-B14F-4D97-AF65-F5344CB8AC3E}">
-        <p14:creationId xmlns:p14="http://schemas.microsoft.com/office/powerpoint/2010/main" val="3117339836"/>
+        <p14:creationId xmlns:p14="http://schemas.microsoft.com/office/powerpoint/2010/main" val="461412475"/>
       </p:ext>
     </p:extLst>
   </p:cSld>
@@ -3073,7 +3067,16 @@
           <a:p>
             <a:r>
               <a:rPr lang="en-US" dirty="0"/>
-              <a:t>Alright!  Let’s revisit the main points we saw.</a:t>
+              <a:t>One special character that you should make friends with is this hashtag guy…</a:t>
+            </a:r>
+          </a:p>
+          <a:p>
+            <a:endParaRPr lang="en-US" dirty="0"/>
+          </a:p>
+          <a:p>
+            <a:r>
+              <a:rPr lang="en-US" dirty="0"/>
+              <a:t>And the way this works is that everything to the right of # is not evaluated</a:t>
             </a:r>
           </a:p>
         </p:txBody>
@@ -3095,7 +3098,7 @@
           <a:p>
             <a:fld id="{4D7B2489-0EE5-4C7F-94A6-A858195D0567}" type="slidenum">
               <a:rPr lang="en-US" smtClean="0"/>
-              <a:t>34</a:t>
+              <a:t>33</a:t>
             </a:fld>
             <a:endParaRPr lang="en-US"/>
           </a:p>
@@ -3104,7 +3107,7 @@
     </p:spTree>
     <p:extLst>
       <p:ext uri="{BB962C8B-B14F-4D97-AF65-F5344CB8AC3E}">
-        <p14:creationId xmlns:p14="http://schemas.microsoft.com/office/powerpoint/2010/main" val="343931581"/>
+        <p14:creationId xmlns:p14="http://schemas.microsoft.com/office/powerpoint/2010/main" val="2944637661"/>
       </p:ext>
     </p:extLst>
   </p:cSld>
@@ -3158,7 +3161,10 @@
           <a:bodyPr/>
           <a:lstStyle/>
           <a:p>
-            <a:endParaRPr lang="en-US" dirty="0"/>
+            <a:r>
+              <a:rPr lang="en-US" dirty="0"/>
+              <a:t>Oh, and while we’re talking about readability, there are a few rules</a:t>
+            </a:r>
           </a:p>
         </p:txBody>
       </p:sp>
@@ -3179,7 +3185,265 @@
           <a:p>
             <a:fld id="{4D7B2489-0EE5-4C7F-94A6-A858195D0567}" type="slidenum">
               <a:rPr lang="en-US" smtClean="0"/>
-              <a:t>38</a:t>
+              <a:t>35</a:t>
+            </a:fld>
+            <a:endParaRPr lang="en-US"/>
+          </a:p>
+        </p:txBody>
+      </p:sp>
+    </p:spTree>
+    <p:extLst>
+      <p:ext uri="{BB962C8B-B14F-4D97-AF65-F5344CB8AC3E}">
+        <p14:creationId xmlns:p14="http://schemas.microsoft.com/office/powerpoint/2010/main" val="3117339836"/>
+      </p:ext>
+    </p:extLst>
+  </p:cSld>
+  <p:clrMapOvr>
+    <a:masterClrMapping/>
+  </p:clrMapOvr>
+</p:notes>
+</file>
+
+<file path=ppt/notesSlides/notesSlide35.xml><?xml version="1.0" encoding="utf-8"?>
+<p:notes xmlns:a="http://schemas.openxmlformats.org/drawingml/2006/main" xmlns:r="http://schemas.openxmlformats.org/officeDocument/2006/relationships" xmlns:p="http://schemas.openxmlformats.org/presentationml/2006/main">
+  <p:cSld>
+    <p:spTree>
+      <p:nvGrpSpPr>
+        <p:cNvPr id="1" name=""/>
+        <p:cNvGrpSpPr/>
+        <p:nvPr/>
+      </p:nvGrpSpPr>
+      <p:grpSpPr>
+        <a:xfrm>
+          <a:off x="0" y="0"/>
+          <a:ext cx="0" cy="0"/>
+          <a:chOff x="0" y="0"/>
+          <a:chExt cx="0" cy="0"/>
+        </a:xfrm>
+      </p:grpSpPr>
+      <p:sp>
+        <p:nvSpPr>
+          <p:cNvPr id="2" name="Slide Image Placeholder 1"/>
+          <p:cNvSpPr>
+            <a:spLocks noGrp="1" noRot="1" noChangeAspect="1"/>
+          </p:cNvSpPr>
+          <p:nvPr>
+            <p:ph type="sldImg"/>
+          </p:nvPr>
+        </p:nvSpPr>
+        <p:spPr/>
+      </p:sp>
+      <p:sp>
+        <p:nvSpPr>
+          <p:cNvPr id="3" name="Notes Placeholder 2"/>
+          <p:cNvSpPr>
+            <a:spLocks noGrp="1"/>
+          </p:cNvSpPr>
+          <p:nvPr>
+            <p:ph type="body" idx="1"/>
+          </p:nvPr>
+        </p:nvSpPr>
+        <p:spPr/>
+        <p:txBody>
+          <a:bodyPr/>
+          <a:lstStyle/>
+          <a:p>
+            <a:r>
+              <a:rPr lang="en-US" dirty="0"/>
+              <a:t>DEMONSTRATIVE CODING BREAK</a:t>
+            </a:r>
+          </a:p>
+        </p:txBody>
+      </p:sp>
+      <p:sp>
+        <p:nvSpPr>
+          <p:cNvPr id="4" name="Slide Number Placeholder 3"/>
+          <p:cNvSpPr>
+            <a:spLocks noGrp="1"/>
+          </p:cNvSpPr>
+          <p:nvPr>
+            <p:ph type="sldNum" sz="quarter" idx="5"/>
+          </p:nvPr>
+        </p:nvSpPr>
+        <p:spPr/>
+        <p:txBody>
+          <a:bodyPr/>
+          <a:lstStyle/>
+          <a:p>
+            <a:fld id="{4D7B2489-0EE5-4C7F-94A6-A858195D0567}" type="slidenum">
+              <a:rPr lang="en-US" smtClean="0"/>
+              <a:t>36</a:t>
+            </a:fld>
+            <a:endParaRPr lang="en-US"/>
+          </a:p>
+        </p:txBody>
+      </p:sp>
+    </p:spTree>
+    <p:extLst>
+      <p:ext uri="{BB962C8B-B14F-4D97-AF65-F5344CB8AC3E}">
+        <p14:creationId xmlns:p14="http://schemas.microsoft.com/office/powerpoint/2010/main" val="824862233"/>
+      </p:ext>
+    </p:extLst>
+  </p:cSld>
+  <p:clrMapOvr>
+    <a:masterClrMapping/>
+  </p:clrMapOvr>
+</p:notes>
+</file>
+
+<file path=ppt/notesSlides/notesSlide36.xml><?xml version="1.0" encoding="utf-8"?>
+<p:notes xmlns:a="http://schemas.openxmlformats.org/drawingml/2006/main" xmlns:r="http://schemas.openxmlformats.org/officeDocument/2006/relationships" xmlns:p="http://schemas.openxmlformats.org/presentationml/2006/main">
+  <p:cSld>
+    <p:spTree>
+      <p:nvGrpSpPr>
+        <p:cNvPr id="1" name=""/>
+        <p:cNvGrpSpPr/>
+        <p:nvPr/>
+      </p:nvGrpSpPr>
+      <p:grpSpPr>
+        <a:xfrm>
+          <a:off x="0" y="0"/>
+          <a:ext cx="0" cy="0"/>
+          <a:chOff x="0" y="0"/>
+          <a:chExt cx="0" cy="0"/>
+        </a:xfrm>
+      </p:grpSpPr>
+      <p:sp>
+        <p:nvSpPr>
+          <p:cNvPr id="2" name="Slide Image Placeholder 1"/>
+          <p:cNvSpPr>
+            <a:spLocks noGrp="1" noRot="1" noChangeAspect="1"/>
+          </p:cNvSpPr>
+          <p:nvPr>
+            <p:ph type="sldImg"/>
+          </p:nvPr>
+        </p:nvSpPr>
+        <p:spPr/>
+      </p:sp>
+      <p:sp>
+        <p:nvSpPr>
+          <p:cNvPr id="3" name="Notes Placeholder 2"/>
+          <p:cNvSpPr>
+            <a:spLocks noGrp="1"/>
+          </p:cNvSpPr>
+          <p:nvPr>
+            <p:ph type="body" idx="1"/>
+          </p:nvPr>
+        </p:nvSpPr>
+        <p:spPr/>
+        <p:txBody>
+          <a:bodyPr/>
+          <a:lstStyle/>
+          <a:p>
+            <a:r>
+              <a:rPr lang="en-US" dirty="0"/>
+              <a:t>Alright!  Let’s revisit the main points we saw.</a:t>
+            </a:r>
+          </a:p>
+        </p:txBody>
+      </p:sp>
+      <p:sp>
+        <p:nvSpPr>
+          <p:cNvPr id="4" name="Slide Number Placeholder 3"/>
+          <p:cNvSpPr>
+            <a:spLocks noGrp="1"/>
+          </p:cNvSpPr>
+          <p:nvPr>
+            <p:ph type="sldNum" sz="quarter" idx="5"/>
+          </p:nvPr>
+        </p:nvSpPr>
+        <p:spPr/>
+        <p:txBody>
+          <a:bodyPr/>
+          <a:lstStyle/>
+          <a:p>
+            <a:fld id="{4D7B2489-0EE5-4C7F-94A6-A858195D0567}" type="slidenum">
+              <a:rPr lang="en-US" smtClean="0"/>
+              <a:t>37</a:t>
+            </a:fld>
+            <a:endParaRPr lang="en-US"/>
+          </a:p>
+        </p:txBody>
+      </p:sp>
+    </p:spTree>
+    <p:extLst>
+      <p:ext uri="{BB962C8B-B14F-4D97-AF65-F5344CB8AC3E}">
+        <p14:creationId xmlns:p14="http://schemas.microsoft.com/office/powerpoint/2010/main" val="343931581"/>
+      </p:ext>
+    </p:extLst>
+  </p:cSld>
+  <p:clrMapOvr>
+    <a:masterClrMapping/>
+  </p:clrMapOvr>
+</p:notes>
+</file>
+
+<file path=ppt/notesSlides/notesSlide37.xml><?xml version="1.0" encoding="utf-8"?>
+<p:notes xmlns:a="http://schemas.openxmlformats.org/drawingml/2006/main" xmlns:r="http://schemas.openxmlformats.org/officeDocument/2006/relationships" xmlns:p="http://schemas.openxmlformats.org/presentationml/2006/main">
+  <p:cSld>
+    <p:spTree>
+      <p:nvGrpSpPr>
+        <p:cNvPr id="1" name=""/>
+        <p:cNvGrpSpPr/>
+        <p:nvPr/>
+      </p:nvGrpSpPr>
+      <p:grpSpPr>
+        <a:xfrm>
+          <a:off x="0" y="0"/>
+          <a:ext cx="0" cy="0"/>
+          <a:chOff x="0" y="0"/>
+          <a:chExt cx="0" cy="0"/>
+        </a:xfrm>
+      </p:grpSpPr>
+      <p:sp>
+        <p:nvSpPr>
+          <p:cNvPr id="2" name="Slide Image Placeholder 1"/>
+          <p:cNvSpPr>
+            <a:spLocks noGrp="1" noRot="1" noChangeAspect="1"/>
+          </p:cNvSpPr>
+          <p:nvPr>
+            <p:ph type="sldImg"/>
+          </p:nvPr>
+        </p:nvSpPr>
+        <p:spPr/>
+      </p:sp>
+      <p:sp>
+        <p:nvSpPr>
+          <p:cNvPr id="3" name="Notes Placeholder 2"/>
+          <p:cNvSpPr>
+            <a:spLocks noGrp="1"/>
+          </p:cNvSpPr>
+          <p:nvPr>
+            <p:ph type="body" idx="1"/>
+          </p:nvPr>
+        </p:nvSpPr>
+        <p:spPr/>
+        <p:txBody>
+          <a:bodyPr/>
+          <a:lstStyle/>
+          <a:p>
+            <a:endParaRPr lang="en-US" dirty="0"/>
+          </a:p>
+        </p:txBody>
+      </p:sp>
+      <p:sp>
+        <p:nvSpPr>
+          <p:cNvPr id="4" name="Slide Number Placeholder 3"/>
+          <p:cNvSpPr>
+            <a:spLocks noGrp="1"/>
+          </p:cNvSpPr>
+          <p:nvPr>
+            <p:ph type="sldNum" sz="quarter" idx="5"/>
+          </p:nvPr>
+        </p:nvSpPr>
+        <p:spPr/>
+        <p:txBody>
+          <a:bodyPr/>
+          <a:lstStyle/>
+          <a:p>
+            <a:fld id="{4D7B2489-0EE5-4C7F-94A6-A858195D0567}" type="slidenum">
+              <a:rPr lang="en-US" smtClean="0"/>
+              <a:t>41</a:t>
             </a:fld>
             <a:endParaRPr lang="en-US"/>
           </a:p>
@@ -3936,7 +4200,7 @@
           <a:p>
             <a:fld id="{00F5AAE2-11C8-4D46-A716-B78E4D7C1BCB}" type="datetimeFigureOut">
               <a:rPr lang="en-US" smtClean="0"/>
-              <a:t>11/13/2023</a:t>
+              <a:t>11/30/2023</a:t>
             </a:fld>
             <a:endParaRPr lang="en-US"/>
           </a:p>
@@ -4134,7 +4398,7 @@
           <a:p>
             <a:fld id="{00F5AAE2-11C8-4D46-A716-B78E4D7C1BCB}" type="datetimeFigureOut">
               <a:rPr lang="en-US" smtClean="0"/>
-              <a:t>11/13/2023</a:t>
+              <a:t>11/30/2023</a:t>
             </a:fld>
             <a:endParaRPr lang="en-US"/>
           </a:p>
@@ -4342,7 +4606,7 @@
           <a:p>
             <a:fld id="{00F5AAE2-11C8-4D46-A716-B78E4D7C1BCB}" type="datetimeFigureOut">
               <a:rPr lang="en-US" smtClean="0"/>
-              <a:t>11/13/2023</a:t>
+              <a:t>11/30/2023</a:t>
             </a:fld>
             <a:endParaRPr lang="en-US"/>
           </a:p>
@@ -4540,7 +4804,7 @@
           <a:p>
             <a:fld id="{00F5AAE2-11C8-4D46-A716-B78E4D7C1BCB}" type="datetimeFigureOut">
               <a:rPr lang="en-US" smtClean="0"/>
-              <a:t>11/13/2023</a:t>
+              <a:t>11/30/2023</a:t>
             </a:fld>
             <a:endParaRPr lang="en-US"/>
           </a:p>
@@ -4815,7 +5079,7 @@
           <a:p>
             <a:fld id="{00F5AAE2-11C8-4D46-A716-B78E4D7C1BCB}" type="datetimeFigureOut">
               <a:rPr lang="en-US" smtClean="0"/>
-              <a:t>11/13/2023</a:t>
+              <a:t>11/30/2023</a:t>
             </a:fld>
             <a:endParaRPr lang="en-US"/>
           </a:p>
@@ -5080,7 +5344,7 @@
           <a:p>
             <a:fld id="{00F5AAE2-11C8-4D46-A716-B78E4D7C1BCB}" type="datetimeFigureOut">
               <a:rPr lang="en-US" smtClean="0"/>
-              <a:t>11/13/2023</a:t>
+              <a:t>11/30/2023</a:t>
             </a:fld>
             <a:endParaRPr lang="en-US"/>
           </a:p>
@@ -5492,7 +5756,7 @@
           <a:p>
             <a:fld id="{00F5AAE2-11C8-4D46-A716-B78E4D7C1BCB}" type="datetimeFigureOut">
               <a:rPr lang="en-US" smtClean="0"/>
-              <a:t>11/13/2023</a:t>
+              <a:t>11/30/2023</a:t>
             </a:fld>
             <a:endParaRPr lang="en-US"/>
           </a:p>
@@ -5633,7 +5897,7 @@
           <a:p>
             <a:fld id="{00F5AAE2-11C8-4D46-A716-B78E4D7C1BCB}" type="datetimeFigureOut">
               <a:rPr lang="en-US" smtClean="0"/>
-              <a:t>11/13/2023</a:t>
+              <a:t>11/30/2023</a:t>
             </a:fld>
             <a:endParaRPr lang="en-US"/>
           </a:p>
@@ -5746,7 +6010,7 @@
           <a:p>
             <a:fld id="{00F5AAE2-11C8-4D46-A716-B78E4D7C1BCB}" type="datetimeFigureOut">
               <a:rPr lang="en-US" smtClean="0"/>
-              <a:t>11/13/2023</a:t>
+              <a:t>11/30/2023</a:t>
             </a:fld>
             <a:endParaRPr lang="en-US"/>
           </a:p>
@@ -6057,7 +6321,7 @@
           <a:p>
             <a:fld id="{00F5AAE2-11C8-4D46-A716-B78E4D7C1BCB}" type="datetimeFigureOut">
               <a:rPr lang="en-US" smtClean="0"/>
-              <a:t>11/13/2023</a:t>
+              <a:t>11/30/2023</a:t>
             </a:fld>
             <a:endParaRPr lang="en-US"/>
           </a:p>
@@ -6345,7 +6609,7 @@
           <a:p>
             <a:fld id="{00F5AAE2-11C8-4D46-A716-B78E4D7C1BCB}" type="datetimeFigureOut">
               <a:rPr lang="en-US" smtClean="0"/>
-              <a:t>11/13/2023</a:t>
+              <a:t>11/30/2023</a:t>
             </a:fld>
             <a:endParaRPr lang="en-US"/>
           </a:p>
@@ -6586,7 +6850,7 @@
           <a:p>
             <a:fld id="{00F5AAE2-11C8-4D46-A716-B78E4D7C1BCB}" type="datetimeFigureOut">
               <a:rPr lang="en-US" smtClean="0"/>
-              <a:t>11/13/2023</a:t>
+              <a:t>11/30/2023</a:t>
             </a:fld>
             <a:endParaRPr lang="en-US"/>
           </a:p>
@@ -8817,6 +9081,86 @@
           <p:cNvPr id="2" name="Title 1">
             <a:extLst>
               <a:ext uri="{FF2B5EF4-FFF2-40B4-BE49-F238E27FC236}">
+                <a16:creationId xmlns:a16="http://schemas.microsoft.com/office/drawing/2014/main" id="{C2B8A008-9499-B011-EEE7-822E242D22E5}"/>
+              </a:ext>
+            </a:extLst>
+          </p:cNvPr>
+          <p:cNvSpPr>
+            <a:spLocks noGrp="1"/>
+          </p:cNvSpPr>
+          <p:nvPr>
+            <p:ph type="title"/>
+          </p:nvPr>
+        </p:nvSpPr>
+        <p:spPr/>
+        <p:txBody>
+          <a:bodyPr/>
+          <a:lstStyle/>
+          <a:p>
+            <a:endParaRPr lang="en-US"/>
+          </a:p>
+        </p:txBody>
+      </p:sp>
+      <p:sp>
+        <p:nvSpPr>
+          <p:cNvPr id="3" name="Content Placeholder 2">
+            <a:extLst>
+              <a:ext uri="{FF2B5EF4-FFF2-40B4-BE49-F238E27FC236}">
+                <a16:creationId xmlns:a16="http://schemas.microsoft.com/office/drawing/2014/main" id="{C86ED426-90BB-F52F-B776-2A0CB921EF0B}"/>
+              </a:ext>
+            </a:extLst>
+          </p:cNvPr>
+          <p:cNvSpPr>
+            <a:spLocks noGrp="1"/>
+          </p:cNvSpPr>
+          <p:nvPr>
+            <p:ph idx="1"/>
+          </p:nvPr>
+        </p:nvSpPr>
+        <p:spPr/>
+        <p:txBody>
+          <a:bodyPr/>
+          <a:lstStyle/>
+          <a:p>
+            <a:endParaRPr lang="en-US"/>
+          </a:p>
+        </p:txBody>
+      </p:sp>
+    </p:spTree>
+    <p:extLst>
+      <p:ext uri="{BB962C8B-B14F-4D97-AF65-F5344CB8AC3E}">
+        <p14:creationId xmlns:p14="http://schemas.microsoft.com/office/powerpoint/2010/main" val="3235484113"/>
+      </p:ext>
+    </p:extLst>
+  </p:cSld>
+  <p:clrMapOvr>
+    <a:masterClrMapping/>
+  </p:clrMapOvr>
+</p:sld>
+</file>
+
+<file path=ppt/slides/slide13.xml><?xml version="1.0" encoding="utf-8"?>
+<p:sld xmlns:a="http://schemas.openxmlformats.org/drawingml/2006/main" xmlns:r="http://schemas.openxmlformats.org/officeDocument/2006/relationships" xmlns:p="http://schemas.openxmlformats.org/presentationml/2006/main" show="0">
+  <p:cSld>
+    <p:spTree>
+      <p:nvGrpSpPr>
+        <p:cNvPr id="1" name=""/>
+        <p:cNvGrpSpPr/>
+        <p:nvPr/>
+      </p:nvGrpSpPr>
+      <p:grpSpPr>
+        <a:xfrm>
+          <a:off x="0" y="0"/>
+          <a:ext cx="0" cy="0"/>
+          <a:chOff x="0" y="0"/>
+          <a:chExt cx="0" cy="0"/>
+        </a:xfrm>
+      </p:grpSpPr>
+      <p:sp>
+        <p:nvSpPr>
+          <p:cNvPr id="2" name="Title 1">
+            <a:extLst>
+              <a:ext uri="{FF2B5EF4-FFF2-40B4-BE49-F238E27FC236}">
                 <a16:creationId xmlns:a16="http://schemas.microsoft.com/office/drawing/2014/main" id="{8115451F-211E-5062-3063-EEFCC622ABEA}"/>
               </a:ext>
             </a:extLst>
@@ -9318,8 +9662,8 @@
 </p:sld>
 </file>
 
-<file path=ppt/slides/slide13.xml><?xml version="1.0" encoding="utf-8"?>
-<p:sld xmlns:a="http://schemas.openxmlformats.org/drawingml/2006/main" xmlns:r="http://schemas.openxmlformats.org/officeDocument/2006/relationships" xmlns:p="http://schemas.openxmlformats.org/presentationml/2006/main">
+<file path=ppt/slides/slide14.xml><?xml version="1.0" encoding="utf-8"?>
+<p:sld xmlns:a="http://schemas.openxmlformats.org/drawingml/2006/main" xmlns:r="http://schemas.openxmlformats.org/officeDocument/2006/relationships" xmlns:p="http://schemas.openxmlformats.org/presentationml/2006/main" show="0">
   <p:cSld>
     <p:spTree>
       <p:nvGrpSpPr>
@@ -10786,8 +11130,8 @@
 </p:sld>
 </file>
 
-<file path=ppt/slides/slide14.xml><?xml version="1.0" encoding="utf-8"?>
-<p:sld xmlns:a="http://schemas.openxmlformats.org/drawingml/2006/main" xmlns:r="http://schemas.openxmlformats.org/officeDocument/2006/relationships" xmlns:p="http://schemas.openxmlformats.org/presentationml/2006/main">
+<file path=ppt/slides/slide15.xml><?xml version="1.0" encoding="utf-8"?>
+<p:sld xmlns:a="http://schemas.openxmlformats.org/drawingml/2006/main" xmlns:r="http://schemas.openxmlformats.org/officeDocument/2006/relationships" xmlns:p="http://schemas.openxmlformats.org/presentationml/2006/main" show="0">
   <p:cSld>
     <p:spTree>
       <p:nvGrpSpPr>
@@ -11343,8 +11687,8 @@
 </p:sld>
 </file>
 
-<file path=ppt/slides/slide15.xml><?xml version="1.0" encoding="utf-8"?>
-<p:sld xmlns:a="http://schemas.openxmlformats.org/drawingml/2006/main" xmlns:r="http://schemas.openxmlformats.org/officeDocument/2006/relationships" xmlns:p="http://schemas.openxmlformats.org/presentationml/2006/main">
+<file path=ppt/slides/slide16.xml><?xml version="1.0" encoding="utf-8"?>
+<p:sld xmlns:a="http://schemas.openxmlformats.org/drawingml/2006/main" xmlns:r="http://schemas.openxmlformats.org/officeDocument/2006/relationships" xmlns:p="http://schemas.openxmlformats.org/presentationml/2006/main" show="0">
   <p:cSld>
     <p:spTree>
       <p:nvGrpSpPr>
@@ -13159,7 +13503,7 @@
 </p:sld>
 </file>
 
-<file path=ppt/slides/slide16.xml><?xml version="1.0" encoding="utf-8"?>
+<file path=ppt/slides/slide17.xml><?xml version="1.0" encoding="utf-8"?>
 <p:sld xmlns:a="http://schemas.openxmlformats.org/drawingml/2006/main" xmlns:r="http://schemas.openxmlformats.org/officeDocument/2006/relationships" xmlns:p="http://schemas.openxmlformats.org/presentationml/2006/main">
   <p:cSld>
     <p:spTree>
@@ -13889,7 +14233,7 @@
 </p:sld>
 </file>
 
-<file path=ppt/slides/slide17.xml><?xml version="1.0" encoding="utf-8"?>
+<file path=ppt/slides/slide18.xml><?xml version="1.0" encoding="utf-8"?>
 <p:sld xmlns:a="http://schemas.openxmlformats.org/drawingml/2006/main" xmlns:r="http://schemas.openxmlformats.org/officeDocument/2006/relationships" xmlns:p="http://schemas.openxmlformats.org/presentationml/2006/main">
   <p:cSld>
     <p:spTree>
@@ -14733,7 +15077,7 @@
 </p:sld>
 </file>
 
-<file path=ppt/slides/slide18.xml><?xml version="1.0" encoding="utf-8"?>
+<file path=ppt/slides/slide19.xml><?xml version="1.0" encoding="utf-8"?>
 <p:sld xmlns:a="http://schemas.openxmlformats.org/drawingml/2006/main" xmlns:r="http://schemas.openxmlformats.org/officeDocument/2006/relationships" xmlns:p="http://schemas.openxmlformats.org/presentationml/2006/main">
   <p:cSld>
     <p:spTree>
@@ -15046,646 +15390,6 @@
         </p:cTn>
       </p:par>
     </p:tnLst>
-  </p:timing>
-</p:sld>
-</file>
-
-<file path=ppt/slides/slide19.xml><?xml version="1.0" encoding="utf-8"?>
-<p:sld xmlns:a="http://schemas.openxmlformats.org/drawingml/2006/main" xmlns:r="http://schemas.openxmlformats.org/officeDocument/2006/relationships" xmlns:p="http://schemas.openxmlformats.org/presentationml/2006/main">
-  <p:cSld>
-    <p:spTree>
-      <p:nvGrpSpPr>
-        <p:cNvPr id="1" name=""/>
-        <p:cNvGrpSpPr/>
-        <p:nvPr/>
-      </p:nvGrpSpPr>
-      <p:grpSpPr>
-        <a:xfrm>
-          <a:off x="0" y="0"/>
-          <a:ext cx="0" cy="0"/>
-          <a:chOff x="0" y="0"/>
-          <a:chExt cx="0" cy="0"/>
-        </a:xfrm>
-      </p:grpSpPr>
-      <p:sp>
-        <p:nvSpPr>
-          <p:cNvPr id="2" name="Title 1">
-            <a:extLst>
-              <a:ext uri="{FF2B5EF4-FFF2-40B4-BE49-F238E27FC236}">
-                <a16:creationId xmlns:a16="http://schemas.microsoft.com/office/drawing/2014/main" id="{8115451F-211E-5062-3063-EEFCC622ABEA}"/>
-              </a:ext>
-            </a:extLst>
-          </p:cNvPr>
-          <p:cNvSpPr>
-            <a:spLocks noGrp="1"/>
-          </p:cNvSpPr>
-          <p:nvPr>
-            <p:ph type="title"/>
-          </p:nvPr>
-        </p:nvSpPr>
-        <p:spPr>
-          <a:xfrm>
-            <a:off x="741947" y="1"/>
-            <a:ext cx="10515600" cy="914400"/>
-          </a:xfrm>
-        </p:spPr>
-        <p:txBody>
-          <a:bodyPr>
-            <a:noAutofit/>
-          </a:bodyPr>
-          <a:lstStyle/>
-          <a:p>
-            <a:r>
-              <a:rPr lang="en-US" sz="3600" dirty="0"/>
-              <a:t>Some operators &amp; functions…</a:t>
-            </a:r>
-          </a:p>
-        </p:txBody>
-      </p:sp>
-      <p:sp>
-        <p:nvSpPr>
-          <p:cNvPr id="4" name="Content Placeholder 2">
-            <a:extLst>
-              <a:ext uri="{FF2B5EF4-FFF2-40B4-BE49-F238E27FC236}">
-                <a16:creationId xmlns:a16="http://schemas.microsoft.com/office/drawing/2014/main" id="{6BFA4004-FC25-6959-E1B3-19BE6863D263}"/>
-              </a:ext>
-            </a:extLst>
-          </p:cNvPr>
-          <p:cNvSpPr txBox="1">
-            <a:spLocks/>
-          </p:cNvSpPr>
-          <p:nvPr/>
-        </p:nvSpPr>
-        <p:spPr>
-          <a:xfrm>
-            <a:off x="541020" y="1015092"/>
-            <a:ext cx="5288280" cy="5643362"/>
-          </a:xfrm>
-          <a:prstGeom prst="rect">
-            <a:avLst/>
-          </a:prstGeom>
-        </p:spPr>
-        <p:txBody>
-          <a:bodyPr vert="horz" lIns="91440" tIns="45720" rIns="91440" bIns="45720" rtlCol="0">
-            <a:normAutofit/>
-          </a:bodyPr>
-          <a:lstStyle>
-            <a:lvl1pPr marL="228600" indent="-228600" algn="l" defTabSz="914400" rtl="0" eaLnBrk="1" latinLnBrk="0" hangingPunct="1">
-              <a:lnSpc>
-                <a:spcPct val="90000"/>
-              </a:lnSpc>
-              <a:spcBef>
-                <a:spcPts val="1000"/>
-              </a:spcBef>
-              <a:buFont typeface="Arial" panose="020B0604020202020204" pitchFamily="34" charset="0"/>
-              <a:buChar char="•"/>
-              <a:defRPr sz="2800" kern="1200">
-                <a:solidFill>
-                  <a:schemeClr val="tx1"/>
-                </a:solidFill>
-                <a:latin typeface="+mn-lt"/>
-                <a:ea typeface="+mn-ea"/>
-                <a:cs typeface="+mn-cs"/>
-              </a:defRPr>
-            </a:lvl1pPr>
-            <a:lvl2pPr marL="685800" indent="-228600" algn="l" defTabSz="914400" rtl="0" eaLnBrk="1" latinLnBrk="0" hangingPunct="1">
-              <a:lnSpc>
-                <a:spcPct val="90000"/>
-              </a:lnSpc>
-              <a:spcBef>
-                <a:spcPts val="500"/>
-              </a:spcBef>
-              <a:buFont typeface="Arial" panose="020B0604020202020204" pitchFamily="34" charset="0"/>
-              <a:buChar char="•"/>
-              <a:defRPr sz="2400" kern="1200">
-                <a:solidFill>
-                  <a:schemeClr val="tx1"/>
-                </a:solidFill>
-                <a:latin typeface="+mn-lt"/>
-                <a:ea typeface="+mn-ea"/>
-                <a:cs typeface="+mn-cs"/>
-              </a:defRPr>
-            </a:lvl2pPr>
-            <a:lvl3pPr marL="1143000" indent="-228600" algn="l" defTabSz="914400" rtl="0" eaLnBrk="1" latinLnBrk="0" hangingPunct="1">
-              <a:lnSpc>
-                <a:spcPct val="90000"/>
-              </a:lnSpc>
-              <a:spcBef>
-                <a:spcPts val="500"/>
-              </a:spcBef>
-              <a:buFont typeface="Arial" panose="020B0604020202020204" pitchFamily="34" charset="0"/>
-              <a:buChar char="•"/>
-              <a:defRPr sz="2000" kern="1200">
-                <a:solidFill>
-                  <a:schemeClr val="tx1"/>
-                </a:solidFill>
-                <a:latin typeface="+mn-lt"/>
-                <a:ea typeface="+mn-ea"/>
-                <a:cs typeface="+mn-cs"/>
-              </a:defRPr>
-            </a:lvl3pPr>
-            <a:lvl4pPr marL="1600200" indent="-228600" algn="l" defTabSz="914400" rtl="0" eaLnBrk="1" latinLnBrk="0" hangingPunct="1">
-              <a:lnSpc>
-                <a:spcPct val="90000"/>
-              </a:lnSpc>
-              <a:spcBef>
-                <a:spcPts val="500"/>
-              </a:spcBef>
-              <a:buFont typeface="Arial" panose="020B0604020202020204" pitchFamily="34" charset="0"/>
-              <a:buChar char="•"/>
-              <a:defRPr sz="1800" kern="1200">
-                <a:solidFill>
-                  <a:schemeClr val="tx1"/>
-                </a:solidFill>
-                <a:latin typeface="+mn-lt"/>
-                <a:ea typeface="+mn-ea"/>
-                <a:cs typeface="+mn-cs"/>
-              </a:defRPr>
-            </a:lvl4pPr>
-            <a:lvl5pPr marL="2057400" indent="-228600" algn="l" defTabSz="914400" rtl="0" eaLnBrk="1" latinLnBrk="0" hangingPunct="1">
-              <a:lnSpc>
-                <a:spcPct val="90000"/>
-              </a:lnSpc>
-              <a:spcBef>
-                <a:spcPts val="500"/>
-              </a:spcBef>
-              <a:buFont typeface="Arial" panose="020B0604020202020204" pitchFamily="34" charset="0"/>
-              <a:buChar char="•"/>
-              <a:defRPr sz="1800" kern="1200">
-                <a:solidFill>
-                  <a:schemeClr val="tx1"/>
-                </a:solidFill>
-                <a:latin typeface="+mn-lt"/>
-                <a:ea typeface="+mn-ea"/>
-                <a:cs typeface="+mn-cs"/>
-              </a:defRPr>
-            </a:lvl5pPr>
-            <a:lvl6pPr marL="2514600" indent="-228600" algn="l" defTabSz="914400" rtl="0" eaLnBrk="1" latinLnBrk="0" hangingPunct="1">
-              <a:lnSpc>
-                <a:spcPct val="90000"/>
-              </a:lnSpc>
-              <a:spcBef>
-                <a:spcPts val="500"/>
-              </a:spcBef>
-              <a:buFont typeface="Arial" panose="020B0604020202020204" pitchFamily="34" charset="0"/>
-              <a:buChar char="•"/>
-              <a:defRPr sz="1800" kern="1200">
-                <a:solidFill>
-                  <a:schemeClr val="tx1"/>
-                </a:solidFill>
-                <a:latin typeface="+mn-lt"/>
-                <a:ea typeface="+mn-ea"/>
-                <a:cs typeface="+mn-cs"/>
-              </a:defRPr>
-            </a:lvl6pPr>
-            <a:lvl7pPr marL="2971800" indent="-228600" algn="l" defTabSz="914400" rtl="0" eaLnBrk="1" latinLnBrk="0" hangingPunct="1">
-              <a:lnSpc>
-                <a:spcPct val="90000"/>
-              </a:lnSpc>
-              <a:spcBef>
-                <a:spcPts val="500"/>
-              </a:spcBef>
-              <a:buFont typeface="Arial" panose="020B0604020202020204" pitchFamily="34" charset="0"/>
-              <a:buChar char="•"/>
-              <a:defRPr sz="1800" kern="1200">
-                <a:solidFill>
-                  <a:schemeClr val="tx1"/>
-                </a:solidFill>
-                <a:latin typeface="+mn-lt"/>
-                <a:ea typeface="+mn-ea"/>
-                <a:cs typeface="+mn-cs"/>
-              </a:defRPr>
-            </a:lvl7pPr>
-            <a:lvl8pPr marL="3429000" indent="-228600" algn="l" defTabSz="914400" rtl="0" eaLnBrk="1" latinLnBrk="0" hangingPunct="1">
-              <a:lnSpc>
-                <a:spcPct val="90000"/>
-              </a:lnSpc>
-              <a:spcBef>
-                <a:spcPts val="500"/>
-              </a:spcBef>
-              <a:buFont typeface="Arial" panose="020B0604020202020204" pitchFamily="34" charset="0"/>
-              <a:buChar char="•"/>
-              <a:defRPr sz="1800" kern="1200">
-                <a:solidFill>
-                  <a:schemeClr val="tx1"/>
-                </a:solidFill>
-                <a:latin typeface="+mn-lt"/>
-                <a:ea typeface="+mn-ea"/>
-                <a:cs typeface="+mn-cs"/>
-              </a:defRPr>
-            </a:lvl8pPr>
-            <a:lvl9pPr marL="3886200" indent="-228600" algn="l" defTabSz="914400" rtl="0" eaLnBrk="1" latinLnBrk="0" hangingPunct="1">
-              <a:lnSpc>
-                <a:spcPct val="90000"/>
-              </a:lnSpc>
-              <a:spcBef>
-                <a:spcPts val="500"/>
-              </a:spcBef>
-              <a:buFont typeface="Arial" panose="020B0604020202020204" pitchFamily="34" charset="0"/>
-              <a:buChar char="•"/>
-              <a:defRPr sz="1800" kern="1200">
-                <a:solidFill>
-                  <a:schemeClr val="tx1"/>
-                </a:solidFill>
-                <a:latin typeface="+mn-lt"/>
-                <a:ea typeface="+mn-ea"/>
-                <a:cs typeface="+mn-cs"/>
-              </a:defRPr>
-            </a:lvl9pPr>
-          </a:lstStyle>
-          <a:p>
-            <a:r>
-              <a:rPr lang="en-US" dirty="0"/>
-              <a:t>The usual cast of characters:         +, -, *, /, ^</a:t>
-            </a:r>
-          </a:p>
-        </p:txBody>
-      </p:sp>
-      <p:sp>
-        <p:nvSpPr>
-          <p:cNvPr id="7" name="Content Placeholder 2">
-            <a:extLst>
-              <a:ext uri="{FF2B5EF4-FFF2-40B4-BE49-F238E27FC236}">
-                <a16:creationId xmlns:a16="http://schemas.microsoft.com/office/drawing/2014/main" id="{40BEE9EE-F69C-8D92-245A-FC46B558E70A}"/>
-              </a:ext>
-            </a:extLst>
-          </p:cNvPr>
-          <p:cNvSpPr>
-            <a:spLocks noGrp="1"/>
-          </p:cNvSpPr>
-          <p:nvPr>
-            <p:ph idx="1"/>
-          </p:nvPr>
-        </p:nvSpPr>
-        <p:spPr>
-          <a:xfrm>
-            <a:off x="6461760" y="1214637"/>
-            <a:ext cx="5730240" cy="5643363"/>
-          </a:xfrm>
-        </p:spPr>
-        <p:txBody>
-          <a:bodyPr>
-            <a:normAutofit/>
-          </a:bodyPr>
-          <a:lstStyle/>
-          <a:p>
-            <a:pPr marL="0" indent="0">
-              <a:buNone/>
-            </a:pPr>
-            <a:r>
-              <a:rPr lang="en-US" dirty="0">
-                <a:solidFill>
-                  <a:schemeClr val="accent1"/>
-                </a:solidFill>
-              </a:rPr>
-              <a:t>1+2*3-4^5/(6-7) </a:t>
-            </a:r>
-          </a:p>
-          <a:p>
-            <a:pPr marL="0" indent="0">
-              <a:buNone/>
-            </a:pPr>
-            <a:r>
-              <a:rPr lang="en-US" dirty="0"/>
-              <a:t>[1] 1031</a:t>
-            </a:r>
-          </a:p>
-          <a:p>
-            <a:pPr marL="0" indent="0">
-              <a:buNone/>
-            </a:pPr>
-            <a:r>
-              <a:rPr lang="en-US" dirty="0">
-                <a:solidFill>
-                  <a:schemeClr val="accent1"/>
-                </a:solidFill>
-              </a:rPr>
-              <a:t>1+(2*3)-((4^5)/(6-7))</a:t>
-            </a:r>
-          </a:p>
-          <a:p>
-            <a:pPr marL="0" indent="0">
-              <a:buNone/>
-            </a:pPr>
-            <a:r>
-              <a:rPr lang="en-US" dirty="0"/>
-              <a:t>[1] 1031</a:t>
-            </a:r>
-            <a:endParaRPr lang="en-US" dirty="0">
-              <a:solidFill>
-                <a:srgbClr val="FF0000"/>
-              </a:solidFill>
-            </a:endParaRPr>
-          </a:p>
-        </p:txBody>
-      </p:sp>
-      <p:sp>
-        <p:nvSpPr>
-          <p:cNvPr id="5" name="Content Placeholder 2">
-            <a:extLst>
-              <a:ext uri="{FF2B5EF4-FFF2-40B4-BE49-F238E27FC236}">
-                <a16:creationId xmlns:a16="http://schemas.microsoft.com/office/drawing/2014/main" id="{3943E7B4-7FB3-D20A-6CA6-9DDAD2DB5B8B}"/>
-              </a:ext>
-            </a:extLst>
-          </p:cNvPr>
-          <p:cNvSpPr txBox="1">
-            <a:spLocks/>
-          </p:cNvSpPr>
-          <p:nvPr/>
-        </p:nvSpPr>
-        <p:spPr>
-          <a:xfrm>
-            <a:off x="622652" y="4206240"/>
-            <a:ext cx="5473348" cy="2452214"/>
-          </a:xfrm>
-          <a:prstGeom prst="rect">
-            <a:avLst/>
-          </a:prstGeom>
-          <a:ln>
-            <a:solidFill>
-              <a:schemeClr val="accent1"/>
-            </a:solidFill>
-          </a:ln>
-        </p:spPr>
-        <p:txBody>
-          <a:bodyPr vert="horz" lIns="91440" tIns="45720" rIns="91440" bIns="45720" rtlCol="0">
-            <a:normAutofit lnSpcReduction="10000"/>
-          </a:bodyPr>
-          <a:lstStyle>
-            <a:lvl1pPr marL="228600" indent="-228600" algn="l" defTabSz="914400" rtl="0" eaLnBrk="1" latinLnBrk="0" hangingPunct="1">
-              <a:lnSpc>
-                <a:spcPct val="90000"/>
-              </a:lnSpc>
-              <a:spcBef>
-                <a:spcPts val="1000"/>
-              </a:spcBef>
-              <a:buFont typeface="Arial" panose="020B0604020202020204" pitchFamily="34" charset="0"/>
-              <a:buChar char="•"/>
-              <a:defRPr sz="2800" kern="1200">
-                <a:solidFill>
-                  <a:schemeClr val="tx1"/>
-                </a:solidFill>
-                <a:latin typeface="+mn-lt"/>
-                <a:ea typeface="+mn-ea"/>
-                <a:cs typeface="+mn-cs"/>
-              </a:defRPr>
-            </a:lvl1pPr>
-            <a:lvl2pPr marL="685800" indent="-228600" algn="l" defTabSz="914400" rtl="0" eaLnBrk="1" latinLnBrk="0" hangingPunct="1">
-              <a:lnSpc>
-                <a:spcPct val="90000"/>
-              </a:lnSpc>
-              <a:spcBef>
-                <a:spcPts val="500"/>
-              </a:spcBef>
-              <a:buFont typeface="Arial" panose="020B0604020202020204" pitchFamily="34" charset="0"/>
-              <a:buChar char="•"/>
-              <a:defRPr sz="2400" kern="1200">
-                <a:solidFill>
-                  <a:schemeClr val="tx1"/>
-                </a:solidFill>
-                <a:latin typeface="+mn-lt"/>
-                <a:ea typeface="+mn-ea"/>
-                <a:cs typeface="+mn-cs"/>
-              </a:defRPr>
-            </a:lvl2pPr>
-            <a:lvl3pPr marL="1143000" indent="-228600" algn="l" defTabSz="914400" rtl="0" eaLnBrk="1" latinLnBrk="0" hangingPunct="1">
-              <a:lnSpc>
-                <a:spcPct val="90000"/>
-              </a:lnSpc>
-              <a:spcBef>
-                <a:spcPts val="500"/>
-              </a:spcBef>
-              <a:buFont typeface="Arial" panose="020B0604020202020204" pitchFamily="34" charset="0"/>
-              <a:buChar char="•"/>
-              <a:defRPr sz="2000" kern="1200">
-                <a:solidFill>
-                  <a:schemeClr val="tx1"/>
-                </a:solidFill>
-                <a:latin typeface="+mn-lt"/>
-                <a:ea typeface="+mn-ea"/>
-                <a:cs typeface="+mn-cs"/>
-              </a:defRPr>
-            </a:lvl3pPr>
-            <a:lvl4pPr marL="1600200" indent="-228600" algn="l" defTabSz="914400" rtl="0" eaLnBrk="1" latinLnBrk="0" hangingPunct="1">
-              <a:lnSpc>
-                <a:spcPct val="90000"/>
-              </a:lnSpc>
-              <a:spcBef>
-                <a:spcPts val="500"/>
-              </a:spcBef>
-              <a:buFont typeface="Arial" panose="020B0604020202020204" pitchFamily="34" charset="0"/>
-              <a:buChar char="•"/>
-              <a:defRPr sz="1800" kern="1200">
-                <a:solidFill>
-                  <a:schemeClr val="tx1"/>
-                </a:solidFill>
-                <a:latin typeface="+mn-lt"/>
-                <a:ea typeface="+mn-ea"/>
-                <a:cs typeface="+mn-cs"/>
-              </a:defRPr>
-            </a:lvl4pPr>
-            <a:lvl5pPr marL="2057400" indent="-228600" algn="l" defTabSz="914400" rtl="0" eaLnBrk="1" latinLnBrk="0" hangingPunct="1">
-              <a:lnSpc>
-                <a:spcPct val="90000"/>
-              </a:lnSpc>
-              <a:spcBef>
-                <a:spcPts val="500"/>
-              </a:spcBef>
-              <a:buFont typeface="Arial" panose="020B0604020202020204" pitchFamily="34" charset="0"/>
-              <a:buChar char="•"/>
-              <a:defRPr sz="1800" kern="1200">
-                <a:solidFill>
-                  <a:schemeClr val="tx1"/>
-                </a:solidFill>
-                <a:latin typeface="+mn-lt"/>
-                <a:ea typeface="+mn-ea"/>
-                <a:cs typeface="+mn-cs"/>
-              </a:defRPr>
-            </a:lvl5pPr>
-            <a:lvl6pPr marL="2514600" indent="-228600" algn="l" defTabSz="914400" rtl="0" eaLnBrk="1" latinLnBrk="0" hangingPunct="1">
-              <a:lnSpc>
-                <a:spcPct val="90000"/>
-              </a:lnSpc>
-              <a:spcBef>
-                <a:spcPts val="500"/>
-              </a:spcBef>
-              <a:buFont typeface="Arial" panose="020B0604020202020204" pitchFamily="34" charset="0"/>
-              <a:buChar char="•"/>
-              <a:defRPr sz="1800" kern="1200">
-                <a:solidFill>
-                  <a:schemeClr val="tx1"/>
-                </a:solidFill>
-                <a:latin typeface="+mn-lt"/>
-                <a:ea typeface="+mn-ea"/>
-                <a:cs typeface="+mn-cs"/>
-              </a:defRPr>
-            </a:lvl6pPr>
-            <a:lvl7pPr marL="2971800" indent="-228600" algn="l" defTabSz="914400" rtl="0" eaLnBrk="1" latinLnBrk="0" hangingPunct="1">
-              <a:lnSpc>
-                <a:spcPct val="90000"/>
-              </a:lnSpc>
-              <a:spcBef>
-                <a:spcPts val="500"/>
-              </a:spcBef>
-              <a:buFont typeface="Arial" panose="020B0604020202020204" pitchFamily="34" charset="0"/>
-              <a:buChar char="•"/>
-              <a:defRPr sz="1800" kern="1200">
-                <a:solidFill>
-                  <a:schemeClr val="tx1"/>
-                </a:solidFill>
-                <a:latin typeface="+mn-lt"/>
-                <a:ea typeface="+mn-ea"/>
-                <a:cs typeface="+mn-cs"/>
-              </a:defRPr>
-            </a:lvl7pPr>
-            <a:lvl8pPr marL="3429000" indent="-228600" algn="l" defTabSz="914400" rtl="0" eaLnBrk="1" latinLnBrk="0" hangingPunct="1">
-              <a:lnSpc>
-                <a:spcPct val="90000"/>
-              </a:lnSpc>
-              <a:spcBef>
-                <a:spcPts val="500"/>
-              </a:spcBef>
-              <a:buFont typeface="Arial" panose="020B0604020202020204" pitchFamily="34" charset="0"/>
-              <a:buChar char="•"/>
-              <a:defRPr sz="1800" kern="1200">
-                <a:solidFill>
-                  <a:schemeClr val="tx1"/>
-                </a:solidFill>
-                <a:latin typeface="+mn-lt"/>
-                <a:ea typeface="+mn-ea"/>
-                <a:cs typeface="+mn-cs"/>
-              </a:defRPr>
-            </a:lvl8pPr>
-            <a:lvl9pPr marL="3886200" indent="-228600" algn="l" defTabSz="914400" rtl="0" eaLnBrk="1" latinLnBrk="0" hangingPunct="1">
-              <a:lnSpc>
-                <a:spcPct val="90000"/>
-              </a:lnSpc>
-              <a:spcBef>
-                <a:spcPts val="500"/>
-              </a:spcBef>
-              <a:buFont typeface="Arial" panose="020B0604020202020204" pitchFamily="34" charset="0"/>
-              <a:buChar char="•"/>
-              <a:defRPr sz="1800" kern="1200">
-                <a:solidFill>
-                  <a:schemeClr val="tx1"/>
-                </a:solidFill>
-                <a:latin typeface="+mn-lt"/>
-                <a:ea typeface="+mn-ea"/>
-                <a:cs typeface="+mn-cs"/>
-              </a:defRPr>
-            </a:lvl9pPr>
-          </a:lstStyle>
-          <a:p>
-            <a:pPr marL="0" indent="0">
-              <a:buFont typeface="Arial" panose="020B0604020202020204" pitchFamily="34" charset="0"/>
-              <a:buNone/>
-            </a:pPr>
-            <a:r>
-              <a:rPr lang="en-US" dirty="0"/>
-              <a:t>Insights…</a:t>
-            </a:r>
-          </a:p>
-          <a:p>
-            <a:r>
-              <a:rPr lang="en-US" dirty="0"/>
-              <a:t>You can use parentheses in mathematical operations, too</a:t>
-            </a:r>
-          </a:p>
-          <a:p>
-            <a:r>
-              <a:rPr lang="en-US" dirty="0"/>
-              <a:t>R is pretty smart about order of operations (but I’m still nervous to trust it!)</a:t>
-            </a:r>
-          </a:p>
-        </p:txBody>
-      </p:sp>
-    </p:spTree>
-    <p:extLst>
-      <p:ext uri="{BB962C8B-B14F-4D97-AF65-F5344CB8AC3E}">
-        <p14:creationId xmlns:p14="http://schemas.microsoft.com/office/powerpoint/2010/main" val="1661651284"/>
-      </p:ext>
-    </p:extLst>
-  </p:cSld>
-  <p:clrMapOvr>
-    <a:masterClrMapping/>
-  </p:clrMapOvr>
-  <p:timing>
-    <p:tnLst>
-      <p:par>
-        <p:cTn id="1" dur="indefinite" restart="never" nodeType="tmRoot">
-          <p:childTnLst>
-            <p:seq concurrent="1" nextAc="seek">
-              <p:cTn id="2" dur="indefinite" nodeType="mainSeq">
-                <p:childTnLst>
-                  <p:par>
-                    <p:cTn id="3" fill="hold">
-                      <p:stCondLst>
-                        <p:cond delay="indefinite"/>
-                      </p:stCondLst>
-                      <p:childTnLst>
-                        <p:par>
-                          <p:cTn id="4" fill="hold">
-                            <p:stCondLst>
-                              <p:cond delay="0"/>
-                            </p:stCondLst>
-                            <p:childTnLst>
-                              <p:par>
-                                <p:cTn id="5" presetID="1" presetClass="entr" presetSubtype="0" fill="hold" grpId="0" nodeType="clickEffect">
-                                  <p:stCondLst>
-                                    <p:cond delay="0"/>
-                                  </p:stCondLst>
-                                  <p:childTnLst>
-                                    <p:set>
-                                      <p:cBhvr>
-                                        <p:cTn id="6" dur="1" fill="hold">
-                                          <p:stCondLst>
-                                            <p:cond delay="0"/>
-                                          </p:stCondLst>
-                                        </p:cTn>
-                                        <p:tgtEl>
-                                          <p:spTgt spid="5"/>
-                                        </p:tgtEl>
-                                        <p:attrNameLst>
-                                          <p:attrName>style.visibility</p:attrName>
-                                        </p:attrNameLst>
-                                      </p:cBhvr>
-                                      <p:to>
-                                        <p:strVal val="visible"/>
-                                      </p:to>
-                                    </p:set>
-                                  </p:childTnLst>
-                                </p:cTn>
-                              </p:par>
-                            </p:childTnLst>
-                          </p:cTn>
-                        </p:par>
-                      </p:childTnLst>
-                    </p:cTn>
-                  </p:par>
-                </p:childTnLst>
-              </p:cTn>
-              <p:prevCondLst>
-                <p:cond evt="onPrev" delay="0">
-                  <p:tgtEl>
-                    <p:sldTgt/>
-                  </p:tgtEl>
-                </p:cond>
-              </p:prevCondLst>
-              <p:nextCondLst>
-                <p:cond evt="onNext" delay="0">
-                  <p:tgtEl>
-                    <p:sldTgt/>
-                  </p:tgtEl>
-                </p:cond>
-              </p:nextCondLst>
-            </p:seq>
-          </p:childTnLst>
-        </p:cTn>
-      </p:par>
-    </p:tnLst>
-    <p:bldLst>
-      <p:bldP spid="5" grpId="0" animBg="1"/>
-    </p:bldLst>
   </p:timing>
 </p:sld>
 </file>
@@ -17094,12 +16798,6 @@
               <a:t>The usual cast of characters:         +, -, *, /, ^</a:t>
             </a:r>
           </a:p>
-          <a:p>
-            <a:r>
-              <a:rPr lang="en-US" dirty="0"/>
-              <a:t>sqrt(), log(), exp(), abs()</a:t>
-            </a:r>
-          </a:p>
         </p:txBody>
       </p:sp>
       <p:sp>
@@ -17136,9 +16834,7 @@
             <a:r>
               <a:rPr lang="en-US" dirty="0">
                 <a:solidFill>
-                  <a:schemeClr val="bg1">
-                    <a:lumMod val="65000"/>
-                  </a:schemeClr>
+                  <a:schemeClr val="accent1"/>
                 </a:solidFill>
               </a:rPr>
               <a:t>1+2*3-4^5/(6-7) </a:t>
@@ -17149,13 +16845,7 @@
               <a:buNone/>
             </a:pPr>
             <a:r>
-              <a:rPr lang="en-US" dirty="0">
-                <a:solidFill>
-                  <a:schemeClr val="bg1">
-                    <a:lumMod val="65000"/>
-                  </a:schemeClr>
-                </a:solidFill>
-              </a:rPr>
+              <a:rPr lang="en-US" dirty="0"/>
               <a:t>[1] 1031</a:t>
             </a:r>
           </a:p>
@@ -17166,9 +16856,7 @@
             <a:r>
               <a:rPr lang="en-US" dirty="0">
                 <a:solidFill>
-                  <a:schemeClr val="bg1">
-                    <a:lumMod val="65000"/>
-                  </a:schemeClr>
+                  <a:schemeClr val="accent1"/>
                 </a:solidFill>
               </a:rPr>
               <a:t>1+(2*3)-((4^5)/(6-7))</a:t>
@@ -17179,42 +16867,9 @@
               <a:buNone/>
             </a:pPr>
             <a:r>
-              <a:rPr lang="en-US" dirty="0">
-                <a:solidFill>
-                  <a:schemeClr val="bg1">
-                    <a:lumMod val="65000"/>
-                  </a:schemeClr>
-                </a:solidFill>
-              </a:rPr>
+              <a:rPr lang="en-US" dirty="0"/>
               <a:t>[1] 1031</a:t>
             </a:r>
-          </a:p>
-          <a:p>
-            <a:pPr marL="0" indent="0">
-              <a:buNone/>
-            </a:pPr>
-            <a:r>
-              <a:rPr lang="en-US" dirty="0">
-                <a:solidFill>
-                  <a:schemeClr val="accent1"/>
-                </a:solidFill>
-              </a:rPr>
-              <a:t>sqrt(c(0, 1, 4, 9, 16, 25, 36))</a:t>
-            </a:r>
-          </a:p>
-          <a:p>
-            <a:pPr marL="0" indent="0">
-              <a:buNone/>
-            </a:pPr>
-            <a:r>
-              <a:rPr lang="en-US" dirty="0"/>
-              <a:t>[1] 0 1 2 3 4 5 6</a:t>
-            </a:r>
-          </a:p>
-          <a:p>
-            <a:pPr marL="0" indent="0">
-              <a:buNone/>
-            </a:pPr>
             <a:endParaRPr lang="en-US" dirty="0">
               <a:solidFill>
                 <a:srgbClr val="FF0000"/>
@@ -17253,7 +16908,7 @@
         </p:spPr>
         <p:txBody>
           <a:bodyPr vert="horz" lIns="91440" tIns="45720" rIns="91440" bIns="45720" rtlCol="0">
-            <a:normAutofit/>
+            <a:normAutofit lnSpcReduction="10000"/>
           </a:bodyPr>
           <a:lstStyle>
             <a:lvl1pPr marL="228600" indent="-228600" algn="l" defTabSz="914400" rtl="0" eaLnBrk="1" latinLnBrk="0" hangingPunct="1">
@@ -17426,17 +17081,19 @@
             </a:pPr>
             <a:r>
               <a:rPr lang="en-US" dirty="0"/>
-              <a:t>Insight…</a:t>
-            </a:r>
-          </a:p>
-          <a:p>
-            <a:pPr marL="0" indent="0">
-              <a:buFont typeface="Arial" panose="020B0604020202020204" pitchFamily="34" charset="0"/>
-              <a:buNone/>
-            </a:pPr>
+              <a:t>Insights…</a:t>
+            </a:r>
+          </a:p>
+          <a:p>
             <a:r>
               <a:rPr lang="en-US" dirty="0"/>
-              <a:t>Mathematical functions can generally be evaluated vector-wise</a:t>
+              <a:t>You can use parentheses in mathematical operations, too</a:t>
+            </a:r>
+          </a:p>
+          <a:p>
+            <a:r>
+              <a:rPr lang="en-US" dirty="0"/>
+              <a:t>R is pretty smart about order of operations (but I’m still nervous to trust it!)</a:t>
             </a:r>
           </a:p>
         </p:txBody>
@@ -17444,7 +17101,7 @@
     </p:spTree>
     <p:extLst>
       <p:ext uri="{BB962C8B-B14F-4D97-AF65-F5344CB8AC3E}">
-        <p14:creationId xmlns:p14="http://schemas.microsoft.com/office/powerpoint/2010/main" val="2119461875"/>
+        <p14:creationId xmlns:p14="http://schemas.microsoft.com/office/powerpoint/2010/main" val="1661651284"/>
       </p:ext>
     </p:extLst>
   </p:cSld>
@@ -17787,6 +17444,693 @@
               <a:t>sqrt(), log(), exp(), abs()</a:t>
             </a:r>
           </a:p>
+        </p:txBody>
+      </p:sp>
+      <p:sp>
+        <p:nvSpPr>
+          <p:cNvPr id="7" name="Content Placeholder 2">
+            <a:extLst>
+              <a:ext uri="{FF2B5EF4-FFF2-40B4-BE49-F238E27FC236}">
+                <a16:creationId xmlns:a16="http://schemas.microsoft.com/office/drawing/2014/main" id="{40BEE9EE-F69C-8D92-245A-FC46B558E70A}"/>
+              </a:ext>
+            </a:extLst>
+          </p:cNvPr>
+          <p:cNvSpPr>
+            <a:spLocks noGrp="1"/>
+          </p:cNvSpPr>
+          <p:nvPr>
+            <p:ph idx="1"/>
+          </p:nvPr>
+        </p:nvSpPr>
+        <p:spPr>
+          <a:xfrm>
+            <a:off x="6461760" y="1214637"/>
+            <a:ext cx="5730240" cy="5643363"/>
+          </a:xfrm>
+        </p:spPr>
+        <p:txBody>
+          <a:bodyPr>
+            <a:normAutofit/>
+          </a:bodyPr>
+          <a:lstStyle/>
+          <a:p>
+            <a:pPr marL="0" indent="0">
+              <a:buNone/>
+            </a:pPr>
+            <a:r>
+              <a:rPr lang="en-US" dirty="0">
+                <a:solidFill>
+                  <a:schemeClr val="bg1">
+                    <a:lumMod val="65000"/>
+                  </a:schemeClr>
+                </a:solidFill>
+              </a:rPr>
+              <a:t>1+2*3-4^5/(6-7) </a:t>
+            </a:r>
+          </a:p>
+          <a:p>
+            <a:pPr marL="0" indent="0">
+              <a:buNone/>
+            </a:pPr>
+            <a:r>
+              <a:rPr lang="en-US" dirty="0">
+                <a:solidFill>
+                  <a:schemeClr val="bg1">
+                    <a:lumMod val="65000"/>
+                  </a:schemeClr>
+                </a:solidFill>
+              </a:rPr>
+              <a:t>[1] 1031</a:t>
+            </a:r>
+          </a:p>
+          <a:p>
+            <a:pPr marL="0" indent="0">
+              <a:buNone/>
+            </a:pPr>
+            <a:r>
+              <a:rPr lang="en-US" dirty="0">
+                <a:solidFill>
+                  <a:schemeClr val="bg1">
+                    <a:lumMod val="65000"/>
+                  </a:schemeClr>
+                </a:solidFill>
+              </a:rPr>
+              <a:t>1+(2*3)-((4^5)/(6-7))</a:t>
+            </a:r>
+          </a:p>
+          <a:p>
+            <a:pPr marL="0" indent="0">
+              <a:buNone/>
+            </a:pPr>
+            <a:r>
+              <a:rPr lang="en-US" dirty="0">
+                <a:solidFill>
+                  <a:schemeClr val="bg1">
+                    <a:lumMod val="65000"/>
+                  </a:schemeClr>
+                </a:solidFill>
+              </a:rPr>
+              <a:t>[1] 1031</a:t>
+            </a:r>
+          </a:p>
+          <a:p>
+            <a:pPr marL="0" indent="0">
+              <a:buNone/>
+            </a:pPr>
+            <a:r>
+              <a:rPr lang="en-US" dirty="0">
+                <a:solidFill>
+                  <a:schemeClr val="accent1"/>
+                </a:solidFill>
+              </a:rPr>
+              <a:t>sqrt(c(0, 1, 4, 9, 16, 25, 36))</a:t>
+            </a:r>
+          </a:p>
+          <a:p>
+            <a:pPr marL="0" indent="0">
+              <a:buNone/>
+            </a:pPr>
+            <a:r>
+              <a:rPr lang="en-US" dirty="0"/>
+              <a:t>[1] 0 1 2 3 4 5 6</a:t>
+            </a:r>
+          </a:p>
+          <a:p>
+            <a:pPr marL="0" indent="0">
+              <a:buNone/>
+            </a:pPr>
+            <a:endParaRPr lang="en-US" dirty="0">
+              <a:solidFill>
+                <a:srgbClr val="FF0000"/>
+              </a:solidFill>
+            </a:endParaRPr>
+          </a:p>
+        </p:txBody>
+      </p:sp>
+      <p:sp>
+        <p:nvSpPr>
+          <p:cNvPr id="5" name="Content Placeholder 2">
+            <a:extLst>
+              <a:ext uri="{FF2B5EF4-FFF2-40B4-BE49-F238E27FC236}">
+                <a16:creationId xmlns:a16="http://schemas.microsoft.com/office/drawing/2014/main" id="{3943E7B4-7FB3-D20A-6CA6-9DDAD2DB5B8B}"/>
+              </a:ext>
+            </a:extLst>
+          </p:cNvPr>
+          <p:cNvSpPr txBox="1">
+            <a:spLocks/>
+          </p:cNvSpPr>
+          <p:nvPr/>
+        </p:nvSpPr>
+        <p:spPr>
+          <a:xfrm>
+            <a:off x="622652" y="4206240"/>
+            <a:ext cx="5473348" cy="2452214"/>
+          </a:xfrm>
+          <a:prstGeom prst="rect">
+            <a:avLst/>
+          </a:prstGeom>
+          <a:ln>
+            <a:solidFill>
+              <a:schemeClr val="accent1"/>
+            </a:solidFill>
+          </a:ln>
+        </p:spPr>
+        <p:txBody>
+          <a:bodyPr vert="horz" lIns="91440" tIns="45720" rIns="91440" bIns="45720" rtlCol="0">
+            <a:normAutofit/>
+          </a:bodyPr>
+          <a:lstStyle>
+            <a:lvl1pPr marL="228600" indent="-228600" algn="l" defTabSz="914400" rtl="0" eaLnBrk="1" latinLnBrk="0" hangingPunct="1">
+              <a:lnSpc>
+                <a:spcPct val="90000"/>
+              </a:lnSpc>
+              <a:spcBef>
+                <a:spcPts val="1000"/>
+              </a:spcBef>
+              <a:buFont typeface="Arial" panose="020B0604020202020204" pitchFamily="34" charset="0"/>
+              <a:buChar char="•"/>
+              <a:defRPr sz="2800" kern="1200">
+                <a:solidFill>
+                  <a:schemeClr val="tx1"/>
+                </a:solidFill>
+                <a:latin typeface="+mn-lt"/>
+                <a:ea typeface="+mn-ea"/>
+                <a:cs typeface="+mn-cs"/>
+              </a:defRPr>
+            </a:lvl1pPr>
+            <a:lvl2pPr marL="685800" indent="-228600" algn="l" defTabSz="914400" rtl="0" eaLnBrk="1" latinLnBrk="0" hangingPunct="1">
+              <a:lnSpc>
+                <a:spcPct val="90000"/>
+              </a:lnSpc>
+              <a:spcBef>
+                <a:spcPts val="500"/>
+              </a:spcBef>
+              <a:buFont typeface="Arial" panose="020B0604020202020204" pitchFamily="34" charset="0"/>
+              <a:buChar char="•"/>
+              <a:defRPr sz="2400" kern="1200">
+                <a:solidFill>
+                  <a:schemeClr val="tx1"/>
+                </a:solidFill>
+                <a:latin typeface="+mn-lt"/>
+                <a:ea typeface="+mn-ea"/>
+                <a:cs typeface="+mn-cs"/>
+              </a:defRPr>
+            </a:lvl2pPr>
+            <a:lvl3pPr marL="1143000" indent="-228600" algn="l" defTabSz="914400" rtl="0" eaLnBrk="1" latinLnBrk="0" hangingPunct="1">
+              <a:lnSpc>
+                <a:spcPct val="90000"/>
+              </a:lnSpc>
+              <a:spcBef>
+                <a:spcPts val="500"/>
+              </a:spcBef>
+              <a:buFont typeface="Arial" panose="020B0604020202020204" pitchFamily="34" charset="0"/>
+              <a:buChar char="•"/>
+              <a:defRPr sz="2000" kern="1200">
+                <a:solidFill>
+                  <a:schemeClr val="tx1"/>
+                </a:solidFill>
+                <a:latin typeface="+mn-lt"/>
+                <a:ea typeface="+mn-ea"/>
+                <a:cs typeface="+mn-cs"/>
+              </a:defRPr>
+            </a:lvl3pPr>
+            <a:lvl4pPr marL="1600200" indent="-228600" algn="l" defTabSz="914400" rtl="0" eaLnBrk="1" latinLnBrk="0" hangingPunct="1">
+              <a:lnSpc>
+                <a:spcPct val="90000"/>
+              </a:lnSpc>
+              <a:spcBef>
+                <a:spcPts val="500"/>
+              </a:spcBef>
+              <a:buFont typeface="Arial" panose="020B0604020202020204" pitchFamily="34" charset="0"/>
+              <a:buChar char="•"/>
+              <a:defRPr sz="1800" kern="1200">
+                <a:solidFill>
+                  <a:schemeClr val="tx1"/>
+                </a:solidFill>
+                <a:latin typeface="+mn-lt"/>
+                <a:ea typeface="+mn-ea"/>
+                <a:cs typeface="+mn-cs"/>
+              </a:defRPr>
+            </a:lvl4pPr>
+            <a:lvl5pPr marL="2057400" indent="-228600" algn="l" defTabSz="914400" rtl="0" eaLnBrk="1" latinLnBrk="0" hangingPunct="1">
+              <a:lnSpc>
+                <a:spcPct val="90000"/>
+              </a:lnSpc>
+              <a:spcBef>
+                <a:spcPts val="500"/>
+              </a:spcBef>
+              <a:buFont typeface="Arial" panose="020B0604020202020204" pitchFamily="34" charset="0"/>
+              <a:buChar char="•"/>
+              <a:defRPr sz="1800" kern="1200">
+                <a:solidFill>
+                  <a:schemeClr val="tx1"/>
+                </a:solidFill>
+                <a:latin typeface="+mn-lt"/>
+                <a:ea typeface="+mn-ea"/>
+                <a:cs typeface="+mn-cs"/>
+              </a:defRPr>
+            </a:lvl5pPr>
+            <a:lvl6pPr marL="2514600" indent="-228600" algn="l" defTabSz="914400" rtl="0" eaLnBrk="1" latinLnBrk="0" hangingPunct="1">
+              <a:lnSpc>
+                <a:spcPct val="90000"/>
+              </a:lnSpc>
+              <a:spcBef>
+                <a:spcPts val="500"/>
+              </a:spcBef>
+              <a:buFont typeface="Arial" panose="020B0604020202020204" pitchFamily="34" charset="0"/>
+              <a:buChar char="•"/>
+              <a:defRPr sz="1800" kern="1200">
+                <a:solidFill>
+                  <a:schemeClr val="tx1"/>
+                </a:solidFill>
+                <a:latin typeface="+mn-lt"/>
+                <a:ea typeface="+mn-ea"/>
+                <a:cs typeface="+mn-cs"/>
+              </a:defRPr>
+            </a:lvl6pPr>
+            <a:lvl7pPr marL="2971800" indent="-228600" algn="l" defTabSz="914400" rtl="0" eaLnBrk="1" latinLnBrk="0" hangingPunct="1">
+              <a:lnSpc>
+                <a:spcPct val="90000"/>
+              </a:lnSpc>
+              <a:spcBef>
+                <a:spcPts val="500"/>
+              </a:spcBef>
+              <a:buFont typeface="Arial" panose="020B0604020202020204" pitchFamily="34" charset="0"/>
+              <a:buChar char="•"/>
+              <a:defRPr sz="1800" kern="1200">
+                <a:solidFill>
+                  <a:schemeClr val="tx1"/>
+                </a:solidFill>
+                <a:latin typeface="+mn-lt"/>
+                <a:ea typeface="+mn-ea"/>
+                <a:cs typeface="+mn-cs"/>
+              </a:defRPr>
+            </a:lvl7pPr>
+            <a:lvl8pPr marL="3429000" indent="-228600" algn="l" defTabSz="914400" rtl="0" eaLnBrk="1" latinLnBrk="0" hangingPunct="1">
+              <a:lnSpc>
+                <a:spcPct val="90000"/>
+              </a:lnSpc>
+              <a:spcBef>
+                <a:spcPts val="500"/>
+              </a:spcBef>
+              <a:buFont typeface="Arial" panose="020B0604020202020204" pitchFamily="34" charset="0"/>
+              <a:buChar char="•"/>
+              <a:defRPr sz="1800" kern="1200">
+                <a:solidFill>
+                  <a:schemeClr val="tx1"/>
+                </a:solidFill>
+                <a:latin typeface="+mn-lt"/>
+                <a:ea typeface="+mn-ea"/>
+                <a:cs typeface="+mn-cs"/>
+              </a:defRPr>
+            </a:lvl8pPr>
+            <a:lvl9pPr marL="3886200" indent="-228600" algn="l" defTabSz="914400" rtl="0" eaLnBrk="1" latinLnBrk="0" hangingPunct="1">
+              <a:lnSpc>
+                <a:spcPct val="90000"/>
+              </a:lnSpc>
+              <a:spcBef>
+                <a:spcPts val="500"/>
+              </a:spcBef>
+              <a:buFont typeface="Arial" panose="020B0604020202020204" pitchFamily="34" charset="0"/>
+              <a:buChar char="•"/>
+              <a:defRPr sz="1800" kern="1200">
+                <a:solidFill>
+                  <a:schemeClr val="tx1"/>
+                </a:solidFill>
+                <a:latin typeface="+mn-lt"/>
+                <a:ea typeface="+mn-ea"/>
+                <a:cs typeface="+mn-cs"/>
+              </a:defRPr>
+            </a:lvl9pPr>
+          </a:lstStyle>
+          <a:p>
+            <a:pPr marL="0" indent="0">
+              <a:buFont typeface="Arial" panose="020B0604020202020204" pitchFamily="34" charset="0"/>
+              <a:buNone/>
+            </a:pPr>
+            <a:r>
+              <a:rPr lang="en-US" dirty="0"/>
+              <a:t>Insight…</a:t>
+            </a:r>
+          </a:p>
+          <a:p>
+            <a:pPr marL="0" indent="0">
+              <a:buFont typeface="Arial" panose="020B0604020202020204" pitchFamily="34" charset="0"/>
+              <a:buNone/>
+            </a:pPr>
+            <a:r>
+              <a:rPr lang="en-US" dirty="0"/>
+              <a:t>Mathematical functions can generally be evaluated vector-wise</a:t>
+            </a:r>
+          </a:p>
+        </p:txBody>
+      </p:sp>
+    </p:spTree>
+    <p:extLst>
+      <p:ext uri="{BB962C8B-B14F-4D97-AF65-F5344CB8AC3E}">
+        <p14:creationId xmlns:p14="http://schemas.microsoft.com/office/powerpoint/2010/main" val="2119461875"/>
+      </p:ext>
+    </p:extLst>
+  </p:cSld>
+  <p:clrMapOvr>
+    <a:masterClrMapping/>
+  </p:clrMapOvr>
+  <p:timing>
+    <p:tnLst>
+      <p:par>
+        <p:cTn id="1" dur="indefinite" restart="never" nodeType="tmRoot">
+          <p:childTnLst>
+            <p:seq concurrent="1" nextAc="seek">
+              <p:cTn id="2" dur="indefinite" nodeType="mainSeq">
+                <p:childTnLst>
+                  <p:par>
+                    <p:cTn id="3" fill="hold">
+                      <p:stCondLst>
+                        <p:cond delay="indefinite"/>
+                      </p:stCondLst>
+                      <p:childTnLst>
+                        <p:par>
+                          <p:cTn id="4" fill="hold">
+                            <p:stCondLst>
+                              <p:cond delay="0"/>
+                            </p:stCondLst>
+                            <p:childTnLst>
+                              <p:par>
+                                <p:cTn id="5" presetID="1" presetClass="entr" presetSubtype="0" fill="hold" grpId="0" nodeType="clickEffect">
+                                  <p:stCondLst>
+                                    <p:cond delay="0"/>
+                                  </p:stCondLst>
+                                  <p:childTnLst>
+                                    <p:set>
+                                      <p:cBhvr>
+                                        <p:cTn id="6" dur="1" fill="hold">
+                                          <p:stCondLst>
+                                            <p:cond delay="0"/>
+                                          </p:stCondLst>
+                                        </p:cTn>
+                                        <p:tgtEl>
+                                          <p:spTgt spid="5"/>
+                                        </p:tgtEl>
+                                        <p:attrNameLst>
+                                          <p:attrName>style.visibility</p:attrName>
+                                        </p:attrNameLst>
+                                      </p:cBhvr>
+                                      <p:to>
+                                        <p:strVal val="visible"/>
+                                      </p:to>
+                                    </p:set>
+                                  </p:childTnLst>
+                                </p:cTn>
+                              </p:par>
+                            </p:childTnLst>
+                          </p:cTn>
+                        </p:par>
+                      </p:childTnLst>
+                    </p:cTn>
+                  </p:par>
+                </p:childTnLst>
+              </p:cTn>
+              <p:prevCondLst>
+                <p:cond evt="onPrev" delay="0">
+                  <p:tgtEl>
+                    <p:sldTgt/>
+                  </p:tgtEl>
+                </p:cond>
+              </p:prevCondLst>
+              <p:nextCondLst>
+                <p:cond evt="onNext" delay="0">
+                  <p:tgtEl>
+                    <p:sldTgt/>
+                  </p:tgtEl>
+                </p:cond>
+              </p:nextCondLst>
+            </p:seq>
+          </p:childTnLst>
+        </p:cTn>
+      </p:par>
+    </p:tnLst>
+    <p:bldLst>
+      <p:bldP spid="5" grpId="0" animBg="1"/>
+    </p:bldLst>
+  </p:timing>
+</p:sld>
+</file>
+
+<file path=ppt/slides/slide22.xml><?xml version="1.0" encoding="utf-8"?>
+<p:sld xmlns:a="http://schemas.openxmlformats.org/drawingml/2006/main" xmlns:r="http://schemas.openxmlformats.org/officeDocument/2006/relationships" xmlns:p="http://schemas.openxmlformats.org/presentationml/2006/main">
+  <p:cSld>
+    <p:spTree>
+      <p:nvGrpSpPr>
+        <p:cNvPr id="1" name=""/>
+        <p:cNvGrpSpPr/>
+        <p:nvPr/>
+      </p:nvGrpSpPr>
+      <p:grpSpPr>
+        <a:xfrm>
+          <a:off x="0" y="0"/>
+          <a:ext cx="0" cy="0"/>
+          <a:chOff x="0" y="0"/>
+          <a:chExt cx="0" cy="0"/>
+        </a:xfrm>
+      </p:grpSpPr>
+      <p:sp>
+        <p:nvSpPr>
+          <p:cNvPr id="2" name="Title 1">
+            <a:extLst>
+              <a:ext uri="{FF2B5EF4-FFF2-40B4-BE49-F238E27FC236}">
+                <a16:creationId xmlns:a16="http://schemas.microsoft.com/office/drawing/2014/main" id="{8115451F-211E-5062-3063-EEFCC622ABEA}"/>
+              </a:ext>
+            </a:extLst>
+          </p:cNvPr>
+          <p:cNvSpPr>
+            <a:spLocks noGrp="1"/>
+          </p:cNvSpPr>
+          <p:nvPr>
+            <p:ph type="title"/>
+          </p:nvPr>
+        </p:nvSpPr>
+        <p:spPr>
+          <a:xfrm>
+            <a:off x="741947" y="1"/>
+            <a:ext cx="10515600" cy="914400"/>
+          </a:xfrm>
+        </p:spPr>
+        <p:txBody>
+          <a:bodyPr>
+            <a:noAutofit/>
+          </a:bodyPr>
+          <a:lstStyle/>
+          <a:p>
+            <a:r>
+              <a:rPr lang="en-US" sz="3600" dirty="0"/>
+              <a:t>Some operators &amp; functions…</a:t>
+            </a:r>
+          </a:p>
+        </p:txBody>
+      </p:sp>
+      <p:sp>
+        <p:nvSpPr>
+          <p:cNvPr id="4" name="Content Placeholder 2">
+            <a:extLst>
+              <a:ext uri="{FF2B5EF4-FFF2-40B4-BE49-F238E27FC236}">
+                <a16:creationId xmlns:a16="http://schemas.microsoft.com/office/drawing/2014/main" id="{6BFA4004-FC25-6959-E1B3-19BE6863D263}"/>
+              </a:ext>
+            </a:extLst>
+          </p:cNvPr>
+          <p:cNvSpPr txBox="1">
+            <a:spLocks/>
+          </p:cNvSpPr>
+          <p:nvPr/>
+        </p:nvSpPr>
+        <p:spPr>
+          <a:xfrm>
+            <a:off x="541020" y="1015092"/>
+            <a:ext cx="5288280" cy="5643362"/>
+          </a:xfrm>
+          <a:prstGeom prst="rect">
+            <a:avLst/>
+          </a:prstGeom>
+        </p:spPr>
+        <p:txBody>
+          <a:bodyPr vert="horz" lIns="91440" tIns="45720" rIns="91440" bIns="45720" rtlCol="0">
+            <a:normAutofit/>
+          </a:bodyPr>
+          <a:lstStyle>
+            <a:lvl1pPr marL="228600" indent="-228600" algn="l" defTabSz="914400" rtl="0" eaLnBrk="1" latinLnBrk="0" hangingPunct="1">
+              <a:lnSpc>
+                <a:spcPct val="90000"/>
+              </a:lnSpc>
+              <a:spcBef>
+                <a:spcPts val="1000"/>
+              </a:spcBef>
+              <a:buFont typeface="Arial" panose="020B0604020202020204" pitchFamily="34" charset="0"/>
+              <a:buChar char="•"/>
+              <a:defRPr sz="2800" kern="1200">
+                <a:solidFill>
+                  <a:schemeClr val="tx1"/>
+                </a:solidFill>
+                <a:latin typeface="+mn-lt"/>
+                <a:ea typeface="+mn-ea"/>
+                <a:cs typeface="+mn-cs"/>
+              </a:defRPr>
+            </a:lvl1pPr>
+            <a:lvl2pPr marL="685800" indent="-228600" algn="l" defTabSz="914400" rtl="0" eaLnBrk="1" latinLnBrk="0" hangingPunct="1">
+              <a:lnSpc>
+                <a:spcPct val="90000"/>
+              </a:lnSpc>
+              <a:spcBef>
+                <a:spcPts val="500"/>
+              </a:spcBef>
+              <a:buFont typeface="Arial" panose="020B0604020202020204" pitchFamily="34" charset="0"/>
+              <a:buChar char="•"/>
+              <a:defRPr sz="2400" kern="1200">
+                <a:solidFill>
+                  <a:schemeClr val="tx1"/>
+                </a:solidFill>
+                <a:latin typeface="+mn-lt"/>
+                <a:ea typeface="+mn-ea"/>
+                <a:cs typeface="+mn-cs"/>
+              </a:defRPr>
+            </a:lvl2pPr>
+            <a:lvl3pPr marL="1143000" indent="-228600" algn="l" defTabSz="914400" rtl="0" eaLnBrk="1" latinLnBrk="0" hangingPunct="1">
+              <a:lnSpc>
+                <a:spcPct val="90000"/>
+              </a:lnSpc>
+              <a:spcBef>
+                <a:spcPts val="500"/>
+              </a:spcBef>
+              <a:buFont typeface="Arial" panose="020B0604020202020204" pitchFamily="34" charset="0"/>
+              <a:buChar char="•"/>
+              <a:defRPr sz="2000" kern="1200">
+                <a:solidFill>
+                  <a:schemeClr val="tx1"/>
+                </a:solidFill>
+                <a:latin typeface="+mn-lt"/>
+                <a:ea typeface="+mn-ea"/>
+                <a:cs typeface="+mn-cs"/>
+              </a:defRPr>
+            </a:lvl3pPr>
+            <a:lvl4pPr marL="1600200" indent="-228600" algn="l" defTabSz="914400" rtl="0" eaLnBrk="1" latinLnBrk="0" hangingPunct="1">
+              <a:lnSpc>
+                <a:spcPct val="90000"/>
+              </a:lnSpc>
+              <a:spcBef>
+                <a:spcPts val="500"/>
+              </a:spcBef>
+              <a:buFont typeface="Arial" panose="020B0604020202020204" pitchFamily="34" charset="0"/>
+              <a:buChar char="•"/>
+              <a:defRPr sz="1800" kern="1200">
+                <a:solidFill>
+                  <a:schemeClr val="tx1"/>
+                </a:solidFill>
+                <a:latin typeface="+mn-lt"/>
+                <a:ea typeface="+mn-ea"/>
+                <a:cs typeface="+mn-cs"/>
+              </a:defRPr>
+            </a:lvl4pPr>
+            <a:lvl5pPr marL="2057400" indent="-228600" algn="l" defTabSz="914400" rtl="0" eaLnBrk="1" latinLnBrk="0" hangingPunct="1">
+              <a:lnSpc>
+                <a:spcPct val="90000"/>
+              </a:lnSpc>
+              <a:spcBef>
+                <a:spcPts val="500"/>
+              </a:spcBef>
+              <a:buFont typeface="Arial" panose="020B0604020202020204" pitchFamily="34" charset="0"/>
+              <a:buChar char="•"/>
+              <a:defRPr sz="1800" kern="1200">
+                <a:solidFill>
+                  <a:schemeClr val="tx1"/>
+                </a:solidFill>
+                <a:latin typeface="+mn-lt"/>
+                <a:ea typeface="+mn-ea"/>
+                <a:cs typeface="+mn-cs"/>
+              </a:defRPr>
+            </a:lvl5pPr>
+            <a:lvl6pPr marL="2514600" indent="-228600" algn="l" defTabSz="914400" rtl="0" eaLnBrk="1" latinLnBrk="0" hangingPunct="1">
+              <a:lnSpc>
+                <a:spcPct val="90000"/>
+              </a:lnSpc>
+              <a:spcBef>
+                <a:spcPts val="500"/>
+              </a:spcBef>
+              <a:buFont typeface="Arial" panose="020B0604020202020204" pitchFamily="34" charset="0"/>
+              <a:buChar char="•"/>
+              <a:defRPr sz="1800" kern="1200">
+                <a:solidFill>
+                  <a:schemeClr val="tx1"/>
+                </a:solidFill>
+                <a:latin typeface="+mn-lt"/>
+                <a:ea typeface="+mn-ea"/>
+                <a:cs typeface="+mn-cs"/>
+              </a:defRPr>
+            </a:lvl6pPr>
+            <a:lvl7pPr marL="2971800" indent="-228600" algn="l" defTabSz="914400" rtl="0" eaLnBrk="1" latinLnBrk="0" hangingPunct="1">
+              <a:lnSpc>
+                <a:spcPct val="90000"/>
+              </a:lnSpc>
+              <a:spcBef>
+                <a:spcPts val="500"/>
+              </a:spcBef>
+              <a:buFont typeface="Arial" panose="020B0604020202020204" pitchFamily="34" charset="0"/>
+              <a:buChar char="•"/>
+              <a:defRPr sz="1800" kern="1200">
+                <a:solidFill>
+                  <a:schemeClr val="tx1"/>
+                </a:solidFill>
+                <a:latin typeface="+mn-lt"/>
+                <a:ea typeface="+mn-ea"/>
+                <a:cs typeface="+mn-cs"/>
+              </a:defRPr>
+            </a:lvl7pPr>
+            <a:lvl8pPr marL="3429000" indent="-228600" algn="l" defTabSz="914400" rtl="0" eaLnBrk="1" latinLnBrk="0" hangingPunct="1">
+              <a:lnSpc>
+                <a:spcPct val="90000"/>
+              </a:lnSpc>
+              <a:spcBef>
+                <a:spcPts val="500"/>
+              </a:spcBef>
+              <a:buFont typeface="Arial" panose="020B0604020202020204" pitchFamily="34" charset="0"/>
+              <a:buChar char="•"/>
+              <a:defRPr sz="1800" kern="1200">
+                <a:solidFill>
+                  <a:schemeClr val="tx1"/>
+                </a:solidFill>
+                <a:latin typeface="+mn-lt"/>
+                <a:ea typeface="+mn-ea"/>
+                <a:cs typeface="+mn-cs"/>
+              </a:defRPr>
+            </a:lvl8pPr>
+            <a:lvl9pPr marL="3886200" indent="-228600" algn="l" defTabSz="914400" rtl="0" eaLnBrk="1" latinLnBrk="0" hangingPunct="1">
+              <a:lnSpc>
+                <a:spcPct val="90000"/>
+              </a:lnSpc>
+              <a:spcBef>
+                <a:spcPts val="500"/>
+              </a:spcBef>
+              <a:buFont typeface="Arial" panose="020B0604020202020204" pitchFamily="34" charset="0"/>
+              <a:buChar char="•"/>
+              <a:defRPr sz="1800" kern="1200">
+                <a:solidFill>
+                  <a:schemeClr val="tx1"/>
+                </a:solidFill>
+                <a:latin typeface="+mn-lt"/>
+                <a:ea typeface="+mn-ea"/>
+                <a:cs typeface="+mn-cs"/>
+              </a:defRPr>
+            </a:lvl9pPr>
+          </a:lstStyle>
+          <a:p>
+            <a:r>
+              <a:rPr lang="en-US" dirty="0"/>
+              <a:t>The usual cast of characters:         +, -, *, /, ^</a:t>
+            </a:r>
+          </a:p>
+          <a:p>
+            <a:r>
+              <a:rPr lang="en-US" dirty="0"/>
+              <a:t>sqrt(), log(), exp(), abs()</a:t>
+            </a:r>
+          </a:p>
           <a:p>
             <a:r>
               <a:rPr lang="en-US" dirty="0"/>
@@ -18275,7 +18619,7 @@
 </p:sld>
 </file>
 
-<file path=ppt/slides/slide22.xml><?xml version="1.0" encoding="utf-8"?>
+<file path=ppt/slides/slide23.xml><?xml version="1.0" encoding="utf-8"?>
 <p:sld xmlns:a="http://schemas.openxmlformats.org/drawingml/2006/main" xmlns:r="http://schemas.openxmlformats.org/officeDocument/2006/relationships" xmlns:p="http://schemas.openxmlformats.org/presentationml/2006/main">
   <p:cSld>
     <p:spTree>
@@ -18989,7 +19333,87 @@
 </p:sld>
 </file>
 
-<file path=ppt/slides/slide23.xml><?xml version="1.0" encoding="utf-8"?>
+<file path=ppt/slides/slide24.xml><?xml version="1.0" encoding="utf-8"?>
+<p:sld xmlns:a="http://schemas.openxmlformats.org/drawingml/2006/main" xmlns:r="http://schemas.openxmlformats.org/officeDocument/2006/relationships" xmlns:p="http://schemas.openxmlformats.org/presentationml/2006/main">
+  <p:cSld>
+    <p:spTree>
+      <p:nvGrpSpPr>
+        <p:cNvPr id="1" name=""/>
+        <p:cNvGrpSpPr/>
+        <p:nvPr/>
+      </p:nvGrpSpPr>
+      <p:grpSpPr>
+        <a:xfrm>
+          <a:off x="0" y="0"/>
+          <a:ext cx="0" cy="0"/>
+          <a:chOff x="0" y="0"/>
+          <a:chExt cx="0" cy="0"/>
+        </a:xfrm>
+      </p:grpSpPr>
+      <p:sp>
+        <p:nvSpPr>
+          <p:cNvPr id="2" name="Title 1">
+            <a:extLst>
+              <a:ext uri="{FF2B5EF4-FFF2-40B4-BE49-F238E27FC236}">
+                <a16:creationId xmlns:a16="http://schemas.microsoft.com/office/drawing/2014/main" id="{872D0800-E2F8-9C39-6B49-FC90FD6539BF}"/>
+              </a:ext>
+            </a:extLst>
+          </p:cNvPr>
+          <p:cNvSpPr>
+            <a:spLocks noGrp="1"/>
+          </p:cNvSpPr>
+          <p:nvPr>
+            <p:ph type="title"/>
+          </p:nvPr>
+        </p:nvSpPr>
+        <p:spPr/>
+        <p:txBody>
+          <a:bodyPr/>
+          <a:lstStyle/>
+          <a:p>
+            <a:endParaRPr lang="en-US"/>
+          </a:p>
+        </p:txBody>
+      </p:sp>
+      <p:sp>
+        <p:nvSpPr>
+          <p:cNvPr id="3" name="Content Placeholder 2">
+            <a:extLst>
+              <a:ext uri="{FF2B5EF4-FFF2-40B4-BE49-F238E27FC236}">
+                <a16:creationId xmlns:a16="http://schemas.microsoft.com/office/drawing/2014/main" id="{4338D4A7-B66A-7C15-CA4F-4A6E609F6432}"/>
+              </a:ext>
+            </a:extLst>
+          </p:cNvPr>
+          <p:cNvSpPr>
+            <a:spLocks noGrp="1"/>
+          </p:cNvSpPr>
+          <p:nvPr>
+            <p:ph idx="1"/>
+          </p:nvPr>
+        </p:nvSpPr>
+        <p:spPr/>
+        <p:txBody>
+          <a:bodyPr/>
+          <a:lstStyle/>
+          <a:p>
+            <a:endParaRPr lang="en-US"/>
+          </a:p>
+        </p:txBody>
+      </p:sp>
+    </p:spTree>
+    <p:extLst>
+      <p:ext uri="{BB962C8B-B14F-4D97-AF65-F5344CB8AC3E}">
+        <p14:creationId xmlns:p14="http://schemas.microsoft.com/office/powerpoint/2010/main" val="1498129162"/>
+      </p:ext>
+    </p:extLst>
+  </p:cSld>
+  <p:clrMapOvr>
+    <a:masterClrMapping/>
+  </p:clrMapOvr>
+</p:sld>
+</file>
+
+<file path=ppt/slides/slide25.xml><?xml version="1.0" encoding="utf-8"?>
 <p:sld xmlns:a="http://schemas.openxmlformats.org/drawingml/2006/main" xmlns:r="http://schemas.openxmlformats.org/officeDocument/2006/relationships" xmlns:p="http://schemas.openxmlformats.org/presentationml/2006/main">
   <p:cSld>
     <p:spTree>
@@ -20305,7 +20729,7 @@
 </p:sld>
 </file>
 
-<file path=ppt/slides/slide24.xml><?xml version="1.0" encoding="utf-8"?>
+<file path=ppt/slides/slide26.xml><?xml version="1.0" encoding="utf-8"?>
 <p:sld xmlns:a="http://schemas.openxmlformats.org/drawingml/2006/main" xmlns:r="http://schemas.openxmlformats.org/officeDocument/2006/relationships" xmlns:p="http://schemas.openxmlformats.org/presentationml/2006/main">
   <p:cSld>
     <p:spTree>
@@ -21473,7 +21897,7 @@
 </p:sld>
 </file>
 
-<file path=ppt/slides/slide25.xml><?xml version="1.0" encoding="utf-8"?>
+<file path=ppt/slides/slide27.xml><?xml version="1.0" encoding="utf-8"?>
 <p:sld xmlns:a="http://schemas.openxmlformats.org/drawingml/2006/main" xmlns:r="http://schemas.openxmlformats.org/officeDocument/2006/relationships" xmlns:p="http://schemas.openxmlformats.org/presentationml/2006/main">
   <p:cSld>
     <p:spTree>
@@ -23150,7 +23574,7 @@
 </p:sld>
 </file>
 
-<file path=ppt/slides/slide26.xml><?xml version="1.0" encoding="utf-8"?>
+<file path=ppt/slides/slide28.xml><?xml version="1.0" encoding="utf-8"?>
 <p:sld xmlns:a="http://schemas.openxmlformats.org/drawingml/2006/main" xmlns:r="http://schemas.openxmlformats.org/officeDocument/2006/relationships" xmlns:p="http://schemas.openxmlformats.org/presentationml/2006/main">
   <p:cSld>
     <p:spTree>
@@ -26070,7 +26494,7 @@
 </p:sld>
 </file>
 
-<file path=ppt/slides/slide27.xml><?xml version="1.0" encoding="utf-8"?>
+<file path=ppt/slides/slide29.xml><?xml version="1.0" encoding="utf-8"?>
 <p:sld xmlns:a="http://schemas.openxmlformats.org/drawingml/2006/main" xmlns:r="http://schemas.openxmlformats.org/officeDocument/2006/relationships" xmlns:p="http://schemas.openxmlformats.org/presentationml/2006/main">
   <p:cSld>
     <p:spTree>
@@ -27114,7 +27538,488 @@
 </p:sld>
 </file>
 
-<file path=ppt/slides/slide28.xml><?xml version="1.0" encoding="utf-8"?>
+<file path=ppt/slides/slide3.xml><?xml version="1.0" encoding="utf-8"?>
+<p:sld xmlns:a="http://schemas.openxmlformats.org/drawingml/2006/main" xmlns:r="http://schemas.openxmlformats.org/officeDocument/2006/relationships" xmlns:p="http://schemas.openxmlformats.org/presentationml/2006/main">
+  <p:cSld>
+    <p:spTree>
+      <p:nvGrpSpPr>
+        <p:cNvPr id="1" name=""/>
+        <p:cNvGrpSpPr/>
+        <p:nvPr/>
+      </p:nvGrpSpPr>
+      <p:grpSpPr>
+        <a:xfrm>
+          <a:off x="0" y="0"/>
+          <a:ext cx="0" cy="0"/>
+          <a:chOff x="0" y="0"/>
+          <a:chExt cx="0" cy="0"/>
+        </a:xfrm>
+      </p:grpSpPr>
+      <p:sp>
+        <p:nvSpPr>
+          <p:cNvPr id="2" name="Title 1">
+            <a:extLst>
+              <a:ext uri="{FF2B5EF4-FFF2-40B4-BE49-F238E27FC236}">
+                <a16:creationId xmlns:a16="http://schemas.microsoft.com/office/drawing/2014/main" id="{8115451F-211E-5062-3063-EEFCC622ABEA}"/>
+              </a:ext>
+            </a:extLst>
+          </p:cNvPr>
+          <p:cNvSpPr>
+            <a:spLocks noGrp="1"/>
+          </p:cNvSpPr>
+          <p:nvPr>
+            <p:ph type="title"/>
+          </p:nvPr>
+        </p:nvSpPr>
+        <p:spPr>
+          <a:xfrm>
+            <a:off x="741947" y="1"/>
+            <a:ext cx="10515600" cy="914400"/>
+          </a:xfrm>
+        </p:spPr>
+        <p:txBody>
+          <a:bodyPr/>
+          <a:lstStyle/>
+          <a:p>
+            <a:r>
+              <a:rPr lang="en-US" dirty="0"/>
+              <a:t>Poke the </a:t>
+            </a:r>
+            <a:r>
+              <a:rPr lang="en-US" strike="sngStrike" dirty="0"/>
+              <a:t>box</a:t>
+            </a:r>
+            <a:r>
+              <a:rPr lang="en-US" dirty="0"/>
+              <a:t> </a:t>
+            </a:r>
+            <a:r>
+              <a:rPr lang="en-US" dirty="0">
+                <a:solidFill>
+                  <a:schemeClr val="accent1"/>
+                </a:solidFill>
+              </a:rPr>
+              <a:t>R console!</a:t>
+            </a:r>
+            <a:endParaRPr lang="en-US" strike="sngStrike" dirty="0"/>
+          </a:p>
+        </p:txBody>
+      </p:sp>
+      <p:sp>
+        <p:nvSpPr>
+          <p:cNvPr id="3" name="Content Placeholder 2">
+            <a:extLst>
+              <a:ext uri="{FF2B5EF4-FFF2-40B4-BE49-F238E27FC236}">
+                <a16:creationId xmlns:a16="http://schemas.microsoft.com/office/drawing/2014/main" id="{D9A4BF40-1106-059C-7EA6-E0E16337A5FA}"/>
+              </a:ext>
+            </a:extLst>
+          </p:cNvPr>
+          <p:cNvSpPr>
+            <a:spLocks noGrp="1"/>
+          </p:cNvSpPr>
+          <p:nvPr>
+            <p:ph idx="1"/>
+          </p:nvPr>
+        </p:nvSpPr>
+        <p:spPr>
+          <a:xfrm>
+            <a:off x="415813" y="1471330"/>
+            <a:ext cx="4535565" cy="4987836"/>
+          </a:xfrm>
+        </p:spPr>
+        <p:txBody>
+          <a:bodyPr>
+            <a:normAutofit/>
+          </a:bodyPr>
+          <a:lstStyle/>
+          <a:p>
+            <a:pPr marL="0" indent="0">
+              <a:buNone/>
+            </a:pPr>
+            <a:r>
+              <a:rPr lang="en-US" dirty="0">
+                <a:solidFill>
+                  <a:schemeClr val="accent1"/>
+                </a:solidFill>
+              </a:rPr>
+              <a:t>1+1</a:t>
+            </a:r>
+          </a:p>
+          <a:p>
+            <a:pPr marL="0" indent="0">
+              <a:buNone/>
+            </a:pPr>
+            <a:r>
+              <a:rPr lang="en-US" dirty="0"/>
+              <a:t>[1] 2</a:t>
+            </a:r>
+          </a:p>
+          <a:p>
+            <a:pPr marL="0" indent="0">
+              <a:buNone/>
+            </a:pPr>
+            <a:endParaRPr lang="en-US" dirty="0"/>
+          </a:p>
+        </p:txBody>
+      </p:sp>
+      <p:sp>
+        <p:nvSpPr>
+          <p:cNvPr id="4" name="Content Placeholder 2">
+            <a:extLst>
+              <a:ext uri="{FF2B5EF4-FFF2-40B4-BE49-F238E27FC236}">
+                <a16:creationId xmlns:a16="http://schemas.microsoft.com/office/drawing/2014/main" id="{6BFA4004-FC25-6959-E1B3-19BE6863D263}"/>
+              </a:ext>
+            </a:extLst>
+          </p:cNvPr>
+          <p:cNvSpPr txBox="1">
+            <a:spLocks/>
+          </p:cNvSpPr>
+          <p:nvPr/>
+        </p:nvSpPr>
+        <p:spPr>
+          <a:xfrm>
+            <a:off x="6096000" y="1072242"/>
+            <a:ext cx="5550484" cy="2877188"/>
+          </a:xfrm>
+          <a:prstGeom prst="rect">
+            <a:avLst/>
+          </a:prstGeom>
+        </p:spPr>
+        <p:txBody>
+          <a:bodyPr vert="horz" lIns="91440" tIns="45720" rIns="91440" bIns="45720" rtlCol="0">
+            <a:normAutofit/>
+          </a:bodyPr>
+          <a:lstStyle>
+            <a:lvl1pPr marL="228600" indent="-228600" algn="l" defTabSz="914400" rtl="0" eaLnBrk="1" latinLnBrk="0" hangingPunct="1">
+              <a:lnSpc>
+                <a:spcPct val="90000"/>
+              </a:lnSpc>
+              <a:spcBef>
+                <a:spcPts val="1000"/>
+              </a:spcBef>
+              <a:buFont typeface="Arial" panose="020B0604020202020204" pitchFamily="34" charset="0"/>
+              <a:buChar char="•"/>
+              <a:defRPr sz="2800" kern="1200">
+                <a:solidFill>
+                  <a:schemeClr val="tx1"/>
+                </a:solidFill>
+                <a:latin typeface="+mn-lt"/>
+                <a:ea typeface="+mn-ea"/>
+                <a:cs typeface="+mn-cs"/>
+              </a:defRPr>
+            </a:lvl1pPr>
+            <a:lvl2pPr marL="685800" indent="-228600" algn="l" defTabSz="914400" rtl="0" eaLnBrk="1" latinLnBrk="0" hangingPunct="1">
+              <a:lnSpc>
+                <a:spcPct val="90000"/>
+              </a:lnSpc>
+              <a:spcBef>
+                <a:spcPts val="500"/>
+              </a:spcBef>
+              <a:buFont typeface="Arial" panose="020B0604020202020204" pitchFamily="34" charset="0"/>
+              <a:buChar char="•"/>
+              <a:defRPr sz="2400" kern="1200">
+                <a:solidFill>
+                  <a:schemeClr val="tx1"/>
+                </a:solidFill>
+                <a:latin typeface="+mn-lt"/>
+                <a:ea typeface="+mn-ea"/>
+                <a:cs typeface="+mn-cs"/>
+              </a:defRPr>
+            </a:lvl2pPr>
+            <a:lvl3pPr marL="1143000" indent="-228600" algn="l" defTabSz="914400" rtl="0" eaLnBrk="1" latinLnBrk="0" hangingPunct="1">
+              <a:lnSpc>
+                <a:spcPct val="90000"/>
+              </a:lnSpc>
+              <a:spcBef>
+                <a:spcPts val="500"/>
+              </a:spcBef>
+              <a:buFont typeface="Arial" panose="020B0604020202020204" pitchFamily="34" charset="0"/>
+              <a:buChar char="•"/>
+              <a:defRPr sz="2000" kern="1200">
+                <a:solidFill>
+                  <a:schemeClr val="tx1"/>
+                </a:solidFill>
+                <a:latin typeface="+mn-lt"/>
+                <a:ea typeface="+mn-ea"/>
+                <a:cs typeface="+mn-cs"/>
+              </a:defRPr>
+            </a:lvl3pPr>
+            <a:lvl4pPr marL="1600200" indent="-228600" algn="l" defTabSz="914400" rtl="0" eaLnBrk="1" latinLnBrk="0" hangingPunct="1">
+              <a:lnSpc>
+                <a:spcPct val="90000"/>
+              </a:lnSpc>
+              <a:spcBef>
+                <a:spcPts val="500"/>
+              </a:spcBef>
+              <a:buFont typeface="Arial" panose="020B0604020202020204" pitchFamily="34" charset="0"/>
+              <a:buChar char="•"/>
+              <a:defRPr sz="1800" kern="1200">
+                <a:solidFill>
+                  <a:schemeClr val="tx1"/>
+                </a:solidFill>
+                <a:latin typeface="+mn-lt"/>
+                <a:ea typeface="+mn-ea"/>
+                <a:cs typeface="+mn-cs"/>
+              </a:defRPr>
+            </a:lvl4pPr>
+            <a:lvl5pPr marL="2057400" indent="-228600" algn="l" defTabSz="914400" rtl="0" eaLnBrk="1" latinLnBrk="0" hangingPunct="1">
+              <a:lnSpc>
+                <a:spcPct val="90000"/>
+              </a:lnSpc>
+              <a:spcBef>
+                <a:spcPts val="500"/>
+              </a:spcBef>
+              <a:buFont typeface="Arial" panose="020B0604020202020204" pitchFamily="34" charset="0"/>
+              <a:buChar char="•"/>
+              <a:defRPr sz="1800" kern="1200">
+                <a:solidFill>
+                  <a:schemeClr val="tx1"/>
+                </a:solidFill>
+                <a:latin typeface="+mn-lt"/>
+                <a:ea typeface="+mn-ea"/>
+                <a:cs typeface="+mn-cs"/>
+              </a:defRPr>
+            </a:lvl5pPr>
+            <a:lvl6pPr marL="2514600" indent="-228600" algn="l" defTabSz="914400" rtl="0" eaLnBrk="1" latinLnBrk="0" hangingPunct="1">
+              <a:lnSpc>
+                <a:spcPct val="90000"/>
+              </a:lnSpc>
+              <a:spcBef>
+                <a:spcPts val="500"/>
+              </a:spcBef>
+              <a:buFont typeface="Arial" panose="020B0604020202020204" pitchFamily="34" charset="0"/>
+              <a:buChar char="•"/>
+              <a:defRPr sz="1800" kern="1200">
+                <a:solidFill>
+                  <a:schemeClr val="tx1"/>
+                </a:solidFill>
+                <a:latin typeface="+mn-lt"/>
+                <a:ea typeface="+mn-ea"/>
+                <a:cs typeface="+mn-cs"/>
+              </a:defRPr>
+            </a:lvl6pPr>
+            <a:lvl7pPr marL="2971800" indent="-228600" algn="l" defTabSz="914400" rtl="0" eaLnBrk="1" latinLnBrk="0" hangingPunct="1">
+              <a:lnSpc>
+                <a:spcPct val="90000"/>
+              </a:lnSpc>
+              <a:spcBef>
+                <a:spcPts val="500"/>
+              </a:spcBef>
+              <a:buFont typeface="Arial" panose="020B0604020202020204" pitchFamily="34" charset="0"/>
+              <a:buChar char="•"/>
+              <a:defRPr sz="1800" kern="1200">
+                <a:solidFill>
+                  <a:schemeClr val="tx1"/>
+                </a:solidFill>
+                <a:latin typeface="+mn-lt"/>
+                <a:ea typeface="+mn-ea"/>
+                <a:cs typeface="+mn-cs"/>
+              </a:defRPr>
+            </a:lvl7pPr>
+            <a:lvl8pPr marL="3429000" indent="-228600" algn="l" defTabSz="914400" rtl="0" eaLnBrk="1" latinLnBrk="0" hangingPunct="1">
+              <a:lnSpc>
+                <a:spcPct val="90000"/>
+              </a:lnSpc>
+              <a:spcBef>
+                <a:spcPts val="500"/>
+              </a:spcBef>
+              <a:buFont typeface="Arial" panose="020B0604020202020204" pitchFamily="34" charset="0"/>
+              <a:buChar char="•"/>
+              <a:defRPr sz="1800" kern="1200">
+                <a:solidFill>
+                  <a:schemeClr val="tx1"/>
+                </a:solidFill>
+                <a:latin typeface="+mn-lt"/>
+                <a:ea typeface="+mn-ea"/>
+                <a:cs typeface="+mn-cs"/>
+              </a:defRPr>
+            </a:lvl8pPr>
+            <a:lvl9pPr marL="3886200" indent="-228600" algn="l" defTabSz="914400" rtl="0" eaLnBrk="1" latinLnBrk="0" hangingPunct="1">
+              <a:lnSpc>
+                <a:spcPct val="90000"/>
+              </a:lnSpc>
+              <a:spcBef>
+                <a:spcPts val="500"/>
+              </a:spcBef>
+              <a:buFont typeface="Arial" panose="020B0604020202020204" pitchFamily="34" charset="0"/>
+              <a:buChar char="•"/>
+              <a:defRPr sz="1800" kern="1200">
+                <a:solidFill>
+                  <a:schemeClr val="tx1"/>
+                </a:solidFill>
+                <a:latin typeface="+mn-lt"/>
+                <a:ea typeface="+mn-ea"/>
+                <a:cs typeface="+mn-cs"/>
+              </a:defRPr>
+            </a:lvl9pPr>
+          </a:lstStyle>
+          <a:p>
+            <a:pPr marL="0" indent="0">
+              <a:buFont typeface="Arial" panose="020B0604020202020204" pitchFamily="34" charset="0"/>
+              <a:buNone/>
+            </a:pPr>
+            <a:r>
+              <a:rPr lang="en-US" dirty="0"/>
+              <a:t>Insights…</a:t>
+            </a:r>
+          </a:p>
+          <a:p>
+            <a:r>
+              <a:rPr lang="en-US" dirty="0"/>
+              <a:t>R does math!  </a:t>
+            </a:r>
+          </a:p>
+          <a:p>
+            <a:pPr lvl="1"/>
+            <a:r>
+              <a:rPr lang="en-US" dirty="0"/>
+              <a:t>For now, you can think of it as a fancy calculator</a:t>
+            </a:r>
+          </a:p>
+        </p:txBody>
+      </p:sp>
+    </p:spTree>
+    <p:extLst>
+      <p:ext uri="{BB962C8B-B14F-4D97-AF65-F5344CB8AC3E}">
+        <p14:creationId xmlns:p14="http://schemas.microsoft.com/office/powerpoint/2010/main" val="4110824806"/>
+      </p:ext>
+    </p:extLst>
+  </p:cSld>
+  <p:clrMapOvr>
+    <a:masterClrMapping/>
+  </p:clrMapOvr>
+  <p:timing>
+    <p:tnLst>
+      <p:par>
+        <p:cTn id="1" dur="indefinite" restart="never" nodeType="tmRoot">
+          <p:childTnLst>
+            <p:seq concurrent="1" nextAc="seek">
+              <p:cTn id="2" dur="indefinite" nodeType="mainSeq">
+                <p:childTnLst>
+                  <p:par>
+                    <p:cTn id="3" fill="hold">
+                      <p:stCondLst>
+                        <p:cond delay="indefinite"/>
+                      </p:stCondLst>
+                      <p:childTnLst>
+                        <p:par>
+                          <p:cTn id="4" fill="hold">
+                            <p:stCondLst>
+                              <p:cond delay="0"/>
+                            </p:stCondLst>
+                            <p:childTnLst>
+                              <p:par>
+                                <p:cTn id="5" presetID="1" presetClass="entr" presetSubtype="0" fill="hold" nodeType="clickEffect">
+                                  <p:stCondLst>
+                                    <p:cond delay="0"/>
+                                  </p:stCondLst>
+                                  <p:childTnLst>
+                                    <p:set>
+                                      <p:cBhvr>
+                                        <p:cTn id="6" dur="1" fill="hold">
+                                          <p:stCondLst>
+                                            <p:cond delay="0"/>
+                                          </p:stCondLst>
+                                        </p:cTn>
+                                        <p:tgtEl>
+                                          <p:spTgt spid="4">
+                                            <p:txEl>
+                                              <p:pRg st="1" end="1"/>
+                                            </p:txEl>
+                                          </p:spTgt>
+                                        </p:tgtEl>
+                                        <p:attrNameLst>
+                                          <p:attrName>style.visibility</p:attrName>
+                                        </p:attrNameLst>
+                                      </p:cBhvr>
+                                      <p:to>
+                                        <p:strVal val="visible"/>
+                                      </p:to>
+                                    </p:set>
+                                  </p:childTnLst>
+                                </p:cTn>
+                              </p:par>
+                            </p:childTnLst>
+                          </p:cTn>
+                        </p:par>
+                      </p:childTnLst>
+                    </p:cTn>
+                  </p:par>
+                  <p:par>
+                    <p:cTn id="7" fill="hold">
+                      <p:stCondLst>
+                        <p:cond delay="indefinite"/>
+                      </p:stCondLst>
+                      <p:childTnLst>
+                        <p:par>
+                          <p:cTn id="8" fill="hold">
+                            <p:stCondLst>
+                              <p:cond delay="0"/>
+                            </p:stCondLst>
+                            <p:childTnLst>
+                              <p:par>
+                                <p:cTn id="9" presetID="1" presetClass="entr" presetSubtype="0" fill="hold" nodeType="clickEffect">
+                                  <p:stCondLst>
+                                    <p:cond delay="0"/>
+                                  </p:stCondLst>
+                                  <p:childTnLst>
+                                    <p:set>
+                                      <p:cBhvr>
+                                        <p:cTn id="10" dur="1" fill="hold">
+                                          <p:stCondLst>
+                                            <p:cond delay="0"/>
+                                          </p:stCondLst>
+                                        </p:cTn>
+                                        <p:tgtEl>
+                                          <p:spTgt spid="4">
+                                            <p:txEl>
+                                              <p:pRg st="2" end="2"/>
+                                            </p:txEl>
+                                          </p:spTgt>
+                                        </p:tgtEl>
+                                        <p:attrNameLst>
+                                          <p:attrName>style.visibility</p:attrName>
+                                        </p:attrNameLst>
+                                      </p:cBhvr>
+                                      <p:to>
+                                        <p:strVal val="visible"/>
+                                      </p:to>
+                                    </p:set>
+                                  </p:childTnLst>
+                                </p:cTn>
+                              </p:par>
+                            </p:childTnLst>
+                          </p:cTn>
+                        </p:par>
+                      </p:childTnLst>
+                    </p:cTn>
+                  </p:par>
+                </p:childTnLst>
+              </p:cTn>
+              <p:prevCondLst>
+                <p:cond evt="onPrev" delay="0">
+                  <p:tgtEl>
+                    <p:sldTgt/>
+                  </p:tgtEl>
+                </p:cond>
+              </p:prevCondLst>
+              <p:nextCondLst>
+                <p:cond evt="onNext" delay="0">
+                  <p:tgtEl>
+                    <p:sldTgt/>
+                  </p:tgtEl>
+                </p:cond>
+              </p:nextCondLst>
+            </p:seq>
+          </p:childTnLst>
+        </p:cTn>
+      </p:par>
+    </p:tnLst>
+  </p:timing>
+</p:sld>
+</file>
+
+<file path=ppt/slides/slide30.xml><?xml version="1.0" encoding="utf-8"?>
 <p:sld xmlns:a="http://schemas.openxmlformats.org/drawingml/2006/main" xmlns:r="http://schemas.openxmlformats.org/officeDocument/2006/relationships" xmlns:p="http://schemas.openxmlformats.org/presentationml/2006/main">
   <p:cSld>
     <p:spTree>
@@ -27584,7 +28489,7 @@
 </p:sld>
 </file>
 
-<file path=ppt/slides/slide29.xml><?xml version="1.0" encoding="utf-8"?>
+<file path=ppt/slides/slide31.xml><?xml version="1.0" encoding="utf-8"?>
 <p:sld xmlns:a="http://schemas.openxmlformats.org/drawingml/2006/main" xmlns:r="http://schemas.openxmlformats.org/officeDocument/2006/relationships" xmlns:p="http://schemas.openxmlformats.org/presentationml/2006/main">
   <p:cSld>
     <p:spTree>
@@ -28789,489 +29694,8 @@
 </p:sld>
 </file>
 
-<file path=ppt/slides/slide3.xml><?xml version="1.0" encoding="utf-8"?>
-<p:sld xmlns:a="http://schemas.openxmlformats.org/drawingml/2006/main" xmlns:r="http://schemas.openxmlformats.org/officeDocument/2006/relationships" xmlns:p="http://schemas.openxmlformats.org/presentationml/2006/main">
-  <p:cSld>
-    <p:spTree>
-      <p:nvGrpSpPr>
-        <p:cNvPr id="1" name=""/>
-        <p:cNvGrpSpPr/>
-        <p:nvPr/>
-      </p:nvGrpSpPr>
-      <p:grpSpPr>
-        <a:xfrm>
-          <a:off x="0" y="0"/>
-          <a:ext cx="0" cy="0"/>
-          <a:chOff x="0" y="0"/>
-          <a:chExt cx="0" cy="0"/>
-        </a:xfrm>
-      </p:grpSpPr>
-      <p:sp>
-        <p:nvSpPr>
-          <p:cNvPr id="2" name="Title 1">
-            <a:extLst>
-              <a:ext uri="{FF2B5EF4-FFF2-40B4-BE49-F238E27FC236}">
-                <a16:creationId xmlns:a16="http://schemas.microsoft.com/office/drawing/2014/main" id="{8115451F-211E-5062-3063-EEFCC622ABEA}"/>
-              </a:ext>
-            </a:extLst>
-          </p:cNvPr>
-          <p:cNvSpPr>
-            <a:spLocks noGrp="1"/>
-          </p:cNvSpPr>
-          <p:nvPr>
-            <p:ph type="title"/>
-          </p:nvPr>
-        </p:nvSpPr>
-        <p:spPr>
-          <a:xfrm>
-            <a:off x="741947" y="1"/>
-            <a:ext cx="10515600" cy="914400"/>
-          </a:xfrm>
-        </p:spPr>
-        <p:txBody>
-          <a:bodyPr/>
-          <a:lstStyle/>
-          <a:p>
-            <a:r>
-              <a:rPr lang="en-US" dirty="0"/>
-              <a:t>Poke the </a:t>
-            </a:r>
-            <a:r>
-              <a:rPr lang="en-US" strike="sngStrike" dirty="0"/>
-              <a:t>box</a:t>
-            </a:r>
-            <a:r>
-              <a:rPr lang="en-US" dirty="0"/>
-              <a:t> </a:t>
-            </a:r>
-            <a:r>
-              <a:rPr lang="en-US" dirty="0">
-                <a:solidFill>
-                  <a:schemeClr val="accent1"/>
-                </a:solidFill>
-              </a:rPr>
-              <a:t>R console!</a:t>
-            </a:r>
-            <a:endParaRPr lang="en-US" strike="sngStrike" dirty="0"/>
-          </a:p>
-        </p:txBody>
-      </p:sp>
-      <p:sp>
-        <p:nvSpPr>
-          <p:cNvPr id="3" name="Content Placeholder 2">
-            <a:extLst>
-              <a:ext uri="{FF2B5EF4-FFF2-40B4-BE49-F238E27FC236}">
-                <a16:creationId xmlns:a16="http://schemas.microsoft.com/office/drawing/2014/main" id="{D9A4BF40-1106-059C-7EA6-E0E16337A5FA}"/>
-              </a:ext>
-            </a:extLst>
-          </p:cNvPr>
-          <p:cNvSpPr>
-            <a:spLocks noGrp="1"/>
-          </p:cNvSpPr>
-          <p:nvPr>
-            <p:ph idx="1"/>
-          </p:nvPr>
-        </p:nvSpPr>
-        <p:spPr>
-          <a:xfrm>
-            <a:off x="415813" y="1471330"/>
-            <a:ext cx="4535565" cy="4987836"/>
-          </a:xfrm>
-        </p:spPr>
-        <p:txBody>
-          <a:bodyPr>
-            <a:normAutofit/>
-          </a:bodyPr>
-          <a:lstStyle/>
-          <a:p>
-            <a:pPr marL="0" indent="0">
-              <a:buNone/>
-            </a:pPr>
-            <a:r>
-              <a:rPr lang="en-US" dirty="0">
-                <a:solidFill>
-                  <a:schemeClr val="accent1"/>
-                </a:solidFill>
-              </a:rPr>
-              <a:t>1+1</a:t>
-            </a:r>
-          </a:p>
-          <a:p>
-            <a:pPr marL="0" indent="0">
-              <a:buNone/>
-            </a:pPr>
-            <a:r>
-              <a:rPr lang="en-US" dirty="0"/>
-              <a:t>[1] 2</a:t>
-            </a:r>
-          </a:p>
-          <a:p>
-            <a:pPr marL="0" indent="0">
-              <a:buNone/>
-            </a:pPr>
-            <a:endParaRPr lang="en-US" dirty="0"/>
-          </a:p>
-        </p:txBody>
-      </p:sp>
-      <p:sp>
-        <p:nvSpPr>
-          <p:cNvPr id="4" name="Content Placeholder 2">
-            <a:extLst>
-              <a:ext uri="{FF2B5EF4-FFF2-40B4-BE49-F238E27FC236}">
-                <a16:creationId xmlns:a16="http://schemas.microsoft.com/office/drawing/2014/main" id="{6BFA4004-FC25-6959-E1B3-19BE6863D263}"/>
-              </a:ext>
-            </a:extLst>
-          </p:cNvPr>
-          <p:cNvSpPr txBox="1">
-            <a:spLocks/>
-          </p:cNvSpPr>
-          <p:nvPr/>
-        </p:nvSpPr>
-        <p:spPr>
-          <a:xfrm>
-            <a:off x="6096000" y="1072242"/>
-            <a:ext cx="5550484" cy="2877188"/>
-          </a:xfrm>
-          <a:prstGeom prst="rect">
-            <a:avLst/>
-          </a:prstGeom>
-        </p:spPr>
-        <p:txBody>
-          <a:bodyPr vert="horz" lIns="91440" tIns="45720" rIns="91440" bIns="45720" rtlCol="0">
-            <a:normAutofit/>
-          </a:bodyPr>
-          <a:lstStyle>
-            <a:lvl1pPr marL="228600" indent="-228600" algn="l" defTabSz="914400" rtl="0" eaLnBrk="1" latinLnBrk="0" hangingPunct="1">
-              <a:lnSpc>
-                <a:spcPct val="90000"/>
-              </a:lnSpc>
-              <a:spcBef>
-                <a:spcPts val="1000"/>
-              </a:spcBef>
-              <a:buFont typeface="Arial" panose="020B0604020202020204" pitchFamily="34" charset="0"/>
-              <a:buChar char="•"/>
-              <a:defRPr sz="2800" kern="1200">
-                <a:solidFill>
-                  <a:schemeClr val="tx1"/>
-                </a:solidFill>
-                <a:latin typeface="+mn-lt"/>
-                <a:ea typeface="+mn-ea"/>
-                <a:cs typeface="+mn-cs"/>
-              </a:defRPr>
-            </a:lvl1pPr>
-            <a:lvl2pPr marL="685800" indent="-228600" algn="l" defTabSz="914400" rtl="0" eaLnBrk="1" latinLnBrk="0" hangingPunct="1">
-              <a:lnSpc>
-                <a:spcPct val="90000"/>
-              </a:lnSpc>
-              <a:spcBef>
-                <a:spcPts val="500"/>
-              </a:spcBef>
-              <a:buFont typeface="Arial" panose="020B0604020202020204" pitchFamily="34" charset="0"/>
-              <a:buChar char="•"/>
-              <a:defRPr sz="2400" kern="1200">
-                <a:solidFill>
-                  <a:schemeClr val="tx1"/>
-                </a:solidFill>
-                <a:latin typeface="+mn-lt"/>
-                <a:ea typeface="+mn-ea"/>
-                <a:cs typeface="+mn-cs"/>
-              </a:defRPr>
-            </a:lvl2pPr>
-            <a:lvl3pPr marL="1143000" indent="-228600" algn="l" defTabSz="914400" rtl="0" eaLnBrk="1" latinLnBrk="0" hangingPunct="1">
-              <a:lnSpc>
-                <a:spcPct val="90000"/>
-              </a:lnSpc>
-              <a:spcBef>
-                <a:spcPts val="500"/>
-              </a:spcBef>
-              <a:buFont typeface="Arial" panose="020B0604020202020204" pitchFamily="34" charset="0"/>
-              <a:buChar char="•"/>
-              <a:defRPr sz="2000" kern="1200">
-                <a:solidFill>
-                  <a:schemeClr val="tx1"/>
-                </a:solidFill>
-                <a:latin typeface="+mn-lt"/>
-                <a:ea typeface="+mn-ea"/>
-                <a:cs typeface="+mn-cs"/>
-              </a:defRPr>
-            </a:lvl3pPr>
-            <a:lvl4pPr marL="1600200" indent="-228600" algn="l" defTabSz="914400" rtl="0" eaLnBrk="1" latinLnBrk="0" hangingPunct="1">
-              <a:lnSpc>
-                <a:spcPct val="90000"/>
-              </a:lnSpc>
-              <a:spcBef>
-                <a:spcPts val="500"/>
-              </a:spcBef>
-              <a:buFont typeface="Arial" panose="020B0604020202020204" pitchFamily="34" charset="0"/>
-              <a:buChar char="•"/>
-              <a:defRPr sz="1800" kern="1200">
-                <a:solidFill>
-                  <a:schemeClr val="tx1"/>
-                </a:solidFill>
-                <a:latin typeface="+mn-lt"/>
-                <a:ea typeface="+mn-ea"/>
-                <a:cs typeface="+mn-cs"/>
-              </a:defRPr>
-            </a:lvl4pPr>
-            <a:lvl5pPr marL="2057400" indent="-228600" algn="l" defTabSz="914400" rtl="0" eaLnBrk="1" latinLnBrk="0" hangingPunct="1">
-              <a:lnSpc>
-                <a:spcPct val="90000"/>
-              </a:lnSpc>
-              <a:spcBef>
-                <a:spcPts val="500"/>
-              </a:spcBef>
-              <a:buFont typeface="Arial" panose="020B0604020202020204" pitchFamily="34" charset="0"/>
-              <a:buChar char="•"/>
-              <a:defRPr sz="1800" kern="1200">
-                <a:solidFill>
-                  <a:schemeClr val="tx1"/>
-                </a:solidFill>
-                <a:latin typeface="+mn-lt"/>
-                <a:ea typeface="+mn-ea"/>
-                <a:cs typeface="+mn-cs"/>
-              </a:defRPr>
-            </a:lvl5pPr>
-            <a:lvl6pPr marL="2514600" indent="-228600" algn="l" defTabSz="914400" rtl="0" eaLnBrk="1" latinLnBrk="0" hangingPunct="1">
-              <a:lnSpc>
-                <a:spcPct val="90000"/>
-              </a:lnSpc>
-              <a:spcBef>
-                <a:spcPts val="500"/>
-              </a:spcBef>
-              <a:buFont typeface="Arial" panose="020B0604020202020204" pitchFamily="34" charset="0"/>
-              <a:buChar char="•"/>
-              <a:defRPr sz="1800" kern="1200">
-                <a:solidFill>
-                  <a:schemeClr val="tx1"/>
-                </a:solidFill>
-                <a:latin typeface="+mn-lt"/>
-                <a:ea typeface="+mn-ea"/>
-                <a:cs typeface="+mn-cs"/>
-              </a:defRPr>
-            </a:lvl6pPr>
-            <a:lvl7pPr marL="2971800" indent="-228600" algn="l" defTabSz="914400" rtl="0" eaLnBrk="1" latinLnBrk="0" hangingPunct="1">
-              <a:lnSpc>
-                <a:spcPct val="90000"/>
-              </a:lnSpc>
-              <a:spcBef>
-                <a:spcPts val="500"/>
-              </a:spcBef>
-              <a:buFont typeface="Arial" panose="020B0604020202020204" pitchFamily="34" charset="0"/>
-              <a:buChar char="•"/>
-              <a:defRPr sz="1800" kern="1200">
-                <a:solidFill>
-                  <a:schemeClr val="tx1"/>
-                </a:solidFill>
-                <a:latin typeface="+mn-lt"/>
-                <a:ea typeface="+mn-ea"/>
-                <a:cs typeface="+mn-cs"/>
-              </a:defRPr>
-            </a:lvl7pPr>
-            <a:lvl8pPr marL="3429000" indent="-228600" algn="l" defTabSz="914400" rtl="0" eaLnBrk="1" latinLnBrk="0" hangingPunct="1">
-              <a:lnSpc>
-                <a:spcPct val="90000"/>
-              </a:lnSpc>
-              <a:spcBef>
-                <a:spcPts val="500"/>
-              </a:spcBef>
-              <a:buFont typeface="Arial" panose="020B0604020202020204" pitchFamily="34" charset="0"/>
-              <a:buChar char="•"/>
-              <a:defRPr sz="1800" kern="1200">
-                <a:solidFill>
-                  <a:schemeClr val="tx1"/>
-                </a:solidFill>
-                <a:latin typeface="+mn-lt"/>
-                <a:ea typeface="+mn-ea"/>
-                <a:cs typeface="+mn-cs"/>
-              </a:defRPr>
-            </a:lvl8pPr>
-            <a:lvl9pPr marL="3886200" indent="-228600" algn="l" defTabSz="914400" rtl="0" eaLnBrk="1" latinLnBrk="0" hangingPunct="1">
-              <a:lnSpc>
-                <a:spcPct val="90000"/>
-              </a:lnSpc>
-              <a:spcBef>
-                <a:spcPts val="500"/>
-              </a:spcBef>
-              <a:buFont typeface="Arial" panose="020B0604020202020204" pitchFamily="34" charset="0"/>
-              <a:buChar char="•"/>
-              <a:defRPr sz="1800" kern="1200">
-                <a:solidFill>
-                  <a:schemeClr val="tx1"/>
-                </a:solidFill>
-                <a:latin typeface="+mn-lt"/>
-                <a:ea typeface="+mn-ea"/>
-                <a:cs typeface="+mn-cs"/>
-              </a:defRPr>
-            </a:lvl9pPr>
-          </a:lstStyle>
-          <a:p>
-            <a:pPr marL="0" indent="0">
-              <a:buFont typeface="Arial" panose="020B0604020202020204" pitchFamily="34" charset="0"/>
-              <a:buNone/>
-            </a:pPr>
-            <a:r>
-              <a:rPr lang="en-US" dirty="0"/>
-              <a:t>Insights…</a:t>
-            </a:r>
-          </a:p>
-          <a:p>
-            <a:r>
-              <a:rPr lang="en-US" dirty="0"/>
-              <a:t>R does math!  </a:t>
-            </a:r>
-          </a:p>
-          <a:p>
-            <a:pPr lvl="1"/>
-            <a:r>
-              <a:rPr lang="en-US" dirty="0"/>
-              <a:t>For now, you can think of it as a fancy calculator</a:t>
-            </a:r>
-          </a:p>
-        </p:txBody>
-      </p:sp>
-    </p:spTree>
-    <p:extLst>
-      <p:ext uri="{BB962C8B-B14F-4D97-AF65-F5344CB8AC3E}">
-        <p14:creationId xmlns:p14="http://schemas.microsoft.com/office/powerpoint/2010/main" val="4110824806"/>
-      </p:ext>
-    </p:extLst>
-  </p:cSld>
-  <p:clrMapOvr>
-    <a:masterClrMapping/>
-  </p:clrMapOvr>
-  <p:timing>
-    <p:tnLst>
-      <p:par>
-        <p:cTn id="1" dur="indefinite" restart="never" nodeType="tmRoot">
-          <p:childTnLst>
-            <p:seq concurrent="1" nextAc="seek">
-              <p:cTn id="2" dur="indefinite" nodeType="mainSeq">
-                <p:childTnLst>
-                  <p:par>
-                    <p:cTn id="3" fill="hold">
-                      <p:stCondLst>
-                        <p:cond delay="indefinite"/>
-                      </p:stCondLst>
-                      <p:childTnLst>
-                        <p:par>
-                          <p:cTn id="4" fill="hold">
-                            <p:stCondLst>
-                              <p:cond delay="0"/>
-                            </p:stCondLst>
-                            <p:childTnLst>
-                              <p:par>
-                                <p:cTn id="5" presetID="1" presetClass="entr" presetSubtype="0" fill="hold" nodeType="clickEffect">
-                                  <p:stCondLst>
-                                    <p:cond delay="0"/>
-                                  </p:stCondLst>
-                                  <p:childTnLst>
-                                    <p:set>
-                                      <p:cBhvr>
-                                        <p:cTn id="6" dur="1" fill="hold">
-                                          <p:stCondLst>
-                                            <p:cond delay="0"/>
-                                          </p:stCondLst>
-                                        </p:cTn>
-                                        <p:tgtEl>
-                                          <p:spTgt spid="4">
-                                            <p:txEl>
-                                              <p:pRg st="1" end="1"/>
-                                            </p:txEl>
-                                          </p:spTgt>
-                                        </p:tgtEl>
-                                        <p:attrNameLst>
-                                          <p:attrName>style.visibility</p:attrName>
-                                        </p:attrNameLst>
-                                      </p:cBhvr>
-                                      <p:to>
-                                        <p:strVal val="visible"/>
-                                      </p:to>
-                                    </p:set>
-                                  </p:childTnLst>
-                                </p:cTn>
-                              </p:par>
-                            </p:childTnLst>
-                          </p:cTn>
-                        </p:par>
-                      </p:childTnLst>
-                    </p:cTn>
-                  </p:par>
-                  <p:par>
-                    <p:cTn id="7" fill="hold">
-                      <p:stCondLst>
-                        <p:cond delay="indefinite"/>
-                      </p:stCondLst>
-                      <p:childTnLst>
-                        <p:par>
-                          <p:cTn id="8" fill="hold">
-                            <p:stCondLst>
-                              <p:cond delay="0"/>
-                            </p:stCondLst>
-                            <p:childTnLst>
-                              <p:par>
-                                <p:cTn id="9" presetID="1" presetClass="entr" presetSubtype="0" fill="hold" nodeType="clickEffect">
-                                  <p:stCondLst>
-                                    <p:cond delay="0"/>
-                                  </p:stCondLst>
-                                  <p:childTnLst>
-                                    <p:set>
-                                      <p:cBhvr>
-                                        <p:cTn id="10" dur="1" fill="hold">
-                                          <p:stCondLst>
-                                            <p:cond delay="0"/>
-                                          </p:stCondLst>
-                                        </p:cTn>
-                                        <p:tgtEl>
-                                          <p:spTgt spid="4">
-                                            <p:txEl>
-                                              <p:pRg st="2" end="2"/>
-                                            </p:txEl>
-                                          </p:spTgt>
-                                        </p:tgtEl>
-                                        <p:attrNameLst>
-                                          <p:attrName>style.visibility</p:attrName>
-                                        </p:attrNameLst>
-                                      </p:cBhvr>
-                                      <p:to>
-                                        <p:strVal val="visible"/>
-                                      </p:to>
-                                    </p:set>
-                                  </p:childTnLst>
-                                </p:cTn>
-                              </p:par>
-                            </p:childTnLst>
-                          </p:cTn>
-                        </p:par>
-                      </p:childTnLst>
-                    </p:cTn>
-                  </p:par>
-                </p:childTnLst>
-              </p:cTn>
-              <p:prevCondLst>
-                <p:cond evt="onPrev" delay="0">
-                  <p:tgtEl>
-                    <p:sldTgt/>
-                  </p:tgtEl>
-                </p:cond>
-              </p:prevCondLst>
-              <p:nextCondLst>
-                <p:cond evt="onNext" delay="0">
-                  <p:tgtEl>
-                    <p:sldTgt/>
-                  </p:tgtEl>
-                </p:cond>
-              </p:nextCondLst>
-            </p:seq>
-          </p:childTnLst>
-        </p:cTn>
-      </p:par>
-    </p:tnLst>
-  </p:timing>
-</p:sld>
-</file>
-
-<file path=ppt/slides/slide30.xml><?xml version="1.0" encoding="utf-8"?>
-<p:sld xmlns:a="http://schemas.openxmlformats.org/drawingml/2006/main" xmlns:r="http://schemas.openxmlformats.org/officeDocument/2006/relationships" xmlns:p="http://schemas.openxmlformats.org/presentationml/2006/main">
+<file path=ppt/slides/slide32.xml><?xml version="1.0" encoding="utf-8"?>
+<p:sld xmlns:a="http://schemas.openxmlformats.org/drawingml/2006/main" xmlns:r="http://schemas.openxmlformats.org/officeDocument/2006/relationships" xmlns:p="http://schemas.openxmlformats.org/presentationml/2006/main" show="0">
   <p:cSld>
     <p:spTree>
       <p:nvGrpSpPr>
@@ -31138,7 +31562,7 @@
 </p:sld>
 </file>
 
-<file path=ppt/slides/slide31.xml><?xml version="1.0" encoding="utf-8"?>
+<file path=ppt/slides/slide33.xml><?xml version="1.0" encoding="utf-8"?>
 <p:sld xmlns:a="http://schemas.openxmlformats.org/drawingml/2006/main" xmlns:r="http://schemas.openxmlformats.org/officeDocument/2006/relationships" xmlns:p="http://schemas.openxmlformats.org/presentationml/2006/main">
   <p:cSld>
     <p:spTree>
@@ -31481,7 +31905,7 @@
 </p:sld>
 </file>
 
-<file path=ppt/slides/slide32.xml><?xml version="1.0" encoding="utf-8"?>
+<file path=ppt/slides/slide34.xml><?xml version="1.0" encoding="utf-8"?>
 <p:sld xmlns:a="http://schemas.openxmlformats.org/drawingml/2006/main" xmlns:r="http://schemas.openxmlformats.org/officeDocument/2006/relationships" xmlns:p="http://schemas.openxmlformats.org/presentationml/2006/main">
   <p:cSld>
     <p:spTree>
@@ -32138,8 +32562,8 @@
 </p:sld>
 </file>
 
-<file path=ppt/slides/slide33.xml><?xml version="1.0" encoding="utf-8"?>
-<p:sld xmlns:a="http://schemas.openxmlformats.org/drawingml/2006/main" xmlns:r="http://schemas.openxmlformats.org/officeDocument/2006/relationships" xmlns:p="http://schemas.openxmlformats.org/presentationml/2006/main">
+<file path=ppt/slides/slide35.xml><?xml version="1.0" encoding="utf-8"?>
+<p:sld xmlns:a="http://schemas.openxmlformats.org/drawingml/2006/main" xmlns:r="http://schemas.openxmlformats.org/officeDocument/2006/relationships" xmlns:p="http://schemas.openxmlformats.org/presentationml/2006/main" show="0">
   <p:cSld>
     <p:spTree>
       <p:nvGrpSpPr>
@@ -33067,7 +33491,87 @@
 </p:sld>
 </file>
 
-<file path=ppt/slides/slide34.xml><?xml version="1.0" encoding="utf-8"?>
+<file path=ppt/slides/slide36.xml><?xml version="1.0" encoding="utf-8"?>
+<p:sld xmlns:a="http://schemas.openxmlformats.org/drawingml/2006/main" xmlns:r="http://schemas.openxmlformats.org/officeDocument/2006/relationships" xmlns:p="http://schemas.openxmlformats.org/presentationml/2006/main">
+  <p:cSld>
+    <p:spTree>
+      <p:nvGrpSpPr>
+        <p:cNvPr id="1" name=""/>
+        <p:cNvGrpSpPr/>
+        <p:nvPr/>
+      </p:nvGrpSpPr>
+      <p:grpSpPr>
+        <a:xfrm>
+          <a:off x="0" y="0"/>
+          <a:ext cx="0" cy="0"/>
+          <a:chOff x="0" y="0"/>
+          <a:chExt cx="0" cy="0"/>
+        </a:xfrm>
+      </p:grpSpPr>
+      <p:sp>
+        <p:nvSpPr>
+          <p:cNvPr id="2" name="Title 1">
+            <a:extLst>
+              <a:ext uri="{FF2B5EF4-FFF2-40B4-BE49-F238E27FC236}">
+                <a16:creationId xmlns:a16="http://schemas.microsoft.com/office/drawing/2014/main" id="{FB4AD4D1-B979-EE35-5EB5-4CB03DEFFD44}"/>
+              </a:ext>
+            </a:extLst>
+          </p:cNvPr>
+          <p:cNvSpPr>
+            <a:spLocks noGrp="1"/>
+          </p:cNvSpPr>
+          <p:nvPr>
+            <p:ph type="title"/>
+          </p:nvPr>
+        </p:nvSpPr>
+        <p:spPr/>
+        <p:txBody>
+          <a:bodyPr/>
+          <a:lstStyle/>
+          <a:p>
+            <a:endParaRPr lang="en-US"/>
+          </a:p>
+        </p:txBody>
+      </p:sp>
+      <p:sp>
+        <p:nvSpPr>
+          <p:cNvPr id="3" name="Content Placeholder 2">
+            <a:extLst>
+              <a:ext uri="{FF2B5EF4-FFF2-40B4-BE49-F238E27FC236}">
+                <a16:creationId xmlns:a16="http://schemas.microsoft.com/office/drawing/2014/main" id="{D0E0D018-3A19-1A8C-B711-F63088123648}"/>
+              </a:ext>
+            </a:extLst>
+          </p:cNvPr>
+          <p:cNvSpPr>
+            <a:spLocks noGrp="1"/>
+          </p:cNvSpPr>
+          <p:nvPr>
+            <p:ph idx="1"/>
+          </p:nvPr>
+        </p:nvSpPr>
+        <p:spPr/>
+        <p:txBody>
+          <a:bodyPr/>
+          <a:lstStyle/>
+          <a:p>
+            <a:endParaRPr lang="en-US"/>
+          </a:p>
+        </p:txBody>
+      </p:sp>
+    </p:spTree>
+    <p:extLst>
+      <p:ext uri="{BB962C8B-B14F-4D97-AF65-F5344CB8AC3E}">
+        <p14:creationId xmlns:p14="http://schemas.microsoft.com/office/powerpoint/2010/main" val="2030399486"/>
+      </p:ext>
+    </p:extLst>
+  </p:cSld>
+  <p:clrMapOvr>
+    <a:masterClrMapping/>
+  </p:clrMapOvr>
+</p:sld>
+</file>
+
+<file path=ppt/slides/slide37.xml><?xml version="1.0" encoding="utf-8"?>
 <p:sld xmlns:a="http://schemas.openxmlformats.org/drawingml/2006/main" xmlns:r="http://schemas.openxmlformats.org/officeDocument/2006/relationships" xmlns:p="http://schemas.openxmlformats.org/presentationml/2006/main">
   <p:cSld>
     <p:spTree>
@@ -33744,7 +34248,7 @@
 </p:sld>
 </file>
 
-<file path=ppt/slides/slide35.xml><?xml version="1.0" encoding="utf-8"?>
+<file path=ppt/slides/slide38.xml><?xml version="1.0" encoding="utf-8"?>
 <p:sld xmlns:a="http://schemas.openxmlformats.org/drawingml/2006/main" xmlns:r="http://schemas.openxmlformats.org/officeDocument/2006/relationships" xmlns:p="http://schemas.openxmlformats.org/presentationml/2006/main">
   <p:cSld>
     <p:spTree>
@@ -34454,7 +34958,7 @@
 </p:sld>
 </file>
 
-<file path=ppt/slides/slide36.xml><?xml version="1.0" encoding="utf-8"?>
+<file path=ppt/slides/slide39.xml><?xml version="1.0" encoding="utf-8"?>
 <p:sld xmlns:a="http://schemas.openxmlformats.org/drawingml/2006/main" xmlns:r="http://schemas.openxmlformats.org/officeDocument/2006/relationships" xmlns:p="http://schemas.openxmlformats.org/presentationml/2006/main">
   <p:cSld>
     <p:spTree>
@@ -35184,7 +35688,530 @@
 </p:sld>
 </file>
 
-<file path=ppt/slides/slide37.xml><?xml version="1.0" encoding="utf-8"?>
+<file path=ppt/slides/slide4.xml><?xml version="1.0" encoding="utf-8"?>
+<p:sld xmlns:a="http://schemas.openxmlformats.org/drawingml/2006/main" xmlns:r="http://schemas.openxmlformats.org/officeDocument/2006/relationships" xmlns:p="http://schemas.openxmlformats.org/presentationml/2006/main">
+  <p:cSld>
+    <p:spTree>
+      <p:nvGrpSpPr>
+        <p:cNvPr id="1" name=""/>
+        <p:cNvGrpSpPr/>
+        <p:nvPr/>
+      </p:nvGrpSpPr>
+      <p:grpSpPr>
+        <a:xfrm>
+          <a:off x="0" y="0"/>
+          <a:ext cx="0" cy="0"/>
+          <a:chOff x="0" y="0"/>
+          <a:chExt cx="0" cy="0"/>
+        </a:xfrm>
+      </p:grpSpPr>
+      <p:sp>
+        <p:nvSpPr>
+          <p:cNvPr id="2" name="Title 1">
+            <a:extLst>
+              <a:ext uri="{FF2B5EF4-FFF2-40B4-BE49-F238E27FC236}">
+                <a16:creationId xmlns:a16="http://schemas.microsoft.com/office/drawing/2014/main" id="{8115451F-211E-5062-3063-EEFCC622ABEA}"/>
+              </a:ext>
+            </a:extLst>
+          </p:cNvPr>
+          <p:cNvSpPr>
+            <a:spLocks noGrp="1"/>
+          </p:cNvSpPr>
+          <p:nvPr>
+            <p:ph type="title"/>
+          </p:nvPr>
+        </p:nvSpPr>
+        <p:spPr>
+          <a:xfrm>
+            <a:off x="741947" y="1"/>
+            <a:ext cx="10515600" cy="914400"/>
+          </a:xfrm>
+        </p:spPr>
+        <p:txBody>
+          <a:bodyPr/>
+          <a:lstStyle/>
+          <a:p>
+            <a:r>
+              <a:rPr lang="en-US" dirty="0"/>
+              <a:t>Poke the </a:t>
+            </a:r>
+            <a:r>
+              <a:rPr lang="en-US" strike="sngStrike" dirty="0"/>
+              <a:t>box</a:t>
+            </a:r>
+            <a:r>
+              <a:rPr lang="en-US" dirty="0"/>
+              <a:t> </a:t>
+            </a:r>
+            <a:r>
+              <a:rPr lang="en-US" dirty="0">
+                <a:solidFill>
+                  <a:schemeClr val="accent1"/>
+                </a:solidFill>
+              </a:rPr>
+              <a:t>R console!</a:t>
+            </a:r>
+            <a:endParaRPr lang="en-US" strike="sngStrike" dirty="0"/>
+          </a:p>
+        </p:txBody>
+      </p:sp>
+      <p:sp>
+        <p:nvSpPr>
+          <p:cNvPr id="3" name="Content Placeholder 2">
+            <a:extLst>
+              <a:ext uri="{FF2B5EF4-FFF2-40B4-BE49-F238E27FC236}">
+                <a16:creationId xmlns:a16="http://schemas.microsoft.com/office/drawing/2014/main" id="{D9A4BF40-1106-059C-7EA6-E0E16337A5FA}"/>
+              </a:ext>
+            </a:extLst>
+          </p:cNvPr>
+          <p:cNvSpPr>
+            <a:spLocks noGrp="1"/>
+          </p:cNvSpPr>
+          <p:nvPr>
+            <p:ph idx="1"/>
+          </p:nvPr>
+        </p:nvSpPr>
+        <p:spPr>
+          <a:xfrm>
+            <a:off x="415813" y="1471330"/>
+            <a:ext cx="4535565" cy="4987836"/>
+          </a:xfrm>
+        </p:spPr>
+        <p:txBody>
+          <a:bodyPr>
+            <a:normAutofit/>
+          </a:bodyPr>
+          <a:lstStyle/>
+          <a:p>
+            <a:pPr marL="0" indent="0">
+              <a:buNone/>
+            </a:pPr>
+            <a:r>
+              <a:rPr lang="en-US" dirty="0">
+                <a:solidFill>
+                  <a:schemeClr val="bg1">
+                    <a:lumMod val="65000"/>
+                  </a:schemeClr>
+                </a:solidFill>
+              </a:rPr>
+              <a:t>1+1</a:t>
+            </a:r>
+          </a:p>
+          <a:p>
+            <a:pPr marL="0" indent="0">
+              <a:buNone/>
+            </a:pPr>
+            <a:r>
+              <a:rPr lang="en-US" dirty="0">
+                <a:solidFill>
+                  <a:schemeClr val="bg1">
+                    <a:lumMod val="65000"/>
+                  </a:schemeClr>
+                </a:solidFill>
+              </a:rPr>
+              <a:t>[1] 2</a:t>
+            </a:r>
+          </a:p>
+          <a:p>
+            <a:pPr marL="0" indent="0">
+              <a:buNone/>
+            </a:pPr>
+            <a:r>
+              <a:rPr lang="en-US" dirty="0">
+                <a:solidFill>
+                  <a:schemeClr val="accent1"/>
+                </a:solidFill>
+              </a:rPr>
+              <a:t>1    +    1</a:t>
+            </a:r>
+          </a:p>
+          <a:p>
+            <a:pPr marL="0" indent="0">
+              <a:buNone/>
+            </a:pPr>
+            <a:r>
+              <a:rPr lang="en-US" dirty="0"/>
+              <a:t>[1] 2</a:t>
+            </a:r>
+          </a:p>
+          <a:p>
+            <a:pPr marL="0" indent="0">
+              <a:buNone/>
+            </a:pPr>
+            <a:endParaRPr lang="en-US" dirty="0"/>
+          </a:p>
+        </p:txBody>
+      </p:sp>
+      <p:sp>
+        <p:nvSpPr>
+          <p:cNvPr id="4" name="Content Placeholder 2">
+            <a:extLst>
+              <a:ext uri="{FF2B5EF4-FFF2-40B4-BE49-F238E27FC236}">
+                <a16:creationId xmlns:a16="http://schemas.microsoft.com/office/drawing/2014/main" id="{6BFA4004-FC25-6959-E1B3-19BE6863D263}"/>
+              </a:ext>
+            </a:extLst>
+          </p:cNvPr>
+          <p:cNvSpPr txBox="1">
+            <a:spLocks/>
+          </p:cNvSpPr>
+          <p:nvPr/>
+        </p:nvSpPr>
+        <p:spPr>
+          <a:xfrm>
+            <a:off x="6095999" y="1072242"/>
+            <a:ext cx="5810655" cy="5455018"/>
+          </a:xfrm>
+          <a:prstGeom prst="rect">
+            <a:avLst/>
+          </a:prstGeom>
+        </p:spPr>
+        <p:txBody>
+          <a:bodyPr vert="horz" lIns="91440" tIns="45720" rIns="91440" bIns="45720" rtlCol="0">
+            <a:normAutofit/>
+          </a:bodyPr>
+          <a:lstStyle>
+            <a:lvl1pPr marL="228600" indent="-228600" algn="l" defTabSz="914400" rtl="0" eaLnBrk="1" latinLnBrk="0" hangingPunct="1">
+              <a:lnSpc>
+                <a:spcPct val="90000"/>
+              </a:lnSpc>
+              <a:spcBef>
+                <a:spcPts val="1000"/>
+              </a:spcBef>
+              <a:buFont typeface="Arial" panose="020B0604020202020204" pitchFamily="34" charset="0"/>
+              <a:buChar char="•"/>
+              <a:defRPr sz="2800" kern="1200">
+                <a:solidFill>
+                  <a:schemeClr val="tx1"/>
+                </a:solidFill>
+                <a:latin typeface="+mn-lt"/>
+                <a:ea typeface="+mn-ea"/>
+                <a:cs typeface="+mn-cs"/>
+              </a:defRPr>
+            </a:lvl1pPr>
+            <a:lvl2pPr marL="685800" indent="-228600" algn="l" defTabSz="914400" rtl="0" eaLnBrk="1" latinLnBrk="0" hangingPunct="1">
+              <a:lnSpc>
+                <a:spcPct val="90000"/>
+              </a:lnSpc>
+              <a:spcBef>
+                <a:spcPts val="500"/>
+              </a:spcBef>
+              <a:buFont typeface="Arial" panose="020B0604020202020204" pitchFamily="34" charset="0"/>
+              <a:buChar char="•"/>
+              <a:defRPr sz="2400" kern="1200">
+                <a:solidFill>
+                  <a:schemeClr val="tx1"/>
+                </a:solidFill>
+                <a:latin typeface="+mn-lt"/>
+                <a:ea typeface="+mn-ea"/>
+                <a:cs typeface="+mn-cs"/>
+              </a:defRPr>
+            </a:lvl2pPr>
+            <a:lvl3pPr marL="1143000" indent="-228600" algn="l" defTabSz="914400" rtl="0" eaLnBrk="1" latinLnBrk="0" hangingPunct="1">
+              <a:lnSpc>
+                <a:spcPct val="90000"/>
+              </a:lnSpc>
+              <a:spcBef>
+                <a:spcPts val="500"/>
+              </a:spcBef>
+              <a:buFont typeface="Arial" panose="020B0604020202020204" pitchFamily="34" charset="0"/>
+              <a:buChar char="•"/>
+              <a:defRPr sz="2000" kern="1200">
+                <a:solidFill>
+                  <a:schemeClr val="tx1"/>
+                </a:solidFill>
+                <a:latin typeface="+mn-lt"/>
+                <a:ea typeface="+mn-ea"/>
+                <a:cs typeface="+mn-cs"/>
+              </a:defRPr>
+            </a:lvl3pPr>
+            <a:lvl4pPr marL="1600200" indent="-228600" algn="l" defTabSz="914400" rtl="0" eaLnBrk="1" latinLnBrk="0" hangingPunct="1">
+              <a:lnSpc>
+                <a:spcPct val="90000"/>
+              </a:lnSpc>
+              <a:spcBef>
+                <a:spcPts val="500"/>
+              </a:spcBef>
+              <a:buFont typeface="Arial" panose="020B0604020202020204" pitchFamily="34" charset="0"/>
+              <a:buChar char="•"/>
+              <a:defRPr sz="1800" kern="1200">
+                <a:solidFill>
+                  <a:schemeClr val="tx1"/>
+                </a:solidFill>
+                <a:latin typeface="+mn-lt"/>
+                <a:ea typeface="+mn-ea"/>
+                <a:cs typeface="+mn-cs"/>
+              </a:defRPr>
+            </a:lvl4pPr>
+            <a:lvl5pPr marL="2057400" indent="-228600" algn="l" defTabSz="914400" rtl="0" eaLnBrk="1" latinLnBrk="0" hangingPunct="1">
+              <a:lnSpc>
+                <a:spcPct val="90000"/>
+              </a:lnSpc>
+              <a:spcBef>
+                <a:spcPts val="500"/>
+              </a:spcBef>
+              <a:buFont typeface="Arial" panose="020B0604020202020204" pitchFamily="34" charset="0"/>
+              <a:buChar char="•"/>
+              <a:defRPr sz="1800" kern="1200">
+                <a:solidFill>
+                  <a:schemeClr val="tx1"/>
+                </a:solidFill>
+                <a:latin typeface="+mn-lt"/>
+                <a:ea typeface="+mn-ea"/>
+                <a:cs typeface="+mn-cs"/>
+              </a:defRPr>
+            </a:lvl5pPr>
+            <a:lvl6pPr marL="2514600" indent="-228600" algn="l" defTabSz="914400" rtl="0" eaLnBrk="1" latinLnBrk="0" hangingPunct="1">
+              <a:lnSpc>
+                <a:spcPct val="90000"/>
+              </a:lnSpc>
+              <a:spcBef>
+                <a:spcPts val="500"/>
+              </a:spcBef>
+              <a:buFont typeface="Arial" panose="020B0604020202020204" pitchFamily="34" charset="0"/>
+              <a:buChar char="•"/>
+              <a:defRPr sz="1800" kern="1200">
+                <a:solidFill>
+                  <a:schemeClr val="tx1"/>
+                </a:solidFill>
+                <a:latin typeface="+mn-lt"/>
+                <a:ea typeface="+mn-ea"/>
+                <a:cs typeface="+mn-cs"/>
+              </a:defRPr>
+            </a:lvl6pPr>
+            <a:lvl7pPr marL="2971800" indent="-228600" algn="l" defTabSz="914400" rtl="0" eaLnBrk="1" latinLnBrk="0" hangingPunct="1">
+              <a:lnSpc>
+                <a:spcPct val="90000"/>
+              </a:lnSpc>
+              <a:spcBef>
+                <a:spcPts val="500"/>
+              </a:spcBef>
+              <a:buFont typeface="Arial" panose="020B0604020202020204" pitchFamily="34" charset="0"/>
+              <a:buChar char="•"/>
+              <a:defRPr sz="1800" kern="1200">
+                <a:solidFill>
+                  <a:schemeClr val="tx1"/>
+                </a:solidFill>
+                <a:latin typeface="+mn-lt"/>
+                <a:ea typeface="+mn-ea"/>
+                <a:cs typeface="+mn-cs"/>
+              </a:defRPr>
+            </a:lvl7pPr>
+            <a:lvl8pPr marL="3429000" indent="-228600" algn="l" defTabSz="914400" rtl="0" eaLnBrk="1" latinLnBrk="0" hangingPunct="1">
+              <a:lnSpc>
+                <a:spcPct val="90000"/>
+              </a:lnSpc>
+              <a:spcBef>
+                <a:spcPts val="500"/>
+              </a:spcBef>
+              <a:buFont typeface="Arial" panose="020B0604020202020204" pitchFamily="34" charset="0"/>
+              <a:buChar char="•"/>
+              <a:defRPr sz="1800" kern="1200">
+                <a:solidFill>
+                  <a:schemeClr val="tx1"/>
+                </a:solidFill>
+                <a:latin typeface="+mn-lt"/>
+                <a:ea typeface="+mn-ea"/>
+                <a:cs typeface="+mn-cs"/>
+              </a:defRPr>
+            </a:lvl8pPr>
+            <a:lvl9pPr marL="3886200" indent="-228600" algn="l" defTabSz="914400" rtl="0" eaLnBrk="1" latinLnBrk="0" hangingPunct="1">
+              <a:lnSpc>
+                <a:spcPct val="90000"/>
+              </a:lnSpc>
+              <a:spcBef>
+                <a:spcPts val="500"/>
+              </a:spcBef>
+              <a:buFont typeface="Arial" panose="020B0604020202020204" pitchFamily="34" charset="0"/>
+              <a:buChar char="•"/>
+              <a:defRPr sz="1800" kern="1200">
+                <a:solidFill>
+                  <a:schemeClr val="tx1"/>
+                </a:solidFill>
+                <a:latin typeface="+mn-lt"/>
+                <a:ea typeface="+mn-ea"/>
+                <a:cs typeface="+mn-cs"/>
+              </a:defRPr>
+            </a:lvl9pPr>
+          </a:lstStyle>
+          <a:p>
+            <a:pPr marL="0" indent="0">
+              <a:buFont typeface="Arial" panose="020B0604020202020204" pitchFamily="34" charset="0"/>
+              <a:buNone/>
+            </a:pPr>
+            <a:r>
+              <a:rPr lang="en-US" dirty="0"/>
+              <a:t>Insights…</a:t>
+            </a:r>
+          </a:p>
+          <a:p>
+            <a:r>
+              <a:rPr lang="en-US" dirty="0">
+                <a:solidFill>
+                  <a:schemeClr val="bg1">
+                    <a:lumMod val="65000"/>
+                  </a:schemeClr>
+                </a:solidFill>
+              </a:rPr>
+              <a:t>R does math!  </a:t>
+            </a:r>
+          </a:p>
+          <a:p>
+            <a:r>
+              <a:rPr lang="en-US" dirty="0"/>
+              <a:t>R ignores whitespace</a:t>
+            </a:r>
+          </a:p>
+          <a:p>
+            <a:pPr lvl="1"/>
+            <a:r>
+              <a:rPr lang="en-US" dirty="0"/>
+              <a:t>You can space things out for readability</a:t>
+            </a:r>
+          </a:p>
+        </p:txBody>
+      </p:sp>
+    </p:spTree>
+    <p:extLst>
+      <p:ext uri="{BB962C8B-B14F-4D97-AF65-F5344CB8AC3E}">
+        <p14:creationId xmlns:p14="http://schemas.microsoft.com/office/powerpoint/2010/main" val="3124448265"/>
+      </p:ext>
+    </p:extLst>
+  </p:cSld>
+  <p:clrMapOvr>
+    <a:masterClrMapping/>
+  </p:clrMapOvr>
+  <p:timing>
+    <p:tnLst>
+      <p:par>
+        <p:cTn id="1" dur="indefinite" restart="never" nodeType="tmRoot">
+          <p:childTnLst>
+            <p:seq concurrent="1" nextAc="seek">
+              <p:cTn id="2" dur="indefinite" nodeType="mainSeq">
+                <p:childTnLst>
+                  <p:par>
+                    <p:cTn id="3" fill="hold">
+                      <p:stCondLst>
+                        <p:cond delay="indefinite"/>
+                      </p:stCondLst>
+                      <p:childTnLst>
+                        <p:par>
+                          <p:cTn id="4" fill="hold">
+                            <p:stCondLst>
+                              <p:cond delay="0"/>
+                            </p:stCondLst>
+                            <p:childTnLst>
+                              <p:par>
+                                <p:cTn id="5" presetID="1" presetClass="entr" presetSubtype="0" fill="hold" nodeType="clickEffect">
+                                  <p:stCondLst>
+                                    <p:cond delay="0"/>
+                                  </p:stCondLst>
+                                  <p:childTnLst>
+                                    <p:set>
+                                      <p:cBhvr>
+                                        <p:cTn id="6" dur="1" fill="hold">
+                                          <p:stCondLst>
+                                            <p:cond delay="0"/>
+                                          </p:stCondLst>
+                                        </p:cTn>
+                                        <p:tgtEl>
+                                          <p:spTgt spid="4">
+                                            <p:txEl>
+                                              <p:pRg st="2" end="2"/>
+                                            </p:txEl>
+                                          </p:spTgt>
+                                        </p:tgtEl>
+                                        <p:attrNameLst>
+                                          <p:attrName>style.visibility</p:attrName>
+                                        </p:attrNameLst>
+                                      </p:cBhvr>
+                                      <p:to>
+                                        <p:strVal val="visible"/>
+                                      </p:to>
+                                    </p:set>
+                                  </p:childTnLst>
+                                </p:cTn>
+                              </p:par>
+                            </p:childTnLst>
+                          </p:cTn>
+                        </p:par>
+                      </p:childTnLst>
+                    </p:cTn>
+                  </p:par>
+                  <p:par>
+                    <p:cTn id="7" fill="hold">
+                      <p:stCondLst>
+                        <p:cond delay="indefinite"/>
+                      </p:stCondLst>
+                      <p:childTnLst>
+                        <p:par>
+                          <p:cTn id="8" fill="hold">
+                            <p:stCondLst>
+                              <p:cond delay="0"/>
+                            </p:stCondLst>
+                            <p:childTnLst>
+                              <p:par>
+                                <p:cTn id="9" presetID="1" presetClass="entr" presetSubtype="0" fill="hold" nodeType="clickEffect">
+                                  <p:stCondLst>
+                                    <p:cond delay="0"/>
+                                  </p:stCondLst>
+                                  <p:childTnLst>
+                                    <p:set>
+                                      <p:cBhvr>
+                                        <p:cTn id="10" dur="1" fill="hold">
+                                          <p:stCondLst>
+                                            <p:cond delay="0"/>
+                                          </p:stCondLst>
+                                        </p:cTn>
+                                        <p:tgtEl>
+                                          <p:spTgt spid="4">
+                                            <p:txEl>
+                                              <p:pRg st="3" end="3"/>
+                                            </p:txEl>
+                                          </p:spTgt>
+                                        </p:tgtEl>
+                                        <p:attrNameLst>
+                                          <p:attrName>style.visibility</p:attrName>
+                                        </p:attrNameLst>
+                                      </p:cBhvr>
+                                      <p:to>
+                                        <p:strVal val="visible"/>
+                                      </p:to>
+                                    </p:set>
+                                  </p:childTnLst>
+                                </p:cTn>
+                              </p:par>
+                            </p:childTnLst>
+                          </p:cTn>
+                        </p:par>
+                      </p:childTnLst>
+                    </p:cTn>
+                  </p:par>
+                </p:childTnLst>
+              </p:cTn>
+              <p:prevCondLst>
+                <p:cond evt="onPrev" delay="0">
+                  <p:tgtEl>
+                    <p:sldTgt/>
+                  </p:tgtEl>
+                </p:cond>
+              </p:prevCondLst>
+              <p:nextCondLst>
+                <p:cond evt="onNext" delay="0">
+                  <p:tgtEl>
+                    <p:sldTgt/>
+                  </p:tgtEl>
+                </p:cond>
+              </p:nextCondLst>
+            </p:seq>
+          </p:childTnLst>
+        </p:cTn>
+      </p:par>
+    </p:tnLst>
+  </p:timing>
+</p:sld>
+</file>
+
+<file path=ppt/slides/slide40.xml><?xml version="1.0" encoding="utf-8"?>
 <p:sld xmlns:a="http://schemas.openxmlformats.org/drawingml/2006/main" xmlns:r="http://schemas.openxmlformats.org/officeDocument/2006/relationships" xmlns:p="http://schemas.openxmlformats.org/presentationml/2006/main">
   <p:cSld>
     <p:spTree>
@@ -36090,7 +37117,7 @@
 </p:sld>
 </file>
 
-<file path=ppt/slides/slide38.xml><?xml version="1.0" encoding="utf-8"?>
+<file path=ppt/slides/slide41.xml><?xml version="1.0" encoding="utf-8"?>
 <p:sld xmlns:a="http://schemas.openxmlformats.org/drawingml/2006/main" xmlns:r="http://schemas.openxmlformats.org/officeDocument/2006/relationships" xmlns:p="http://schemas.openxmlformats.org/presentationml/2006/main">
   <p:cSld>
     <p:spTree>
@@ -37473,7 +38500,7 @@
 </p:sld>
 </file>
 
-<file path=ppt/slides/slide39.xml><?xml version="1.0" encoding="utf-8"?>
+<file path=ppt/slides/slide42.xml><?xml version="1.0" encoding="utf-8"?>
 <p:sld xmlns:a="http://schemas.openxmlformats.org/drawingml/2006/main" xmlns:r="http://schemas.openxmlformats.org/officeDocument/2006/relationships" xmlns:p="http://schemas.openxmlformats.org/presentationml/2006/main">
   <p:cSld>
     <p:spTree>
@@ -38227,530 +39254,7 @@
 </p:sld>
 </file>
 
-<file path=ppt/slides/slide4.xml><?xml version="1.0" encoding="utf-8"?>
-<p:sld xmlns:a="http://schemas.openxmlformats.org/drawingml/2006/main" xmlns:r="http://schemas.openxmlformats.org/officeDocument/2006/relationships" xmlns:p="http://schemas.openxmlformats.org/presentationml/2006/main">
-  <p:cSld>
-    <p:spTree>
-      <p:nvGrpSpPr>
-        <p:cNvPr id="1" name=""/>
-        <p:cNvGrpSpPr/>
-        <p:nvPr/>
-      </p:nvGrpSpPr>
-      <p:grpSpPr>
-        <a:xfrm>
-          <a:off x="0" y="0"/>
-          <a:ext cx="0" cy="0"/>
-          <a:chOff x="0" y="0"/>
-          <a:chExt cx="0" cy="0"/>
-        </a:xfrm>
-      </p:grpSpPr>
-      <p:sp>
-        <p:nvSpPr>
-          <p:cNvPr id="2" name="Title 1">
-            <a:extLst>
-              <a:ext uri="{FF2B5EF4-FFF2-40B4-BE49-F238E27FC236}">
-                <a16:creationId xmlns:a16="http://schemas.microsoft.com/office/drawing/2014/main" id="{8115451F-211E-5062-3063-EEFCC622ABEA}"/>
-              </a:ext>
-            </a:extLst>
-          </p:cNvPr>
-          <p:cNvSpPr>
-            <a:spLocks noGrp="1"/>
-          </p:cNvSpPr>
-          <p:nvPr>
-            <p:ph type="title"/>
-          </p:nvPr>
-        </p:nvSpPr>
-        <p:spPr>
-          <a:xfrm>
-            <a:off x="741947" y="1"/>
-            <a:ext cx="10515600" cy="914400"/>
-          </a:xfrm>
-        </p:spPr>
-        <p:txBody>
-          <a:bodyPr/>
-          <a:lstStyle/>
-          <a:p>
-            <a:r>
-              <a:rPr lang="en-US" dirty="0"/>
-              <a:t>Poke the </a:t>
-            </a:r>
-            <a:r>
-              <a:rPr lang="en-US" strike="sngStrike" dirty="0"/>
-              <a:t>box</a:t>
-            </a:r>
-            <a:r>
-              <a:rPr lang="en-US" dirty="0"/>
-              <a:t> </a:t>
-            </a:r>
-            <a:r>
-              <a:rPr lang="en-US" dirty="0">
-                <a:solidFill>
-                  <a:schemeClr val="accent1"/>
-                </a:solidFill>
-              </a:rPr>
-              <a:t>R console!</a:t>
-            </a:r>
-            <a:endParaRPr lang="en-US" strike="sngStrike" dirty="0"/>
-          </a:p>
-        </p:txBody>
-      </p:sp>
-      <p:sp>
-        <p:nvSpPr>
-          <p:cNvPr id="3" name="Content Placeholder 2">
-            <a:extLst>
-              <a:ext uri="{FF2B5EF4-FFF2-40B4-BE49-F238E27FC236}">
-                <a16:creationId xmlns:a16="http://schemas.microsoft.com/office/drawing/2014/main" id="{D9A4BF40-1106-059C-7EA6-E0E16337A5FA}"/>
-              </a:ext>
-            </a:extLst>
-          </p:cNvPr>
-          <p:cNvSpPr>
-            <a:spLocks noGrp="1"/>
-          </p:cNvSpPr>
-          <p:nvPr>
-            <p:ph idx="1"/>
-          </p:nvPr>
-        </p:nvSpPr>
-        <p:spPr>
-          <a:xfrm>
-            <a:off x="415813" y="1471330"/>
-            <a:ext cx="4535565" cy="4987836"/>
-          </a:xfrm>
-        </p:spPr>
-        <p:txBody>
-          <a:bodyPr>
-            <a:normAutofit/>
-          </a:bodyPr>
-          <a:lstStyle/>
-          <a:p>
-            <a:pPr marL="0" indent="0">
-              <a:buNone/>
-            </a:pPr>
-            <a:r>
-              <a:rPr lang="en-US" dirty="0">
-                <a:solidFill>
-                  <a:schemeClr val="bg1">
-                    <a:lumMod val="65000"/>
-                  </a:schemeClr>
-                </a:solidFill>
-              </a:rPr>
-              <a:t>1+1</a:t>
-            </a:r>
-          </a:p>
-          <a:p>
-            <a:pPr marL="0" indent="0">
-              <a:buNone/>
-            </a:pPr>
-            <a:r>
-              <a:rPr lang="en-US" dirty="0">
-                <a:solidFill>
-                  <a:schemeClr val="bg1">
-                    <a:lumMod val="65000"/>
-                  </a:schemeClr>
-                </a:solidFill>
-              </a:rPr>
-              <a:t>[1] 2</a:t>
-            </a:r>
-          </a:p>
-          <a:p>
-            <a:pPr marL="0" indent="0">
-              <a:buNone/>
-            </a:pPr>
-            <a:r>
-              <a:rPr lang="en-US" dirty="0">
-                <a:solidFill>
-                  <a:schemeClr val="accent1"/>
-                </a:solidFill>
-              </a:rPr>
-              <a:t>1    +    1</a:t>
-            </a:r>
-          </a:p>
-          <a:p>
-            <a:pPr marL="0" indent="0">
-              <a:buNone/>
-            </a:pPr>
-            <a:r>
-              <a:rPr lang="en-US" dirty="0"/>
-              <a:t>[1] 2</a:t>
-            </a:r>
-          </a:p>
-          <a:p>
-            <a:pPr marL="0" indent="0">
-              <a:buNone/>
-            </a:pPr>
-            <a:endParaRPr lang="en-US" dirty="0"/>
-          </a:p>
-        </p:txBody>
-      </p:sp>
-      <p:sp>
-        <p:nvSpPr>
-          <p:cNvPr id="4" name="Content Placeholder 2">
-            <a:extLst>
-              <a:ext uri="{FF2B5EF4-FFF2-40B4-BE49-F238E27FC236}">
-                <a16:creationId xmlns:a16="http://schemas.microsoft.com/office/drawing/2014/main" id="{6BFA4004-FC25-6959-E1B3-19BE6863D263}"/>
-              </a:ext>
-            </a:extLst>
-          </p:cNvPr>
-          <p:cNvSpPr txBox="1">
-            <a:spLocks/>
-          </p:cNvSpPr>
-          <p:nvPr/>
-        </p:nvSpPr>
-        <p:spPr>
-          <a:xfrm>
-            <a:off x="6095999" y="1072242"/>
-            <a:ext cx="5810655" cy="5455018"/>
-          </a:xfrm>
-          <a:prstGeom prst="rect">
-            <a:avLst/>
-          </a:prstGeom>
-        </p:spPr>
-        <p:txBody>
-          <a:bodyPr vert="horz" lIns="91440" tIns="45720" rIns="91440" bIns="45720" rtlCol="0">
-            <a:normAutofit/>
-          </a:bodyPr>
-          <a:lstStyle>
-            <a:lvl1pPr marL="228600" indent="-228600" algn="l" defTabSz="914400" rtl="0" eaLnBrk="1" latinLnBrk="0" hangingPunct="1">
-              <a:lnSpc>
-                <a:spcPct val="90000"/>
-              </a:lnSpc>
-              <a:spcBef>
-                <a:spcPts val="1000"/>
-              </a:spcBef>
-              <a:buFont typeface="Arial" panose="020B0604020202020204" pitchFamily="34" charset="0"/>
-              <a:buChar char="•"/>
-              <a:defRPr sz="2800" kern="1200">
-                <a:solidFill>
-                  <a:schemeClr val="tx1"/>
-                </a:solidFill>
-                <a:latin typeface="+mn-lt"/>
-                <a:ea typeface="+mn-ea"/>
-                <a:cs typeface="+mn-cs"/>
-              </a:defRPr>
-            </a:lvl1pPr>
-            <a:lvl2pPr marL="685800" indent="-228600" algn="l" defTabSz="914400" rtl="0" eaLnBrk="1" latinLnBrk="0" hangingPunct="1">
-              <a:lnSpc>
-                <a:spcPct val="90000"/>
-              </a:lnSpc>
-              <a:spcBef>
-                <a:spcPts val="500"/>
-              </a:spcBef>
-              <a:buFont typeface="Arial" panose="020B0604020202020204" pitchFamily="34" charset="0"/>
-              <a:buChar char="•"/>
-              <a:defRPr sz="2400" kern="1200">
-                <a:solidFill>
-                  <a:schemeClr val="tx1"/>
-                </a:solidFill>
-                <a:latin typeface="+mn-lt"/>
-                <a:ea typeface="+mn-ea"/>
-                <a:cs typeface="+mn-cs"/>
-              </a:defRPr>
-            </a:lvl2pPr>
-            <a:lvl3pPr marL="1143000" indent="-228600" algn="l" defTabSz="914400" rtl="0" eaLnBrk="1" latinLnBrk="0" hangingPunct="1">
-              <a:lnSpc>
-                <a:spcPct val="90000"/>
-              </a:lnSpc>
-              <a:spcBef>
-                <a:spcPts val="500"/>
-              </a:spcBef>
-              <a:buFont typeface="Arial" panose="020B0604020202020204" pitchFamily="34" charset="0"/>
-              <a:buChar char="•"/>
-              <a:defRPr sz="2000" kern="1200">
-                <a:solidFill>
-                  <a:schemeClr val="tx1"/>
-                </a:solidFill>
-                <a:latin typeface="+mn-lt"/>
-                <a:ea typeface="+mn-ea"/>
-                <a:cs typeface="+mn-cs"/>
-              </a:defRPr>
-            </a:lvl3pPr>
-            <a:lvl4pPr marL="1600200" indent="-228600" algn="l" defTabSz="914400" rtl="0" eaLnBrk="1" latinLnBrk="0" hangingPunct="1">
-              <a:lnSpc>
-                <a:spcPct val="90000"/>
-              </a:lnSpc>
-              <a:spcBef>
-                <a:spcPts val="500"/>
-              </a:spcBef>
-              <a:buFont typeface="Arial" panose="020B0604020202020204" pitchFamily="34" charset="0"/>
-              <a:buChar char="•"/>
-              <a:defRPr sz="1800" kern="1200">
-                <a:solidFill>
-                  <a:schemeClr val="tx1"/>
-                </a:solidFill>
-                <a:latin typeface="+mn-lt"/>
-                <a:ea typeface="+mn-ea"/>
-                <a:cs typeface="+mn-cs"/>
-              </a:defRPr>
-            </a:lvl4pPr>
-            <a:lvl5pPr marL="2057400" indent="-228600" algn="l" defTabSz="914400" rtl="0" eaLnBrk="1" latinLnBrk="0" hangingPunct="1">
-              <a:lnSpc>
-                <a:spcPct val="90000"/>
-              </a:lnSpc>
-              <a:spcBef>
-                <a:spcPts val="500"/>
-              </a:spcBef>
-              <a:buFont typeface="Arial" panose="020B0604020202020204" pitchFamily="34" charset="0"/>
-              <a:buChar char="•"/>
-              <a:defRPr sz="1800" kern="1200">
-                <a:solidFill>
-                  <a:schemeClr val="tx1"/>
-                </a:solidFill>
-                <a:latin typeface="+mn-lt"/>
-                <a:ea typeface="+mn-ea"/>
-                <a:cs typeface="+mn-cs"/>
-              </a:defRPr>
-            </a:lvl5pPr>
-            <a:lvl6pPr marL="2514600" indent="-228600" algn="l" defTabSz="914400" rtl="0" eaLnBrk="1" latinLnBrk="0" hangingPunct="1">
-              <a:lnSpc>
-                <a:spcPct val="90000"/>
-              </a:lnSpc>
-              <a:spcBef>
-                <a:spcPts val="500"/>
-              </a:spcBef>
-              <a:buFont typeface="Arial" panose="020B0604020202020204" pitchFamily="34" charset="0"/>
-              <a:buChar char="•"/>
-              <a:defRPr sz="1800" kern="1200">
-                <a:solidFill>
-                  <a:schemeClr val="tx1"/>
-                </a:solidFill>
-                <a:latin typeface="+mn-lt"/>
-                <a:ea typeface="+mn-ea"/>
-                <a:cs typeface="+mn-cs"/>
-              </a:defRPr>
-            </a:lvl6pPr>
-            <a:lvl7pPr marL="2971800" indent="-228600" algn="l" defTabSz="914400" rtl="0" eaLnBrk="1" latinLnBrk="0" hangingPunct="1">
-              <a:lnSpc>
-                <a:spcPct val="90000"/>
-              </a:lnSpc>
-              <a:spcBef>
-                <a:spcPts val="500"/>
-              </a:spcBef>
-              <a:buFont typeface="Arial" panose="020B0604020202020204" pitchFamily="34" charset="0"/>
-              <a:buChar char="•"/>
-              <a:defRPr sz="1800" kern="1200">
-                <a:solidFill>
-                  <a:schemeClr val="tx1"/>
-                </a:solidFill>
-                <a:latin typeface="+mn-lt"/>
-                <a:ea typeface="+mn-ea"/>
-                <a:cs typeface="+mn-cs"/>
-              </a:defRPr>
-            </a:lvl7pPr>
-            <a:lvl8pPr marL="3429000" indent="-228600" algn="l" defTabSz="914400" rtl="0" eaLnBrk="1" latinLnBrk="0" hangingPunct="1">
-              <a:lnSpc>
-                <a:spcPct val="90000"/>
-              </a:lnSpc>
-              <a:spcBef>
-                <a:spcPts val="500"/>
-              </a:spcBef>
-              <a:buFont typeface="Arial" panose="020B0604020202020204" pitchFamily="34" charset="0"/>
-              <a:buChar char="•"/>
-              <a:defRPr sz="1800" kern="1200">
-                <a:solidFill>
-                  <a:schemeClr val="tx1"/>
-                </a:solidFill>
-                <a:latin typeface="+mn-lt"/>
-                <a:ea typeface="+mn-ea"/>
-                <a:cs typeface="+mn-cs"/>
-              </a:defRPr>
-            </a:lvl8pPr>
-            <a:lvl9pPr marL="3886200" indent="-228600" algn="l" defTabSz="914400" rtl="0" eaLnBrk="1" latinLnBrk="0" hangingPunct="1">
-              <a:lnSpc>
-                <a:spcPct val="90000"/>
-              </a:lnSpc>
-              <a:spcBef>
-                <a:spcPts val="500"/>
-              </a:spcBef>
-              <a:buFont typeface="Arial" panose="020B0604020202020204" pitchFamily="34" charset="0"/>
-              <a:buChar char="•"/>
-              <a:defRPr sz="1800" kern="1200">
-                <a:solidFill>
-                  <a:schemeClr val="tx1"/>
-                </a:solidFill>
-                <a:latin typeface="+mn-lt"/>
-                <a:ea typeface="+mn-ea"/>
-                <a:cs typeface="+mn-cs"/>
-              </a:defRPr>
-            </a:lvl9pPr>
-          </a:lstStyle>
-          <a:p>
-            <a:pPr marL="0" indent="0">
-              <a:buFont typeface="Arial" panose="020B0604020202020204" pitchFamily="34" charset="0"/>
-              <a:buNone/>
-            </a:pPr>
-            <a:r>
-              <a:rPr lang="en-US" dirty="0"/>
-              <a:t>Insights…</a:t>
-            </a:r>
-          </a:p>
-          <a:p>
-            <a:r>
-              <a:rPr lang="en-US" dirty="0">
-                <a:solidFill>
-                  <a:schemeClr val="bg1">
-                    <a:lumMod val="65000"/>
-                  </a:schemeClr>
-                </a:solidFill>
-              </a:rPr>
-              <a:t>R does math!  </a:t>
-            </a:r>
-          </a:p>
-          <a:p>
-            <a:r>
-              <a:rPr lang="en-US" dirty="0"/>
-              <a:t>R ignores whitespace</a:t>
-            </a:r>
-          </a:p>
-          <a:p>
-            <a:pPr lvl="1"/>
-            <a:r>
-              <a:rPr lang="en-US" dirty="0"/>
-              <a:t>You can space things out for readability</a:t>
-            </a:r>
-          </a:p>
-        </p:txBody>
-      </p:sp>
-    </p:spTree>
-    <p:extLst>
-      <p:ext uri="{BB962C8B-B14F-4D97-AF65-F5344CB8AC3E}">
-        <p14:creationId xmlns:p14="http://schemas.microsoft.com/office/powerpoint/2010/main" val="3124448265"/>
-      </p:ext>
-    </p:extLst>
-  </p:cSld>
-  <p:clrMapOvr>
-    <a:masterClrMapping/>
-  </p:clrMapOvr>
-  <p:timing>
-    <p:tnLst>
-      <p:par>
-        <p:cTn id="1" dur="indefinite" restart="never" nodeType="tmRoot">
-          <p:childTnLst>
-            <p:seq concurrent="1" nextAc="seek">
-              <p:cTn id="2" dur="indefinite" nodeType="mainSeq">
-                <p:childTnLst>
-                  <p:par>
-                    <p:cTn id="3" fill="hold">
-                      <p:stCondLst>
-                        <p:cond delay="indefinite"/>
-                      </p:stCondLst>
-                      <p:childTnLst>
-                        <p:par>
-                          <p:cTn id="4" fill="hold">
-                            <p:stCondLst>
-                              <p:cond delay="0"/>
-                            </p:stCondLst>
-                            <p:childTnLst>
-                              <p:par>
-                                <p:cTn id="5" presetID="1" presetClass="entr" presetSubtype="0" fill="hold" nodeType="clickEffect">
-                                  <p:stCondLst>
-                                    <p:cond delay="0"/>
-                                  </p:stCondLst>
-                                  <p:childTnLst>
-                                    <p:set>
-                                      <p:cBhvr>
-                                        <p:cTn id="6" dur="1" fill="hold">
-                                          <p:stCondLst>
-                                            <p:cond delay="0"/>
-                                          </p:stCondLst>
-                                        </p:cTn>
-                                        <p:tgtEl>
-                                          <p:spTgt spid="4">
-                                            <p:txEl>
-                                              <p:pRg st="2" end="2"/>
-                                            </p:txEl>
-                                          </p:spTgt>
-                                        </p:tgtEl>
-                                        <p:attrNameLst>
-                                          <p:attrName>style.visibility</p:attrName>
-                                        </p:attrNameLst>
-                                      </p:cBhvr>
-                                      <p:to>
-                                        <p:strVal val="visible"/>
-                                      </p:to>
-                                    </p:set>
-                                  </p:childTnLst>
-                                </p:cTn>
-                              </p:par>
-                            </p:childTnLst>
-                          </p:cTn>
-                        </p:par>
-                      </p:childTnLst>
-                    </p:cTn>
-                  </p:par>
-                  <p:par>
-                    <p:cTn id="7" fill="hold">
-                      <p:stCondLst>
-                        <p:cond delay="indefinite"/>
-                      </p:stCondLst>
-                      <p:childTnLst>
-                        <p:par>
-                          <p:cTn id="8" fill="hold">
-                            <p:stCondLst>
-                              <p:cond delay="0"/>
-                            </p:stCondLst>
-                            <p:childTnLst>
-                              <p:par>
-                                <p:cTn id="9" presetID="1" presetClass="entr" presetSubtype="0" fill="hold" nodeType="clickEffect">
-                                  <p:stCondLst>
-                                    <p:cond delay="0"/>
-                                  </p:stCondLst>
-                                  <p:childTnLst>
-                                    <p:set>
-                                      <p:cBhvr>
-                                        <p:cTn id="10" dur="1" fill="hold">
-                                          <p:stCondLst>
-                                            <p:cond delay="0"/>
-                                          </p:stCondLst>
-                                        </p:cTn>
-                                        <p:tgtEl>
-                                          <p:spTgt spid="4">
-                                            <p:txEl>
-                                              <p:pRg st="3" end="3"/>
-                                            </p:txEl>
-                                          </p:spTgt>
-                                        </p:tgtEl>
-                                        <p:attrNameLst>
-                                          <p:attrName>style.visibility</p:attrName>
-                                        </p:attrNameLst>
-                                      </p:cBhvr>
-                                      <p:to>
-                                        <p:strVal val="visible"/>
-                                      </p:to>
-                                    </p:set>
-                                  </p:childTnLst>
-                                </p:cTn>
-                              </p:par>
-                            </p:childTnLst>
-                          </p:cTn>
-                        </p:par>
-                      </p:childTnLst>
-                    </p:cTn>
-                  </p:par>
-                </p:childTnLst>
-              </p:cTn>
-              <p:prevCondLst>
-                <p:cond evt="onPrev" delay="0">
-                  <p:tgtEl>
-                    <p:sldTgt/>
-                  </p:tgtEl>
-                </p:cond>
-              </p:prevCondLst>
-              <p:nextCondLst>
-                <p:cond evt="onNext" delay="0">
-                  <p:tgtEl>
-                    <p:sldTgt/>
-                  </p:tgtEl>
-                </p:cond>
-              </p:nextCondLst>
-            </p:seq>
-          </p:childTnLst>
-        </p:cTn>
-      </p:par>
-    </p:tnLst>
-  </p:timing>
-</p:sld>
-</file>
-
-<file path=ppt/slides/slide40.xml><?xml version="1.0" encoding="utf-8"?>
+<file path=ppt/slides/slide43.xml><?xml version="1.0" encoding="utf-8"?>
 <p:sld xmlns:a="http://schemas.openxmlformats.org/drawingml/2006/main" xmlns:r="http://schemas.openxmlformats.org/officeDocument/2006/relationships" xmlns:p="http://schemas.openxmlformats.org/presentationml/2006/main">
   <p:cSld>
     <p:spTree>
@@ -40264,7 +40768,7 @@
 </p:sld>
 </file>
 
-<file path=ppt/slides/slide41.xml><?xml version="1.0" encoding="utf-8"?>
+<file path=ppt/slides/slide44.xml><?xml version="1.0" encoding="utf-8"?>
 <p:sld xmlns:a="http://schemas.openxmlformats.org/drawingml/2006/main" xmlns:r="http://schemas.openxmlformats.org/officeDocument/2006/relationships" xmlns:p="http://schemas.openxmlformats.org/presentationml/2006/main">
   <p:cSld>
     <p:spTree>

--- a/presentations/3 - Programming Basics 1 - Poke the Box.pptx
+++ b/presentations/3 - Programming Basics 1 - Poke the Box.pptx
@@ -240,7 +240,7 @@
           <a:p>
             <a:fld id="{0C3747FC-B9FC-4317-A7AC-005EC1BA3397}" type="datetimeFigureOut">
               <a:rPr lang="en-US" smtClean="0"/>
-              <a:t>11/30/2023</a:t>
+              <a:t>12/4/2023</a:t>
             </a:fld>
             <a:endParaRPr lang="en-US"/>
           </a:p>
@@ -2884,7 +2884,15 @@
           <a:p>
             <a:r>
               <a:rPr lang="en-US" dirty="0"/>
-              <a:t>And this is a little odd: look at what happens when you covert this to numeric</a:t>
+              <a:t>And this is a little odd: R will actually let you </a:t>
+            </a:r>
+            <a:r>
+              <a:rPr lang="en-US"/>
+              <a:t>convert factor </a:t>
+            </a:r>
+            <a:r>
+              <a:rPr lang="en-US" dirty="0"/>
+              <a:t>to numeric</a:t>
             </a:r>
           </a:p>
         </p:txBody>
@@ -4200,7 +4208,7 @@
           <a:p>
             <a:fld id="{00F5AAE2-11C8-4D46-A716-B78E4D7C1BCB}" type="datetimeFigureOut">
               <a:rPr lang="en-US" smtClean="0"/>
-              <a:t>11/30/2023</a:t>
+              <a:t>12/4/2023</a:t>
             </a:fld>
             <a:endParaRPr lang="en-US"/>
           </a:p>
@@ -4398,7 +4406,7 @@
           <a:p>
             <a:fld id="{00F5AAE2-11C8-4D46-A716-B78E4D7C1BCB}" type="datetimeFigureOut">
               <a:rPr lang="en-US" smtClean="0"/>
-              <a:t>11/30/2023</a:t>
+              <a:t>12/4/2023</a:t>
             </a:fld>
             <a:endParaRPr lang="en-US"/>
           </a:p>
@@ -4606,7 +4614,7 @@
           <a:p>
             <a:fld id="{00F5AAE2-11C8-4D46-A716-B78E4D7C1BCB}" type="datetimeFigureOut">
               <a:rPr lang="en-US" smtClean="0"/>
-              <a:t>11/30/2023</a:t>
+              <a:t>12/4/2023</a:t>
             </a:fld>
             <a:endParaRPr lang="en-US"/>
           </a:p>
@@ -4804,7 +4812,7 @@
           <a:p>
             <a:fld id="{00F5AAE2-11C8-4D46-A716-B78E4D7C1BCB}" type="datetimeFigureOut">
               <a:rPr lang="en-US" smtClean="0"/>
-              <a:t>11/30/2023</a:t>
+              <a:t>12/4/2023</a:t>
             </a:fld>
             <a:endParaRPr lang="en-US"/>
           </a:p>
@@ -5079,7 +5087,7 @@
           <a:p>
             <a:fld id="{00F5AAE2-11C8-4D46-A716-B78E4D7C1BCB}" type="datetimeFigureOut">
               <a:rPr lang="en-US" smtClean="0"/>
-              <a:t>11/30/2023</a:t>
+              <a:t>12/4/2023</a:t>
             </a:fld>
             <a:endParaRPr lang="en-US"/>
           </a:p>
@@ -5344,7 +5352,7 @@
           <a:p>
             <a:fld id="{00F5AAE2-11C8-4D46-A716-B78E4D7C1BCB}" type="datetimeFigureOut">
               <a:rPr lang="en-US" smtClean="0"/>
-              <a:t>11/30/2023</a:t>
+              <a:t>12/4/2023</a:t>
             </a:fld>
             <a:endParaRPr lang="en-US"/>
           </a:p>
@@ -5756,7 +5764,7 @@
           <a:p>
             <a:fld id="{00F5AAE2-11C8-4D46-A716-B78E4D7C1BCB}" type="datetimeFigureOut">
               <a:rPr lang="en-US" smtClean="0"/>
-              <a:t>11/30/2023</a:t>
+              <a:t>12/4/2023</a:t>
             </a:fld>
             <a:endParaRPr lang="en-US"/>
           </a:p>
@@ -5897,7 +5905,7 @@
           <a:p>
             <a:fld id="{00F5AAE2-11C8-4D46-A716-B78E4D7C1BCB}" type="datetimeFigureOut">
               <a:rPr lang="en-US" smtClean="0"/>
-              <a:t>11/30/2023</a:t>
+              <a:t>12/4/2023</a:t>
             </a:fld>
             <a:endParaRPr lang="en-US"/>
           </a:p>
@@ -6010,7 +6018,7 @@
           <a:p>
             <a:fld id="{00F5AAE2-11C8-4D46-A716-B78E4D7C1BCB}" type="datetimeFigureOut">
               <a:rPr lang="en-US" smtClean="0"/>
-              <a:t>11/30/2023</a:t>
+              <a:t>12/4/2023</a:t>
             </a:fld>
             <a:endParaRPr lang="en-US"/>
           </a:p>
@@ -6321,7 +6329,7 @@
           <a:p>
             <a:fld id="{00F5AAE2-11C8-4D46-A716-B78E4D7C1BCB}" type="datetimeFigureOut">
               <a:rPr lang="en-US" smtClean="0"/>
-              <a:t>11/30/2023</a:t>
+              <a:t>12/4/2023</a:t>
             </a:fld>
             <a:endParaRPr lang="en-US"/>
           </a:p>
@@ -6609,7 +6617,7 @@
           <a:p>
             <a:fld id="{00F5AAE2-11C8-4D46-A716-B78E4D7C1BCB}" type="datetimeFigureOut">
               <a:rPr lang="en-US" smtClean="0"/>
-              <a:t>11/30/2023</a:t>
+              <a:t>12/4/2023</a:t>
             </a:fld>
             <a:endParaRPr lang="en-US"/>
           </a:p>
@@ -6850,7 +6858,7 @@
           <a:p>
             <a:fld id="{00F5AAE2-11C8-4D46-A716-B78E4D7C1BCB}" type="datetimeFigureOut">
               <a:rPr lang="en-US" smtClean="0"/>
-              <a:t>11/30/2023</a:t>
+              <a:t>12/4/2023</a:t>
             </a:fld>
             <a:endParaRPr lang="en-US"/>
           </a:p>

--- a/presentations/3 - Programming Basics 1 - Poke the Box.pptx
+++ b/presentations/3 - Programming Basics 1 - Poke the Box.pptx
@@ -240,7 +240,7 @@
           <a:p>
             <a:fld id="{0C3747FC-B9FC-4317-A7AC-005EC1BA3397}" type="datetimeFigureOut">
               <a:rPr lang="en-US" smtClean="0"/>
-              <a:t>12/4/2023</a:t>
+              <a:t>12/6/2023</a:t>
             </a:fld>
             <a:endParaRPr lang="en-US"/>
           </a:p>
@@ -4208,7 +4208,7 @@
           <a:p>
             <a:fld id="{00F5AAE2-11C8-4D46-A716-B78E4D7C1BCB}" type="datetimeFigureOut">
               <a:rPr lang="en-US" smtClean="0"/>
-              <a:t>12/4/2023</a:t>
+              <a:t>12/6/2023</a:t>
             </a:fld>
             <a:endParaRPr lang="en-US"/>
           </a:p>
@@ -4406,7 +4406,7 @@
           <a:p>
             <a:fld id="{00F5AAE2-11C8-4D46-A716-B78E4D7C1BCB}" type="datetimeFigureOut">
               <a:rPr lang="en-US" smtClean="0"/>
-              <a:t>12/4/2023</a:t>
+              <a:t>12/6/2023</a:t>
             </a:fld>
             <a:endParaRPr lang="en-US"/>
           </a:p>
@@ -4614,7 +4614,7 @@
           <a:p>
             <a:fld id="{00F5AAE2-11C8-4D46-A716-B78E4D7C1BCB}" type="datetimeFigureOut">
               <a:rPr lang="en-US" smtClean="0"/>
-              <a:t>12/4/2023</a:t>
+              <a:t>12/6/2023</a:t>
             </a:fld>
             <a:endParaRPr lang="en-US"/>
           </a:p>
@@ -4812,7 +4812,7 @@
           <a:p>
             <a:fld id="{00F5AAE2-11C8-4D46-A716-B78E4D7C1BCB}" type="datetimeFigureOut">
               <a:rPr lang="en-US" smtClean="0"/>
-              <a:t>12/4/2023</a:t>
+              <a:t>12/6/2023</a:t>
             </a:fld>
             <a:endParaRPr lang="en-US"/>
           </a:p>
@@ -5087,7 +5087,7 @@
           <a:p>
             <a:fld id="{00F5AAE2-11C8-4D46-A716-B78E4D7C1BCB}" type="datetimeFigureOut">
               <a:rPr lang="en-US" smtClean="0"/>
-              <a:t>12/4/2023</a:t>
+              <a:t>12/6/2023</a:t>
             </a:fld>
             <a:endParaRPr lang="en-US"/>
           </a:p>
@@ -5352,7 +5352,7 @@
           <a:p>
             <a:fld id="{00F5AAE2-11C8-4D46-A716-B78E4D7C1BCB}" type="datetimeFigureOut">
               <a:rPr lang="en-US" smtClean="0"/>
-              <a:t>12/4/2023</a:t>
+              <a:t>12/6/2023</a:t>
             </a:fld>
             <a:endParaRPr lang="en-US"/>
           </a:p>
@@ -5764,7 +5764,7 @@
           <a:p>
             <a:fld id="{00F5AAE2-11C8-4D46-A716-B78E4D7C1BCB}" type="datetimeFigureOut">
               <a:rPr lang="en-US" smtClean="0"/>
-              <a:t>12/4/2023</a:t>
+              <a:t>12/6/2023</a:t>
             </a:fld>
             <a:endParaRPr lang="en-US"/>
           </a:p>
@@ -5905,7 +5905,7 @@
           <a:p>
             <a:fld id="{00F5AAE2-11C8-4D46-A716-B78E4D7C1BCB}" type="datetimeFigureOut">
               <a:rPr lang="en-US" smtClean="0"/>
-              <a:t>12/4/2023</a:t>
+              <a:t>12/6/2023</a:t>
             </a:fld>
             <a:endParaRPr lang="en-US"/>
           </a:p>
@@ -6018,7 +6018,7 @@
           <a:p>
             <a:fld id="{00F5AAE2-11C8-4D46-A716-B78E4D7C1BCB}" type="datetimeFigureOut">
               <a:rPr lang="en-US" smtClean="0"/>
-              <a:t>12/4/2023</a:t>
+              <a:t>12/6/2023</a:t>
             </a:fld>
             <a:endParaRPr lang="en-US"/>
           </a:p>
@@ -6329,7 +6329,7 @@
           <a:p>
             <a:fld id="{00F5AAE2-11C8-4D46-A716-B78E4D7C1BCB}" type="datetimeFigureOut">
               <a:rPr lang="en-US" smtClean="0"/>
-              <a:t>12/4/2023</a:t>
+              <a:t>12/6/2023</a:t>
             </a:fld>
             <a:endParaRPr lang="en-US"/>
           </a:p>
@@ -6617,7 +6617,7 @@
           <a:p>
             <a:fld id="{00F5AAE2-11C8-4D46-A716-B78E4D7C1BCB}" type="datetimeFigureOut">
               <a:rPr lang="en-US" smtClean="0"/>
-              <a:t>12/4/2023</a:t>
+              <a:t>12/6/2023</a:t>
             </a:fld>
             <a:endParaRPr lang="en-US"/>
           </a:p>
@@ -6858,7 +6858,7 @@
           <a:p>
             <a:fld id="{00F5AAE2-11C8-4D46-A716-B78E4D7C1BCB}" type="datetimeFigureOut">
               <a:rPr lang="en-US" smtClean="0"/>
-              <a:t>12/4/2023</a:t>
+              <a:t>12/6/2023</a:t>
             </a:fld>
             <a:endParaRPr lang="en-US"/>
           </a:p>
@@ -18873,7 +18873,7 @@
           <a:p>
             <a:r>
               <a:rPr lang="en-US" dirty="0"/>
-              <a:t>An NA is a known “unknown”</a:t>
+              <a:t>An NA is a placeholder for an unknown value</a:t>
             </a:r>
           </a:p>
           <a:p>
@@ -39309,15 +39309,7 @@
           <a:p>
             <a:r>
               <a:rPr lang="en-US" sz="3600" b="1" dirty="0"/>
-              <a:t>One last thing before we head to </a:t>
-            </a:r>
-            <a:r>
-              <a:rPr lang="en-US" sz="3600" b="1" dirty="0" err="1"/>
-              <a:t>Rstudio</a:t>
-            </a:r>
-            <a:r>
-              <a:rPr lang="en-US" sz="3600" b="1" dirty="0"/>
-              <a:t>!</a:t>
+              <a:t>One last thing!</a:t>
             </a:r>
           </a:p>
         </p:txBody>
@@ -40823,15 +40815,7 @@
           <a:p>
             <a:r>
               <a:rPr lang="en-US" sz="3600" b="1" dirty="0"/>
-              <a:t>One last thing before we head to </a:t>
-            </a:r>
-            <a:r>
-              <a:rPr lang="en-US" sz="3600" b="1" dirty="0" err="1"/>
-              <a:t>Rstudio</a:t>
-            </a:r>
-            <a:r>
-              <a:rPr lang="en-US" sz="3600" b="1" dirty="0"/>
-              <a:t>!</a:t>
+              <a:t>One last thing!</a:t>
             </a:r>
           </a:p>
         </p:txBody>

--- a/presentations/3 - Programming Basics 1 - Poke the Box.pptx
+++ b/presentations/3 - Programming Basics 1 - Poke the Box.pptx
@@ -240,7 +240,7 @@
           <a:p>
             <a:fld id="{0C3747FC-B9FC-4317-A7AC-005EC1BA3397}" type="datetimeFigureOut">
               <a:rPr lang="en-US" smtClean="0"/>
-              <a:t>12/6/2023</a:t>
+              <a:t>12/7/2023</a:t>
             </a:fld>
             <a:endParaRPr lang="en-US"/>
           </a:p>
@@ -4208,7 +4208,7 @@
           <a:p>
             <a:fld id="{00F5AAE2-11C8-4D46-A716-B78E4D7C1BCB}" type="datetimeFigureOut">
               <a:rPr lang="en-US" smtClean="0"/>
-              <a:t>12/6/2023</a:t>
+              <a:t>12/7/2023</a:t>
             </a:fld>
             <a:endParaRPr lang="en-US"/>
           </a:p>
@@ -4406,7 +4406,7 @@
           <a:p>
             <a:fld id="{00F5AAE2-11C8-4D46-A716-B78E4D7C1BCB}" type="datetimeFigureOut">
               <a:rPr lang="en-US" smtClean="0"/>
-              <a:t>12/6/2023</a:t>
+              <a:t>12/7/2023</a:t>
             </a:fld>
             <a:endParaRPr lang="en-US"/>
           </a:p>
@@ -4614,7 +4614,7 @@
           <a:p>
             <a:fld id="{00F5AAE2-11C8-4D46-A716-B78E4D7C1BCB}" type="datetimeFigureOut">
               <a:rPr lang="en-US" smtClean="0"/>
-              <a:t>12/6/2023</a:t>
+              <a:t>12/7/2023</a:t>
             </a:fld>
             <a:endParaRPr lang="en-US"/>
           </a:p>
@@ -4812,7 +4812,7 @@
           <a:p>
             <a:fld id="{00F5AAE2-11C8-4D46-A716-B78E4D7C1BCB}" type="datetimeFigureOut">
               <a:rPr lang="en-US" smtClean="0"/>
-              <a:t>12/6/2023</a:t>
+              <a:t>12/7/2023</a:t>
             </a:fld>
             <a:endParaRPr lang="en-US"/>
           </a:p>
@@ -5087,7 +5087,7 @@
           <a:p>
             <a:fld id="{00F5AAE2-11C8-4D46-A716-B78E4D7C1BCB}" type="datetimeFigureOut">
               <a:rPr lang="en-US" smtClean="0"/>
-              <a:t>12/6/2023</a:t>
+              <a:t>12/7/2023</a:t>
             </a:fld>
             <a:endParaRPr lang="en-US"/>
           </a:p>
@@ -5352,7 +5352,7 @@
           <a:p>
             <a:fld id="{00F5AAE2-11C8-4D46-A716-B78E4D7C1BCB}" type="datetimeFigureOut">
               <a:rPr lang="en-US" smtClean="0"/>
-              <a:t>12/6/2023</a:t>
+              <a:t>12/7/2023</a:t>
             </a:fld>
             <a:endParaRPr lang="en-US"/>
           </a:p>
@@ -5764,7 +5764,7 @@
           <a:p>
             <a:fld id="{00F5AAE2-11C8-4D46-A716-B78E4D7C1BCB}" type="datetimeFigureOut">
               <a:rPr lang="en-US" smtClean="0"/>
-              <a:t>12/6/2023</a:t>
+              <a:t>12/7/2023</a:t>
             </a:fld>
             <a:endParaRPr lang="en-US"/>
           </a:p>
@@ -5905,7 +5905,7 @@
           <a:p>
             <a:fld id="{00F5AAE2-11C8-4D46-A716-B78E4D7C1BCB}" type="datetimeFigureOut">
               <a:rPr lang="en-US" smtClean="0"/>
-              <a:t>12/6/2023</a:t>
+              <a:t>12/7/2023</a:t>
             </a:fld>
             <a:endParaRPr lang="en-US"/>
           </a:p>
@@ -6018,7 +6018,7 @@
           <a:p>
             <a:fld id="{00F5AAE2-11C8-4D46-A716-B78E4D7C1BCB}" type="datetimeFigureOut">
               <a:rPr lang="en-US" smtClean="0"/>
-              <a:t>12/6/2023</a:t>
+              <a:t>12/7/2023</a:t>
             </a:fld>
             <a:endParaRPr lang="en-US"/>
           </a:p>
@@ -6329,7 +6329,7 @@
           <a:p>
             <a:fld id="{00F5AAE2-11C8-4D46-A716-B78E4D7C1BCB}" type="datetimeFigureOut">
               <a:rPr lang="en-US" smtClean="0"/>
-              <a:t>12/6/2023</a:t>
+              <a:t>12/7/2023</a:t>
             </a:fld>
             <a:endParaRPr lang="en-US"/>
           </a:p>
@@ -6617,7 +6617,7 @@
           <a:p>
             <a:fld id="{00F5AAE2-11C8-4D46-A716-B78E4D7C1BCB}" type="datetimeFigureOut">
               <a:rPr lang="en-US" smtClean="0"/>
-              <a:t>12/6/2023</a:t>
+              <a:t>12/7/2023</a:t>
             </a:fld>
             <a:endParaRPr lang="en-US"/>
           </a:p>
@@ -6858,7 +6858,7 @@
           <a:p>
             <a:fld id="{00F5AAE2-11C8-4D46-A716-B78E4D7C1BCB}" type="datetimeFigureOut">
               <a:rPr lang="en-US" smtClean="0"/>
-              <a:t>12/6/2023</a:t>
+              <a:t>12/7/2023</a:t>
             </a:fld>
             <a:endParaRPr lang="en-US"/>
           </a:p>
@@ -36066,7 +36066,7 @@
           <a:p>
             <a:r>
               <a:rPr lang="en-US" dirty="0"/>
-              <a:t>R ignores whitespace</a:t>
+              <a:t>R ignores whitespace between things</a:t>
             </a:r>
           </a:p>
           <a:p>
@@ -39758,7 +39758,7 @@
         <p:spPr>
           <a:xfrm>
             <a:off x="5184329" y="1342378"/>
-            <a:ext cx="4072353" cy="1018001"/>
+            <a:ext cx="4072353" cy="1315566"/>
           </a:xfrm>
           <a:prstGeom prst="rect">
             <a:avLst/>
@@ -39938,7 +39938,7 @@
             </a:pPr>
             <a:r>
               <a:rPr lang="en-US" i="1" dirty="0"/>
-              <a:t>R ignores whitespace, which includes &lt;return&gt;</a:t>
+              <a:t>R ignores whitespace between things, which includes &lt;return&gt;</a:t>
             </a:r>
           </a:p>
           <a:p>

--- a/presentations/3 - Programming Basics 1 - Poke the Box.pptx
+++ b/presentations/3 - Programming Basics 1 - Poke the Box.pptx
@@ -240,7 +240,7 @@
           <a:p>
             <a:fld id="{0C3747FC-B9FC-4317-A7AC-005EC1BA3397}" type="datetimeFigureOut">
               <a:rPr lang="en-US" smtClean="0"/>
-              <a:t>12/7/2023</a:t>
+              <a:t>12/10/2023</a:t>
             </a:fld>
             <a:endParaRPr lang="en-US"/>
           </a:p>
@@ -2869,7 +2869,7 @@
           <a:p>
             <a:r>
               <a:rPr lang="en-US" dirty="0"/>
-              <a:t>So we created a vector of field techs two ways: look at the difference in how R behaves</a:t>
+              <a:t>So we created a vector two ways: look at the difference in how R behaves</a:t>
             </a:r>
           </a:p>
           <a:p>
@@ -2884,15 +2884,7 @@
           <a:p>
             <a:r>
               <a:rPr lang="en-US" dirty="0"/>
-              <a:t>And this is a little odd: R will actually let you </a:t>
-            </a:r>
-            <a:r>
-              <a:rPr lang="en-US"/>
-              <a:t>convert factor </a:t>
-            </a:r>
-            <a:r>
-              <a:rPr lang="en-US" dirty="0"/>
-              <a:t>to numeric</a:t>
+              <a:t>And this is a little odd: R will actually let you convert factor to numeric</a:t>
             </a:r>
           </a:p>
         </p:txBody>
@@ -4208,7 +4200,7 @@
           <a:p>
             <a:fld id="{00F5AAE2-11C8-4D46-A716-B78E4D7C1BCB}" type="datetimeFigureOut">
               <a:rPr lang="en-US" smtClean="0"/>
-              <a:t>12/7/2023</a:t>
+              <a:t>12/10/2023</a:t>
             </a:fld>
             <a:endParaRPr lang="en-US"/>
           </a:p>
@@ -4406,7 +4398,7 @@
           <a:p>
             <a:fld id="{00F5AAE2-11C8-4D46-A716-B78E4D7C1BCB}" type="datetimeFigureOut">
               <a:rPr lang="en-US" smtClean="0"/>
-              <a:t>12/7/2023</a:t>
+              <a:t>12/10/2023</a:t>
             </a:fld>
             <a:endParaRPr lang="en-US"/>
           </a:p>
@@ -4614,7 +4606,7 @@
           <a:p>
             <a:fld id="{00F5AAE2-11C8-4D46-A716-B78E4D7C1BCB}" type="datetimeFigureOut">
               <a:rPr lang="en-US" smtClean="0"/>
-              <a:t>12/7/2023</a:t>
+              <a:t>12/10/2023</a:t>
             </a:fld>
             <a:endParaRPr lang="en-US"/>
           </a:p>
@@ -4812,7 +4804,7 @@
           <a:p>
             <a:fld id="{00F5AAE2-11C8-4D46-A716-B78E4D7C1BCB}" type="datetimeFigureOut">
               <a:rPr lang="en-US" smtClean="0"/>
-              <a:t>12/7/2023</a:t>
+              <a:t>12/10/2023</a:t>
             </a:fld>
             <a:endParaRPr lang="en-US"/>
           </a:p>
@@ -5087,7 +5079,7 @@
           <a:p>
             <a:fld id="{00F5AAE2-11C8-4D46-A716-B78E4D7C1BCB}" type="datetimeFigureOut">
               <a:rPr lang="en-US" smtClean="0"/>
-              <a:t>12/7/2023</a:t>
+              <a:t>12/10/2023</a:t>
             </a:fld>
             <a:endParaRPr lang="en-US"/>
           </a:p>
@@ -5352,7 +5344,7 @@
           <a:p>
             <a:fld id="{00F5AAE2-11C8-4D46-A716-B78E4D7C1BCB}" type="datetimeFigureOut">
               <a:rPr lang="en-US" smtClean="0"/>
-              <a:t>12/7/2023</a:t>
+              <a:t>12/10/2023</a:t>
             </a:fld>
             <a:endParaRPr lang="en-US"/>
           </a:p>
@@ -5764,7 +5756,7 @@
           <a:p>
             <a:fld id="{00F5AAE2-11C8-4D46-A716-B78E4D7C1BCB}" type="datetimeFigureOut">
               <a:rPr lang="en-US" smtClean="0"/>
-              <a:t>12/7/2023</a:t>
+              <a:t>12/10/2023</a:t>
             </a:fld>
             <a:endParaRPr lang="en-US"/>
           </a:p>
@@ -5905,7 +5897,7 @@
           <a:p>
             <a:fld id="{00F5AAE2-11C8-4D46-A716-B78E4D7C1BCB}" type="datetimeFigureOut">
               <a:rPr lang="en-US" smtClean="0"/>
-              <a:t>12/7/2023</a:t>
+              <a:t>12/10/2023</a:t>
             </a:fld>
             <a:endParaRPr lang="en-US"/>
           </a:p>
@@ -6018,7 +6010,7 @@
           <a:p>
             <a:fld id="{00F5AAE2-11C8-4D46-A716-B78E4D7C1BCB}" type="datetimeFigureOut">
               <a:rPr lang="en-US" smtClean="0"/>
-              <a:t>12/7/2023</a:t>
+              <a:t>12/10/2023</a:t>
             </a:fld>
             <a:endParaRPr lang="en-US"/>
           </a:p>
@@ -6329,7 +6321,7 @@
           <a:p>
             <a:fld id="{00F5AAE2-11C8-4D46-A716-B78E4D7C1BCB}" type="datetimeFigureOut">
               <a:rPr lang="en-US" smtClean="0"/>
-              <a:t>12/7/2023</a:t>
+              <a:t>12/10/2023</a:t>
             </a:fld>
             <a:endParaRPr lang="en-US"/>
           </a:p>
@@ -6617,7 +6609,7 @@
           <a:p>
             <a:fld id="{00F5AAE2-11C8-4D46-A716-B78E4D7C1BCB}" type="datetimeFigureOut">
               <a:rPr lang="en-US" smtClean="0"/>
-              <a:t>12/7/2023</a:t>
+              <a:t>12/10/2023</a:t>
             </a:fld>
             <a:endParaRPr lang="en-US"/>
           </a:p>
@@ -6858,7 +6850,7 @@
           <a:p>
             <a:fld id="{00F5AAE2-11C8-4D46-A716-B78E4D7C1BCB}" type="datetimeFigureOut">
               <a:rPr lang="en-US" smtClean="0"/>
-              <a:t>12/7/2023</a:t>
+              <a:t>12/10/2023</a:t>
             </a:fld>
             <a:endParaRPr lang="en-US"/>
           </a:p>
@@ -19468,7 +19460,11 @@
           <a:p>
             <a:r>
               <a:rPr lang="en-US" sz="3600" dirty="0"/>
-              <a:t>Classes of vectors: R can store different kinds of information</a:t>
+              <a:t>Classes of vectors: </a:t>
+            </a:r>
+            <a:r>
+              <a:rPr lang="en-US" sz="3600" b="1" dirty="0"/>
+              <a:t>R can store different kinds of information</a:t>
             </a:r>
           </a:p>
         </p:txBody>
@@ -28590,7 +28586,7 @@
                   <a:schemeClr val="accent1"/>
                 </a:solidFill>
               </a:rPr>
-              <a:t>tech_char</a:t>
+              <a:t>rating_char</a:t>
             </a:r>
             <a:r>
               <a:rPr lang="en-US" dirty="0">
@@ -28606,7 +28602,7 @@
                   <a:schemeClr val="accent1"/>
                 </a:solidFill>
               </a:rPr>
-              <a:t>Chuck","Albert","Betty","Albert","Betty</a:t>
+              <a:t>Low","Medium","High","Low","Medium</a:t>
             </a:r>
             <a:r>
               <a:rPr lang="en-US" dirty="0">
@@ -28627,7 +28623,7 @@
                   <a:schemeClr val="accent1"/>
                 </a:solidFill>
               </a:rPr>
-              <a:t>tech_factor</a:t>
+              <a:t>rating_factor</a:t>
             </a:r>
             <a:r>
               <a:rPr lang="en-US" dirty="0">
@@ -28659,7 +28655,7 @@
                   <a:schemeClr val="accent1"/>
                 </a:solidFill>
               </a:rPr>
-              <a:t>tech_char</a:t>
+              <a:t>rating_char</a:t>
             </a:r>
             <a:r>
               <a:rPr lang="en-US" dirty="0">
@@ -28690,7 +28686,7 @@
                   <a:schemeClr val="accent1"/>
                 </a:solidFill>
               </a:rPr>
-              <a:t>tech_char</a:t>
+              <a:t>rating_char</a:t>
             </a:r>
             <a:endParaRPr lang="en-US" dirty="0">
               <a:solidFill>
@@ -28704,7 +28700,7 @@
             </a:pPr>
             <a:r>
               <a:rPr lang="en-US" dirty="0"/>
-              <a:t>[1] Chuck  Albert Betty  Albert Betty </a:t>
+              <a:t>[1] "Low"    "Medium" "High"   "Low"    "Medium"</a:t>
             </a:r>
           </a:p>
           <a:p>
@@ -28717,7 +28713,7 @@
                   <a:schemeClr val="accent1"/>
                 </a:solidFill>
               </a:rPr>
-              <a:t>tech_factor</a:t>
+              <a:t>rating_factor</a:t>
             </a:r>
             <a:endParaRPr lang="en-US" dirty="0">
               <a:solidFill>
@@ -28731,7 +28727,7 @@
             </a:pPr>
             <a:r>
               <a:rPr lang="en-US" dirty="0"/>
-              <a:t>[1] Chuck  Albert Betty  Albert Betty </a:t>
+              <a:t>[1] Low    Medium High   Low    Medium</a:t>
             </a:r>
           </a:p>
           <a:p>
@@ -28740,7 +28736,7 @@
             </a:pPr>
             <a:r>
               <a:rPr lang="en-US" dirty="0"/>
-              <a:t>Levels: Albert Betty Chuck</a:t>
+              <a:t>Levels: High Low Medium</a:t>
             </a:r>
             <a:endParaRPr lang="en-US" dirty="0">
               <a:solidFill>
@@ -28784,7 +28780,7 @@
                   <a:schemeClr val="accent1"/>
                 </a:solidFill>
               </a:rPr>
-              <a:t>tech_factor</a:t>
+              <a:t>rating_factor</a:t>
             </a:r>
             <a:r>
               <a:rPr lang="en-US" dirty="0">
@@ -28801,14 +28797,8 @@
             </a:pPr>
             <a:r>
               <a:rPr lang="en-US" dirty="0"/>
-              <a:t>[1] 3 1 2 1 2</a:t>
-            </a:r>
-          </a:p>
-          <a:p>
-            <a:pPr marL="0" indent="0">
-              <a:buNone/>
-            </a:pPr>
-            <a:endParaRPr lang="en-US" dirty="0"/>
+              <a:t>[1] 2 3 1 2 3</a:t>
+            </a:r>
           </a:p>
           <a:p>
             <a:pPr marL="0" indent="0">
@@ -29037,8 +29027,8 @@
         </p:nvSpPr>
         <p:spPr>
           <a:xfrm>
-            <a:off x="7226705" y="3531768"/>
-            <a:ext cx="4683269" cy="2780542"/>
+            <a:off x="8094796" y="3254635"/>
+            <a:ext cx="3851398" cy="3303639"/>
           </a:xfrm>
           <a:prstGeom prst="rect">
             <a:avLst/>
@@ -38960,7 +38950,7 @@
             </a:r>
             <a:r>
               <a:rPr lang="en-US" dirty="0"/>
-              <a:t> is a way of denoting a known unknown</a:t>
+              <a:t> is a placeholder for an unknown quantity</a:t>
             </a:r>
           </a:p>
           <a:p>
@@ -39002,7 +38992,7 @@
             <a:pPr lvl="1"/>
             <a:r>
               <a:rPr lang="en-US" dirty="0"/>
-              <a:t>“Warning” means it did</a:t>
+              <a:t>“Warning” means it did evaluate</a:t>
             </a:r>
           </a:p>
           <a:p>
@@ -39963,7 +39953,7 @@
         <p:spPr>
           <a:xfrm flipH="1" flipV="1">
             <a:off x="1588168" y="2666198"/>
-            <a:ext cx="259883" cy="548640"/>
+            <a:ext cx="359165" cy="496720"/>
           </a:xfrm>
           <a:prstGeom prst="straightConnector1">
             <a:avLst/>
@@ -40003,7 +39993,7 @@
         </p:nvSpPr>
         <p:spPr>
           <a:xfrm>
-            <a:off x="1097020" y="3328480"/>
+            <a:off x="1097020" y="3240907"/>
             <a:ext cx="5661054" cy="908351"/>
           </a:xfrm>
           <a:prstGeom prst="rect">
@@ -40208,8 +40198,8 @@
         </p:nvSpPr>
         <p:spPr>
           <a:xfrm>
-            <a:off x="1131632" y="4907367"/>
-            <a:ext cx="2332919" cy="1719063"/>
+            <a:off x="457200" y="4485453"/>
+            <a:ext cx="3470347" cy="2140978"/>
           </a:xfrm>
           <a:prstGeom prst="rect">
             <a:avLst/>
@@ -40222,7 +40212,7 @@
         </p:spPr>
         <p:txBody>
           <a:bodyPr vert="horz" lIns="91440" tIns="45720" rIns="91440" bIns="45720" rtlCol="0">
-            <a:normAutofit/>
+            <a:normAutofit fontScale="92500"/>
           </a:bodyPr>
           <a:lstStyle>
             <a:lvl1pPr marL="228600" indent="-228600" algn="l" defTabSz="914400" rtl="0" eaLnBrk="1" latinLnBrk="0" hangingPunct="1">
@@ -40398,21 +40388,33 @@
             </a:r>
           </a:p>
           <a:p>
-            <a:pPr marL="0" indent="0">
-              <a:buNone/>
+            <a:pPr marL="514350" indent="-514350">
+              <a:buFont typeface="+mj-lt"/>
+              <a:buAutoNum type="arabicPeriod"/>
             </a:pPr>
             <a:r>
               <a:rPr lang="en-US" b="1" dirty="0"/>
-              <a:t>&lt;esc&gt; key</a:t>
-            </a:r>
-          </a:p>
-          <a:p>
-            <a:pPr marL="0" indent="0">
-              <a:buNone/>
+              <a:t>Click in the console</a:t>
+            </a:r>
+          </a:p>
+          <a:p>
+            <a:pPr marL="514350" indent="-514350">
+              <a:buFont typeface="+mj-lt"/>
+              <a:buAutoNum type="arabicPeriod"/>
             </a:pPr>
             <a:r>
               <a:rPr lang="en-US" b="1" dirty="0"/>
-              <a:t>and try again</a:t>
+              <a:t>Hit the &lt;esc&gt; key</a:t>
+            </a:r>
+          </a:p>
+          <a:p>
+            <a:pPr marL="514350" indent="-514350">
+              <a:buFont typeface="+mj-lt"/>
+              <a:buAutoNum type="arabicPeriod"/>
+            </a:pPr>
+            <a:r>
+              <a:rPr lang="en-US" b="1" dirty="0"/>
+              <a:t>Try again</a:t>
             </a:r>
           </a:p>
           <a:p>
@@ -40442,7 +40444,7 @@
         </p:blipFill>
         <p:spPr>
           <a:xfrm>
-            <a:off x="4350308" y="5072929"/>
+            <a:off x="4972469" y="5012116"/>
             <a:ext cx="2332918" cy="1387938"/>
           </a:xfrm>
           <a:prstGeom prst="rect">
@@ -41686,7 +41688,7 @@
         <p:spPr>
           <a:xfrm>
             <a:off x="398536" y="4833211"/>
-            <a:ext cx="3927256" cy="1719063"/>
+            <a:ext cx="5420372" cy="1719063"/>
           </a:xfrm>
           <a:prstGeom prst="rect">
             <a:avLst/>
@@ -41883,7 +41885,7 @@
           <a:p>
             <a:r>
               <a:rPr lang="en-US" b="1" dirty="0"/>
-              <a:t>&lt;esc&gt; might work too</a:t>
+              <a:t>Console + &lt;esc&gt; might work too</a:t>
             </a:r>
           </a:p>
         </p:txBody>

--- a/presentations/3 - Programming Basics 1 - Poke the Box.pptx
+++ b/presentations/3 - Programming Basics 1 - Poke the Box.pptx
@@ -240,7 +240,7 @@
           <a:p>
             <a:fld id="{0C3747FC-B9FC-4317-A7AC-005EC1BA3397}" type="datetimeFigureOut">
               <a:rPr lang="en-US" smtClean="0"/>
-              <a:t>12/10/2023</a:t>
+              <a:t>12/11/2023</a:t>
             </a:fld>
             <a:endParaRPr lang="en-US"/>
           </a:p>
@@ -4200,7 +4200,7 @@
           <a:p>
             <a:fld id="{00F5AAE2-11C8-4D46-A716-B78E4D7C1BCB}" type="datetimeFigureOut">
               <a:rPr lang="en-US" smtClean="0"/>
-              <a:t>12/10/2023</a:t>
+              <a:t>12/11/2023</a:t>
             </a:fld>
             <a:endParaRPr lang="en-US"/>
           </a:p>
@@ -4398,7 +4398,7 @@
           <a:p>
             <a:fld id="{00F5AAE2-11C8-4D46-A716-B78E4D7C1BCB}" type="datetimeFigureOut">
               <a:rPr lang="en-US" smtClean="0"/>
-              <a:t>12/10/2023</a:t>
+              <a:t>12/11/2023</a:t>
             </a:fld>
             <a:endParaRPr lang="en-US"/>
           </a:p>
@@ -4606,7 +4606,7 @@
           <a:p>
             <a:fld id="{00F5AAE2-11C8-4D46-A716-B78E4D7C1BCB}" type="datetimeFigureOut">
               <a:rPr lang="en-US" smtClean="0"/>
-              <a:t>12/10/2023</a:t>
+              <a:t>12/11/2023</a:t>
             </a:fld>
             <a:endParaRPr lang="en-US"/>
           </a:p>
@@ -4804,7 +4804,7 @@
           <a:p>
             <a:fld id="{00F5AAE2-11C8-4D46-A716-B78E4D7C1BCB}" type="datetimeFigureOut">
               <a:rPr lang="en-US" smtClean="0"/>
-              <a:t>12/10/2023</a:t>
+              <a:t>12/11/2023</a:t>
             </a:fld>
             <a:endParaRPr lang="en-US"/>
           </a:p>
@@ -5079,7 +5079,7 @@
           <a:p>
             <a:fld id="{00F5AAE2-11C8-4D46-A716-B78E4D7C1BCB}" type="datetimeFigureOut">
               <a:rPr lang="en-US" smtClean="0"/>
-              <a:t>12/10/2023</a:t>
+              <a:t>12/11/2023</a:t>
             </a:fld>
             <a:endParaRPr lang="en-US"/>
           </a:p>
@@ -5344,7 +5344,7 @@
           <a:p>
             <a:fld id="{00F5AAE2-11C8-4D46-A716-B78E4D7C1BCB}" type="datetimeFigureOut">
               <a:rPr lang="en-US" smtClean="0"/>
-              <a:t>12/10/2023</a:t>
+              <a:t>12/11/2023</a:t>
             </a:fld>
             <a:endParaRPr lang="en-US"/>
           </a:p>
@@ -5756,7 +5756,7 @@
           <a:p>
             <a:fld id="{00F5AAE2-11C8-4D46-A716-B78E4D7C1BCB}" type="datetimeFigureOut">
               <a:rPr lang="en-US" smtClean="0"/>
-              <a:t>12/10/2023</a:t>
+              <a:t>12/11/2023</a:t>
             </a:fld>
             <a:endParaRPr lang="en-US"/>
           </a:p>
@@ -5897,7 +5897,7 @@
           <a:p>
             <a:fld id="{00F5AAE2-11C8-4D46-A716-B78E4D7C1BCB}" type="datetimeFigureOut">
               <a:rPr lang="en-US" smtClean="0"/>
-              <a:t>12/10/2023</a:t>
+              <a:t>12/11/2023</a:t>
             </a:fld>
             <a:endParaRPr lang="en-US"/>
           </a:p>
@@ -6010,7 +6010,7 @@
           <a:p>
             <a:fld id="{00F5AAE2-11C8-4D46-A716-B78E4D7C1BCB}" type="datetimeFigureOut">
               <a:rPr lang="en-US" smtClean="0"/>
-              <a:t>12/10/2023</a:t>
+              <a:t>12/11/2023</a:t>
             </a:fld>
             <a:endParaRPr lang="en-US"/>
           </a:p>
@@ -6321,7 +6321,7 @@
           <a:p>
             <a:fld id="{00F5AAE2-11C8-4D46-A716-B78E4D7C1BCB}" type="datetimeFigureOut">
               <a:rPr lang="en-US" smtClean="0"/>
-              <a:t>12/10/2023</a:t>
+              <a:t>12/11/2023</a:t>
             </a:fld>
             <a:endParaRPr lang="en-US"/>
           </a:p>
@@ -6609,7 +6609,7 @@
           <a:p>
             <a:fld id="{00F5AAE2-11C8-4D46-A716-B78E4D7C1BCB}" type="datetimeFigureOut">
               <a:rPr lang="en-US" smtClean="0"/>
-              <a:t>12/10/2023</a:t>
+              <a:t>12/11/2023</a:t>
             </a:fld>
             <a:endParaRPr lang="en-US"/>
           </a:p>
@@ -6850,7 +6850,7 @@
           <a:p>
             <a:fld id="{00F5AAE2-11C8-4D46-A716-B78E4D7C1BCB}" type="datetimeFigureOut">
               <a:rPr lang="en-US" smtClean="0"/>
-              <a:t>12/10/2023</a:t>
+              <a:t>12/11/2023</a:t>
             </a:fld>
             <a:endParaRPr lang="en-US"/>
           </a:p>
@@ -29284,6 +29284,85 @@
           </a:p>
         </p:txBody>
       </p:sp>
+      <p:sp>
+        <p:nvSpPr>
+          <p:cNvPr id="4" name="Right Brace 3">
+            <a:extLst>
+              <a:ext uri="{FF2B5EF4-FFF2-40B4-BE49-F238E27FC236}">
+                <a16:creationId xmlns:a16="http://schemas.microsoft.com/office/drawing/2014/main" id="{5CBAF041-DA3D-381F-CED0-D82A1440E93F}"/>
+              </a:ext>
+            </a:extLst>
+          </p:cNvPr>
+          <p:cNvSpPr/>
+          <p:nvPr/>
+        </p:nvSpPr>
+        <p:spPr>
+          <a:xfrm>
+            <a:off x="4496844" y="5686816"/>
+            <a:ext cx="313151" cy="776614"/>
+          </a:xfrm>
+          <a:prstGeom prst="rightBrace">
+            <a:avLst/>
+          </a:prstGeom>
+        </p:spPr>
+        <p:style>
+          <a:lnRef idx="1">
+            <a:schemeClr val="accent1"/>
+          </a:lnRef>
+          <a:fillRef idx="0">
+            <a:schemeClr val="accent1"/>
+          </a:fillRef>
+          <a:effectRef idx="0">
+            <a:schemeClr val="accent1"/>
+          </a:effectRef>
+          <a:fontRef idx="minor">
+            <a:schemeClr val="tx1"/>
+          </a:fontRef>
+        </p:style>
+        <p:txBody>
+          <a:bodyPr rtlCol="0" anchor="ctr"/>
+          <a:lstStyle/>
+          <a:p>
+            <a:pPr algn="ctr"/>
+            <a:endParaRPr lang="en-US"/>
+          </a:p>
+        </p:txBody>
+      </p:sp>
+      <p:sp>
+        <p:nvSpPr>
+          <p:cNvPr id="5" name="TextBox 4">
+            <a:extLst>
+              <a:ext uri="{FF2B5EF4-FFF2-40B4-BE49-F238E27FC236}">
+                <a16:creationId xmlns:a16="http://schemas.microsoft.com/office/drawing/2014/main" id="{BAD5A91C-A88F-628E-F3B2-15BE90CBAF57}"/>
+              </a:ext>
+            </a:extLst>
+          </p:cNvPr>
+          <p:cNvSpPr txBox="1"/>
+          <p:nvPr/>
+        </p:nvSpPr>
+        <p:spPr>
+          <a:xfrm>
+            <a:off x="4809996" y="5757826"/>
+            <a:ext cx="2572011" cy="646331"/>
+          </a:xfrm>
+          <a:prstGeom prst="rect">
+            <a:avLst/>
+          </a:prstGeom>
+          <a:noFill/>
+        </p:spPr>
+        <p:txBody>
+          <a:bodyPr wrap="square" rtlCol="0">
+            <a:spAutoFit/>
+          </a:bodyPr>
+          <a:lstStyle/>
+          <a:p>
+            <a:r>
+              <a:rPr lang="en-US" dirty="0"/>
+              <a:t>Not super important, just an oddity to be aware of!</a:t>
+            </a:r>
+          </a:p>
+        </p:txBody>
+      </p:sp>
     </p:spTree>
     <p:extLst>
       <p:ext uri="{BB962C8B-B14F-4D97-AF65-F5344CB8AC3E}">
@@ -29644,6 +29723,78 @@
                                           </p:stCondLst>
                                         </p:cTn>
                                         <p:tgtEl>
+                                          <p:spTgt spid="5"/>
+                                        </p:tgtEl>
+                                        <p:attrNameLst>
+                                          <p:attrName>style.visibility</p:attrName>
+                                        </p:attrNameLst>
+                                      </p:cBhvr>
+                                      <p:to>
+                                        <p:strVal val="visible"/>
+                                      </p:to>
+                                    </p:set>
+                                  </p:childTnLst>
+                                </p:cTn>
+                              </p:par>
+                              <p:par>
+                                <p:cTn id="31" presetID="1" presetClass="entr" presetSubtype="0" fill="hold" grpId="0" nodeType="withEffect">
+                                  <p:stCondLst>
+                                    <p:cond delay="0"/>
+                                  </p:stCondLst>
+                                  <p:childTnLst>
+                                    <p:set>
+                                      <p:cBhvr>
+                                        <p:cTn id="32" dur="1" fill="hold">
+                                          <p:stCondLst>
+                                            <p:cond delay="0"/>
+                                          </p:stCondLst>
+                                        </p:cTn>
+                                        <p:tgtEl>
+                                          <p:spTgt spid="4"/>
+                                        </p:tgtEl>
+                                        <p:attrNameLst>
+                                          <p:attrName>style.visibility</p:attrName>
+                                        </p:attrNameLst>
+                                      </p:cBhvr>
+                                      <p:to>
+                                        <p:strVal val="visible"/>
+                                      </p:to>
+                                    </p:set>
+                                  </p:childTnLst>
+                                </p:cTn>
+                              </p:par>
+                            </p:childTnLst>
+                          </p:cTn>
+                        </p:par>
+                      </p:childTnLst>
+                    </p:cTn>
+                  </p:par>
+                  <p:par>
+                    <p:cTn id="33" fill="hold">
+                      <p:stCondLst>
+                        <p:cond delay="indefinite"/>
+                      </p:stCondLst>
+                      <p:childTnLst>
+                        <p:par>
+                          <p:cTn id="34" fill="hold">
+                            <p:stCondLst>
+                              <p:cond delay="0"/>
+                            </p:stCondLst>
+                            <p:childTnLst>
+                              <p:par>
+                                <p:cTn id="35" presetID="1" presetClass="entr" presetSubtype="0" fill="hold" grpId="0" nodeType="clickEffect">
+                                  <p:stCondLst>
+                                    <p:cond delay="0"/>
+                                  </p:stCondLst>
+                                  <p:childTnLst>
+                                    <p:set>
+                                      <p:cBhvr>
+                                        <p:cTn id="36" dur="1" fill="hold">
+                                          <p:stCondLst>
+                                            <p:cond delay="0"/>
+                                          </p:stCondLst>
+                                        </p:cTn>
+                                        <p:tgtEl>
                                           <p:spTgt spid="21"/>
                                         </p:tgtEl>
                                         <p:attrNameLst>
@@ -29687,6 +29838,8 @@
     <p:bldLst>
       <p:bldP spid="21" grpId="0" animBg="1"/>
       <p:bldP spid="3" grpId="0" animBg="1"/>
+      <p:bldP spid="4" grpId="0" animBg="1"/>
+      <p:bldP spid="5" grpId="0"/>
     </p:bldLst>
   </p:timing>
 </p:sld>
